--- a/presentations/Bài 10_Đa hình.pptx
+++ b/presentations/Bài 10_Đa hình.pptx
@@ -5,7 +5,7 @@
     <p:sldMasterId id="2147483659" r:id="rId1"/>
   </p:sldMasterIdLst>
   <p:notesMasterIdLst>
-    <p:notesMasterId r:id="rId54"/>
+    <p:notesMasterId r:id="rId55"/>
   </p:notesMasterIdLst>
   <p:sldIdLst>
     <p:sldId id="256" r:id="rId2"/>
@@ -60,6 +60,7 @@
     <p:sldId id="469" r:id="rId51"/>
     <p:sldId id="470" r:id="rId52"/>
     <p:sldId id="282" r:id="rId53"/>
+    <p:sldId id="346" r:id="rId54"/>
   </p:sldIdLst>
   <p:sldSz cx="9144000" cy="5143500" type="screen16x9"/>
   <p:notesSz cx="6858000" cy="9144000"/>
@@ -2904,7 +2905,7 @@
           <a:lstStyle/>
           <a:p>
             <a:r>
-              <a:rPr lang="en-US" smtClean="0"/>
+              <a:rPr lang="en-US"/>
               <a:t>Click to edit Master title style</a:t>
             </a:r>
             <a:endParaRPr lang="en-US" dirty="0"/>
@@ -2928,35 +2929,35 @@
           <a:p>
             <a:pPr lvl="0"/>
             <a:r>
-              <a:rPr lang="en-US" smtClean="0"/>
+              <a:rPr lang="en-US"/>
               <a:t>Edit Master text styles</a:t>
             </a:r>
           </a:p>
           <a:p>
             <a:pPr lvl="1"/>
             <a:r>
-              <a:rPr lang="en-US" smtClean="0"/>
+              <a:rPr lang="en-US"/>
               <a:t>Second level</a:t>
             </a:r>
           </a:p>
           <a:p>
             <a:pPr lvl="2"/>
             <a:r>
-              <a:rPr lang="en-US" smtClean="0"/>
+              <a:rPr lang="en-US"/>
               <a:t>Third level</a:t>
             </a:r>
           </a:p>
           <a:p>
             <a:pPr lvl="3"/>
             <a:r>
-              <a:rPr lang="en-US" smtClean="0"/>
+              <a:rPr lang="en-US"/>
               <a:t>Fourth level</a:t>
             </a:r>
           </a:p>
           <a:p>
             <a:pPr lvl="4"/>
             <a:r>
-              <a:rPr lang="en-US" smtClean="0"/>
+              <a:rPr lang="en-US"/>
               <a:t>Fifth level</a:t>
             </a:r>
             <a:endParaRPr lang="en-US" dirty="0"/>
@@ -3004,7 +3005,7 @@
               <a:pPr>
                 <a:defRPr/>
               </a:pPr>
-              <a:t>17/03/2023</a:t>
+              <a:t>4/12/2023</a:t>
             </a:fld>
             <a:endParaRPr lang="en-US">
               <a:solidFill>
@@ -3152,10 +3153,9 @@
           <a:lstStyle/>
           <a:p>
             <a:r>
-              <a:rPr lang="en-US" smtClean="0"/>
+              <a:rPr lang="en-US"/>
               <a:t>Click to edit Master title style</a:t>
             </a:r>
-            <a:endParaRPr lang="en-US"/>
           </a:p>
         </p:txBody>
       </p:sp>
@@ -3181,38 +3181,37 @@
           <a:p>
             <a:pPr lvl="0"/>
             <a:r>
-              <a:rPr lang="en-US" smtClean="0"/>
+              <a:rPr lang="en-US"/>
               <a:t>Click to edit Master text styles</a:t>
             </a:r>
           </a:p>
           <a:p>
             <a:pPr lvl="1"/>
             <a:r>
-              <a:rPr lang="en-US" smtClean="0"/>
+              <a:rPr lang="en-US"/>
               <a:t>Second level</a:t>
             </a:r>
           </a:p>
           <a:p>
             <a:pPr lvl="2"/>
             <a:r>
-              <a:rPr lang="en-US" smtClean="0"/>
+              <a:rPr lang="en-US"/>
               <a:t>Third level</a:t>
             </a:r>
           </a:p>
           <a:p>
             <a:pPr lvl="3"/>
             <a:r>
-              <a:rPr lang="en-US" smtClean="0"/>
+              <a:rPr lang="en-US"/>
               <a:t>Fourth level</a:t>
             </a:r>
           </a:p>
           <a:p>
             <a:pPr lvl="4"/>
             <a:r>
-              <a:rPr lang="en-US" smtClean="0"/>
+              <a:rPr lang="en-US"/>
               <a:t>Fifth level</a:t>
             </a:r>
-            <a:endParaRPr lang="en-US"/>
           </a:p>
         </p:txBody>
       </p:sp>
@@ -3238,38 +3237,37 @@
           <a:p>
             <a:pPr lvl="0"/>
             <a:r>
-              <a:rPr lang="en-US" smtClean="0"/>
+              <a:rPr lang="en-US"/>
               <a:t>Click to edit Master text styles</a:t>
             </a:r>
           </a:p>
           <a:p>
             <a:pPr lvl="1"/>
             <a:r>
-              <a:rPr lang="en-US" smtClean="0"/>
+              <a:rPr lang="en-US"/>
               <a:t>Second level</a:t>
             </a:r>
           </a:p>
           <a:p>
             <a:pPr lvl="2"/>
             <a:r>
-              <a:rPr lang="en-US" smtClean="0"/>
+              <a:rPr lang="en-US"/>
               <a:t>Third level</a:t>
             </a:r>
           </a:p>
           <a:p>
             <a:pPr lvl="3"/>
             <a:r>
-              <a:rPr lang="en-US" smtClean="0"/>
+              <a:rPr lang="en-US"/>
               <a:t>Fourth level</a:t>
             </a:r>
           </a:p>
           <a:p>
             <a:pPr lvl="4"/>
             <a:r>
-              <a:rPr lang="en-US" smtClean="0"/>
+              <a:rPr lang="en-US"/>
               <a:t>Fifth level</a:t>
             </a:r>
-            <a:endParaRPr lang="en-US"/>
           </a:p>
         </p:txBody>
       </p:sp>
@@ -3453,10 +3451,9 @@
           <a:lstStyle/>
           <a:p>
             <a:r>
-              <a:rPr lang="en-US" smtClean="0"/>
+              <a:rPr lang="en-US"/>
               <a:t>Click to edit Master title style</a:t>
             </a:r>
-            <a:endParaRPr lang="en-US"/>
           </a:p>
         </p:txBody>
       </p:sp>
@@ -3482,38 +3479,37 @@
           <a:p>
             <a:pPr lvl="0"/>
             <a:r>
-              <a:rPr lang="en-US" smtClean="0"/>
+              <a:rPr lang="en-US"/>
               <a:t>Click to edit Master text styles</a:t>
             </a:r>
           </a:p>
           <a:p>
             <a:pPr lvl="1"/>
             <a:r>
-              <a:rPr lang="en-US" smtClean="0"/>
+              <a:rPr lang="en-US"/>
               <a:t>Second level</a:t>
             </a:r>
           </a:p>
           <a:p>
             <a:pPr lvl="2"/>
             <a:r>
-              <a:rPr lang="en-US" smtClean="0"/>
+              <a:rPr lang="en-US"/>
               <a:t>Third level</a:t>
             </a:r>
           </a:p>
           <a:p>
             <a:pPr lvl="3"/>
             <a:r>
-              <a:rPr lang="en-US" smtClean="0"/>
+              <a:rPr lang="en-US"/>
               <a:t>Fourth level</a:t>
             </a:r>
           </a:p>
           <a:p>
             <a:pPr lvl="4"/>
             <a:r>
-              <a:rPr lang="en-US" smtClean="0"/>
+              <a:rPr lang="en-US"/>
               <a:t>Fifth level</a:t>
             </a:r>
-            <a:endParaRPr lang="en-US"/>
           </a:p>
         </p:txBody>
       </p:sp>
@@ -3539,38 +3535,37 @@
           <a:p>
             <a:pPr lvl="0"/>
             <a:r>
-              <a:rPr lang="en-US" smtClean="0"/>
+              <a:rPr lang="en-US"/>
               <a:t>Click to edit Master text styles</a:t>
             </a:r>
           </a:p>
           <a:p>
             <a:pPr lvl="1"/>
             <a:r>
-              <a:rPr lang="en-US" smtClean="0"/>
+              <a:rPr lang="en-US"/>
               <a:t>Second level</a:t>
             </a:r>
           </a:p>
           <a:p>
             <a:pPr lvl="2"/>
             <a:r>
-              <a:rPr lang="en-US" smtClean="0"/>
+              <a:rPr lang="en-US"/>
               <a:t>Third level</a:t>
             </a:r>
           </a:p>
           <a:p>
             <a:pPr lvl="3"/>
             <a:r>
-              <a:rPr lang="en-US" smtClean="0"/>
+              <a:rPr lang="en-US"/>
               <a:t>Fourth level</a:t>
             </a:r>
           </a:p>
           <a:p>
             <a:pPr lvl="4"/>
             <a:r>
-              <a:rPr lang="en-US" smtClean="0"/>
+              <a:rPr lang="en-US"/>
               <a:t>Fifth level</a:t>
             </a:r>
-            <a:endParaRPr lang="en-US"/>
           </a:p>
         </p:txBody>
       </p:sp>
@@ -3596,38 +3591,37 @@
           <a:p>
             <a:pPr lvl="0"/>
             <a:r>
-              <a:rPr lang="en-US" smtClean="0"/>
+              <a:rPr lang="en-US"/>
               <a:t>Click to edit Master text styles</a:t>
             </a:r>
           </a:p>
           <a:p>
             <a:pPr lvl="1"/>
             <a:r>
-              <a:rPr lang="en-US" smtClean="0"/>
+              <a:rPr lang="en-US"/>
               <a:t>Second level</a:t>
             </a:r>
           </a:p>
           <a:p>
             <a:pPr lvl="2"/>
             <a:r>
-              <a:rPr lang="en-US" smtClean="0"/>
+              <a:rPr lang="en-US"/>
               <a:t>Third level</a:t>
             </a:r>
           </a:p>
           <a:p>
             <a:pPr lvl="3"/>
             <a:r>
-              <a:rPr lang="en-US" smtClean="0"/>
+              <a:rPr lang="en-US"/>
               <a:t>Fourth level</a:t>
             </a:r>
           </a:p>
           <a:p>
             <a:pPr lvl="4"/>
             <a:r>
-              <a:rPr lang="en-US" smtClean="0"/>
+              <a:rPr lang="en-US"/>
               <a:t>Fifth level</a:t>
             </a:r>
-            <a:endParaRPr lang="en-US"/>
           </a:p>
         </p:txBody>
       </p:sp>
@@ -8391,15 +8385,15 @@
           <a:p>
             <a:pPr lvl="0"/>
             <a:r>
-              <a:rPr lang="en-US" sz="4800" dirty="0" err="1" smtClean="0"/>
+              <a:rPr lang="en-US" sz="4800" dirty="0" err="1"/>
               <a:t>ĐA</a:t>
             </a:r>
             <a:r>
-              <a:rPr lang="en-US" sz="4800" dirty="0" smtClean="0"/>
-              <a:t> </a:t>
-            </a:r>
-            <a:r>
-              <a:rPr lang="en-US" sz="4800" dirty="0" err="1" smtClean="0"/>
+              <a:rPr lang="en-US" sz="4800" dirty="0"/>
+              <a:t> </a:t>
+            </a:r>
+            <a:r>
+              <a:rPr lang="en-US" sz="4800" dirty="0" err="1"/>
               <a:t>HÌNH</a:t>
             </a:r>
             <a:endParaRPr lang="en-US" sz="4800" dirty="0"/>
@@ -8442,11 +8436,7 @@
             </a:pPr>
             <a:r>
               <a:rPr lang="en" dirty="0"/>
-              <a:t>Khóa học </a:t>
-            </a:r>
-            <a:r>
-              <a:rPr lang="en" dirty="0" smtClean="0"/>
-              <a:t>Java</a:t>
+              <a:t>Khóa học Java</a:t>
             </a:r>
             <a:endParaRPr dirty="0"/>
           </a:p>
@@ -8494,7 +8484,7 @@
           </a:xfrm>
           <a:extLst>
             <a:ext uri="{FAA26D3D-D897-4be2-8F04-BA451C77F1D7}">
-              <ma14:placeholderFlag xmlns:ma14="http://schemas.microsoft.com/office/mac/drawingml/2011/main" xmlns="" val="1"/>
+              <ma14:placeholderFlag xmlns="" xmlns:ma14="http://schemas.microsoft.com/office/mac/drawingml/2011/main" val="1"/>
             </a:ext>
           </a:extLst>
         </p:spPr>
@@ -8505,10 +8495,9 @@
           <a:lstStyle/>
           <a:p>
             <a:r>
-              <a:rPr lang="vi-VN" altLang="en-US" sz="2000" dirty="0" smtClean="0"/>
+              <a:rPr lang="vi-VN" altLang="en-US" sz="2000" dirty="0"/>
               <a:t>NẠP CHỒNG PHƯƠNG THỨC VÀ CHUYỂN ĐỔI CÁC KIỂU DỮ LIỆU</a:t>
             </a:r>
-            <a:endParaRPr lang="vi-VN" altLang="en-US" sz="2000" dirty="0"/>
           </a:p>
         </p:txBody>
       </p:sp>
@@ -9231,13 +9220,6 @@
   <p:clrMapOvr>
     <a:masterClrMapping/>
   </p:clrMapOvr>
-  <p:timing>
-    <p:tnLst>
-      <p:par>
-        <p:cTn id="1" dur="indefinite" restart="never" nodeType="tmRoot"/>
-      </p:par>
-    </p:tnLst>
-  </p:timing>
 </p:sld>
 </file>
 
@@ -9275,7 +9257,7 @@
           </a:xfrm>
           <a:extLst>
             <a:ext uri="{FAA26D3D-D897-4be2-8F04-BA451C77F1D7}">
-              <ma14:placeholderFlag xmlns:ma14="http://schemas.microsoft.com/office/mac/drawingml/2011/main" xmlns="" val="1"/>
+              <ma14:placeholderFlag xmlns="" xmlns:ma14="http://schemas.microsoft.com/office/mac/drawingml/2011/main" val="1"/>
             </a:ext>
           </a:extLst>
         </p:spPr>
@@ -9286,10 +9268,9 @@
           <a:lstStyle/>
           <a:p>
             <a:r>
-              <a:rPr lang="vi-VN" altLang="en-US" sz="2000" dirty="0" smtClean="0"/>
+              <a:rPr lang="vi-VN" altLang="en-US" sz="2000" dirty="0"/>
               <a:t>NẠP CHỒNG PHƯƠNG THỨC VÀ CHUYỂN ĐỔI CÁC KIỂU DỮ LIỆU</a:t>
             </a:r>
-            <a:endParaRPr lang="vi-VN" altLang="en-US" sz="2000" dirty="0"/>
           </a:p>
         </p:txBody>
       </p:sp>
@@ -9331,21 +9312,10 @@
                 <a:ea typeface="Times New Roman" panose="02020603050405020304" pitchFamily="18" charset="0"/>
                 <a:cs typeface="Times New Roman" panose="02020603050405020304" pitchFamily="18" charset="0"/>
               </a:rPr>
-              <a:t>N</a:t>
-            </a:r>
-            <a:r>
-              <a:rPr lang="en-US" dirty="0" err="1" smtClean="0">
-                <a:solidFill>
-                  <a:srgbClr val="343A40"/>
-                </a:solidFill>
-                <a:latin typeface="Segoe UI" panose="020B0502040204020203" pitchFamily="34" charset="0"/>
-                <a:ea typeface="Times New Roman" panose="02020603050405020304" pitchFamily="18" charset="0"/>
-                <a:cs typeface="Times New Roman" panose="02020603050405020304" pitchFamily="18" charset="0"/>
-              </a:rPr>
-              <a:t>ạp</a:t>
-            </a:r>
-            <a:r>
-              <a:rPr lang="en-US" dirty="0" smtClean="0">
+              <a:t>Nạp</a:t>
+            </a:r>
+            <a:r>
+              <a:rPr lang="en-US" dirty="0">
                 <a:solidFill>
                   <a:srgbClr val="343A40"/>
                 </a:solidFill>
@@ -9444,7 +9414,7 @@
               <a:t> </a:t>
             </a:r>
             <a:r>
-              <a:rPr lang="en-US" dirty="0" err="1" smtClean="0">
+              <a:rPr lang="en-US" dirty="0" err="1">
                 <a:solidFill>
                   <a:srgbClr val="343A40"/>
                 </a:solidFill>
@@ -9455,7 +9425,7 @@
               <a:t>tìm</a:t>
             </a:r>
             <a:r>
-              <a:rPr lang="en-US" dirty="0" smtClean="0">
+              <a:rPr lang="en-US" dirty="0">
                 <a:solidFill>
                   <a:srgbClr val="343A40"/>
                 </a:solidFill>
@@ -9658,13 +9628,6 @@
   <p:clrMapOvr>
     <a:masterClrMapping/>
   </p:clrMapOvr>
-  <p:timing>
-    <p:tnLst>
-      <p:par>
-        <p:cTn id="1" dur="indefinite" restart="never" nodeType="tmRoot"/>
-      </p:par>
-    </p:tnLst>
-  </p:timing>
 </p:sld>
 </file>
 
@@ -9732,13 +9695,6 @@
   <p:clrMapOvr>
     <a:masterClrMapping/>
   </p:clrMapOvr>
-  <p:timing>
-    <p:tnLst>
-      <p:par>
-        <p:cTn id="1" dur="indefinite" restart="never" nodeType="tmRoot"/>
-      </p:par>
-    </p:tnLst>
-  </p:timing>
 </p:sld>
 </file>
 
@@ -9776,7 +9732,7 @@
           </a:xfrm>
           <a:extLst>
             <a:ext uri="{FAA26D3D-D897-4be2-8F04-BA451C77F1D7}">
-              <ma14:placeholderFlag xmlns:ma14="http://schemas.microsoft.com/office/mac/drawingml/2011/main" xmlns="" val="1"/>
+              <ma14:placeholderFlag xmlns="" xmlns:ma14="http://schemas.microsoft.com/office/mac/drawingml/2011/main" val="1"/>
             </a:ext>
           </a:extLst>
         </p:spPr>
@@ -9787,11 +9743,11 @@
           <a:lstStyle/>
           <a:p>
             <a:r>
-              <a:rPr lang="en-US" altLang="en-US" sz="2700" dirty="0" smtClean="0"/>
+              <a:rPr lang="en-US" altLang="en-US" sz="2700" dirty="0"/>
               <a:t>KHÁI </a:t>
             </a:r>
             <a:r>
-              <a:rPr lang="en-US" altLang="en-US" sz="2700" dirty="0" err="1" smtClean="0"/>
+              <a:rPr lang="en-US" altLang="en-US" sz="2700" dirty="0" err="1"/>
               <a:t>NIỆM</a:t>
             </a:r>
             <a:endParaRPr lang="en-US" altLang="en-US" sz="2700" dirty="0"/>
@@ -9831,7 +9787,7 @@
               </a:spcAft>
             </a:pPr>
             <a:r>
-              <a:rPr lang="en-US" sz="1800" dirty="0" smtClean="0">
+              <a:rPr lang="en-US" sz="1800" dirty="0">
                 <a:solidFill>
                   <a:srgbClr val="343A40"/>
                 </a:solidFill>
@@ -9864,7 +9820,7 @@
               <a:t> </a:t>
             </a:r>
             <a:r>
-              <a:rPr lang="en-US" sz="1800" dirty="0" err="1" smtClean="0">
+              <a:rPr lang="en-US" sz="1800" dirty="0" err="1">
                 <a:solidFill>
                   <a:srgbClr val="343A40"/>
                 </a:solidFill>
@@ -9875,7 +9831,7 @@
               <a:t>cho</a:t>
             </a:r>
             <a:r>
-              <a:rPr lang="en-US" sz="1800" dirty="0" smtClean="0">
+              <a:rPr lang="en-US" sz="1800" dirty="0">
                 <a:solidFill>
                   <a:srgbClr val="343A40"/>
                 </a:solidFill>
@@ -10282,7 +10238,7 @@
               <a:t> </a:t>
             </a:r>
             <a:r>
-              <a:rPr lang="en-US" sz="1800" dirty="0" err="1" smtClean="0">
+              <a:rPr lang="en-US" sz="1800" dirty="0" err="1">
                 <a:solidFill>
                   <a:srgbClr val="343A40"/>
                 </a:solidFill>
@@ -10293,26 +10249,15 @@
               <a:t>lớp</a:t>
             </a:r>
             <a:r>
-              <a:rPr lang="en-US" sz="1800" dirty="0" smtClean="0">
-                <a:solidFill>
-                  <a:srgbClr val="343A40"/>
-                </a:solidFill>
-                <a:latin typeface="Segoe UI" panose="020B0502040204020203" pitchFamily="34" charset="0"/>
-                <a:ea typeface="Times New Roman" panose="02020603050405020304" pitchFamily="18" charset="0"/>
-                <a:cs typeface="Times New Roman" panose="02020603050405020304" pitchFamily="18" charset="0"/>
-              </a:rPr>
-              <a:t> </a:t>
-            </a:r>
-            <a:r>
-              <a:rPr lang="en-US" sz="1800" dirty="0">
-                <a:solidFill>
-                  <a:srgbClr val="343A40"/>
-                </a:solidFill>
-                <a:latin typeface="Segoe UI" panose="020B0502040204020203" pitchFamily="34" charset="0"/>
-                <a:ea typeface="Times New Roman" panose="02020603050405020304" pitchFamily="18" charset="0"/>
-                <a:cs typeface="Times New Roman" panose="02020603050405020304" pitchFamily="18" charset="0"/>
-              </a:rPr>
-              <a:t>cha </a:t>
+              <a:rPr lang="en-US" sz="1800" dirty="0">
+                <a:solidFill>
+                  <a:srgbClr val="343A40"/>
+                </a:solidFill>
+                <a:latin typeface="Segoe UI" panose="020B0502040204020203" pitchFamily="34" charset="0"/>
+                <a:ea typeface="Times New Roman" panose="02020603050405020304" pitchFamily="18" charset="0"/>
+                <a:cs typeface="Times New Roman" panose="02020603050405020304" pitchFamily="18" charset="0"/>
+              </a:rPr>
+              <a:t> cha </a:t>
             </a:r>
             <a:r>
               <a:rPr lang="en-US" sz="1800" dirty="0" err="1">
@@ -11298,18 +11243,7 @@
                 <a:ea typeface="Times New Roman" panose="02020603050405020304" pitchFamily="18" charset="0"/>
                 <a:cs typeface="Times New Roman" panose="02020603050405020304" pitchFamily="18" charset="0"/>
               </a:rPr>
-              <a:t> cha</a:t>
-            </a:r>
-            <a:r>
-              <a:rPr lang="en-US" sz="1800" dirty="0" smtClean="0">
-                <a:solidFill>
-                  <a:srgbClr val="343A40"/>
-                </a:solidFill>
-                <a:latin typeface="Segoe UI" panose="020B0502040204020203" pitchFamily="34" charset="0"/>
-                <a:ea typeface="Times New Roman" panose="02020603050405020304" pitchFamily="18" charset="0"/>
-                <a:cs typeface="Times New Roman" panose="02020603050405020304" pitchFamily="18" charset="0"/>
-              </a:rPr>
-              <a:t>.</a:t>
+              <a:t> cha.</a:t>
             </a:r>
             <a:endParaRPr lang="en-US" sz="1800" dirty="0">
               <a:latin typeface="Calibri" panose="020F0502020204030204" pitchFamily="34" charset="0"/>
@@ -11352,13 +11286,6 @@
   <p:clrMapOvr>
     <a:masterClrMapping/>
   </p:clrMapOvr>
-  <p:timing>
-    <p:tnLst>
-      <p:par>
-        <p:cTn id="1" dur="indefinite" restart="never" nodeType="tmRoot"/>
-      </p:par>
-    </p:tnLst>
-  </p:timing>
 </p:sld>
 </file>
 
@@ -11396,7 +11323,7 @@
           </a:xfrm>
           <a:extLst>
             <a:ext uri="{FAA26D3D-D897-4be2-8F04-BA451C77F1D7}">
-              <ma14:placeholderFlag xmlns:ma14="http://schemas.microsoft.com/office/mac/drawingml/2011/main" xmlns="" val="1"/>
+              <ma14:placeholderFlag xmlns="" xmlns:ma14="http://schemas.microsoft.com/office/mac/drawingml/2011/main" val="1"/>
             </a:ext>
           </a:extLst>
         </p:spPr>
@@ -11407,11 +11334,11 @@
           <a:lstStyle/>
           <a:p>
             <a:r>
-              <a:rPr lang="en-US" altLang="en-US" sz="2700" dirty="0" smtClean="0"/>
+              <a:rPr lang="en-US" altLang="en-US" sz="2700" dirty="0"/>
               <a:t>KHÁI </a:t>
             </a:r>
             <a:r>
-              <a:rPr lang="en-US" altLang="en-US" sz="2700" dirty="0" err="1" smtClean="0"/>
+              <a:rPr lang="en-US" altLang="en-US" sz="2700" dirty="0" err="1"/>
               <a:t>NIỆM</a:t>
             </a:r>
             <a:endParaRPr lang="en-US" altLang="en-US" sz="2700" dirty="0"/>
@@ -11448,7 +11375,7 @@
               </a:spcAft>
             </a:pPr>
             <a:r>
-              <a:rPr lang="en-US" sz="1800" dirty="0" smtClean="0">
+              <a:rPr lang="en-US" sz="1800" dirty="0">
                 <a:solidFill>
                   <a:srgbClr val="343A40"/>
                 </a:solidFill>
@@ -11810,7 +11737,973 @@
               </a:rPr>
               <a:t>. </a:t>
             </a:r>
-            <a:endParaRPr lang="en-US" sz="1800" dirty="0" smtClean="0">
+          </a:p>
+          <a:p>
+            <a:pPr algn="just">
+              <a:lnSpc>
+                <a:spcPct val="107000"/>
+              </a:lnSpc>
+              <a:spcAft>
+                <a:spcPts val="800"/>
+              </a:spcAft>
+            </a:pPr>
+            <a:r>
+              <a:rPr lang="en-US" sz="1800" dirty="0" err="1">
+                <a:solidFill>
+                  <a:srgbClr val="343A40"/>
+                </a:solidFill>
+                <a:latin typeface="Segoe UI" panose="020B0502040204020203" pitchFamily="34" charset="0"/>
+                <a:ea typeface="Times New Roman" panose="02020603050405020304" pitchFamily="18" charset="0"/>
+                <a:cs typeface="Times New Roman" panose="02020603050405020304" pitchFamily="18" charset="0"/>
+              </a:rPr>
+              <a:t>Phiên</a:t>
+            </a:r>
+            <a:r>
+              <a:rPr lang="en-US" sz="1800" dirty="0">
+                <a:solidFill>
+                  <a:srgbClr val="343A40"/>
+                </a:solidFill>
+                <a:latin typeface="Segoe UI" panose="020B0502040204020203" pitchFamily="34" charset="0"/>
+                <a:ea typeface="Times New Roman" panose="02020603050405020304" pitchFamily="18" charset="0"/>
+                <a:cs typeface="Times New Roman" panose="02020603050405020304" pitchFamily="18" charset="0"/>
+              </a:rPr>
+              <a:t> </a:t>
+            </a:r>
+            <a:r>
+              <a:rPr lang="en-US" sz="1800" dirty="0" err="1">
+                <a:solidFill>
+                  <a:srgbClr val="343A40"/>
+                </a:solidFill>
+                <a:latin typeface="Segoe UI" panose="020B0502040204020203" pitchFamily="34" charset="0"/>
+                <a:ea typeface="Times New Roman" panose="02020603050405020304" pitchFamily="18" charset="0"/>
+                <a:cs typeface="Times New Roman" panose="02020603050405020304" pitchFamily="18" charset="0"/>
+              </a:rPr>
+              <a:t>bản</a:t>
+            </a:r>
+            <a:r>
+              <a:rPr lang="en-US" sz="1800" dirty="0">
+                <a:solidFill>
+                  <a:srgbClr val="343A40"/>
+                </a:solidFill>
+                <a:latin typeface="Segoe UI" panose="020B0502040204020203" pitchFamily="34" charset="0"/>
+                <a:ea typeface="Times New Roman" panose="02020603050405020304" pitchFamily="18" charset="0"/>
+                <a:cs typeface="Times New Roman" panose="02020603050405020304" pitchFamily="18" charset="0"/>
+              </a:rPr>
+              <a:t> </a:t>
+            </a:r>
+            <a:r>
+              <a:rPr lang="en-US" sz="1800" dirty="0" err="1">
+                <a:solidFill>
+                  <a:srgbClr val="343A40"/>
+                </a:solidFill>
+                <a:latin typeface="Segoe UI" panose="020B0502040204020203" pitchFamily="34" charset="0"/>
+                <a:ea typeface="Times New Roman" panose="02020603050405020304" pitchFamily="18" charset="0"/>
+                <a:cs typeface="Times New Roman" panose="02020603050405020304" pitchFamily="18" charset="0"/>
+              </a:rPr>
+              <a:t>của</a:t>
+            </a:r>
+            <a:r>
+              <a:rPr lang="en-US" sz="1800" dirty="0">
+                <a:solidFill>
+                  <a:srgbClr val="343A40"/>
+                </a:solidFill>
+                <a:latin typeface="Segoe UI" panose="020B0502040204020203" pitchFamily="34" charset="0"/>
+                <a:ea typeface="Times New Roman" panose="02020603050405020304" pitchFamily="18" charset="0"/>
+                <a:cs typeface="Times New Roman" panose="02020603050405020304" pitchFamily="18" charset="0"/>
+              </a:rPr>
+              <a:t> </a:t>
+            </a:r>
+            <a:r>
+              <a:rPr lang="en-US" sz="1800" dirty="0" err="1">
+                <a:solidFill>
+                  <a:srgbClr val="343A40"/>
+                </a:solidFill>
+                <a:latin typeface="Segoe UI" panose="020B0502040204020203" pitchFamily="34" charset="0"/>
+                <a:ea typeface="Times New Roman" panose="02020603050405020304" pitchFamily="18" charset="0"/>
+                <a:cs typeface="Times New Roman" panose="02020603050405020304" pitchFamily="18" charset="0"/>
+              </a:rPr>
+              <a:t>một</a:t>
+            </a:r>
+            <a:r>
+              <a:rPr lang="en-US" sz="1800" dirty="0">
+                <a:solidFill>
+                  <a:srgbClr val="343A40"/>
+                </a:solidFill>
+                <a:latin typeface="Segoe UI" panose="020B0502040204020203" pitchFamily="34" charset="0"/>
+                <a:ea typeface="Times New Roman" panose="02020603050405020304" pitchFamily="18" charset="0"/>
+                <a:cs typeface="Times New Roman" panose="02020603050405020304" pitchFamily="18" charset="0"/>
+              </a:rPr>
+              <a:t> </a:t>
+            </a:r>
+            <a:r>
+              <a:rPr lang="en-US" sz="1800" dirty="0" err="1">
+                <a:solidFill>
+                  <a:srgbClr val="343A40"/>
+                </a:solidFill>
+                <a:latin typeface="Segoe UI" panose="020B0502040204020203" pitchFamily="34" charset="0"/>
+                <a:ea typeface="Times New Roman" panose="02020603050405020304" pitchFamily="18" charset="0"/>
+                <a:cs typeface="Times New Roman" panose="02020603050405020304" pitchFamily="18" charset="0"/>
+              </a:rPr>
+              <a:t>phương</a:t>
+            </a:r>
+            <a:r>
+              <a:rPr lang="en-US" sz="1800" dirty="0">
+                <a:solidFill>
+                  <a:srgbClr val="343A40"/>
+                </a:solidFill>
+                <a:latin typeface="Segoe UI" panose="020B0502040204020203" pitchFamily="34" charset="0"/>
+                <a:ea typeface="Times New Roman" panose="02020603050405020304" pitchFamily="18" charset="0"/>
+                <a:cs typeface="Times New Roman" panose="02020603050405020304" pitchFamily="18" charset="0"/>
+              </a:rPr>
+              <a:t> </a:t>
+            </a:r>
+            <a:r>
+              <a:rPr lang="en-US" sz="1800" dirty="0" err="1">
+                <a:solidFill>
+                  <a:srgbClr val="343A40"/>
+                </a:solidFill>
+                <a:latin typeface="Segoe UI" panose="020B0502040204020203" pitchFamily="34" charset="0"/>
+                <a:ea typeface="Times New Roman" panose="02020603050405020304" pitchFamily="18" charset="0"/>
+                <a:cs typeface="Times New Roman" panose="02020603050405020304" pitchFamily="18" charset="0"/>
+              </a:rPr>
+              <a:t>thức</a:t>
+            </a:r>
+            <a:r>
+              <a:rPr lang="en-US" sz="1800" dirty="0">
+                <a:solidFill>
+                  <a:srgbClr val="343A40"/>
+                </a:solidFill>
+                <a:latin typeface="Segoe UI" panose="020B0502040204020203" pitchFamily="34" charset="0"/>
+                <a:ea typeface="Times New Roman" panose="02020603050405020304" pitchFamily="18" charset="0"/>
+                <a:cs typeface="Times New Roman" panose="02020603050405020304" pitchFamily="18" charset="0"/>
+              </a:rPr>
+              <a:t> </a:t>
+            </a:r>
+            <a:r>
+              <a:rPr lang="en-US" sz="1800" dirty="0" err="1">
+                <a:solidFill>
+                  <a:srgbClr val="343A40"/>
+                </a:solidFill>
+                <a:latin typeface="Segoe UI" panose="020B0502040204020203" pitchFamily="34" charset="0"/>
+                <a:ea typeface="Times New Roman" panose="02020603050405020304" pitchFamily="18" charset="0"/>
+                <a:cs typeface="Times New Roman" panose="02020603050405020304" pitchFamily="18" charset="0"/>
+              </a:rPr>
+              <a:t>được</a:t>
+            </a:r>
+            <a:r>
+              <a:rPr lang="en-US" sz="1800" dirty="0">
+                <a:solidFill>
+                  <a:srgbClr val="343A40"/>
+                </a:solidFill>
+                <a:latin typeface="Segoe UI" panose="020B0502040204020203" pitchFamily="34" charset="0"/>
+                <a:ea typeface="Times New Roman" panose="02020603050405020304" pitchFamily="18" charset="0"/>
+                <a:cs typeface="Times New Roman" panose="02020603050405020304" pitchFamily="18" charset="0"/>
+              </a:rPr>
+              <a:t> </a:t>
+            </a:r>
+            <a:r>
+              <a:rPr lang="en-US" sz="1800" dirty="0" err="1">
+                <a:solidFill>
+                  <a:srgbClr val="343A40"/>
+                </a:solidFill>
+                <a:latin typeface="Segoe UI" panose="020B0502040204020203" pitchFamily="34" charset="0"/>
+                <a:ea typeface="Times New Roman" panose="02020603050405020304" pitchFamily="18" charset="0"/>
+                <a:cs typeface="Times New Roman" panose="02020603050405020304" pitchFamily="18" charset="0"/>
+              </a:rPr>
+              <a:t>thực</a:t>
+            </a:r>
+            <a:r>
+              <a:rPr lang="en-US" sz="1800" dirty="0">
+                <a:solidFill>
+                  <a:srgbClr val="343A40"/>
+                </a:solidFill>
+                <a:latin typeface="Segoe UI" panose="020B0502040204020203" pitchFamily="34" charset="0"/>
+                <a:ea typeface="Times New Roman" panose="02020603050405020304" pitchFamily="18" charset="0"/>
+                <a:cs typeface="Times New Roman" panose="02020603050405020304" pitchFamily="18" charset="0"/>
+              </a:rPr>
+              <a:t> </a:t>
+            </a:r>
+            <a:r>
+              <a:rPr lang="en-US" sz="1800" dirty="0" err="1">
+                <a:solidFill>
+                  <a:srgbClr val="343A40"/>
+                </a:solidFill>
+                <a:latin typeface="Segoe UI" panose="020B0502040204020203" pitchFamily="34" charset="0"/>
+                <a:ea typeface="Times New Roman" panose="02020603050405020304" pitchFamily="18" charset="0"/>
+                <a:cs typeface="Times New Roman" panose="02020603050405020304" pitchFamily="18" charset="0"/>
+              </a:rPr>
+              <a:t>thi</a:t>
+            </a:r>
+            <a:r>
+              <a:rPr lang="en-US" sz="1800" dirty="0">
+                <a:solidFill>
+                  <a:srgbClr val="343A40"/>
+                </a:solidFill>
+                <a:latin typeface="Segoe UI" panose="020B0502040204020203" pitchFamily="34" charset="0"/>
+                <a:ea typeface="Times New Roman" panose="02020603050405020304" pitchFamily="18" charset="0"/>
+                <a:cs typeface="Times New Roman" panose="02020603050405020304" pitchFamily="18" charset="0"/>
+              </a:rPr>
+              <a:t> </a:t>
+            </a:r>
+            <a:r>
+              <a:rPr lang="en-US" sz="1800" dirty="0" err="1">
+                <a:solidFill>
+                  <a:srgbClr val="343A40"/>
+                </a:solidFill>
+                <a:latin typeface="Segoe UI" panose="020B0502040204020203" pitchFamily="34" charset="0"/>
+                <a:ea typeface="Times New Roman" panose="02020603050405020304" pitchFamily="18" charset="0"/>
+                <a:cs typeface="Times New Roman" panose="02020603050405020304" pitchFamily="18" charset="0"/>
+              </a:rPr>
+              <a:t>sẽ</a:t>
+            </a:r>
+            <a:r>
+              <a:rPr lang="en-US" sz="1800" dirty="0">
+                <a:solidFill>
+                  <a:srgbClr val="343A40"/>
+                </a:solidFill>
+                <a:latin typeface="Segoe UI" panose="020B0502040204020203" pitchFamily="34" charset="0"/>
+                <a:ea typeface="Times New Roman" panose="02020603050405020304" pitchFamily="18" charset="0"/>
+                <a:cs typeface="Times New Roman" panose="02020603050405020304" pitchFamily="18" charset="0"/>
+              </a:rPr>
+              <a:t> </a:t>
+            </a:r>
+            <a:r>
+              <a:rPr lang="en-US" sz="1800" dirty="0" err="1">
+                <a:solidFill>
+                  <a:srgbClr val="343A40"/>
+                </a:solidFill>
+                <a:latin typeface="Segoe UI" panose="020B0502040204020203" pitchFamily="34" charset="0"/>
+                <a:ea typeface="Times New Roman" panose="02020603050405020304" pitchFamily="18" charset="0"/>
+                <a:cs typeface="Times New Roman" panose="02020603050405020304" pitchFamily="18" charset="0"/>
+              </a:rPr>
+              <a:t>được</a:t>
+            </a:r>
+            <a:r>
+              <a:rPr lang="en-US" sz="1800" dirty="0">
+                <a:solidFill>
+                  <a:srgbClr val="343A40"/>
+                </a:solidFill>
+                <a:latin typeface="Segoe UI" panose="020B0502040204020203" pitchFamily="34" charset="0"/>
+                <a:ea typeface="Times New Roman" panose="02020603050405020304" pitchFamily="18" charset="0"/>
+                <a:cs typeface="Times New Roman" panose="02020603050405020304" pitchFamily="18" charset="0"/>
+              </a:rPr>
+              <a:t> </a:t>
+            </a:r>
+            <a:r>
+              <a:rPr lang="en-US" sz="1800" dirty="0" err="1">
+                <a:solidFill>
+                  <a:srgbClr val="343A40"/>
+                </a:solidFill>
+                <a:latin typeface="Segoe UI" panose="020B0502040204020203" pitchFamily="34" charset="0"/>
+                <a:ea typeface="Times New Roman" panose="02020603050405020304" pitchFamily="18" charset="0"/>
+                <a:cs typeface="Times New Roman" panose="02020603050405020304" pitchFamily="18" charset="0"/>
+              </a:rPr>
+              <a:t>xác</a:t>
+            </a:r>
+            <a:r>
+              <a:rPr lang="en-US" sz="1800" dirty="0">
+                <a:solidFill>
+                  <a:srgbClr val="343A40"/>
+                </a:solidFill>
+                <a:latin typeface="Segoe UI" panose="020B0502040204020203" pitchFamily="34" charset="0"/>
+                <a:ea typeface="Times New Roman" panose="02020603050405020304" pitchFamily="18" charset="0"/>
+                <a:cs typeface="Times New Roman" panose="02020603050405020304" pitchFamily="18" charset="0"/>
+              </a:rPr>
+              <a:t> </a:t>
+            </a:r>
+            <a:r>
+              <a:rPr lang="en-US" sz="1800" dirty="0" err="1">
+                <a:solidFill>
+                  <a:srgbClr val="343A40"/>
+                </a:solidFill>
+                <a:latin typeface="Segoe UI" panose="020B0502040204020203" pitchFamily="34" charset="0"/>
+                <a:ea typeface="Times New Roman" panose="02020603050405020304" pitchFamily="18" charset="0"/>
+                <a:cs typeface="Times New Roman" panose="02020603050405020304" pitchFamily="18" charset="0"/>
+              </a:rPr>
+              <a:t>định</a:t>
+            </a:r>
+            <a:r>
+              <a:rPr lang="en-US" sz="1800" dirty="0">
+                <a:solidFill>
+                  <a:srgbClr val="343A40"/>
+                </a:solidFill>
+                <a:latin typeface="Segoe UI" panose="020B0502040204020203" pitchFamily="34" charset="0"/>
+                <a:ea typeface="Times New Roman" panose="02020603050405020304" pitchFamily="18" charset="0"/>
+                <a:cs typeface="Times New Roman" panose="02020603050405020304" pitchFamily="18" charset="0"/>
+              </a:rPr>
+              <a:t> </a:t>
+            </a:r>
+            <a:r>
+              <a:rPr lang="en-US" sz="1800" dirty="0" err="1">
+                <a:solidFill>
+                  <a:srgbClr val="343A40"/>
+                </a:solidFill>
+                <a:latin typeface="Segoe UI" panose="020B0502040204020203" pitchFamily="34" charset="0"/>
+                <a:ea typeface="Times New Roman" panose="02020603050405020304" pitchFamily="18" charset="0"/>
+                <a:cs typeface="Times New Roman" panose="02020603050405020304" pitchFamily="18" charset="0"/>
+              </a:rPr>
+              <a:t>bởi</a:t>
+            </a:r>
+            <a:r>
+              <a:rPr lang="en-US" sz="1800" dirty="0">
+                <a:solidFill>
+                  <a:srgbClr val="343A40"/>
+                </a:solidFill>
+                <a:latin typeface="Segoe UI" panose="020B0502040204020203" pitchFamily="34" charset="0"/>
+                <a:ea typeface="Times New Roman" panose="02020603050405020304" pitchFamily="18" charset="0"/>
+                <a:cs typeface="Times New Roman" panose="02020603050405020304" pitchFamily="18" charset="0"/>
+              </a:rPr>
+              <a:t> </a:t>
+            </a:r>
+            <a:r>
+              <a:rPr lang="en-US" sz="1800" dirty="0" err="1">
+                <a:solidFill>
+                  <a:srgbClr val="343A40"/>
+                </a:solidFill>
+                <a:latin typeface="Segoe UI" panose="020B0502040204020203" pitchFamily="34" charset="0"/>
+                <a:ea typeface="Times New Roman" panose="02020603050405020304" pitchFamily="18" charset="0"/>
+                <a:cs typeface="Times New Roman" panose="02020603050405020304" pitchFamily="18" charset="0"/>
+              </a:rPr>
+              <a:t>đối</a:t>
+            </a:r>
+            <a:r>
+              <a:rPr lang="en-US" sz="1800" dirty="0">
+                <a:solidFill>
+                  <a:srgbClr val="343A40"/>
+                </a:solidFill>
+                <a:latin typeface="Segoe UI" panose="020B0502040204020203" pitchFamily="34" charset="0"/>
+                <a:ea typeface="Times New Roman" panose="02020603050405020304" pitchFamily="18" charset="0"/>
+                <a:cs typeface="Times New Roman" panose="02020603050405020304" pitchFamily="18" charset="0"/>
+              </a:rPr>
+              <a:t> </a:t>
+            </a:r>
+            <a:r>
+              <a:rPr lang="en-US" sz="1800" dirty="0" err="1">
+                <a:solidFill>
+                  <a:srgbClr val="343A40"/>
+                </a:solidFill>
+                <a:latin typeface="Segoe UI" panose="020B0502040204020203" pitchFamily="34" charset="0"/>
+                <a:ea typeface="Times New Roman" panose="02020603050405020304" pitchFamily="18" charset="0"/>
+                <a:cs typeface="Times New Roman" panose="02020603050405020304" pitchFamily="18" charset="0"/>
+              </a:rPr>
+              <a:t>tượng</a:t>
+            </a:r>
+            <a:r>
+              <a:rPr lang="en-US" sz="1800" dirty="0">
+                <a:solidFill>
+                  <a:srgbClr val="343A40"/>
+                </a:solidFill>
+                <a:latin typeface="Segoe UI" panose="020B0502040204020203" pitchFamily="34" charset="0"/>
+                <a:ea typeface="Times New Roman" panose="02020603050405020304" pitchFamily="18" charset="0"/>
+                <a:cs typeface="Times New Roman" panose="02020603050405020304" pitchFamily="18" charset="0"/>
+              </a:rPr>
+              <a:t> </a:t>
+            </a:r>
+            <a:r>
+              <a:rPr lang="en-US" sz="1800" dirty="0" err="1">
+                <a:solidFill>
+                  <a:srgbClr val="343A40"/>
+                </a:solidFill>
+                <a:latin typeface="Segoe UI" panose="020B0502040204020203" pitchFamily="34" charset="0"/>
+                <a:ea typeface="Times New Roman" panose="02020603050405020304" pitchFamily="18" charset="0"/>
+                <a:cs typeface="Times New Roman" panose="02020603050405020304" pitchFamily="18" charset="0"/>
+              </a:rPr>
+              <a:t>được</a:t>
+            </a:r>
+            <a:r>
+              <a:rPr lang="en-US" sz="1800" dirty="0">
+                <a:solidFill>
+                  <a:srgbClr val="343A40"/>
+                </a:solidFill>
+                <a:latin typeface="Segoe UI" panose="020B0502040204020203" pitchFamily="34" charset="0"/>
+                <a:ea typeface="Times New Roman" panose="02020603050405020304" pitchFamily="18" charset="0"/>
+                <a:cs typeface="Times New Roman" panose="02020603050405020304" pitchFamily="18" charset="0"/>
+              </a:rPr>
+              <a:t> </a:t>
+            </a:r>
+            <a:r>
+              <a:rPr lang="en-US" sz="1800" dirty="0" err="1">
+                <a:solidFill>
+                  <a:srgbClr val="343A40"/>
+                </a:solidFill>
+                <a:latin typeface="Segoe UI" panose="020B0502040204020203" pitchFamily="34" charset="0"/>
+                <a:ea typeface="Times New Roman" panose="02020603050405020304" pitchFamily="18" charset="0"/>
+                <a:cs typeface="Times New Roman" panose="02020603050405020304" pitchFamily="18" charset="0"/>
+              </a:rPr>
+              <a:t>sử</a:t>
+            </a:r>
+            <a:r>
+              <a:rPr lang="en-US" sz="1800" dirty="0">
+                <a:solidFill>
+                  <a:srgbClr val="343A40"/>
+                </a:solidFill>
+                <a:latin typeface="Segoe UI" panose="020B0502040204020203" pitchFamily="34" charset="0"/>
+                <a:ea typeface="Times New Roman" panose="02020603050405020304" pitchFamily="18" charset="0"/>
+                <a:cs typeface="Times New Roman" panose="02020603050405020304" pitchFamily="18" charset="0"/>
+              </a:rPr>
+              <a:t> </a:t>
+            </a:r>
+            <a:r>
+              <a:rPr lang="en-US" sz="1800" dirty="0" err="1">
+                <a:solidFill>
+                  <a:srgbClr val="343A40"/>
+                </a:solidFill>
+                <a:latin typeface="Segoe UI" panose="020B0502040204020203" pitchFamily="34" charset="0"/>
+                <a:ea typeface="Times New Roman" panose="02020603050405020304" pitchFamily="18" charset="0"/>
+                <a:cs typeface="Times New Roman" panose="02020603050405020304" pitchFamily="18" charset="0"/>
+              </a:rPr>
+              <a:t>dụng</a:t>
+            </a:r>
+            <a:r>
+              <a:rPr lang="en-US" sz="1800" dirty="0">
+                <a:solidFill>
+                  <a:srgbClr val="343A40"/>
+                </a:solidFill>
+                <a:latin typeface="Segoe UI" panose="020B0502040204020203" pitchFamily="34" charset="0"/>
+                <a:ea typeface="Times New Roman" panose="02020603050405020304" pitchFamily="18" charset="0"/>
+                <a:cs typeface="Times New Roman" panose="02020603050405020304" pitchFamily="18" charset="0"/>
+              </a:rPr>
+              <a:t> </a:t>
+            </a:r>
+            <a:r>
+              <a:rPr lang="en-US" sz="1800" dirty="0" err="1">
+                <a:solidFill>
+                  <a:srgbClr val="343A40"/>
+                </a:solidFill>
+                <a:latin typeface="Segoe UI" panose="020B0502040204020203" pitchFamily="34" charset="0"/>
+                <a:ea typeface="Times New Roman" panose="02020603050405020304" pitchFamily="18" charset="0"/>
+                <a:cs typeface="Times New Roman" panose="02020603050405020304" pitchFamily="18" charset="0"/>
+              </a:rPr>
+              <a:t>để</a:t>
+            </a:r>
+            <a:r>
+              <a:rPr lang="en-US" sz="1800" dirty="0">
+                <a:solidFill>
+                  <a:srgbClr val="343A40"/>
+                </a:solidFill>
+                <a:latin typeface="Segoe UI" panose="020B0502040204020203" pitchFamily="34" charset="0"/>
+                <a:ea typeface="Times New Roman" panose="02020603050405020304" pitchFamily="18" charset="0"/>
+                <a:cs typeface="Times New Roman" panose="02020603050405020304" pitchFamily="18" charset="0"/>
+              </a:rPr>
+              <a:t> </a:t>
+            </a:r>
+            <a:r>
+              <a:rPr lang="en-US" sz="1800" dirty="0" err="1">
+                <a:solidFill>
+                  <a:srgbClr val="343A40"/>
+                </a:solidFill>
+                <a:latin typeface="Segoe UI" panose="020B0502040204020203" pitchFamily="34" charset="0"/>
+                <a:ea typeface="Times New Roman" panose="02020603050405020304" pitchFamily="18" charset="0"/>
+                <a:cs typeface="Times New Roman" panose="02020603050405020304" pitchFamily="18" charset="0"/>
+              </a:rPr>
+              <a:t>gọi</a:t>
+            </a:r>
+            <a:r>
+              <a:rPr lang="en-US" sz="1800" dirty="0">
+                <a:solidFill>
+                  <a:srgbClr val="343A40"/>
+                </a:solidFill>
+                <a:latin typeface="Segoe UI" panose="020B0502040204020203" pitchFamily="34" charset="0"/>
+                <a:ea typeface="Times New Roman" panose="02020603050405020304" pitchFamily="18" charset="0"/>
+                <a:cs typeface="Times New Roman" panose="02020603050405020304" pitchFamily="18" charset="0"/>
+              </a:rPr>
+              <a:t>:</a:t>
+            </a:r>
+          </a:p>
+          <a:p>
+            <a:pPr algn="just">
+              <a:lnSpc>
+                <a:spcPct val="107000"/>
+              </a:lnSpc>
+              <a:spcAft>
+                <a:spcPts val="800"/>
+              </a:spcAft>
+            </a:pPr>
+            <a:r>
+              <a:rPr lang="en-US" sz="1800" dirty="0">
+                <a:solidFill>
+                  <a:srgbClr val="343A40"/>
+                </a:solidFill>
+                <a:latin typeface="Segoe UI" panose="020B0502040204020203" pitchFamily="34" charset="0"/>
+                <a:ea typeface="Times New Roman" panose="02020603050405020304" pitchFamily="18" charset="0"/>
+                <a:cs typeface="Times New Roman" panose="02020603050405020304" pitchFamily="18" charset="0"/>
+              </a:rPr>
+              <a:t>- </a:t>
+            </a:r>
+            <a:r>
+              <a:rPr lang="en-US" sz="1800" dirty="0" err="1">
+                <a:solidFill>
+                  <a:srgbClr val="343A40"/>
+                </a:solidFill>
+                <a:latin typeface="Segoe UI" panose="020B0502040204020203" pitchFamily="34" charset="0"/>
+                <a:ea typeface="Times New Roman" panose="02020603050405020304" pitchFamily="18" charset="0"/>
+                <a:cs typeface="Times New Roman" panose="02020603050405020304" pitchFamily="18" charset="0"/>
+              </a:rPr>
+              <a:t>Nếu</a:t>
+            </a:r>
+            <a:r>
+              <a:rPr lang="en-US" sz="1800" dirty="0">
+                <a:solidFill>
+                  <a:srgbClr val="343A40"/>
+                </a:solidFill>
+                <a:latin typeface="Segoe UI" panose="020B0502040204020203" pitchFamily="34" charset="0"/>
+                <a:ea typeface="Times New Roman" panose="02020603050405020304" pitchFamily="18" charset="0"/>
+                <a:cs typeface="Times New Roman" panose="02020603050405020304" pitchFamily="18" charset="0"/>
+              </a:rPr>
+              <a:t> </a:t>
+            </a:r>
+            <a:r>
+              <a:rPr lang="en-US" sz="1800" dirty="0" err="1">
+                <a:solidFill>
+                  <a:srgbClr val="343A40"/>
+                </a:solidFill>
+                <a:latin typeface="Segoe UI" panose="020B0502040204020203" pitchFamily="34" charset="0"/>
+                <a:ea typeface="Times New Roman" panose="02020603050405020304" pitchFamily="18" charset="0"/>
+                <a:cs typeface="Times New Roman" panose="02020603050405020304" pitchFamily="18" charset="0"/>
+              </a:rPr>
+              <a:t>một</a:t>
+            </a:r>
+            <a:r>
+              <a:rPr lang="en-US" sz="1800" dirty="0">
+                <a:solidFill>
+                  <a:srgbClr val="343A40"/>
+                </a:solidFill>
+                <a:latin typeface="Segoe UI" panose="020B0502040204020203" pitchFamily="34" charset="0"/>
+                <a:ea typeface="Times New Roman" panose="02020603050405020304" pitchFamily="18" charset="0"/>
+                <a:cs typeface="Times New Roman" panose="02020603050405020304" pitchFamily="18" charset="0"/>
+              </a:rPr>
+              <a:t> </a:t>
+            </a:r>
+            <a:r>
+              <a:rPr lang="en-US" sz="1800" dirty="0" err="1">
+                <a:solidFill>
+                  <a:srgbClr val="343A40"/>
+                </a:solidFill>
+                <a:latin typeface="Segoe UI" panose="020B0502040204020203" pitchFamily="34" charset="0"/>
+                <a:ea typeface="Times New Roman" panose="02020603050405020304" pitchFamily="18" charset="0"/>
+                <a:cs typeface="Times New Roman" panose="02020603050405020304" pitchFamily="18" charset="0"/>
+              </a:rPr>
+              <a:t>đối</a:t>
+            </a:r>
+            <a:r>
+              <a:rPr lang="en-US" sz="1800" dirty="0">
+                <a:solidFill>
+                  <a:srgbClr val="343A40"/>
+                </a:solidFill>
+                <a:latin typeface="Segoe UI" panose="020B0502040204020203" pitchFamily="34" charset="0"/>
+                <a:ea typeface="Times New Roman" panose="02020603050405020304" pitchFamily="18" charset="0"/>
+                <a:cs typeface="Times New Roman" panose="02020603050405020304" pitchFamily="18" charset="0"/>
+              </a:rPr>
+              <a:t> </a:t>
+            </a:r>
+            <a:r>
+              <a:rPr lang="en-US" sz="1800" dirty="0" err="1">
+                <a:solidFill>
+                  <a:srgbClr val="343A40"/>
+                </a:solidFill>
+                <a:latin typeface="Segoe UI" panose="020B0502040204020203" pitchFamily="34" charset="0"/>
+                <a:ea typeface="Times New Roman" panose="02020603050405020304" pitchFamily="18" charset="0"/>
+                <a:cs typeface="Times New Roman" panose="02020603050405020304" pitchFamily="18" charset="0"/>
+              </a:rPr>
+              <a:t>tượng</a:t>
+            </a:r>
+            <a:r>
+              <a:rPr lang="en-US" sz="1800" dirty="0">
+                <a:solidFill>
+                  <a:srgbClr val="343A40"/>
+                </a:solidFill>
+                <a:latin typeface="Segoe UI" panose="020B0502040204020203" pitchFamily="34" charset="0"/>
+                <a:ea typeface="Times New Roman" panose="02020603050405020304" pitchFamily="18" charset="0"/>
+                <a:cs typeface="Times New Roman" panose="02020603050405020304" pitchFamily="18" charset="0"/>
+              </a:rPr>
+              <a:t> </a:t>
+            </a:r>
+            <a:r>
+              <a:rPr lang="en-US" sz="1800" dirty="0" err="1">
+                <a:solidFill>
+                  <a:srgbClr val="343A40"/>
+                </a:solidFill>
+                <a:latin typeface="Segoe UI" panose="020B0502040204020203" pitchFamily="34" charset="0"/>
+                <a:ea typeface="Times New Roman" panose="02020603050405020304" pitchFamily="18" charset="0"/>
+                <a:cs typeface="Times New Roman" panose="02020603050405020304" pitchFamily="18" charset="0"/>
+              </a:rPr>
+              <a:t>của</a:t>
+            </a:r>
+            <a:r>
+              <a:rPr lang="en-US" sz="1800" dirty="0">
+                <a:solidFill>
+                  <a:srgbClr val="343A40"/>
+                </a:solidFill>
+                <a:latin typeface="Segoe UI" panose="020B0502040204020203" pitchFamily="34" charset="0"/>
+                <a:ea typeface="Times New Roman" panose="02020603050405020304" pitchFamily="18" charset="0"/>
+                <a:cs typeface="Times New Roman" panose="02020603050405020304" pitchFamily="18" charset="0"/>
+              </a:rPr>
+              <a:t> </a:t>
+            </a:r>
+            <a:r>
+              <a:rPr lang="en-US" sz="1800" dirty="0" err="1">
+                <a:solidFill>
+                  <a:srgbClr val="343A40"/>
+                </a:solidFill>
+                <a:latin typeface="Segoe UI" panose="020B0502040204020203" pitchFamily="34" charset="0"/>
+                <a:ea typeface="Times New Roman" panose="02020603050405020304" pitchFamily="18" charset="0"/>
+                <a:cs typeface="Times New Roman" panose="02020603050405020304" pitchFamily="18" charset="0"/>
+              </a:rPr>
+              <a:t>lớp</a:t>
+            </a:r>
+            <a:r>
+              <a:rPr lang="en-US" sz="1800" dirty="0">
+                <a:solidFill>
+                  <a:srgbClr val="343A40"/>
+                </a:solidFill>
+                <a:latin typeface="Segoe UI" panose="020B0502040204020203" pitchFamily="34" charset="0"/>
+                <a:ea typeface="Times New Roman" panose="02020603050405020304" pitchFamily="18" charset="0"/>
+                <a:cs typeface="Times New Roman" panose="02020603050405020304" pitchFamily="18" charset="0"/>
+              </a:rPr>
+              <a:t> cha </a:t>
+            </a:r>
+            <a:r>
+              <a:rPr lang="en-US" sz="1800" dirty="0" err="1">
+                <a:solidFill>
+                  <a:srgbClr val="343A40"/>
+                </a:solidFill>
+                <a:latin typeface="Segoe UI" panose="020B0502040204020203" pitchFamily="34" charset="0"/>
+                <a:ea typeface="Times New Roman" panose="02020603050405020304" pitchFamily="18" charset="0"/>
+                <a:cs typeface="Times New Roman" panose="02020603050405020304" pitchFamily="18" charset="0"/>
+              </a:rPr>
+              <a:t>được</a:t>
+            </a:r>
+            <a:r>
+              <a:rPr lang="en-US" sz="1800" dirty="0">
+                <a:solidFill>
+                  <a:srgbClr val="343A40"/>
+                </a:solidFill>
+                <a:latin typeface="Segoe UI" panose="020B0502040204020203" pitchFamily="34" charset="0"/>
+                <a:ea typeface="Times New Roman" panose="02020603050405020304" pitchFamily="18" charset="0"/>
+                <a:cs typeface="Times New Roman" panose="02020603050405020304" pitchFamily="18" charset="0"/>
+              </a:rPr>
+              <a:t> </a:t>
+            </a:r>
+            <a:r>
+              <a:rPr lang="en-US" sz="1800" dirty="0" err="1">
+                <a:solidFill>
+                  <a:srgbClr val="343A40"/>
+                </a:solidFill>
+                <a:latin typeface="Segoe UI" panose="020B0502040204020203" pitchFamily="34" charset="0"/>
+                <a:ea typeface="Times New Roman" panose="02020603050405020304" pitchFamily="18" charset="0"/>
+                <a:cs typeface="Times New Roman" panose="02020603050405020304" pitchFamily="18" charset="0"/>
+              </a:rPr>
+              <a:t>sử</a:t>
+            </a:r>
+            <a:r>
+              <a:rPr lang="en-US" sz="1800" dirty="0">
+                <a:solidFill>
+                  <a:srgbClr val="343A40"/>
+                </a:solidFill>
+                <a:latin typeface="Segoe UI" panose="020B0502040204020203" pitchFamily="34" charset="0"/>
+                <a:ea typeface="Times New Roman" panose="02020603050405020304" pitchFamily="18" charset="0"/>
+                <a:cs typeface="Times New Roman" panose="02020603050405020304" pitchFamily="18" charset="0"/>
+              </a:rPr>
+              <a:t> </a:t>
+            </a:r>
+            <a:r>
+              <a:rPr lang="en-US" sz="1800" dirty="0" err="1">
+                <a:solidFill>
+                  <a:srgbClr val="343A40"/>
+                </a:solidFill>
+                <a:latin typeface="Segoe UI" panose="020B0502040204020203" pitchFamily="34" charset="0"/>
+                <a:ea typeface="Times New Roman" panose="02020603050405020304" pitchFamily="18" charset="0"/>
+                <a:cs typeface="Times New Roman" panose="02020603050405020304" pitchFamily="18" charset="0"/>
+              </a:rPr>
+              <a:t>dụng</a:t>
+            </a:r>
+            <a:r>
+              <a:rPr lang="en-US" sz="1800" dirty="0">
+                <a:solidFill>
+                  <a:srgbClr val="343A40"/>
+                </a:solidFill>
+                <a:latin typeface="Segoe UI" panose="020B0502040204020203" pitchFamily="34" charset="0"/>
+                <a:ea typeface="Times New Roman" panose="02020603050405020304" pitchFamily="18" charset="0"/>
+                <a:cs typeface="Times New Roman" panose="02020603050405020304" pitchFamily="18" charset="0"/>
+              </a:rPr>
+              <a:t> </a:t>
+            </a:r>
+            <a:r>
+              <a:rPr lang="en-US" sz="1800" dirty="0" err="1">
+                <a:solidFill>
+                  <a:srgbClr val="343A40"/>
+                </a:solidFill>
+                <a:latin typeface="Segoe UI" panose="020B0502040204020203" pitchFamily="34" charset="0"/>
+                <a:ea typeface="Times New Roman" panose="02020603050405020304" pitchFamily="18" charset="0"/>
+                <a:cs typeface="Times New Roman" panose="02020603050405020304" pitchFamily="18" charset="0"/>
+              </a:rPr>
+              <a:t>để</a:t>
+            </a:r>
+            <a:r>
+              <a:rPr lang="en-US" sz="1800" dirty="0">
+                <a:solidFill>
+                  <a:srgbClr val="343A40"/>
+                </a:solidFill>
+                <a:latin typeface="Segoe UI" panose="020B0502040204020203" pitchFamily="34" charset="0"/>
+                <a:ea typeface="Times New Roman" panose="02020603050405020304" pitchFamily="18" charset="0"/>
+                <a:cs typeface="Times New Roman" panose="02020603050405020304" pitchFamily="18" charset="0"/>
+              </a:rPr>
+              <a:t> </a:t>
+            </a:r>
+            <a:r>
+              <a:rPr lang="en-US" sz="1800" dirty="0" err="1">
+                <a:solidFill>
+                  <a:srgbClr val="343A40"/>
+                </a:solidFill>
+                <a:latin typeface="Segoe UI" panose="020B0502040204020203" pitchFamily="34" charset="0"/>
+                <a:ea typeface="Times New Roman" panose="02020603050405020304" pitchFamily="18" charset="0"/>
+                <a:cs typeface="Times New Roman" panose="02020603050405020304" pitchFamily="18" charset="0"/>
+              </a:rPr>
+              <a:t>gọi</a:t>
+            </a:r>
+            <a:r>
+              <a:rPr lang="en-US" sz="1800" dirty="0">
+                <a:solidFill>
+                  <a:srgbClr val="343A40"/>
+                </a:solidFill>
+                <a:latin typeface="Segoe UI" panose="020B0502040204020203" pitchFamily="34" charset="0"/>
+                <a:ea typeface="Times New Roman" panose="02020603050405020304" pitchFamily="18" charset="0"/>
+                <a:cs typeface="Times New Roman" panose="02020603050405020304" pitchFamily="18" charset="0"/>
+              </a:rPr>
+              <a:t> </a:t>
+            </a:r>
+            <a:r>
+              <a:rPr lang="en-US" sz="1800" dirty="0" err="1">
+                <a:solidFill>
+                  <a:srgbClr val="343A40"/>
+                </a:solidFill>
+                <a:latin typeface="Segoe UI" panose="020B0502040204020203" pitchFamily="34" charset="0"/>
+                <a:ea typeface="Times New Roman" panose="02020603050405020304" pitchFamily="18" charset="0"/>
+                <a:cs typeface="Times New Roman" panose="02020603050405020304" pitchFamily="18" charset="0"/>
+              </a:rPr>
+              <a:t>phương</a:t>
+            </a:r>
+            <a:r>
+              <a:rPr lang="en-US" sz="1800" dirty="0">
+                <a:solidFill>
+                  <a:srgbClr val="343A40"/>
+                </a:solidFill>
+                <a:latin typeface="Segoe UI" panose="020B0502040204020203" pitchFamily="34" charset="0"/>
+                <a:ea typeface="Times New Roman" panose="02020603050405020304" pitchFamily="18" charset="0"/>
+                <a:cs typeface="Times New Roman" panose="02020603050405020304" pitchFamily="18" charset="0"/>
+              </a:rPr>
+              <a:t> </a:t>
+            </a:r>
+            <a:r>
+              <a:rPr lang="en-US" sz="1800" dirty="0" err="1">
+                <a:solidFill>
+                  <a:srgbClr val="343A40"/>
+                </a:solidFill>
+                <a:latin typeface="Segoe UI" panose="020B0502040204020203" pitchFamily="34" charset="0"/>
+                <a:ea typeface="Times New Roman" panose="02020603050405020304" pitchFamily="18" charset="0"/>
+                <a:cs typeface="Times New Roman" panose="02020603050405020304" pitchFamily="18" charset="0"/>
+              </a:rPr>
+              <a:t>thức</a:t>
+            </a:r>
+            <a:r>
+              <a:rPr lang="en-US" sz="1800" dirty="0">
+                <a:solidFill>
+                  <a:srgbClr val="343A40"/>
+                </a:solidFill>
+                <a:latin typeface="Segoe UI" panose="020B0502040204020203" pitchFamily="34" charset="0"/>
+                <a:ea typeface="Times New Roman" panose="02020603050405020304" pitchFamily="18" charset="0"/>
+                <a:cs typeface="Times New Roman" panose="02020603050405020304" pitchFamily="18" charset="0"/>
+              </a:rPr>
+              <a:t> </a:t>
+            </a:r>
+            <a:r>
+              <a:rPr lang="en-US" sz="1800" dirty="0" err="1">
+                <a:solidFill>
+                  <a:srgbClr val="343A40"/>
+                </a:solidFill>
+                <a:latin typeface="Segoe UI" panose="020B0502040204020203" pitchFamily="34" charset="0"/>
+                <a:ea typeface="Times New Roman" panose="02020603050405020304" pitchFamily="18" charset="0"/>
+                <a:cs typeface="Times New Roman" panose="02020603050405020304" pitchFamily="18" charset="0"/>
+              </a:rPr>
+              <a:t>thì</a:t>
+            </a:r>
+            <a:r>
+              <a:rPr lang="en-US" sz="1800" dirty="0">
+                <a:solidFill>
+                  <a:srgbClr val="343A40"/>
+                </a:solidFill>
+                <a:latin typeface="Segoe UI" panose="020B0502040204020203" pitchFamily="34" charset="0"/>
+                <a:ea typeface="Times New Roman" panose="02020603050405020304" pitchFamily="18" charset="0"/>
+                <a:cs typeface="Times New Roman" panose="02020603050405020304" pitchFamily="18" charset="0"/>
+              </a:rPr>
+              <a:t> </a:t>
+            </a:r>
+            <a:r>
+              <a:rPr lang="en-US" sz="1800" dirty="0" err="1">
+                <a:solidFill>
+                  <a:srgbClr val="343A40"/>
+                </a:solidFill>
+                <a:latin typeface="Segoe UI" panose="020B0502040204020203" pitchFamily="34" charset="0"/>
+                <a:ea typeface="Times New Roman" panose="02020603050405020304" pitchFamily="18" charset="0"/>
+                <a:cs typeface="Times New Roman" panose="02020603050405020304" pitchFamily="18" charset="0"/>
+              </a:rPr>
+              <a:t>phiên</a:t>
+            </a:r>
+            <a:r>
+              <a:rPr lang="en-US" sz="1800" dirty="0">
+                <a:solidFill>
+                  <a:srgbClr val="343A40"/>
+                </a:solidFill>
+                <a:latin typeface="Segoe UI" panose="020B0502040204020203" pitchFamily="34" charset="0"/>
+                <a:ea typeface="Times New Roman" panose="02020603050405020304" pitchFamily="18" charset="0"/>
+                <a:cs typeface="Times New Roman" panose="02020603050405020304" pitchFamily="18" charset="0"/>
+              </a:rPr>
+              <a:t> </a:t>
+            </a:r>
+            <a:r>
+              <a:rPr lang="en-US" sz="1800" dirty="0" err="1">
+                <a:solidFill>
+                  <a:srgbClr val="343A40"/>
+                </a:solidFill>
+                <a:latin typeface="Segoe UI" panose="020B0502040204020203" pitchFamily="34" charset="0"/>
+                <a:ea typeface="Times New Roman" panose="02020603050405020304" pitchFamily="18" charset="0"/>
+                <a:cs typeface="Times New Roman" panose="02020603050405020304" pitchFamily="18" charset="0"/>
+              </a:rPr>
+              <a:t>bản</a:t>
+            </a:r>
+            <a:r>
+              <a:rPr lang="en-US" sz="1800" dirty="0">
+                <a:solidFill>
+                  <a:srgbClr val="343A40"/>
+                </a:solidFill>
+                <a:latin typeface="Segoe UI" panose="020B0502040204020203" pitchFamily="34" charset="0"/>
+                <a:ea typeface="Times New Roman" panose="02020603050405020304" pitchFamily="18" charset="0"/>
+                <a:cs typeface="Times New Roman" panose="02020603050405020304" pitchFamily="18" charset="0"/>
+              </a:rPr>
+              <a:t> </a:t>
+            </a:r>
+            <a:r>
+              <a:rPr lang="en-US" sz="1800" dirty="0" err="1">
+                <a:solidFill>
+                  <a:srgbClr val="343A40"/>
+                </a:solidFill>
+                <a:latin typeface="Segoe UI" panose="020B0502040204020203" pitchFamily="34" charset="0"/>
+                <a:ea typeface="Times New Roman" panose="02020603050405020304" pitchFamily="18" charset="0"/>
+                <a:cs typeface="Times New Roman" panose="02020603050405020304" pitchFamily="18" charset="0"/>
+              </a:rPr>
+              <a:t>trong</a:t>
+            </a:r>
+            <a:r>
+              <a:rPr lang="en-US" sz="1800" dirty="0">
+                <a:solidFill>
+                  <a:srgbClr val="343A40"/>
+                </a:solidFill>
+                <a:latin typeface="Segoe UI" panose="020B0502040204020203" pitchFamily="34" charset="0"/>
+                <a:ea typeface="Times New Roman" panose="02020603050405020304" pitchFamily="18" charset="0"/>
+                <a:cs typeface="Times New Roman" panose="02020603050405020304" pitchFamily="18" charset="0"/>
+              </a:rPr>
+              <a:t> </a:t>
+            </a:r>
+            <a:r>
+              <a:rPr lang="en-US" sz="1800" dirty="0" err="1">
+                <a:solidFill>
+                  <a:srgbClr val="343A40"/>
+                </a:solidFill>
+                <a:latin typeface="Segoe UI" panose="020B0502040204020203" pitchFamily="34" charset="0"/>
+                <a:ea typeface="Times New Roman" panose="02020603050405020304" pitchFamily="18" charset="0"/>
+                <a:cs typeface="Times New Roman" panose="02020603050405020304" pitchFamily="18" charset="0"/>
+              </a:rPr>
+              <a:t>lớp</a:t>
+            </a:r>
+            <a:r>
+              <a:rPr lang="en-US" sz="1800" dirty="0">
+                <a:solidFill>
+                  <a:srgbClr val="343A40"/>
+                </a:solidFill>
+                <a:latin typeface="Segoe UI" panose="020B0502040204020203" pitchFamily="34" charset="0"/>
+                <a:ea typeface="Times New Roman" panose="02020603050405020304" pitchFamily="18" charset="0"/>
+                <a:cs typeface="Times New Roman" panose="02020603050405020304" pitchFamily="18" charset="0"/>
+              </a:rPr>
+              <a:t> cha </a:t>
+            </a:r>
+            <a:r>
+              <a:rPr lang="en-US" sz="1800" dirty="0" err="1">
+                <a:solidFill>
+                  <a:srgbClr val="343A40"/>
+                </a:solidFill>
+                <a:latin typeface="Segoe UI" panose="020B0502040204020203" pitchFamily="34" charset="0"/>
+                <a:ea typeface="Times New Roman" panose="02020603050405020304" pitchFamily="18" charset="0"/>
+                <a:cs typeface="Times New Roman" panose="02020603050405020304" pitchFamily="18" charset="0"/>
+              </a:rPr>
+              <a:t>sẽ</a:t>
+            </a:r>
+            <a:r>
+              <a:rPr lang="en-US" sz="1800" dirty="0">
+                <a:solidFill>
+                  <a:srgbClr val="343A40"/>
+                </a:solidFill>
+                <a:latin typeface="Segoe UI" panose="020B0502040204020203" pitchFamily="34" charset="0"/>
+                <a:ea typeface="Times New Roman" panose="02020603050405020304" pitchFamily="18" charset="0"/>
+                <a:cs typeface="Times New Roman" panose="02020603050405020304" pitchFamily="18" charset="0"/>
+              </a:rPr>
+              <a:t> </a:t>
+            </a:r>
+            <a:r>
+              <a:rPr lang="en-US" sz="1800" dirty="0" err="1">
+                <a:solidFill>
+                  <a:srgbClr val="343A40"/>
+                </a:solidFill>
+                <a:latin typeface="Segoe UI" panose="020B0502040204020203" pitchFamily="34" charset="0"/>
+                <a:ea typeface="Times New Roman" panose="02020603050405020304" pitchFamily="18" charset="0"/>
+                <a:cs typeface="Times New Roman" panose="02020603050405020304" pitchFamily="18" charset="0"/>
+              </a:rPr>
+              <a:t>được</a:t>
+            </a:r>
+            <a:r>
+              <a:rPr lang="en-US" sz="1800" dirty="0">
+                <a:solidFill>
+                  <a:srgbClr val="343A40"/>
+                </a:solidFill>
+                <a:latin typeface="Segoe UI" panose="020B0502040204020203" pitchFamily="34" charset="0"/>
+                <a:ea typeface="Times New Roman" panose="02020603050405020304" pitchFamily="18" charset="0"/>
+                <a:cs typeface="Times New Roman" panose="02020603050405020304" pitchFamily="18" charset="0"/>
+              </a:rPr>
+              <a:t> </a:t>
+            </a:r>
+            <a:r>
+              <a:rPr lang="en-US" sz="1800" dirty="0" err="1">
+                <a:solidFill>
+                  <a:srgbClr val="343A40"/>
+                </a:solidFill>
+                <a:latin typeface="Segoe UI" panose="020B0502040204020203" pitchFamily="34" charset="0"/>
+                <a:ea typeface="Times New Roman" panose="02020603050405020304" pitchFamily="18" charset="0"/>
+                <a:cs typeface="Times New Roman" panose="02020603050405020304" pitchFamily="18" charset="0"/>
+              </a:rPr>
+              <a:t>thực</a:t>
+            </a:r>
+            <a:r>
+              <a:rPr lang="en-US" sz="1800" dirty="0">
+                <a:solidFill>
+                  <a:srgbClr val="343A40"/>
+                </a:solidFill>
+                <a:latin typeface="Segoe UI" panose="020B0502040204020203" pitchFamily="34" charset="0"/>
+                <a:ea typeface="Times New Roman" panose="02020603050405020304" pitchFamily="18" charset="0"/>
+                <a:cs typeface="Times New Roman" panose="02020603050405020304" pitchFamily="18" charset="0"/>
+              </a:rPr>
+              <a:t> </a:t>
+            </a:r>
+            <a:r>
+              <a:rPr lang="en-US" sz="1800" dirty="0" err="1">
+                <a:solidFill>
+                  <a:srgbClr val="343A40"/>
+                </a:solidFill>
+                <a:latin typeface="Segoe UI" panose="020B0502040204020203" pitchFamily="34" charset="0"/>
+                <a:ea typeface="Times New Roman" panose="02020603050405020304" pitchFamily="18" charset="0"/>
+                <a:cs typeface="Times New Roman" panose="02020603050405020304" pitchFamily="18" charset="0"/>
+              </a:rPr>
+              <a:t>thi</a:t>
+            </a:r>
+            <a:endParaRPr lang="en-US" sz="1800" dirty="0">
               <a:solidFill>
                 <a:srgbClr val="343A40"/>
               </a:solidFill>
@@ -11829,18 +12722,337 @@
               </a:spcAft>
             </a:pPr>
             <a:r>
-              <a:rPr lang="en-US" sz="1800" dirty="0" err="1" smtClean="0">
-                <a:solidFill>
-                  <a:srgbClr val="343A40"/>
-                </a:solidFill>
-                <a:latin typeface="Segoe UI" panose="020B0502040204020203" pitchFamily="34" charset="0"/>
-                <a:ea typeface="Times New Roman" panose="02020603050405020304" pitchFamily="18" charset="0"/>
-                <a:cs typeface="Times New Roman" panose="02020603050405020304" pitchFamily="18" charset="0"/>
-              </a:rPr>
-              <a:t>Phiên</a:t>
-            </a:r>
-            <a:r>
-              <a:rPr lang="en-US" sz="1800" dirty="0" smtClean="0">
+              <a:rPr lang="en-US" sz="1800" dirty="0">
+                <a:solidFill>
+                  <a:srgbClr val="343A40"/>
+                </a:solidFill>
+                <a:latin typeface="Segoe UI" panose="020B0502040204020203" pitchFamily="34" charset="0"/>
+                <a:ea typeface="Times New Roman" panose="02020603050405020304" pitchFamily="18" charset="0"/>
+                <a:cs typeface="Times New Roman" panose="02020603050405020304" pitchFamily="18" charset="0"/>
+              </a:rPr>
+              <a:t>- </a:t>
+            </a:r>
+            <a:r>
+              <a:rPr lang="en-US" sz="1800" dirty="0" err="1">
+                <a:solidFill>
+                  <a:srgbClr val="343A40"/>
+                </a:solidFill>
+                <a:latin typeface="Segoe UI" panose="020B0502040204020203" pitchFamily="34" charset="0"/>
+                <a:ea typeface="Times New Roman" panose="02020603050405020304" pitchFamily="18" charset="0"/>
+                <a:cs typeface="Times New Roman" panose="02020603050405020304" pitchFamily="18" charset="0"/>
+              </a:rPr>
+              <a:t>Nếu</a:t>
+            </a:r>
+            <a:r>
+              <a:rPr lang="en-US" sz="1800" dirty="0">
+                <a:solidFill>
+                  <a:srgbClr val="343A40"/>
+                </a:solidFill>
+                <a:latin typeface="Segoe UI" panose="020B0502040204020203" pitchFamily="34" charset="0"/>
+                <a:ea typeface="Times New Roman" panose="02020603050405020304" pitchFamily="18" charset="0"/>
+                <a:cs typeface="Times New Roman" panose="02020603050405020304" pitchFamily="18" charset="0"/>
+              </a:rPr>
+              <a:t> </a:t>
+            </a:r>
+            <a:r>
+              <a:rPr lang="en-US" sz="1800" dirty="0" err="1">
+                <a:solidFill>
+                  <a:srgbClr val="343A40"/>
+                </a:solidFill>
+                <a:latin typeface="Segoe UI" panose="020B0502040204020203" pitchFamily="34" charset="0"/>
+                <a:ea typeface="Times New Roman" panose="02020603050405020304" pitchFamily="18" charset="0"/>
+                <a:cs typeface="Times New Roman" panose="02020603050405020304" pitchFamily="18" charset="0"/>
+              </a:rPr>
+              <a:t>một</a:t>
+            </a:r>
+            <a:r>
+              <a:rPr lang="en-US" sz="1800" dirty="0">
+                <a:solidFill>
+                  <a:srgbClr val="343A40"/>
+                </a:solidFill>
+                <a:latin typeface="Segoe UI" panose="020B0502040204020203" pitchFamily="34" charset="0"/>
+                <a:ea typeface="Times New Roman" panose="02020603050405020304" pitchFamily="18" charset="0"/>
+                <a:cs typeface="Times New Roman" panose="02020603050405020304" pitchFamily="18" charset="0"/>
+              </a:rPr>
+              <a:t> </a:t>
+            </a:r>
+            <a:r>
+              <a:rPr lang="en-US" sz="1800" dirty="0" err="1">
+                <a:solidFill>
+                  <a:srgbClr val="343A40"/>
+                </a:solidFill>
+                <a:latin typeface="Segoe UI" panose="020B0502040204020203" pitchFamily="34" charset="0"/>
+                <a:ea typeface="Times New Roman" panose="02020603050405020304" pitchFamily="18" charset="0"/>
+                <a:cs typeface="Times New Roman" panose="02020603050405020304" pitchFamily="18" charset="0"/>
+              </a:rPr>
+              <a:t>đối</a:t>
+            </a:r>
+            <a:r>
+              <a:rPr lang="en-US" sz="1800" dirty="0">
+                <a:solidFill>
+                  <a:srgbClr val="343A40"/>
+                </a:solidFill>
+                <a:latin typeface="Segoe UI" panose="020B0502040204020203" pitchFamily="34" charset="0"/>
+                <a:ea typeface="Times New Roman" panose="02020603050405020304" pitchFamily="18" charset="0"/>
+                <a:cs typeface="Times New Roman" panose="02020603050405020304" pitchFamily="18" charset="0"/>
+              </a:rPr>
+              <a:t> </a:t>
+            </a:r>
+            <a:r>
+              <a:rPr lang="en-US" sz="1800" dirty="0" err="1">
+                <a:solidFill>
+                  <a:srgbClr val="343A40"/>
+                </a:solidFill>
+                <a:latin typeface="Segoe UI" panose="020B0502040204020203" pitchFamily="34" charset="0"/>
+                <a:ea typeface="Times New Roman" panose="02020603050405020304" pitchFamily="18" charset="0"/>
+                <a:cs typeface="Times New Roman" panose="02020603050405020304" pitchFamily="18" charset="0"/>
+              </a:rPr>
+              <a:t>tượng</a:t>
+            </a:r>
+            <a:r>
+              <a:rPr lang="en-US" sz="1800" dirty="0">
+                <a:solidFill>
+                  <a:srgbClr val="343A40"/>
+                </a:solidFill>
+                <a:latin typeface="Segoe UI" panose="020B0502040204020203" pitchFamily="34" charset="0"/>
+                <a:ea typeface="Times New Roman" panose="02020603050405020304" pitchFamily="18" charset="0"/>
+                <a:cs typeface="Times New Roman" panose="02020603050405020304" pitchFamily="18" charset="0"/>
+              </a:rPr>
+              <a:t> </a:t>
+            </a:r>
+            <a:r>
+              <a:rPr lang="en-US" sz="1800" dirty="0" err="1">
+                <a:solidFill>
+                  <a:srgbClr val="343A40"/>
+                </a:solidFill>
+                <a:latin typeface="Segoe UI" panose="020B0502040204020203" pitchFamily="34" charset="0"/>
+                <a:ea typeface="Times New Roman" panose="02020603050405020304" pitchFamily="18" charset="0"/>
+                <a:cs typeface="Times New Roman" panose="02020603050405020304" pitchFamily="18" charset="0"/>
+              </a:rPr>
+              <a:t>của</a:t>
+            </a:r>
+            <a:r>
+              <a:rPr lang="en-US" sz="1800" dirty="0">
+                <a:solidFill>
+                  <a:srgbClr val="343A40"/>
+                </a:solidFill>
+                <a:latin typeface="Segoe UI" panose="020B0502040204020203" pitchFamily="34" charset="0"/>
+                <a:ea typeface="Times New Roman" panose="02020603050405020304" pitchFamily="18" charset="0"/>
+                <a:cs typeface="Times New Roman" panose="02020603050405020304" pitchFamily="18" charset="0"/>
+              </a:rPr>
+              <a:t> </a:t>
+            </a:r>
+            <a:r>
+              <a:rPr lang="en-US" sz="1800" dirty="0" err="1">
+                <a:solidFill>
+                  <a:srgbClr val="343A40"/>
+                </a:solidFill>
+                <a:latin typeface="Segoe UI" panose="020B0502040204020203" pitchFamily="34" charset="0"/>
+                <a:ea typeface="Times New Roman" panose="02020603050405020304" pitchFamily="18" charset="0"/>
+                <a:cs typeface="Times New Roman" panose="02020603050405020304" pitchFamily="18" charset="0"/>
+              </a:rPr>
+              <a:t>lớp</a:t>
+            </a:r>
+            <a:r>
+              <a:rPr lang="en-US" sz="1800" dirty="0">
+                <a:solidFill>
+                  <a:srgbClr val="343A40"/>
+                </a:solidFill>
+                <a:latin typeface="Segoe UI" panose="020B0502040204020203" pitchFamily="34" charset="0"/>
+                <a:ea typeface="Times New Roman" panose="02020603050405020304" pitchFamily="18" charset="0"/>
+                <a:cs typeface="Times New Roman" panose="02020603050405020304" pitchFamily="18" charset="0"/>
+              </a:rPr>
+              <a:t> con </a:t>
+            </a:r>
+            <a:r>
+              <a:rPr lang="en-US" sz="1800" dirty="0" err="1">
+                <a:solidFill>
+                  <a:srgbClr val="343A40"/>
+                </a:solidFill>
+                <a:latin typeface="Segoe UI" panose="020B0502040204020203" pitchFamily="34" charset="0"/>
+                <a:ea typeface="Times New Roman" panose="02020603050405020304" pitchFamily="18" charset="0"/>
+                <a:cs typeface="Times New Roman" panose="02020603050405020304" pitchFamily="18" charset="0"/>
+              </a:rPr>
+              <a:t>được</a:t>
+            </a:r>
+            <a:r>
+              <a:rPr lang="en-US" sz="1800" dirty="0">
+                <a:solidFill>
+                  <a:srgbClr val="343A40"/>
+                </a:solidFill>
+                <a:latin typeface="Segoe UI" panose="020B0502040204020203" pitchFamily="34" charset="0"/>
+                <a:ea typeface="Times New Roman" panose="02020603050405020304" pitchFamily="18" charset="0"/>
+                <a:cs typeface="Times New Roman" panose="02020603050405020304" pitchFamily="18" charset="0"/>
+              </a:rPr>
+              <a:t> </a:t>
+            </a:r>
+            <a:r>
+              <a:rPr lang="en-US" sz="1800" dirty="0" err="1">
+                <a:solidFill>
+                  <a:srgbClr val="343A40"/>
+                </a:solidFill>
+                <a:latin typeface="Segoe UI" panose="020B0502040204020203" pitchFamily="34" charset="0"/>
+                <a:ea typeface="Times New Roman" panose="02020603050405020304" pitchFamily="18" charset="0"/>
+                <a:cs typeface="Times New Roman" panose="02020603050405020304" pitchFamily="18" charset="0"/>
+              </a:rPr>
+              <a:t>sử</a:t>
+            </a:r>
+            <a:r>
+              <a:rPr lang="en-US" sz="1800" dirty="0">
+                <a:solidFill>
+                  <a:srgbClr val="343A40"/>
+                </a:solidFill>
+                <a:latin typeface="Segoe UI" panose="020B0502040204020203" pitchFamily="34" charset="0"/>
+                <a:ea typeface="Times New Roman" panose="02020603050405020304" pitchFamily="18" charset="0"/>
+                <a:cs typeface="Times New Roman" panose="02020603050405020304" pitchFamily="18" charset="0"/>
+              </a:rPr>
+              <a:t> </a:t>
+            </a:r>
+            <a:r>
+              <a:rPr lang="en-US" sz="1800" dirty="0" err="1">
+                <a:solidFill>
+                  <a:srgbClr val="343A40"/>
+                </a:solidFill>
+                <a:latin typeface="Segoe UI" panose="020B0502040204020203" pitchFamily="34" charset="0"/>
+                <a:ea typeface="Times New Roman" panose="02020603050405020304" pitchFamily="18" charset="0"/>
+                <a:cs typeface="Times New Roman" panose="02020603050405020304" pitchFamily="18" charset="0"/>
+              </a:rPr>
+              <a:t>dụng</a:t>
+            </a:r>
+            <a:r>
+              <a:rPr lang="en-US" sz="1800" dirty="0">
+                <a:solidFill>
+                  <a:srgbClr val="343A40"/>
+                </a:solidFill>
+                <a:latin typeface="Segoe UI" panose="020B0502040204020203" pitchFamily="34" charset="0"/>
+                <a:ea typeface="Times New Roman" panose="02020603050405020304" pitchFamily="18" charset="0"/>
+                <a:cs typeface="Times New Roman" panose="02020603050405020304" pitchFamily="18" charset="0"/>
+              </a:rPr>
+              <a:t> </a:t>
+            </a:r>
+            <a:r>
+              <a:rPr lang="en-US" sz="1800" dirty="0" err="1">
+                <a:solidFill>
+                  <a:srgbClr val="343A40"/>
+                </a:solidFill>
+                <a:latin typeface="Segoe UI" panose="020B0502040204020203" pitchFamily="34" charset="0"/>
+                <a:ea typeface="Times New Roman" panose="02020603050405020304" pitchFamily="18" charset="0"/>
+                <a:cs typeface="Times New Roman" panose="02020603050405020304" pitchFamily="18" charset="0"/>
+              </a:rPr>
+              <a:t>để</a:t>
+            </a:r>
+            <a:r>
+              <a:rPr lang="en-US" sz="1800" dirty="0">
+                <a:solidFill>
+                  <a:srgbClr val="343A40"/>
+                </a:solidFill>
+                <a:latin typeface="Segoe UI" panose="020B0502040204020203" pitchFamily="34" charset="0"/>
+                <a:ea typeface="Times New Roman" panose="02020603050405020304" pitchFamily="18" charset="0"/>
+                <a:cs typeface="Times New Roman" panose="02020603050405020304" pitchFamily="18" charset="0"/>
+              </a:rPr>
+              <a:t> </a:t>
+            </a:r>
+            <a:r>
+              <a:rPr lang="en-US" sz="1800" dirty="0" err="1">
+                <a:solidFill>
+                  <a:srgbClr val="343A40"/>
+                </a:solidFill>
+                <a:latin typeface="Segoe UI" panose="020B0502040204020203" pitchFamily="34" charset="0"/>
+                <a:ea typeface="Times New Roman" panose="02020603050405020304" pitchFamily="18" charset="0"/>
+                <a:cs typeface="Times New Roman" panose="02020603050405020304" pitchFamily="18" charset="0"/>
+              </a:rPr>
+              <a:t>gọi</a:t>
+            </a:r>
+            <a:r>
+              <a:rPr lang="en-US" sz="1800" dirty="0">
+                <a:solidFill>
+                  <a:srgbClr val="343A40"/>
+                </a:solidFill>
+                <a:latin typeface="Segoe UI" panose="020B0502040204020203" pitchFamily="34" charset="0"/>
+                <a:ea typeface="Times New Roman" panose="02020603050405020304" pitchFamily="18" charset="0"/>
+                <a:cs typeface="Times New Roman" panose="02020603050405020304" pitchFamily="18" charset="0"/>
+              </a:rPr>
+              <a:t> </a:t>
+            </a:r>
+            <a:r>
+              <a:rPr lang="en-US" sz="1800" dirty="0" err="1">
+                <a:solidFill>
+                  <a:srgbClr val="343A40"/>
+                </a:solidFill>
+                <a:latin typeface="Segoe UI" panose="020B0502040204020203" pitchFamily="34" charset="0"/>
+                <a:ea typeface="Times New Roman" panose="02020603050405020304" pitchFamily="18" charset="0"/>
+                <a:cs typeface="Times New Roman" panose="02020603050405020304" pitchFamily="18" charset="0"/>
+              </a:rPr>
+              <a:t>phương</a:t>
+            </a:r>
+            <a:r>
+              <a:rPr lang="en-US" sz="1800" dirty="0">
+                <a:solidFill>
+                  <a:srgbClr val="343A40"/>
+                </a:solidFill>
+                <a:latin typeface="Segoe UI" panose="020B0502040204020203" pitchFamily="34" charset="0"/>
+                <a:ea typeface="Times New Roman" panose="02020603050405020304" pitchFamily="18" charset="0"/>
+                <a:cs typeface="Times New Roman" panose="02020603050405020304" pitchFamily="18" charset="0"/>
+              </a:rPr>
+              <a:t> </a:t>
+            </a:r>
+            <a:r>
+              <a:rPr lang="en-US" sz="1800" dirty="0" err="1">
+                <a:solidFill>
+                  <a:srgbClr val="343A40"/>
+                </a:solidFill>
+                <a:latin typeface="Segoe UI" panose="020B0502040204020203" pitchFamily="34" charset="0"/>
+                <a:ea typeface="Times New Roman" panose="02020603050405020304" pitchFamily="18" charset="0"/>
+                <a:cs typeface="Times New Roman" panose="02020603050405020304" pitchFamily="18" charset="0"/>
+              </a:rPr>
+              <a:t>thức</a:t>
+            </a:r>
+            <a:r>
+              <a:rPr lang="en-US" sz="1800" dirty="0">
+                <a:solidFill>
+                  <a:srgbClr val="343A40"/>
+                </a:solidFill>
+                <a:latin typeface="Segoe UI" panose="020B0502040204020203" pitchFamily="34" charset="0"/>
+                <a:ea typeface="Times New Roman" panose="02020603050405020304" pitchFamily="18" charset="0"/>
+                <a:cs typeface="Times New Roman" panose="02020603050405020304" pitchFamily="18" charset="0"/>
+              </a:rPr>
+              <a:t> </a:t>
+            </a:r>
+            <a:r>
+              <a:rPr lang="en-US" sz="1800" dirty="0" err="1">
+                <a:solidFill>
+                  <a:srgbClr val="343A40"/>
+                </a:solidFill>
+                <a:latin typeface="Segoe UI" panose="020B0502040204020203" pitchFamily="34" charset="0"/>
+                <a:ea typeface="Times New Roman" panose="02020603050405020304" pitchFamily="18" charset="0"/>
+                <a:cs typeface="Times New Roman" panose="02020603050405020304" pitchFamily="18" charset="0"/>
+              </a:rPr>
+              <a:t>thì</a:t>
+            </a:r>
+            <a:r>
+              <a:rPr lang="en-US" sz="1800" dirty="0">
+                <a:solidFill>
+                  <a:srgbClr val="343A40"/>
+                </a:solidFill>
+                <a:latin typeface="Segoe UI" panose="020B0502040204020203" pitchFamily="34" charset="0"/>
+                <a:ea typeface="Times New Roman" panose="02020603050405020304" pitchFamily="18" charset="0"/>
+                <a:cs typeface="Times New Roman" panose="02020603050405020304" pitchFamily="18" charset="0"/>
+              </a:rPr>
+              <a:t> </a:t>
+            </a:r>
+            <a:r>
+              <a:rPr lang="en-US" sz="1800" dirty="0" err="1">
+                <a:solidFill>
+                  <a:srgbClr val="343A40"/>
+                </a:solidFill>
+                <a:latin typeface="Segoe UI" panose="020B0502040204020203" pitchFamily="34" charset="0"/>
+                <a:ea typeface="Times New Roman" panose="02020603050405020304" pitchFamily="18" charset="0"/>
+                <a:cs typeface="Times New Roman" panose="02020603050405020304" pitchFamily="18" charset="0"/>
+              </a:rPr>
+              <a:t>phiên</a:t>
+            </a:r>
+            <a:r>
+              <a:rPr lang="en-US" sz="1800" dirty="0">
                 <a:solidFill>
                   <a:srgbClr val="343A40"/>
                 </a:solidFill>
@@ -11881,73 +13093,51 @@
                 <a:ea typeface="Times New Roman" panose="02020603050405020304" pitchFamily="18" charset="0"/>
                 <a:cs typeface="Times New Roman" panose="02020603050405020304" pitchFamily="18" charset="0"/>
               </a:rPr>
-              <a:t>của</a:t>
-            </a:r>
-            <a:r>
-              <a:rPr lang="en-US" sz="1800" dirty="0">
-                <a:solidFill>
-                  <a:srgbClr val="343A40"/>
-                </a:solidFill>
-                <a:latin typeface="Segoe UI" panose="020B0502040204020203" pitchFamily="34" charset="0"/>
-                <a:ea typeface="Times New Roman" panose="02020603050405020304" pitchFamily="18" charset="0"/>
-                <a:cs typeface="Times New Roman" panose="02020603050405020304" pitchFamily="18" charset="0"/>
-              </a:rPr>
-              <a:t> </a:t>
-            </a:r>
-            <a:r>
-              <a:rPr lang="en-US" sz="1800" dirty="0" err="1">
-                <a:solidFill>
-                  <a:srgbClr val="343A40"/>
-                </a:solidFill>
-                <a:latin typeface="Segoe UI" panose="020B0502040204020203" pitchFamily="34" charset="0"/>
-                <a:ea typeface="Times New Roman" panose="02020603050405020304" pitchFamily="18" charset="0"/>
-                <a:cs typeface="Times New Roman" panose="02020603050405020304" pitchFamily="18" charset="0"/>
-              </a:rPr>
-              <a:t>một</a:t>
-            </a:r>
-            <a:r>
-              <a:rPr lang="en-US" sz="1800" dirty="0">
-                <a:solidFill>
-                  <a:srgbClr val="343A40"/>
-                </a:solidFill>
-                <a:latin typeface="Segoe UI" panose="020B0502040204020203" pitchFamily="34" charset="0"/>
-                <a:ea typeface="Times New Roman" panose="02020603050405020304" pitchFamily="18" charset="0"/>
-                <a:cs typeface="Times New Roman" panose="02020603050405020304" pitchFamily="18" charset="0"/>
-              </a:rPr>
-              <a:t> </a:t>
-            </a:r>
-            <a:r>
-              <a:rPr lang="en-US" sz="1800" dirty="0" err="1">
-                <a:solidFill>
-                  <a:srgbClr val="343A40"/>
-                </a:solidFill>
-                <a:latin typeface="Segoe UI" panose="020B0502040204020203" pitchFamily="34" charset="0"/>
-                <a:ea typeface="Times New Roman" panose="02020603050405020304" pitchFamily="18" charset="0"/>
-                <a:cs typeface="Times New Roman" panose="02020603050405020304" pitchFamily="18" charset="0"/>
-              </a:rPr>
-              <a:t>phương</a:t>
-            </a:r>
-            <a:r>
-              <a:rPr lang="en-US" sz="1800" dirty="0">
-                <a:solidFill>
-                  <a:srgbClr val="343A40"/>
-                </a:solidFill>
-                <a:latin typeface="Segoe UI" panose="020B0502040204020203" pitchFamily="34" charset="0"/>
-                <a:ea typeface="Times New Roman" panose="02020603050405020304" pitchFamily="18" charset="0"/>
-                <a:cs typeface="Times New Roman" panose="02020603050405020304" pitchFamily="18" charset="0"/>
-              </a:rPr>
-              <a:t> </a:t>
-            </a:r>
-            <a:r>
-              <a:rPr lang="en-US" sz="1800" dirty="0" err="1">
-                <a:solidFill>
-                  <a:srgbClr val="343A40"/>
-                </a:solidFill>
-                <a:latin typeface="Segoe UI" panose="020B0502040204020203" pitchFamily="34" charset="0"/>
-                <a:ea typeface="Times New Roman" panose="02020603050405020304" pitchFamily="18" charset="0"/>
-                <a:cs typeface="Times New Roman" panose="02020603050405020304" pitchFamily="18" charset="0"/>
-              </a:rPr>
-              <a:t>thức</a:t>
+              <a:t>trong</a:t>
+            </a:r>
+            <a:r>
+              <a:rPr lang="en-US" sz="1800" dirty="0">
+                <a:solidFill>
+                  <a:srgbClr val="343A40"/>
+                </a:solidFill>
+                <a:latin typeface="Segoe UI" panose="020B0502040204020203" pitchFamily="34" charset="0"/>
+                <a:ea typeface="Times New Roman" panose="02020603050405020304" pitchFamily="18" charset="0"/>
+                <a:cs typeface="Times New Roman" panose="02020603050405020304" pitchFamily="18" charset="0"/>
+              </a:rPr>
+              <a:t> </a:t>
+            </a:r>
+            <a:r>
+              <a:rPr lang="en-US" sz="1800" dirty="0" err="1">
+                <a:solidFill>
+                  <a:srgbClr val="343A40"/>
+                </a:solidFill>
+                <a:latin typeface="Segoe UI" panose="020B0502040204020203" pitchFamily="34" charset="0"/>
+                <a:ea typeface="Times New Roman" panose="02020603050405020304" pitchFamily="18" charset="0"/>
+                <a:cs typeface="Times New Roman" panose="02020603050405020304" pitchFamily="18" charset="0"/>
+              </a:rPr>
+              <a:t>lớp</a:t>
+            </a:r>
+            <a:r>
+              <a:rPr lang="en-US" sz="1800" dirty="0">
+                <a:solidFill>
+                  <a:srgbClr val="343A40"/>
+                </a:solidFill>
+                <a:latin typeface="Segoe UI" panose="020B0502040204020203" pitchFamily="34" charset="0"/>
+                <a:ea typeface="Times New Roman" panose="02020603050405020304" pitchFamily="18" charset="0"/>
+                <a:cs typeface="Times New Roman" panose="02020603050405020304" pitchFamily="18" charset="0"/>
+              </a:rPr>
+              <a:t> con </a:t>
+            </a:r>
+            <a:r>
+              <a:rPr lang="en-US" sz="1800" dirty="0" err="1">
+                <a:solidFill>
+                  <a:srgbClr val="343A40"/>
+                </a:solidFill>
+                <a:latin typeface="Segoe UI" panose="020B0502040204020203" pitchFamily="34" charset="0"/>
+                <a:ea typeface="Times New Roman" panose="02020603050405020304" pitchFamily="18" charset="0"/>
+                <a:cs typeface="Times New Roman" panose="02020603050405020304" pitchFamily="18" charset="0"/>
+              </a:rPr>
+              <a:t>sẽ</a:t>
             </a:r>
             <a:r>
               <a:rPr lang="en-US" sz="1800" dirty="0">
@@ -12024,1287 +13214,8 @@
                 <a:ea typeface="Times New Roman" panose="02020603050405020304" pitchFamily="18" charset="0"/>
                 <a:cs typeface="Times New Roman" panose="02020603050405020304" pitchFamily="18" charset="0"/>
               </a:rPr>
-              <a:t> </a:t>
-            </a:r>
-            <a:r>
-              <a:rPr lang="en-US" sz="1800" dirty="0" err="1">
-                <a:solidFill>
-                  <a:srgbClr val="343A40"/>
-                </a:solidFill>
-                <a:latin typeface="Segoe UI" panose="020B0502040204020203" pitchFamily="34" charset="0"/>
-                <a:ea typeface="Times New Roman" panose="02020603050405020304" pitchFamily="18" charset="0"/>
-                <a:cs typeface="Times New Roman" panose="02020603050405020304" pitchFamily="18" charset="0"/>
-              </a:rPr>
-              <a:t>sẽ</a:t>
-            </a:r>
-            <a:r>
-              <a:rPr lang="en-US" sz="1800" dirty="0">
-                <a:solidFill>
-                  <a:srgbClr val="343A40"/>
-                </a:solidFill>
-                <a:latin typeface="Segoe UI" panose="020B0502040204020203" pitchFamily="34" charset="0"/>
-                <a:ea typeface="Times New Roman" panose="02020603050405020304" pitchFamily="18" charset="0"/>
-                <a:cs typeface="Times New Roman" panose="02020603050405020304" pitchFamily="18" charset="0"/>
-              </a:rPr>
-              <a:t> </a:t>
-            </a:r>
-            <a:r>
-              <a:rPr lang="en-US" sz="1800" dirty="0" err="1">
-                <a:solidFill>
-                  <a:srgbClr val="343A40"/>
-                </a:solidFill>
-                <a:latin typeface="Segoe UI" panose="020B0502040204020203" pitchFamily="34" charset="0"/>
-                <a:ea typeface="Times New Roman" panose="02020603050405020304" pitchFamily="18" charset="0"/>
-                <a:cs typeface="Times New Roman" panose="02020603050405020304" pitchFamily="18" charset="0"/>
-              </a:rPr>
-              <a:t>được</a:t>
-            </a:r>
-            <a:r>
-              <a:rPr lang="en-US" sz="1800" dirty="0">
-                <a:solidFill>
-                  <a:srgbClr val="343A40"/>
-                </a:solidFill>
-                <a:latin typeface="Segoe UI" panose="020B0502040204020203" pitchFamily="34" charset="0"/>
-                <a:ea typeface="Times New Roman" panose="02020603050405020304" pitchFamily="18" charset="0"/>
-                <a:cs typeface="Times New Roman" panose="02020603050405020304" pitchFamily="18" charset="0"/>
-              </a:rPr>
-              <a:t> </a:t>
-            </a:r>
-            <a:r>
-              <a:rPr lang="en-US" sz="1800" dirty="0" err="1">
-                <a:solidFill>
-                  <a:srgbClr val="343A40"/>
-                </a:solidFill>
-                <a:latin typeface="Segoe UI" panose="020B0502040204020203" pitchFamily="34" charset="0"/>
-                <a:ea typeface="Times New Roman" panose="02020603050405020304" pitchFamily="18" charset="0"/>
-                <a:cs typeface="Times New Roman" panose="02020603050405020304" pitchFamily="18" charset="0"/>
-              </a:rPr>
-              <a:t>xác</a:t>
-            </a:r>
-            <a:r>
-              <a:rPr lang="en-US" sz="1800" dirty="0">
-                <a:solidFill>
-                  <a:srgbClr val="343A40"/>
-                </a:solidFill>
-                <a:latin typeface="Segoe UI" panose="020B0502040204020203" pitchFamily="34" charset="0"/>
-                <a:ea typeface="Times New Roman" panose="02020603050405020304" pitchFamily="18" charset="0"/>
-                <a:cs typeface="Times New Roman" panose="02020603050405020304" pitchFamily="18" charset="0"/>
-              </a:rPr>
-              <a:t> </a:t>
-            </a:r>
-            <a:r>
-              <a:rPr lang="en-US" sz="1800" dirty="0" err="1">
-                <a:solidFill>
-                  <a:srgbClr val="343A40"/>
-                </a:solidFill>
-                <a:latin typeface="Segoe UI" panose="020B0502040204020203" pitchFamily="34" charset="0"/>
-                <a:ea typeface="Times New Roman" panose="02020603050405020304" pitchFamily="18" charset="0"/>
-                <a:cs typeface="Times New Roman" panose="02020603050405020304" pitchFamily="18" charset="0"/>
-              </a:rPr>
-              <a:t>định</a:t>
-            </a:r>
-            <a:r>
-              <a:rPr lang="en-US" sz="1800" dirty="0">
-                <a:solidFill>
-                  <a:srgbClr val="343A40"/>
-                </a:solidFill>
-                <a:latin typeface="Segoe UI" panose="020B0502040204020203" pitchFamily="34" charset="0"/>
-                <a:ea typeface="Times New Roman" panose="02020603050405020304" pitchFamily="18" charset="0"/>
-                <a:cs typeface="Times New Roman" panose="02020603050405020304" pitchFamily="18" charset="0"/>
-              </a:rPr>
-              <a:t> </a:t>
-            </a:r>
-            <a:r>
-              <a:rPr lang="en-US" sz="1800" dirty="0" err="1">
-                <a:solidFill>
-                  <a:srgbClr val="343A40"/>
-                </a:solidFill>
-                <a:latin typeface="Segoe UI" panose="020B0502040204020203" pitchFamily="34" charset="0"/>
-                <a:ea typeface="Times New Roman" panose="02020603050405020304" pitchFamily="18" charset="0"/>
-                <a:cs typeface="Times New Roman" panose="02020603050405020304" pitchFamily="18" charset="0"/>
-              </a:rPr>
-              <a:t>bởi</a:t>
-            </a:r>
-            <a:r>
-              <a:rPr lang="en-US" sz="1800" dirty="0">
-                <a:solidFill>
-                  <a:srgbClr val="343A40"/>
-                </a:solidFill>
-                <a:latin typeface="Segoe UI" panose="020B0502040204020203" pitchFamily="34" charset="0"/>
-                <a:ea typeface="Times New Roman" panose="02020603050405020304" pitchFamily="18" charset="0"/>
-                <a:cs typeface="Times New Roman" panose="02020603050405020304" pitchFamily="18" charset="0"/>
-              </a:rPr>
-              <a:t> </a:t>
-            </a:r>
-            <a:r>
-              <a:rPr lang="en-US" sz="1800" dirty="0" err="1">
-                <a:solidFill>
-                  <a:srgbClr val="343A40"/>
-                </a:solidFill>
-                <a:latin typeface="Segoe UI" panose="020B0502040204020203" pitchFamily="34" charset="0"/>
-                <a:ea typeface="Times New Roman" panose="02020603050405020304" pitchFamily="18" charset="0"/>
-                <a:cs typeface="Times New Roman" panose="02020603050405020304" pitchFamily="18" charset="0"/>
-              </a:rPr>
-              <a:t>đối</a:t>
-            </a:r>
-            <a:r>
-              <a:rPr lang="en-US" sz="1800" dirty="0">
-                <a:solidFill>
-                  <a:srgbClr val="343A40"/>
-                </a:solidFill>
-                <a:latin typeface="Segoe UI" panose="020B0502040204020203" pitchFamily="34" charset="0"/>
-                <a:ea typeface="Times New Roman" panose="02020603050405020304" pitchFamily="18" charset="0"/>
-                <a:cs typeface="Times New Roman" panose="02020603050405020304" pitchFamily="18" charset="0"/>
-              </a:rPr>
-              <a:t> </a:t>
-            </a:r>
-            <a:r>
-              <a:rPr lang="en-US" sz="1800" dirty="0" err="1">
-                <a:solidFill>
-                  <a:srgbClr val="343A40"/>
-                </a:solidFill>
-                <a:latin typeface="Segoe UI" panose="020B0502040204020203" pitchFamily="34" charset="0"/>
-                <a:ea typeface="Times New Roman" panose="02020603050405020304" pitchFamily="18" charset="0"/>
-                <a:cs typeface="Times New Roman" panose="02020603050405020304" pitchFamily="18" charset="0"/>
-              </a:rPr>
-              <a:t>tượng</a:t>
-            </a:r>
-            <a:r>
-              <a:rPr lang="en-US" sz="1800" dirty="0">
-                <a:solidFill>
-                  <a:srgbClr val="343A40"/>
-                </a:solidFill>
-                <a:latin typeface="Segoe UI" panose="020B0502040204020203" pitchFamily="34" charset="0"/>
-                <a:ea typeface="Times New Roman" panose="02020603050405020304" pitchFamily="18" charset="0"/>
-                <a:cs typeface="Times New Roman" panose="02020603050405020304" pitchFamily="18" charset="0"/>
-              </a:rPr>
-              <a:t> </a:t>
-            </a:r>
-            <a:r>
-              <a:rPr lang="en-US" sz="1800" dirty="0" err="1">
-                <a:solidFill>
-                  <a:srgbClr val="343A40"/>
-                </a:solidFill>
-                <a:latin typeface="Segoe UI" panose="020B0502040204020203" pitchFamily="34" charset="0"/>
-                <a:ea typeface="Times New Roman" panose="02020603050405020304" pitchFamily="18" charset="0"/>
-                <a:cs typeface="Times New Roman" panose="02020603050405020304" pitchFamily="18" charset="0"/>
-              </a:rPr>
-              <a:t>được</a:t>
-            </a:r>
-            <a:r>
-              <a:rPr lang="en-US" sz="1800" dirty="0">
-                <a:solidFill>
-                  <a:srgbClr val="343A40"/>
-                </a:solidFill>
-                <a:latin typeface="Segoe UI" panose="020B0502040204020203" pitchFamily="34" charset="0"/>
-                <a:ea typeface="Times New Roman" panose="02020603050405020304" pitchFamily="18" charset="0"/>
-                <a:cs typeface="Times New Roman" panose="02020603050405020304" pitchFamily="18" charset="0"/>
-              </a:rPr>
-              <a:t> </a:t>
-            </a:r>
-            <a:r>
-              <a:rPr lang="en-US" sz="1800" dirty="0" err="1">
-                <a:solidFill>
-                  <a:srgbClr val="343A40"/>
-                </a:solidFill>
-                <a:latin typeface="Segoe UI" panose="020B0502040204020203" pitchFamily="34" charset="0"/>
-                <a:ea typeface="Times New Roman" panose="02020603050405020304" pitchFamily="18" charset="0"/>
-                <a:cs typeface="Times New Roman" panose="02020603050405020304" pitchFamily="18" charset="0"/>
-              </a:rPr>
-              <a:t>sử</a:t>
-            </a:r>
-            <a:r>
-              <a:rPr lang="en-US" sz="1800" dirty="0">
-                <a:solidFill>
-                  <a:srgbClr val="343A40"/>
-                </a:solidFill>
-                <a:latin typeface="Segoe UI" panose="020B0502040204020203" pitchFamily="34" charset="0"/>
-                <a:ea typeface="Times New Roman" panose="02020603050405020304" pitchFamily="18" charset="0"/>
-                <a:cs typeface="Times New Roman" panose="02020603050405020304" pitchFamily="18" charset="0"/>
-              </a:rPr>
-              <a:t> </a:t>
-            </a:r>
-            <a:r>
-              <a:rPr lang="en-US" sz="1800" dirty="0" err="1">
-                <a:solidFill>
-                  <a:srgbClr val="343A40"/>
-                </a:solidFill>
-                <a:latin typeface="Segoe UI" panose="020B0502040204020203" pitchFamily="34" charset="0"/>
-                <a:ea typeface="Times New Roman" panose="02020603050405020304" pitchFamily="18" charset="0"/>
-                <a:cs typeface="Times New Roman" panose="02020603050405020304" pitchFamily="18" charset="0"/>
-              </a:rPr>
-              <a:t>dụng</a:t>
-            </a:r>
-            <a:r>
-              <a:rPr lang="en-US" sz="1800" dirty="0">
-                <a:solidFill>
-                  <a:srgbClr val="343A40"/>
-                </a:solidFill>
-                <a:latin typeface="Segoe UI" panose="020B0502040204020203" pitchFamily="34" charset="0"/>
-                <a:ea typeface="Times New Roman" panose="02020603050405020304" pitchFamily="18" charset="0"/>
-                <a:cs typeface="Times New Roman" panose="02020603050405020304" pitchFamily="18" charset="0"/>
-              </a:rPr>
-              <a:t> </a:t>
-            </a:r>
-            <a:r>
-              <a:rPr lang="en-US" sz="1800" dirty="0" err="1">
-                <a:solidFill>
-                  <a:srgbClr val="343A40"/>
-                </a:solidFill>
-                <a:latin typeface="Segoe UI" panose="020B0502040204020203" pitchFamily="34" charset="0"/>
-                <a:ea typeface="Times New Roman" panose="02020603050405020304" pitchFamily="18" charset="0"/>
-                <a:cs typeface="Times New Roman" panose="02020603050405020304" pitchFamily="18" charset="0"/>
-              </a:rPr>
-              <a:t>để</a:t>
-            </a:r>
-            <a:r>
-              <a:rPr lang="en-US" sz="1800" dirty="0">
-                <a:solidFill>
-                  <a:srgbClr val="343A40"/>
-                </a:solidFill>
-                <a:latin typeface="Segoe UI" panose="020B0502040204020203" pitchFamily="34" charset="0"/>
-                <a:ea typeface="Times New Roman" panose="02020603050405020304" pitchFamily="18" charset="0"/>
-                <a:cs typeface="Times New Roman" panose="02020603050405020304" pitchFamily="18" charset="0"/>
-              </a:rPr>
-              <a:t> </a:t>
-            </a:r>
-            <a:r>
-              <a:rPr lang="en-US" sz="1800" dirty="0" err="1" smtClean="0">
-                <a:solidFill>
-                  <a:srgbClr val="343A40"/>
-                </a:solidFill>
-                <a:latin typeface="Segoe UI" panose="020B0502040204020203" pitchFamily="34" charset="0"/>
-                <a:ea typeface="Times New Roman" panose="02020603050405020304" pitchFamily="18" charset="0"/>
-                <a:cs typeface="Times New Roman" panose="02020603050405020304" pitchFamily="18" charset="0"/>
-              </a:rPr>
-              <a:t>gọi</a:t>
-            </a:r>
-            <a:r>
-              <a:rPr lang="en-US" sz="1800" dirty="0" smtClean="0">
-                <a:solidFill>
-                  <a:srgbClr val="343A40"/>
-                </a:solidFill>
-                <a:latin typeface="Segoe UI" panose="020B0502040204020203" pitchFamily="34" charset="0"/>
-                <a:ea typeface="Times New Roman" panose="02020603050405020304" pitchFamily="18" charset="0"/>
-                <a:cs typeface="Times New Roman" panose="02020603050405020304" pitchFamily="18" charset="0"/>
-              </a:rPr>
-              <a:t>:</a:t>
-            </a:r>
-          </a:p>
-          <a:p>
-            <a:pPr algn="just">
-              <a:lnSpc>
-                <a:spcPct val="107000"/>
-              </a:lnSpc>
-              <a:spcAft>
-                <a:spcPts val="800"/>
-              </a:spcAft>
-            </a:pPr>
-            <a:r>
-              <a:rPr lang="en-US" sz="1800" dirty="0" smtClean="0">
-                <a:solidFill>
-                  <a:srgbClr val="343A40"/>
-                </a:solidFill>
-                <a:latin typeface="Segoe UI" panose="020B0502040204020203" pitchFamily="34" charset="0"/>
-                <a:ea typeface="Times New Roman" panose="02020603050405020304" pitchFamily="18" charset="0"/>
-                <a:cs typeface="Times New Roman" panose="02020603050405020304" pitchFamily="18" charset="0"/>
-              </a:rPr>
-              <a:t>- </a:t>
-            </a:r>
-            <a:r>
-              <a:rPr lang="en-US" sz="1800" dirty="0" err="1" smtClean="0">
-                <a:solidFill>
-                  <a:srgbClr val="343A40"/>
-                </a:solidFill>
-                <a:latin typeface="Segoe UI" panose="020B0502040204020203" pitchFamily="34" charset="0"/>
-                <a:ea typeface="Times New Roman" panose="02020603050405020304" pitchFamily="18" charset="0"/>
-                <a:cs typeface="Times New Roman" panose="02020603050405020304" pitchFamily="18" charset="0"/>
-              </a:rPr>
-              <a:t>Nếu</a:t>
-            </a:r>
-            <a:r>
-              <a:rPr lang="en-US" sz="1800" dirty="0" smtClean="0">
-                <a:solidFill>
-                  <a:srgbClr val="343A40"/>
-                </a:solidFill>
-                <a:latin typeface="Segoe UI" panose="020B0502040204020203" pitchFamily="34" charset="0"/>
-                <a:ea typeface="Times New Roman" panose="02020603050405020304" pitchFamily="18" charset="0"/>
-                <a:cs typeface="Times New Roman" panose="02020603050405020304" pitchFamily="18" charset="0"/>
-              </a:rPr>
-              <a:t> </a:t>
-            </a:r>
-            <a:r>
-              <a:rPr lang="en-US" sz="1800" dirty="0" err="1">
-                <a:solidFill>
-                  <a:srgbClr val="343A40"/>
-                </a:solidFill>
-                <a:latin typeface="Segoe UI" panose="020B0502040204020203" pitchFamily="34" charset="0"/>
-                <a:ea typeface="Times New Roman" panose="02020603050405020304" pitchFamily="18" charset="0"/>
-                <a:cs typeface="Times New Roman" panose="02020603050405020304" pitchFamily="18" charset="0"/>
-              </a:rPr>
-              <a:t>một</a:t>
-            </a:r>
-            <a:r>
-              <a:rPr lang="en-US" sz="1800" dirty="0">
-                <a:solidFill>
-                  <a:srgbClr val="343A40"/>
-                </a:solidFill>
-                <a:latin typeface="Segoe UI" panose="020B0502040204020203" pitchFamily="34" charset="0"/>
-                <a:ea typeface="Times New Roman" panose="02020603050405020304" pitchFamily="18" charset="0"/>
-                <a:cs typeface="Times New Roman" panose="02020603050405020304" pitchFamily="18" charset="0"/>
-              </a:rPr>
-              <a:t> </a:t>
-            </a:r>
-            <a:r>
-              <a:rPr lang="en-US" sz="1800" dirty="0" err="1">
-                <a:solidFill>
-                  <a:srgbClr val="343A40"/>
-                </a:solidFill>
-                <a:latin typeface="Segoe UI" panose="020B0502040204020203" pitchFamily="34" charset="0"/>
-                <a:ea typeface="Times New Roman" panose="02020603050405020304" pitchFamily="18" charset="0"/>
-                <a:cs typeface="Times New Roman" panose="02020603050405020304" pitchFamily="18" charset="0"/>
-              </a:rPr>
-              <a:t>đối</a:t>
-            </a:r>
-            <a:r>
-              <a:rPr lang="en-US" sz="1800" dirty="0">
-                <a:solidFill>
-                  <a:srgbClr val="343A40"/>
-                </a:solidFill>
-                <a:latin typeface="Segoe UI" panose="020B0502040204020203" pitchFamily="34" charset="0"/>
-                <a:ea typeface="Times New Roman" panose="02020603050405020304" pitchFamily="18" charset="0"/>
-                <a:cs typeface="Times New Roman" panose="02020603050405020304" pitchFamily="18" charset="0"/>
-              </a:rPr>
-              <a:t> </a:t>
-            </a:r>
-            <a:r>
-              <a:rPr lang="en-US" sz="1800" dirty="0" err="1">
-                <a:solidFill>
-                  <a:srgbClr val="343A40"/>
-                </a:solidFill>
-                <a:latin typeface="Segoe UI" panose="020B0502040204020203" pitchFamily="34" charset="0"/>
-                <a:ea typeface="Times New Roman" panose="02020603050405020304" pitchFamily="18" charset="0"/>
-                <a:cs typeface="Times New Roman" panose="02020603050405020304" pitchFamily="18" charset="0"/>
-              </a:rPr>
-              <a:t>tượng</a:t>
-            </a:r>
-            <a:r>
-              <a:rPr lang="en-US" sz="1800" dirty="0">
-                <a:solidFill>
-                  <a:srgbClr val="343A40"/>
-                </a:solidFill>
-                <a:latin typeface="Segoe UI" panose="020B0502040204020203" pitchFamily="34" charset="0"/>
-                <a:ea typeface="Times New Roman" panose="02020603050405020304" pitchFamily="18" charset="0"/>
-                <a:cs typeface="Times New Roman" panose="02020603050405020304" pitchFamily="18" charset="0"/>
-              </a:rPr>
-              <a:t> </a:t>
-            </a:r>
-            <a:r>
-              <a:rPr lang="en-US" sz="1800" dirty="0" err="1">
-                <a:solidFill>
-                  <a:srgbClr val="343A40"/>
-                </a:solidFill>
-                <a:latin typeface="Segoe UI" panose="020B0502040204020203" pitchFamily="34" charset="0"/>
-                <a:ea typeface="Times New Roman" panose="02020603050405020304" pitchFamily="18" charset="0"/>
-                <a:cs typeface="Times New Roman" panose="02020603050405020304" pitchFamily="18" charset="0"/>
-              </a:rPr>
-              <a:t>của</a:t>
-            </a:r>
-            <a:r>
-              <a:rPr lang="en-US" sz="1800" dirty="0">
-                <a:solidFill>
-                  <a:srgbClr val="343A40"/>
-                </a:solidFill>
-                <a:latin typeface="Segoe UI" panose="020B0502040204020203" pitchFamily="34" charset="0"/>
-                <a:ea typeface="Times New Roman" panose="02020603050405020304" pitchFamily="18" charset="0"/>
-                <a:cs typeface="Times New Roman" panose="02020603050405020304" pitchFamily="18" charset="0"/>
-              </a:rPr>
-              <a:t> </a:t>
-            </a:r>
-            <a:r>
-              <a:rPr lang="en-US" sz="1800" dirty="0" err="1">
-                <a:solidFill>
-                  <a:srgbClr val="343A40"/>
-                </a:solidFill>
-                <a:latin typeface="Segoe UI" panose="020B0502040204020203" pitchFamily="34" charset="0"/>
-                <a:ea typeface="Times New Roman" panose="02020603050405020304" pitchFamily="18" charset="0"/>
-                <a:cs typeface="Times New Roman" panose="02020603050405020304" pitchFamily="18" charset="0"/>
-              </a:rPr>
-              <a:t>lớp</a:t>
-            </a:r>
-            <a:r>
-              <a:rPr lang="en-US" sz="1800" dirty="0">
-                <a:solidFill>
-                  <a:srgbClr val="343A40"/>
-                </a:solidFill>
-                <a:latin typeface="Segoe UI" panose="020B0502040204020203" pitchFamily="34" charset="0"/>
-                <a:ea typeface="Times New Roman" panose="02020603050405020304" pitchFamily="18" charset="0"/>
-                <a:cs typeface="Times New Roman" panose="02020603050405020304" pitchFamily="18" charset="0"/>
-              </a:rPr>
-              <a:t> cha </a:t>
-            </a:r>
-            <a:r>
-              <a:rPr lang="en-US" sz="1800" dirty="0" err="1">
-                <a:solidFill>
-                  <a:srgbClr val="343A40"/>
-                </a:solidFill>
-                <a:latin typeface="Segoe UI" panose="020B0502040204020203" pitchFamily="34" charset="0"/>
-                <a:ea typeface="Times New Roman" panose="02020603050405020304" pitchFamily="18" charset="0"/>
-                <a:cs typeface="Times New Roman" panose="02020603050405020304" pitchFamily="18" charset="0"/>
-              </a:rPr>
-              <a:t>được</a:t>
-            </a:r>
-            <a:r>
-              <a:rPr lang="en-US" sz="1800" dirty="0">
-                <a:solidFill>
-                  <a:srgbClr val="343A40"/>
-                </a:solidFill>
-                <a:latin typeface="Segoe UI" panose="020B0502040204020203" pitchFamily="34" charset="0"/>
-                <a:ea typeface="Times New Roman" panose="02020603050405020304" pitchFamily="18" charset="0"/>
-                <a:cs typeface="Times New Roman" panose="02020603050405020304" pitchFamily="18" charset="0"/>
-              </a:rPr>
-              <a:t> </a:t>
-            </a:r>
-            <a:r>
-              <a:rPr lang="en-US" sz="1800" dirty="0" err="1">
-                <a:solidFill>
-                  <a:srgbClr val="343A40"/>
-                </a:solidFill>
-                <a:latin typeface="Segoe UI" panose="020B0502040204020203" pitchFamily="34" charset="0"/>
-                <a:ea typeface="Times New Roman" panose="02020603050405020304" pitchFamily="18" charset="0"/>
-                <a:cs typeface="Times New Roman" panose="02020603050405020304" pitchFamily="18" charset="0"/>
-              </a:rPr>
-              <a:t>sử</a:t>
-            </a:r>
-            <a:r>
-              <a:rPr lang="en-US" sz="1800" dirty="0">
-                <a:solidFill>
-                  <a:srgbClr val="343A40"/>
-                </a:solidFill>
-                <a:latin typeface="Segoe UI" panose="020B0502040204020203" pitchFamily="34" charset="0"/>
-                <a:ea typeface="Times New Roman" panose="02020603050405020304" pitchFamily="18" charset="0"/>
-                <a:cs typeface="Times New Roman" panose="02020603050405020304" pitchFamily="18" charset="0"/>
-              </a:rPr>
-              <a:t> </a:t>
-            </a:r>
-            <a:r>
-              <a:rPr lang="en-US" sz="1800" dirty="0" err="1">
-                <a:solidFill>
-                  <a:srgbClr val="343A40"/>
-                </a:solidFill>
-                <a:latin typeface="Segoe UI" panose="020B0502040204020203" pitchFamily="34" charset="0"/>
-                <a:ea typeface="Times New Roman" panose="02020603050405020304" pitchFamily="18" charset="0"/>
-                <a:cs typeface="Times New Roman" panose="02020603050405020304" pitchFamily="18" charset="0"/>
-              </a:rPr>
-              <a:t>dụng</a:t>
-            </a:r>
-            <a:r>
-              <a:rPr lang="en-US" sz="1800" dirty="0">
-                <a:solidFill>
-                  <a:srgbClr val="343A40"/>
-                </a:solidFill>
-                <a:latin typeface="Segoe UI" panose="020B0502040204020203" pitchFamily="34" charset="0"/>
-                <a:ea typeface="Times New Roman" panose="02020603050405020304" pitchFamily="18" charset="0"/>
-                <a:cs typeface="Times New Roman" panose="02020603050405020304" pitchFamily="18" charset="0"/>
-              </a:rPr>
-              <a:t> </a:t>
-            </a:r>
-            <a:r>
-              <a:rPr lang="en-US" sz="1800" dirty="0" err="1">
-                <a:solidFill>
-                  <a:srgbClr val="343A40"/>
-                </a:solidFill>
-                <a:latin typeface="Segoe UI" panose="020B0502040204020203" pitchFamily="34" charset="0"/>
-                <a:ea typeface="Times New Roman" panose="02020603050405020304" pitchFamily="18" charset="0"/>
-                <a:cs typeface="Times New Roman" panose="02020603050405020304" pitchFamily="18" charset="0"/>
-              </a:rPr>
-              <a:t>để</a:t>
-            </a:r>
-            <a:r>
-              <a:rPr lang="en-US" sz="1800" dirty="0">
-                <a:solidFill>
-                  <a:srgbClr val="343A40"/>
-                </a:solidFill>
-                <a:latin typeface="Segoe UI" panose="020B0502040204020203" pitchFamily="34" charset="0"/>
-                <a:ea typeface="Times New Roman" panose="02020603050405020304" pitchFamily="18" charset="0"/>
-                <a:cs typeface="Times New Roman" panose="02020603050405020304" pitchFamily="18" charset="0"/>
-              </a:rPr>
-              <a:t> </a:t>
-            </a:r>
-            <a:r>
-              <a:rPr lang="en-US" sz="1800" dirty="0" err="1">
-                <a:solidFill>
-                  <a:srgbClr val="343A40"/>
-                </a:solidFill>
-                <a:latin typeface="Segoe UI" panose="020B0502040204020203" pitchFamily="34" charset="0"/>
-                <a:ea typeface="Times New Roman" panose="02020603050405020304" pitchFamily="18" charset="0"/>
-                <a:cs typeface="Times New Roman" panose="02020603050405020304" pitchFamily="18" charset="0"/>
-              </a:rPr>
-              <a:t>gọi</a:t>
-            </a:r>
-            <a:r>
-              <a:rPr lang="en-US" sz="1800" dirty="0">
-                <a:solidFill>
-                  <a:srgbClr val="343A40"/>
-                </a:solidFill>
-                <a:latin typeface="Segoe UI" panose="020B0502040204020203" pitchFamily="34" charset="0"/>
-                <a:ea typeface="Times New Roman" panose="02020603050405020304" pitchFamily="18" charset="0"/>
-                <a:cs typeface="Times New Roman" panose="02020603050405020304" pitchFamily="18" charset="0"/>
-              </a:rPr>
-              <a:t> </a:t>
-            </a:r>
-            <a:r>
-              <a:rPr lang="en-US" sz="1800" dirty="0" err="1">
-                <a:solidFill>
-                  <a:srgbClr val="343A40"/>
-                </a:solidFill>
-                <a:latin typeface="Segoe UI" panose="020B0502040204020203" pitchFamily="34" charset="0"/>
-                <a:ea typeface="Times New Roman" panose="02020603050405020304" pitchFamily="18" charset="0"/>
-                <a:cs typeface="Times New Roman" panose="02020603050405020304" pitchFamily="18" charset="0"/>
-              </a:rPr>
-              <a:t>phương</a:t>
-            </a:r>
-            <a:r>
-              <a:rPr lang="en-US" sz="1800" dirty="0">
-                <a:solidFill>
-                  <a:srgbClr val="343A40"/>
-                </a:solidFill>
-                <a:latin typeface="Segoe UI" panose="020B0502040204020203" pitchFamily="34" charset="0"/>
-                <a:ea typeface="Times New Roman" panose="02020603050405020304" pitchFamily="18" charset="0"/>
-                <a:cs typeface="Times New Roman" panose="02020603050405020304" pitchFamily="18" charset="0"/>
-              </a:rPr>
-              <a:t> </a:t>
-            </a:r>
-            <a:r>
-              <a:rPr lang="en-US" sz="1800" dirty="0" err="1" smtClean="0">
-                <a:solidFill>
-                  <a:srgbClr val="343A40"/>
-                </a:solidFill>
-                <a:latin typeface="Segoe UI" panose="020B0502040204020203" pitchFamily="34" charset="0"/>
-                <a:ea typeface="Times New Roman" panose="02020603050405020304" pitchFamily="18" charset="0"/>
-                <a:cs typeface="Times New Roman" panose="02020603050405020304" pitchFamily="18" charset="0"/>
-              </a:rPr>
-              <a:t>thức</a:t>
-            </a:r>
-            <a:r>
-              <a:rPr lang="en-US" sz="1800" dirty="0" smtClean="0">
-                <a:solidFill>
-                  <a:srgbClr val="343A40"/>
-                </a:solidFill>
-                <a:latin typeface="Segoe UI" panose="020B0502040204020203" pitchFamily="34" charset="0"/>
-                <a:ea typeface="Times New Roman" panose="02020603050405020304" pitchFamily="18" charset="0"/>
-                <a:cs typeface="Times New Roman" panose="02020603050405020304" pitchFamily="18" charset="0"/>
-              </a:rPr>
-              <a:t> </a:t>
-            </a:r>
-            <a:r>
-              <a:rPr lang="en-US" sz="1800" dirty="0" err="1">
-                <a:solidFill>
-                  <a:srgbClr val="343A40"/>
-                </a:solidFill>
-                <a:latin typeface="Segoe UI" panose="020B0502040204020203" pitchFamily="34" charset="0"/>
-                <a:ea typeface="Times New Roman" panose="02020603050405020304" pitchFamily="18" charset="0"/>
-                <a:cs typeface="Times New Roman" panose="02020603050405020304" pitchFamily="18" charset="0"/>
-              </a:rPr>
-              <a:t>thì</a:t>
-            </a:r>
-            <a:r>
-              <a:rPr lang="en-US" sz="1800" dirty="0">
-                <a:solidFill>
-                  <a:srgbClr val="343A40"/>
-                </a:solidFill>
-                <a:latin typeface="Segoe UI" panose="020B0502040204020203" pitchFamily="34" charset="0"/>
-                <a:ea typeface="Times New Roman" panose="02020603050405020304" pitchFamily="18" charset="0"/>
-                <a:cs typeface="Times New Roman" panose="02020603050405020304" pitchFamily="18" charset="0"/>
-              </a:rPr>
-              <a:t> </a:t>
-            </a:r>
-            <a:r>
-              <a:rPr lang="en-US" sz="1800" dirty="0" err="1">
-                <a:solidFill>
-                  <a:srgbClr val="343A40"/>
-                </a:solidFill>
-                <a:latin typeface="Segoe UI" panose="020B0502040204020203" pitchFamily="34" charset="0"/>
-                <a:ea typeface="Times New Roman" panose="02020603050405020304" pitchFamily="18" charset="0"/>
-                <a:cs typeface="Times New Roman" panose="02020603050405020304" pitchFamily="18" charset="0"/>
-              </a:rPr>
-              <a:t>phiên</a:t>
-            </a:r>
-            <a:r>
-              <a:rPr lang="en-US" sz="1800" dirty="0">
-                <a:solidFill>
-                  <a:srgbClr val="343A40"/>
-                </a:solidFill>
-                <a:latin typeface="Segoe UI" panose="020B0502040204020203" pitchFamily="34" charset="0"/>
-                <a:ea typeface="Times New Roman" panose="02020603050405020304" pitchFamily="18" charset="0"/>
-                <a:cs typeface="Times New Roman" panose="02020603050405020304" pitchFamily="18" charset="0"/>
-              </a:rPr>
-              <a:t> </a:t>
-            </a:r>
-            <a:r>
-              <a:rPr lang="en-US" sz="1800" dirty="0" err="1">
-                <a:solidFill>
-                  <a:srgbClr val="343A40"/>
-                </a:solidFill>
-                <a:latin typeface="Segoe UI" panose="020B0502040204020203" pitchFamily="34" charset="0"/>
-                <a:ea typeface="Times New Roman" panose="02020603050405020304" pitchFamily="18" charset="0"/>
-                <a:cs typeface="Times New Roman" panose="02020603050405020304" pitchFamily="18" charset="0"/>
-              </a:rPr>
-              <a:t>bản</a:t>
-            </a:r>
-            <a:r>
-              <a:rPr lang="en-US" sz="1800" dirty="0">
-                <a:solidFill>
-                  <a:srgbClr val="343A40"/>
-                </a:solidFill>
-                <a:latin typeface="Segoe UI" panose="020B0502040204020203" pitchFamily="34" charset="0"/>
-                <a:ea typeface="Times New Roman" panose="02020603050405020304" pitchFamily="18" charset="0"/>
-                <a:cs typeface="Times New Roman" panose="02020603050405020304" pitchFamily="18" charset="0"/>
-              </a:rPr>
-              <a:t> </a:t>
-            </a:r>
-            <a:r>
-              <a:rPr lang="en-US" sz="1800" dirty="0" err="1">
-                <a:solidFill>
-                  <a:srgbClr val="343A40"/>
-                </a:solidFill>
-                <a:latin typeface="Segoe UI" panose="020B0502040204020203" pitchFamily="34" charset="0"/>
-                <a:ea typeface="Times New Roman" panose="02020603050405020304" pitchFamily="18" charset="0"/>
-                <a:cs typeface="Times New Roman" panose="02020603050405020304" pitchFamily="18" charset="0"/>
-              </a:rPr>
-              <a:t>trong</a:t>
-            </a:r>
-            <a:r>
-              <a:rPr lang="en-US" sz="1800" dirty="0">
-                <a:solidFill>
-                  <a:srgbClr val="343A40"/>
-                </a:solidFill>
-                <a:latin typeface="Segoe UI" panose="020B0502040204020203" pitchFamily="34" charset="0"/>
-                <a:ea typeface="Times New Roman" panose="02020603050405020304" pitchFamily="18" charset="0"/>
-                <a:cs typeface="Times New Roman" panose="02020603050405020304" pitchFamily="18" charset="0"/>
-              </a:rPr>
-              <a:t> </a:t>
-            </a:r>
-            <a:r>
-              <a:rPr lang="en-US" sz="1800" dirty="0" err="1">
-                <a:solidFill>
-                  <a:srgbClr val="343A40"/>
-                </a:solidFill>
-                <a:latin typeface="Segoe UI" panose="020B0502040204020203" pitchFamily="34" charset="0"/>
-                <a:ea typeface="Times New Roman" panose="02020603050405020304" pitchFamily="18" charset="0"/>
-                <a:cs typeface="Times New Roman" panose="02020603050405020304" pitchFamily="18" charset="0"/>
-              </a:rPr>
-              <a:t>lớp</a:t>
-            </a:r>
-            <a:r>
-              <a:rPr lang="en-US" sz="1800" dirty="0">
-                <a:solidFill>
-                  <a:srgbClr val="343A40"/>
-                </a:solidFill>
-                <a:latin typeface="Segoe UI" panose="020B0502040204020203" pitchFamily="34" charset="0"/>
-                <a:ea typeface="Times New Roman" panose="02020603050405020304" pitchFamily="18" charset="0"/>
-                <a:cs typeface="Times New Roman" panose="02020603050405020304" pitchFamily="18" charset="0"/>
-              </a:rPr>
-              <a:t> cha </a:t>
-            </a:r>
-            <a:r>
-              <a:rPr lang="en-US" sz="1800" dirty="0" err="1">
-                <a:solidFill>
-                  <a:srgbClr val="343A40"/>
-                </a:solidFill>
-                <a:latin typeface="Segoe UI" panose="020B0502040204020203" pitchFamily="34" charset="0"/>
-                <a:ea typeface="Times New Roman" panose="02020603050405020304" pitchFamily="18" charset="0"/>
-                <a:cs typeface="Times New Roman" panose="02020603050405020304" pitchFamily="18" charset="0"/>
-              </a:rPr>
-              <a:t>sẽ</a:t>
-            </a:r>
-            <a:r>
-              <a:rPr lang="en-US" sz="1800" dirty="0">
-                <a:solidFill>
-                  <a:srgbClr val="343A40"/>
-                </a:solidFill>
-                <a:latin typeface="Segoe UI" panose="020B0502040204020203" pitchFamily="34" charset="0"/>
-                <a:ea typeface="Times New Roman" panose="02020603050405020304" pitchFamily="18" charset="0"/>
-                <a:cs typeface="Times New Roman" panose="02020603050405020304" pitchFamily="18" charset="0"/>
-              </a:rPr>
-              <a:t> </a:t>
-            </a:r>
-            <a:r>
-              <a:rPr lang="en-US" sz="1800" dirty="0" err="1">
-                <a:solidFill>
-                  <a:srgbClr val="343A40"/>
-                </a:solidFill>
-                <a:latin typeface="Segoe UI" panose="020B0502040204020203" pitchFamily="34" charset="0"/>
-                <a:ea typeface="Times New Roman" panose="02020603050405020304" pitchFamily="18" charset="0"/>
-                <a:cs typeface="Times New Roman" panose="02020603050405020304" pitchFamily="18" charset="0"/>
-              </a:rPr>
-              <a:t>được</a:t>
-            </a:r>
-            <a:r>
-              <a:rPr lang="en-US" sz="1800" dirty="0">
-                <a:solidFill>
-                  <a:srgbClr val="343A40"/>
-                </a:solidFill>
-                <a:latin typeface="Segoe UI" panose="020B0502040204020203" pitchFamily="34" charset="0"/>
-                <a:ea typeface="Times New Roman" panose="02020603050405020304" pitchFamily="18" charset="0"/>
-                <a:cs typeface="Times New Roman" panose="02020603050405020304" pitchFamily="18" charset="0"/>
-              </a:rPr>
-              <a:t> </a:t>
-            </a:r>
-            <a:r>
-              <a:rPr lang="en-US" sz="1800" dirty="0" err="1">
-                <a:solidFill>
-                  <a:srgbClr val="343A40"/>
-                </a:solidFill>
-                <a:latin typeface="Segoe UI" panose="020B0502040204020203" pitchFamily="34" charset="0"/>
-                <a:ea typeface="Times New Roman" panose="02020603050405020304" pitchFamily="18" charset="0"/>
-                <a:cs typeface="Times New Roman" panose="02020603050405020304" pitchFamily="18" charset="0"/>
-              </a:rPr>
-              <a:t>thực</a:t>
-            </a:r>
-            <a:r>
-              <a:rPr lang="en-US" sz="1800" dirty="0">
-                <a:solidFill>
-                  <a:srgbClr val="343A40"/>
-                </a:solidFill>
-                <a:latin typeface="Segoe UI" panose="020B0502040204020203" pitchFamily="34" charset="0"/>
-                <a:ea typeface="Times New Roman" panose="02020603050405020304" pitchFamily="18" charset="0"/>
-                <a:cs typeface="Times New Roman" panose="02020603050405020304" pitchFamily="18" charset="0"/>
-              </a:rPr>
-              <a:t> </a:t>
-            </a:r>
-            <a:r>
-              <a:rPr lang="en-US" sz="1800" dirty="0" err="1" smtClean="0">
-                <a:solidFill>
-                  <a:srgbClr val="343A40"/>
-                </a:solidFill>
-                <a:latin typeface="Segoe UI" panose="020B0502040204020203" pitchFamily="34" charset="0"/>
-                <a:ea typeface="Times New Roman" panose="02020603050405020304" pitchFamily="18" charset="0"/>
-                <a:cs typeface="Times New Roman" panose="02020603050405020304" pitchFamily="18" charset="0"/>
-              </a:rPr>
-              <a:t>thi</a:t>
-            </a:r>
-            <a:endParaRPr lang="en-US" sz="1800" dirty="0" smtClean="0">
-              <a:solidFill>
-                <a:srgbClr val="343A40"/>
-              </a:solidFill>
-              <a:latin typeface="Segoe UI" panose="020B0502040204020203" pitchFamily="34" charset="0"/>
-              <a:ea typeface="Times New Roman" panose="02020603050405020304" pitchFamily="18" charset="0"/>
-              <a:cs typeface="Times New Roman" panose="02020603050405020304" pitchFamily="18" charset="0"/>
-            </a:endParaRPr>
-          </a:p>
-          <a:p>
-            <a:pPr algn="just">
-              <a:lnSpc>
-                <a:spcPct val="107000"/>
-              </a:lnSpc>
-              <a:spcAft>
-                <a:spcPts val="800"/>
-              </a:spcAft>
-            </a:pPr>
-            <a:r>
-              <a:rPr lang="en-US" sz="1800" dirty="0" smtClean="0">
-                <a:solidFill>
-                  <a:srgbClr val="343A40"/>
-                </a:solidFill>
-                <a:latin typeface="Segoe UI" panose="020B0502040204020203" pitchFamily="34" charset="0"/>
-                <a:ea typeface="Times New Roman" panose="02020603050405020304" pitchFamily="18" charset="0"/>
-                <a:cs typeface="Times New Roman" panose="02020603050405020304" pitchFamily="18" charset="0"/>
-              </a:rPr>
-              <a:t>- </a:t>
-            </a:r>
-            <a:r>
-              <a:rPr lang="en-US" sz="1800" dirty="0" err="1" smtClean="0">
-                <a:solidFill>
-                  <a:srgbClr val="343A40"/>
-                </a:solidFill>
-                <a:latin typeface="Segoe UI" panose="020B0502040204020203" pitchFamily="34" charset="0"/>
-                <a:ea typeface="Times New Roman" panose="02020603050405020304" pitchFamily="18" charset="0"/>
-                <a:cs typeface="Times New Roman" panose="02020603050405020304" pitchFamily="18" charset="0"/>
-              </a:rPr>
-              <a:t>Nếu</a:t>
-            </a:r>
-            <a:r>
-              <a:rPr lang="en-US" sz="1800" dirty="0" smtClean="0">
-                <a:solidFill>
-                  <a:srgbClr val="343A40"/>
-                </a:solidFill>
-                <a:latin typeface="Segoe UI" panose="020B0502040204020203" pitchFamily="34" charset="0"/>
-                <a:ea typeface="Times New Roman" panose="02020603050405020304" pitchFamily="18" charset="0"/>
-                <a:cs typeface="Times New Roman" panose="02020603050405020304" pitchFamily="18" charset="0"/>
-              </a:rPr>
-              <a:t> </a:t>
-            </a:r>
-            <a:r>
-              <a:rPr lang="en-US" sz="1800" dirty="0" err="1">
-                <a:solidFill>
-                  <a:srgbClr val="343A40"/>
-                </a:solidFill>
-                <a:latin typeface="Segoe UI" panose="020B0502040204020203" pitchFamily="34" charset="0"/>
-                <a:ea typeface="Times New Roman" panose="02020603050405020304" pitchFamily="18" charset="0"/>
-                <a:cs typeface="Times New Roman" panose="02020603050405020304" pitchFamily="18" charset="0"/>
-              </a:rPr>
-              <a:t>một</a:t>
-            </a:r>
-            <a:r>
-              <a:rPr lang="en-US" sz="1800" dirty="0">
-                <a:solidFill>
-                  <a:srgbClr val="343A40"/>
-                </a:solidFill>
-                <a:latin typeface="Segoe UI" panose="020B0502040204020203" pitchFamily="34" charset="0"/>
-                <a:ea typeface="Times New Roman" panose="02020603050405020304" pitchFamily="18" charset="0"/>
-                <a:cs typeface="Times New Roman" panose="02020603050405020304" pitchFamily="18" charset="0"/>
-              </a:rPr>
-              <a:t> </a:t>
-            </a:r>
-            <a:r>
-              <a:rPr lang="en-US" sz="1800" dirty="0" err="1">
-                <a:solidFill>
-                  <a:srgbClr val="343A40"/>
-                </a:solidFill>
-                <a:latin typeface="Segoe UI" panose="020B0502040204020203" pitchFamily="34" charset="0"/>
-                <a:ea typeface="Times New Roman" panose="02020603050405020304" pitchFamily="18" charset="0"/>
-                <a:cs typeface="Times New Roman" panose="02020603050405020304" pitchFamily="18" charset="0"/>
-              </a:rPr>
-              <a:t>đối</a:t>
-            </a:r>
-            <a:r>
-              <a:rPr lang="en-US" sz="1800" dirty="0">
-                <a:solidFill>
-                  <a:srgbClr val="343A40"/>
-                </a:solidFill>
-                <a:latin typeface="Segoe UI" panose="020B0502040204020203" pitchFamily="34" charset="0"/>
-                <a:ea typeface="Times New Roman" panose="02020603050405020304" pitchFamily="18" charset="0"/>
-                <a:cs typeface="Times New Roman" panose="02020603050405020304" pitchFamily="18" charset="0"/>
-              </a:rPr>
-              <a:t> </a:t>
-            </a:r>
-            <a:r>
-              <a:rPr lang="en-US" sz="1800" dirty="0" err="1">
-                <a:solidFill>
-                  <a:srgbClr val="343A40"/>
-                </a:solidFill>
-                <a:latin typeface="Segoe UI" panose="020B0502040204020203" pitchFamily="34" charset="0"/>
-                <a:ea typeface="Times New Roman" panose="02020603050405020304" pitchFamily="18" charset="0"/>
-                <a:cs typeface="Times New Roman" panose="02020603050405020304" pitchFamily="18" charset="0"/>
-              </a:rPr>
-              <a:t>tượng</a:t>
-            </a:r>
-            <a:r>
-              <a:rPr lang="en-US" sz="1800" dirty="0">
-                <a:solidFill>
-                  <a:srgbClr val="343A40"/>
-                </a:solidFill>
-                <a:latin typeface="Segoe UI" panose="020B0502040204020203" pitchFamily="34" charset="0"/>
-                <a:ea typeface="Times New Roman" panose="02020603050405020304" pitchFamily="18" charset="0"/>
-                <a:cs typeface="Times New Roman" panose="02020603050405020304" pitchFamily="18" charset="0"/>
-              </a:rPr>
-              <a:t> </a:t>
-            </a:r>
-            <a:r>
-              <a:rPr lang="en-US" sz="1800" dirty="0" err="1">
-                <a:solidFill>
-                  <a:srgbClr val="343A40"/>
-                </a:solidFill>
-                <a:latin typeface="Segoe UI" panose="020B0502040204020203" pitchFamily="34" charset="0"/>
-                <a:ea typeface="Times New Roman" panose="02020603050405020304" pitchFamily="18" charset="0"/>
-                <a:cs typeface="Times New Roman" panose="02020603050405020304" pitchFamily="18" charset="0"/>
-              </a:rPr>
-              <a:t>của</a:t>
-            </a:r>
-            <a:r>
-              <a:rPr lang="en-US" sz="1800" dirty="0">
-                <a:solidFill>
-                  <a:srgbClr val="343A40"/>
-                </a:solidFill>
-                <a:latin typeface="Segoe UI" panose="020B0502040204020203" pitchFamily="34" charset="0"/>
-                <a:ea typeface="Times New Roman" panose="02020603050405020304" pitchFamily="18" charset="0"/>
-                <a:cs typeface="Times New Roman" panose="02020603050405020304" pitchFamily="18" charset="0"/>
-              </a:rPr>
-              <a:t> </a:t>
-            </a:r>
-            <a:r>
-              <a:rPr lang="en-US" sz="1800" dirty="0" err="1">
-                <a:solidFill>
-                  <a:srgbClr val="343A40"/>
-                </a:solidFill>
-                <a:latin typeface="Segoe UI" panose="020B0502040204020203" pitchFamily="34" charset="0"/>
-                <a:ea typeface="Times New Roman" panose="02020603050405020304" pitchFamily="18" charset="0"/>
-                <a:cs typeface="Times New Roman" panose="02020603050405020304" pitchFamily="18" charset="0"/>
-              </a:rPr>
-              <a:t>lớp</a:t>
-            </a:r>
-            <a:r>
-              <a:rPr lang="en-US" sz="1800" dirty="0">
-                <a:solidFill>
-                  <a:srgbClr val="343A40"/>
-                </a:solidFill>
-                <a:latin typeface="Segoe UI" panose="020B0502040204020203" pitchFamily="34" charset="0"/>
-                <a:ea typeface="Times New Roman" panose="02020603050405020304" pitchFamily="18" charset="0"/>
-                <a:cs typeface="Times New Roman" panose="02020603050405020304" pitchFamily="18" charset="0"/>
-              </a:rPr>
-              <a:t> con </a:t>
-            </a:r>
-            <a:r>
-              <a:rPr lang="en-US" sz="1800" dirty="0" err="1">
-                <a:solidFill>
-                  <a:srgbClr val="343A40"/>
-                </a:solidFill>
-                <a:latin typeface="Segoe UI" panose="020B0502040204020203" pitchFamily="34" charset="0"/>
-                <a:ea typeface="Times New Roman" panose="02020603050405020304" pitchFamily="18" charset="0"/>
-                <a:cs typeface="Times New Roman" panose="02020603050405020304" pitchFamily="18" charset="0"/>
-              </a:rPr>
-              <a:t>được</a:t>
-            </a:r>
-            <a:r>
-              <a:rPr lang="en-US" sz="1800" dirty="0">
-                <a:solidFill>
-                  <a:srgbClr val="343A40"/>
-                </a:solidFill>
-                <a:latin typeface="Segoe UI" panose="020B0502040204020203" pitchFamily="34" charset="0"/>
-                <a:ea typeface="Times New Roman" panose="02020603050405020304" pitchFamily="18" charset="0"/>
-                <a:cs typeface="Times New Roman" panose="02020603050405020304" pitchFamily="18" charset="0"/>
-              </a:rPr>
-              <a:t> </a:t>
-            </a:r>
-            <a:r>
-              <a:rPr lang="en-US" sz="1800" dirty="0" err="1">
-                <a:solidFill>
-                  <a:srgbClr val="343A40"/>
-                </a:solidFill>
-                <a:latin typeface="Segoe UI" panose="020B0502040204020203" pitchFamily="34" charset="0"/>
-                <a:ea typeface="Times New Roman" panose="02020603050405020304" pitchFamily="18" charset="0"/>
-                <a:cs typeface="Times New Roman" panose="02020603050405020304" pitchFamily="18" charset="0"/>
-              </a:rPr>
-              <a:t>sử</a:t>
-            </a:r>
-            <a:r>
-              <a:rPr lang="en-US" sz="1800" dirty="0">
-                <a:solidFill>
-                  <a:srgbClr val="343A40"/>
-                </a:solidFill>
-                <a:latin typeface="Segoe UI" panose="020B0502040204020203" pitchFamily="34" charset="0"/>
-                <a:ea typeface="Times New Roman" panose="02020603050405020304" pitchFamily="18" charset="0"/>
-                <a:cs typeface="Times New Roman" panose="02020603050405020304" pitchFamily="18" charset="0"/>
-              </a:rPr>
-              <a:t> </a:t>
-            </a:r>
-            <a:r>
-              <a:rPr lang="en-US" sz="1800" dirty="0" err="1">
-                <a:solidFill>
-                  <a:srgbClr val="343A40"/>
-                </a:solidFill>
-                <a:latin typeface="Segoe UI" panose="020B0502040204020203" pitchFamily="34" charset="0"/>
-                <a:ea typeface="Times New Roman" panose="02020603050405020304" pitchFamily="18" charset="0"/>
-                <a:cs typeface="Times New Roman" panose="02020603050405020304" pitchFamily="18" charset="0"/>
-              </a:rPr>
-              <a:t>dụng</a:t>
-            </a:r>
-            <a:r>
-              <a:rPr lang="en-US" sz="1800" dirty="0">
-                <a:solidFill>
-                  <a:srgbClr val="343A40"/>
-                </a:solidFill>
-                <a:latin typeface="Segoe UI" panose="020B0502040204020203" pitchFamily="34" charset="0"/>
-                <a:ea typeface="Times New Roman" panose="02020603050405020304" pitchFamily="18" charset="0"/>
-                <a:cs typeface="Times New Roman" panose="02020603050405020304" pitchFamily="18" charset="0"/>
-              </a:rPr>
-              <a:t> </a:t>
-            </a:r>
-            <a:r>
-              <a:rPr lang="en-US" sz="1800" dirty="0" err="1">
-                <a:solidFill>
-                  <a:srgbClr val="343A40"/>
-                </a:solidFill>
-                <a:latin typeface="Segoe UI" panose="020B0502040204020203" pitchFamily="34" charset="0"/>
-                <a:ea typeface="Times New Roman" panose="02020603050405020304" pitchFamily="18" charset="0"/>
-                <a:cs typeface="Times New Roman" panose="02020603050405020304" pitchFamily="18" charset="0"/>
-              </a:rPr>
-              <a:t>để</a:t>
-            </a:r>
-            <a:r>
-              <a:rPr lang="en-US" sz="1800" dirty="0">
-                <a:solidFill>
-                  <a:srgbClr val="343A40"/>
-                </a:solidFill>
-                <a:latin typeface="Segoe UI" panose="020B0502040204020203" pitchFamily="34" charset="0"/>
-                <a:ea typeface="Times New Roman" panose="02020603050405020304" pitchFamily="18" charset="0"/>
-                <a:cs typeface="Times New Roman" panose="02020603050405020304" pitchFamily="18" charset="0"/>
-              </a:rPr>
-              <a:t> </a:t>
-            </a:r>
-            <a:r>
-              <a:rPr lang="en-US" sz="1800" dirty="0" err="1">
-                <a:solidFill>
-                  <a:srgbClr val="343A40"/>
-                </a:solidFill>
-                <a:latin typeface="Segoe UI" panose="020B0502040204020203" pitchFamily="34" charset="0"/>
-                <a:ea typeface="Times New Roman" panose="02020603050405020304" pitchFamily="18" charset="0"/>
-                <a:cs typeface="Times New Roman" panose="02020603050405020304" pitchFamily="18" charset="0"/>
-              </a:rPr>
-              <a:t>gọi</a:t>
-            </a:r>
-            <a:r>
-              <a:rPr lang="en-US" sz="1800" dirty="0">
-                <a:solidFill>
-                  <a:srgbClr val="343A40"/>
-                </a:solidFill>
-                <a:latin typeface="Segoe UI" panose="020B0502040204020203" pitchFamily="34" charset="0"/>
-                <a:ea typeface="Times New Roman" panose="02020603050405020304" pitchFamily="18" charset="0"/>
-                <a:cs typeface="Times New Roman" panose="02020603050405020304" pitchFamily="18" charset="0"/>
-              </a:rPr>
-              <a:t> </a:t>
-            </a:r>
-            <a:r>
-              <a:rPr lang="en-US" sz="1800" dirty="0" err="1">
-                <a:solidFill>
-                  <a:srgbClr val="343A40"/>
-                </a:solidFill>
-                <a:latin typeface="Segoe UI" panose="020B0502040204020203" pitchFamily="34" charset="0"/>
-                <a:ea typeface="Times New Roman" panose="02020603050405020304" pitchFamily="18" charset="0"/>
-                <a:cs typeface="Times New Roman" panose="02020603050405020304" pitchFamily="18" charset="0"/>
-              </a:rPr>
-              <a:t>phương</a:t>
-            </a:r>
-            <a:r>
-              <a:rPr lang="en-US" sz="1800" dirty="0">
-                <a:solidFill>
-                  <a:srgbClr val="343A40"/>
-                </a:solidFill>
-                <a:latin typeface="Segoe UI" panose="020B0502040204020203" pitchFamily="34" charset="0"/>
-                <a:ea typeface="Times New Roman" panose="02020603050405020304" pitchFamily="18" charset="0"/>
-                <a:cs typeface="Times New Roman" panose="02020603050405020304" pitchFamily="18" charset="0"/>
-              </a:rPr>
-              <a:t> </a:t>
-            </a:r>
-            <a:r>
-              <a:rPr lang="en-US" sz="1800" dirty="0" err="1" smtClean="0">
-                <a:solidFill>
-                  <a:srgbClr val="343A40"/>
-                </a:solidFill>
-                <a:latin typeface="Segoe UI" panose="020B0502040204020203" pitchFamily="34" charset="0"/>
-                <a:ea typeface="Times New Roman" panose="02020603050405020304" pitchFamily="18" charset="0"/>
-                <a:cs typeface="Times New Roman" panose="02020603050405020304" pitchFamily="18" charset="0"/>
-              </a:rPr>
-              <a:t>thức</a:t>
-            </a:r>
-            <a:r>
-              <a:rPr lang="en-US" sz="1800" dirty="0" smtClean="0">
-                <a:solidFill>
-                  <a:srgbClr val="343A40"/>
-                </a:solidFill>
-                <a:latin typeface="Segoe UI" panose="020B0502040204020203" pitchFamily="34" charset="0"/>
-                <a:ea typeface="Times New Roman" panose="02020603050405020304" pitchFamily="18" charset="0"/>
-                <a:cs typeface="Times New Roman" panose="02020603050405020304" pitchFamily="18" charset="0"/>
-              </a:rPr>
-              <a:t> </a:t>
-            </a:r>
-            <a:r>
-              <a:rPr lang="en-US" sz="1800" dirty="0" err="1" smtClean="0">
-                <a:solidFill>
-                  <a:srgbClr val="343A40"/>
-                </a:solidFill>
-                <a:latin typeface="Segoe UI" panose="020B0502040204020203" pitchFamily="34" charset="0"/>
-                <a:ea typeface="Times New Roman" panose="02020603050405020304" pitchFamily="18" charset="0"/>
-                <a:cs typeface="Times New Roman" panose="02020603050405020304" pitchFamily="18" charset="0"/>
-              </a:rPr>
-              <a:t>thì</a:t>
-            </a:r>
-            <a:r>
-              <a:rPr lang="en-US" sz="1800" dirty="0" smtClean="0">
-                <a:solidFill>
-                  <a:srgbClr val="343A40"/>
-                </a:solidFill>
-                <a:latin typeface="Segoe UI" panose="020B0502040204020203" pitchFamily="34" charset="0"/>
-                <a:ea typeface="Times New Roman" panose="02020603050405020304" pitchFamily="18" charset="0"/>
-                <a:cs typeface="Times New Roman" panose="02020603050405020304" pitchFamily="18" charset="0"/>
-              </a:rPr>
-              <a:t> </a:t>
-            </a:r>
-            <a:r>
-              <a:rPr lang="en-US" sz="1800" dirty="0" err="1">
-                <a:solidFill>
-                  <a:srgbClr val="343A40"/>
-                </a:solidFill>
-                <a:latin typeface="Segoe UI" panose="020B0502040204020203" pitchFamily="34" charset="0"/>
-                <a:ea typeface="Times New Roman" panose="02020603050405020304" pitchFamily="18" charset="0"/>
-                <a:cs typeface="Times New Roman" panose="02020603050405020304" pitchFamily="18" charset="0"/>
-              </a:rPr>
-              <a:t>phiên</a:t>
-            </a:r>
-            <a:r>
-              <a:rPr lang="en-US" sz="1800" dirty="0">
-                <a:solidFill>
-                  <a:srgbClr val="343A40"/>
-                </a:solidFill>
-                <a:latin typeface="Segoe UI" panose="020B0502040204020203" pitchFamily="34" charset="0"/>
-                <a:ea typeface="Times New Roman" panose="02020603050405020304" pitchFamily="18" charset="0"/>
-                <a:cs typeface="Times New Roman" panose="02020603050405020304" pitchFamily="18" charset="0"/>
-              </a:rPr>
-              <a:t> </a:t>
-            </a:r>
-            <a:r>
-              <a:rPr lang="en-US" sz="1800" dirty="0" err="1">
-                <a:solidFill>
-                  <a:srgbClr val="343A40"/>
-                </a:solidFill>
-                <a:latin typeface="Segoe UI" panose="020B0502040204020203" pitchFamily="34" charset="0"/>
-                <a:ea typeface="Times New Roman" panose="02020603050405020304" pitchFamily="18" charset="0"/>
-                <a:cs typeface="Times New Roman" panose="02020603050405020304" pitchFamily="18" charset="0"/>
-              </a:rPr>
-              <a:t>bản</a:t>
-            </a:r>
-            <a:r>
-              <a:rPr lang="en-US" sz="1800" dirty="0">
-                <a:solidFill>
-                  <a:srgbClr val="343A40"/>
-                </a:solidFill>
-                <a:latin typeface="Segoe UI" panose="020B0502040204020203" pitchFamily="34" charset="0"/>
-                <a:ea typeface="Times New Roman" panose="02020603050405020304" pitchFamily="18" charset="0"/>
-                <a:cs typeface="Times New Roman" panose="02020603050405020304" pitchFamily="18" charset="0"/>
-              </a:rPr>
-              <a:t> </a:t>
-            </a:r>
-            <a:r>
-              <a:rPr lang="en-US" sz="1800" dirty="0" err="1">
-                <a:solidFill>
-                  <a:srgbClr val="343A40"/>
-                </a:solidFill>
-                <a:latin typeface="Segoe UI" panose="020B0502040204020203" pitchFamily="34" charset="0"/>
-                <a:ea typeface="Times New Roman" panose="02020603050405020304" pitchFamily="18" charset="0"/>
-                <a:cs typeface="Times New Roman" panose="02020603050405020304" pitchFamily="18" charset="0"/>
-              </a:rPr>
-              <a:t>trong</a:t>
-            </a:r>
-            <a:r>
-              <a:rPr lang="en-US" sz="1800" dirty="0">
-                <a:solidFill>
-                  <a:srgbClr val="343A40"/>
-                </a:solidFill>
-                <a:latin typeface="Segoe UI" panose="020B0502040204020203" pitchFamily="34" charset="0"/>
-                <a:ea typeface="Times New Roman" panose="02020603050405020304" pitchFamily="18" charset="0"/>
-                <a:cs typeface="Times New Roman" panose="02020603050405020304" pitchFamily="18" charset="0"/>
-              </a:rPr>
-              <a:t> </a:t>
-            </a:r>
-            <a:r>
-              <a:rPr lang="en-US" sz="1800" dirty="0" err="1">
-                <a:solidFill>
-                  <a:srgbClr val="343A40"/>
-                </a:solidFill>
-                <a:latin typeface="Segoe UI" panose="020B0502040204020203" pitchFamily="34" charset="0"/>
-                <a:ea typeface="Times New Roman" panose="02020603050405020304" pitchFamily="18" charset="0"/>
-                <a:cs typeface="Times New Roman" panose="02020603050405020304" pitchFamily="18" charset="0"/>
-              </a:rPr>
-              <a:t>lớp</a:t>
-            </a:r>
-            <a:r>
-              <a:rPr lang="en-US" sz="1800" dirty="0">
-                <a:solidFill>
-                  <a:srgbClr val="343A40"/>
-                </a:solidFill>
-                <a:latin typeface="Segoe UI" panose="020B0502040204020203" pitchFamily="34" charset="0"/>
-                <a:ea typeface="Times New Roman" panose="02020603050405020304" pitchFamily="18" charset="0"/>
-                <a:cs typeface="Times New Roman" panose="02020603050405020304" pitchFamily="18" charset="0"/>
-              </a:rPr>
-              <a:t> con </a:t>
-            </a:r>
-            <a:r>
-              <a:rPr lang="en-US" sz="1800" dirty="0" err="1">
-                <a:solidFill>
-                  <a:srgbClr val="343A40"/>
-                </a:solidFill>
-                <a:latin typeface="Segoe UI" panose="020B0502040204020203" pitchFamily="34" charset="0"/>
-                <a:ea typeface="Times New Roman" panose="02020603050405020304" pitchFamily="18" charset="0"/>
-                <a:cs typeface="Times New Roman" panose="02020603050405020304" pitchFamily="18" charset="0"/>
-              </a:rPr>
-              <a:t>sẽ</a:t>
-            </a:r>
-            <a:r>
-              <a:rPr lang="en-US" sz="1800" dirty="0">
-                <a:solidFill>
-                  <a:srgbClr val="343A40"/>
-                </a:solidFill>
-                <a:latin typeface="Segoe UI" panose="020B0502040204020203" pitchFamily="34" charset="0"/>
-                <a:ea typeface="Times New Roman" panose="02020603050405020304" pitchFamily="18" charset="0"/>
-                <a:cs typeface="Times New Roman" panose="02020603050405020304" pitchFamily="18" charset="0"/>
-              </a:rPr>
-              <a:t> </a:t>
-            </a:r>
-            <a:r>
-              <a:rPr lang="en-US" sz="1800" dirty="0" err="1">
-                <a:solidFill>
-                  <a:srgbClr val="343A40"/>
-                </a:solidFill>
-                <a:latin typeface="Segoe UI" panose="020B0502040204020203" pitchFamily="34" charset="0"/>
-                <a:ea typeface="Times New Roman" panose="02020603050405020304" pitchFamily="18" charset="0"/>
-                <a:cs typeface="Times New Roman" panose="02020603050405020304" pitchFamily="18" charset="0"/>
-              </a:rPr>
-              <a:t>được</a:t>
-            </a:r>
-            <a:r>
-              <a:rPr lang="en-US" sz="1800" dirty="0">
-                <a:solidFill>
-                  <a:srgbClr val="343A40"/>
-                </a:solidFill>
-                <a:latin typeface="Segoe UI" panose="020B0502040204020203" pitchFamily="34" charset="0"/>
-                <a:ea typeface="Times New Roman" panose="02020603050405020304" pitchFamily="18" charset="0"/>
-                <a:cs typeface="Times New Roman" panose="02020603050405020304" pitchFamily="18" charset="0"/>
-              </a:rPr>
-              <a:t> </a:t>
-            </a:r>
-            <a:r>
-              <a:rPr lang="en-US" sz="1800" dirty="0" err="1">
-                <a:solidFill>
-                  <a:srgbClr val="343A40"/>
-                </a:solidFill>
-                <a:latin typeface="Segoe UI" panose="020B0502040204020203" pitchFamily="34" charset="0"/>
-                <a:ea typeface="Times New Roman" panose="02020603050405020304" pitchFamily="18" charset="0"/>
-                <a:cs typeface="Times New Roman" panose="02020603050405020304" pitchFamily="18" charset="0"/>
-              </a:rPr>
-              <a:t>thực</a:t>
-            </a:r>
-            <a:r>
-              <a:rPr lang="en-US" sz="1800" dirty="0">
-                <a:solidFill>
-                  <a:srgbClr val="343A40"/>
-                </a:solidFill>
-                <a:latin typeface="Segoe UI" panose="020B0502040204020203" pitchFamily="34" charset="0"/>
-                <a:ea typeface="Times New Roman" panose="02020603050405020304" pitchFamily="18" charset="0"/>
-                <a:cs typeface="Times New Roman" panose="02020603050405020304" pitchFamily="18" charset="0"/>
-              </a:rPr>
-              <a:t> </a:t>
-            </a:r>
-            <a:r>
-              <a:rPr lang="en-US" sz="1800" dirty="0" err="1">
-                <a:solidFill>
-                  <a:srgbClr val="343A40"/>
-                </a:solidFill>
-                <a:latin typeface="Segoe UI" panose="020B0502040204020203" pitchFamily="34" charset="0"/>
-                <a:ea typeface="Times New Roman" panose="02020603050405020304" pitchFamily="18" charset="0"/>
-                <a:cs typeface="Times New Roman" panose="02020603050405020304" pitchFamily="18" charset="0"/>
-              </a:rPr>
-              <a:t>thi</a:t>
-            </a:r>
-            <a:r>
-              <a:rPr lang="en-US" sz="1800" dirty="0">
-                <a:solidFill>
-                  <a:srgbClr val="343A40"/>
-                </a:solidFill>
-                <a:latin typeface="Segoe UI" panose="020B0502040204020203" pitchFamily="34" charset="0"/>
-                <a:ea typeface="Times New Roman" panose="02020603050405020304" pitchFamily="18" charset="0"/>
-                <a:cs typeface="Times New Roman" panose="02020603050405020304" pitchFamily="18" charset="0"/>
-              </a:rPr>
               <a:t>. </a:t>
             </a:r>
-            <a:endParaRPr lang="en-US" sz="1800" dirty="0" smtClean="0">
-              <a:solidFill>
-                <a:srgbClr val="343A40"/>
-              </a:solidFill>
-              <a:latin typeface="Segoe UI" panose="020B0502040204020203" pitchFamily="34" charset="0"/>
-              <a:ea typeface="Times New Roman" panose="02020603050405020304" pitchFamily="18" charset="0"/>
-              <a:cs typeface="Times New Roman" panose="02020603050405020304" pitchFamily="18" charset="0"/>
-            </a:endParaRPr>
           </a:p>
         </p:txBody>
       </p:sp>
@@ -13341,13 +13252,6 @@
   <p:clrMapOvr>
     <a:masterClrMapping/>
   </p:clrMapOvr>
-  <p:timing>
-    <p:tnLst>
-      <p:par>
-        <p:cTn id="1" dur="indefinite" restart="never" nodeType="tmRoot"/>
-      </p:par>
-    </p:tnLst>
-  </p:timing>
 </p:sld>
 </file>
 
@@ -13385,7 +13289,7 @@
           </a:xfrm>
           <a:extLst>
             <a:ext uri="{FAA26D3D-D897-4be2-8F04-BA451C77F1D7}">
-              <ma14:placeholderFlag xmlns:ma14="http://schemas.microsoft.com/office/mac/drawingml/2011/main" xmlns="" val="1"/>
+              <ma14:placeholderFlag xmlns="" xmlns:ma14="http://schemas.microsoft.com/office/mac/drawingml/2011/main" val="1"/>
             </a:ext>
           </a:extLst>
         </p:spPr>
@@ -13396,7 +13300,7 @@
           <a:lstStyle/>
           <a:p>
             <a:r>
-              <a:rPr lang="vi-VN" altLang="en-US" sz="2700" dirty="0" smtClean="0"/>
+              <a:rPr lang="vi-VN" altLang="en-US" sz="2700" dirty="0"/>
               <a:t>ƯU ĐIỂM </a:t>
             </a:r>
             <a:endParaRPr lang="en-US" altLang="en-US" sz="2700" dirty="0"/>
@@ -13524,13 +13428,6 @@
   <p:clrMapOvr>
     <a:masterClrMapping/>
   </p:clrMapOvr>
-  <p:timing>
-    <p:tnLst>
-      <p:par>
-        <p:cTn id="1" dur="indefinite" restart="never" nodeType="tmRoot"/>
-      </p:par>
-    </p:tnLst>
-  </p:timing>
 </p:sld>
 </file>
 
@@ -13568,7 +13465,7 @@
           </a:xfrm>
           <a:extLst>
             <a:ext uri="{FAA26D3D-D897-4be2-8F04-BA451C77F1D7}">
-              <ma14:placeholderFlag xmlns:ma14="http://schemas.microsoft.com/office/mac/drawingml/2011/main" xmlns="" val="1"/>
+              <ma14:placeholderFlag xmlns="" xmlns:ma14="http://schemas.microsoft.com/office/mac/drawingml/2011/main" val="1"/>
             </a:ext>
           </a:extLst>
         </p:spPr>
@@ -13579,11 +13476,11 @@
           <a:lstStyle/>
           <a:p>
             <a:r>
-              <a:rPr lang="en-US" altLang="en-US" sz="2700" dirty="0" smtClean="0"/>
+              <a:rPr lang="en-US" altLang="en-US" sz="2700" dirty="0"/>
               <a:t>KHAI </a:t>
             </a:r>
             <a:r>
-              <a:rPr lang="en-US" altLang="en-US" sz="2700" dirty="0" err="1" smtClean="0"/>
+              <a:rPr lang="en-US" altLang="en-US" sz="2700" dirty="0" err="1"/>
               <a:t>BÁO</a:t>
             </a:r>
             <a:endParaRPr lang="en-US" altLang="en-US" sz="2700" dirty="0"/>
@@ -13662,23 +13559,7 @@
                 <a:ea typeface="Times New Roman" panose="02020603050405020304" pitchFamily="18" charset="0"/>
                 <a:cs typeface="Times New Roman" panose="02020603050405020304" pitchFamily="18" charset="0"/>
               </a:rPr>
-              <a:t> </a:t>
-            </a:r>
-            <a:r>
-              <a:rPr lang="en-US" sz="1800" dirty="0" smtClean="0">
-                <a:latin typeface="Segoe UI" panose="020B0502040204020203" pitchFamily="34" charset="0"/>
-                <a:ea typeface="Times New Roman" panose="02020603050405020304" pitchFamily="18" charset="0"/>
-                <a:cs typeface="Times New Roman" panose="02020603050405020304" pitchFamily="18" charset="0"/>
-              </a:rPr>
-              <a:t>Superclass-name</a:t>
-            </a:r>
-            <a:r>
-              <a:rPr lang="en-US" sz="1800" dirty="0">
-                <a:latin typeface="Segoe UI" panose="020B0502040204020203" pitchFamily="34" charset="0"/>
-                <a:ea typeface="Times New Roman" panose="02020603050405020304" pitchFamily="18" charset="0"/>
-                <a:cs typeface="Times New Roman" panose="02020603050405020304" pitchFamily="18" charset="0"/>
-              </a:rPr>
-              <a:t>  </a:t>
+              <a:t> Superclass-name  </a:t>
             </a:r>
             <a:endParaRPr lang="en-US" sz="1600" dirty="0">
               <a:latin typeface="Calibri" panose="020F0502020204030204" pitchFamily="34" charset="0"/>
@@ -13721,7 +13602,7 @@
               <a:t>   </a:t>
             </a:r>
             <a:r>
-              <a:rPr lang="en-US" sz="1600" dirty="0" smtClean="0">
+              <a:rPr lang="en-US" sz="1600" dirty="0">
                 <a:solidFill>
                   <a:srgbClr val="008200"/>
                 </a:solidFill>
@@ -13732,7 +13613,7 @@
               <a:t>&lt;</a:t>
             </a:r>
             <a:r>
-              <a:rPr lang="en-US" sz="1600" dirty="0" err="1" smtClean="0">
+              <a:rPr lang="en-US" sz="1600" dirty="0" err="1">
                 <a:solidFill>
                   <a:srgbClr val="008200"/>
                 </a:solidFill>
@@ -13743,7 +13624,7 @@
               <a:t>DataType</a:t>
             </a:r>
             <a:r>
-              <a:rPr lang="en-US" sz="1600" dirty="0" smtClean="0">
+              <a:rPr lang="en-US" sz="1600" dirty="0">
                 <a:solidFill>
                   <a:srgbClr val="008200"/>
                 </a:solidFill>
@@ -13754,7 +13635,7 @@
               <a:t>&gt; Method Name(Parameter List)</a:t>
             </a:r>
             <a:r>
-              <a:rPr lang="en-US" sz="1600" dirty="0" smtClean="0">
+              <a:rPr lang="en-US" sz="1600" dirty="0">
                 <a:solidFill>
                   <a:srgbClr val="008200"/>
                 </a:solidFill>
@@ -13796,7 +13677,7 @@
                 <a:spcPct val="130000"/>
               </a:lnSpc>
             </a:pPr>
-            <a:endParaRPr lang="en-US" sz="1800" b="1" dirty="0" smtClean="0">
+            <a:endParaRPr lang="en-US" sz="1800" b="1" dirty="0">
               <a:solidFill>
                 <a:srgbClr val="006699"/>
               </a:solidFill>
@@ -13812,7 +13693,7 @@
               </a:lnSpc>
             </a:pPr>
             <a:r>
-              <a:rPr lang="en-US" sz="1800" b="1" dirty="0" smtClean="0">
+              <a:rPr lang="en-US" sz="1800" b="1" dirty="0">
                 <a:solidFill>
                   <a:srgbClr val="006699"/>
                 </a:solidFill>
@@ -13882,26 +13763,13 @@
               </a:lnSpc>
             </a:pPr>
             <a:r>
-              <a:rPr lang="en-US" sz="1800" dirty="0" smtClean="0">
-                <a:latin typeface="Segoe UI" panose="020B0502040204020203" pitchFamily="34" charset="0"/>
-                <a:ea typeface="Times New Roman" panose="02020603050405020304" pitchFamily="18" charset="0"/>
-                <a:cs typeface="Times New Roman" panose="02020603050405020304" pitchFamily="18" charset="0"/>
-              </a:rPr>
-              <a:t>   @Override</a:t>
-            </a:r>
-            <a:r>
-              <a:rPr lang="en-US" sz="1800" dirty="0">
-                <a:latin typeface="Segoe UI" panose="020B0502040204020203" pitchFamily="34" charset="0"/>
-                <a:ea typeface="Times New Roman" panose="02020603050405020304" pitchFamily="18" charset="0"/>
-                <a:cs typeface="Times New Roman" panose="02020603050405020304" pitchFamily="18" charset="0"/>
-              </a:rPr>
-              <a:t>   </a:t>
-            </a:r>
-            <a:endParaRPr lang="en-US" sz="1800" dirty="0" smtClean="0">
-              <a:latin typeface="Segoe UI" panose="020B0502040204020203" pitchFamily="34" charset="0"/>
-              <a:ea typeface="Times New Roman" panose="02020603050405020304" pitchFamily="18" charset="0"/>
-              <a:cs typeface="Times New Roman" panose="02020603050405020304" pitchFamily="18" charset="0"/>
-            </a:endParaRPr>
+              <a:rPr lang="en-US" sz="1800" dirty="0">
+                <a:latin typeface="Segoe UI" panose="020B0502040204020203" pitchFamily="34" charset="0"/>
+                <a:ea typeface="Times New Roman" panose="02020603050405020304" pitchFamily="18" charset="0"/>
+                <a:cs typeface="Times New Roman" panose="02020603050405020304" pitchFamily="18" charset="0"/>
+              </a:rPr>
+              <a:t>   @Override   </a:t>
+            </a:r>
           </a:p>
           <a:p>
             <a:pPr marL="60325" indent="-60325" algn="just">
@@ -13910,7 +13778,7 @@
               </a:lnSpc>
             </a:pPr>
             <a:r>
-              <a:rPr lang="en-US" sz="1800" dirty="0" smtClean="0">
+              <a:rPr lang="en-US" sz="1800" dirty="0">
                 <a:solidFill>
                   <a:srgbClr val="008200"/>
                 </a:solidFill>
@@ -13966,20 +13834,12 @@
               </a:lnSpc>
             </a:pPr>
             <a:r>
-              <a:rPr lang="en-US" sz="1800" dirty="0" smtClean="0">
-                <a:latin typeface="Segoe UI" panose="020B0502040204020203" pitchFamily="34" charset="0"/>
-                <a:ea typeface="Times New Roman" panose="02020603050405020304" pitchFamily="18" charset="0"/>
-                <a:cs typeface="Times New Roman" panose="02020603050405020304" pitchFamily="18" charset="0"/>
-              </a:rPr>
-              <a:t>}</a:t>
-            </a:r>
-            <a:r>
-              <a:rPr lang="en-US" sz="1800" dirty="0">
-                <a:latin typeface="Segoe UI" panose="020B0502040204020203" pitchFamily="34" charset="0"/>
-                <a:ea typeface="Times New Roman" panose="02020603050405020304" pitchFamily="18" charset="0"/>
-                <a:cs typeface="Times New Roman" panose="02020603050405020304" pitchFamily="18" charset="0"/>
-              </a:rPr>
-              <a:t>  </a:t>
+              <a:rPr lang="en-US" sz="1800" dirty="0">
+                <a:latin typeface="Segoe UI" panose="020B0502040204020203" pitchFamily="34" charset="0"/>
+                <a:ea typeface="Times New Roman" panose="02020603050405020304" pitchFamily="18" charset="0"/>
+                <a:cs typeface="Times New Roman" panose="02020603050405020304" pitchFamily="18" charset="0"/>
+              </a:rPr>
+              <a:t>}  </a:t>
             </a:r>
             <a:endParaRPr lang="en-US" sz="1600" dirty="0">
               <a:effectLst/>
@@ -14000,13 +13860,6 @@
   <p:clrMapOvr>
     <a:masterClrMapping/>
   </p:clrMapOvr>
-  <p:timing>
-    <p:tnLst>
-      <p:par>
-        <p:cTn id="1" dur="indefinite" restart="never" nodeType="tmRoot"/>
-      </p:par>
-    </p:tnLst>
-  </p:timing>
 </p:sld>
 </file>
 
@@ -14044,7 +13897,7 @@
           </a:xfrm>
           <a:extLst>
             <a:ext uri="{FAA26D3D-D897-4be2-8F04-BA451C77F1D7}">
-              <ma14:placeholderFlag xmlns:ma14="http://schemas.microsoft.com/office/mac/drawingml/2011/main" xmlns="" val="1"/>
+              <ma14:placeholderFlag xmlns="" xmlns:ma14="http://schemas.microsoft.com/office/mac/drawingml/2011/main" val="1"/>
             </a:ext>
           </a:extLst>
         </p:spPr>
@@ -14055,11 +13908,11 @@
           <a:lstStyle/>
           <a:p>
             <a:r>
-              <a:rPr lang="en-US" altLang="en-US" sz="2700" dirty="0" smtClean="0"/>
+              <a:rPr lang="en-US" altLang="en-US" sz="2700" dirty="0"/>
               <a:t>KHAI </a:t>
             </a:r>
             <a:r>
-              <a:rPr lang="en-US" altLang="en-US" sz="2700" dirty="0" err="1" smtClean="0"/>
+              <a:rPr lang="en-US" altLang="en-US" sz="2700" dirty="0" err="1"/>
               <a:t>BÁO</a:t>
             </a:r>
             <a:endParaRPr lang="en-US" altLang="en-US" sz="2700" dirty="0"/>
@@ -14134,13 +13987,6 @@
   <p:clrMapOvr>
     <a:masterClrMapping/>
   </p:clrMapOvr>
-  <p:timing>
-    <p:tnLst>
-      <p:par>
-        <p:cTn id="1" dur="indefinite" restart="never" nodeType="tmRoot"/>
-      </p:par>
-    </p:tnLst>
-  </p:timing>
 </p:sld>
 </file>
 
@@ -14178,7 +14024,7 @@
           </a:xfrm>
           <a:extLst>
             <a:ext uri="{FAA26D3D-D897-4be2-8F04-BA451C77F1D7}">
-              <ma14:placeholderFlag xmlns:ma14="http://schemas.microsoft.com/office/mac/drawingml/2011/main" xmlns="" val="1"/>
+              <ma14:placeholderFlag xmlns="" xmlns:ma14="http://schemas.microsoft.com/office/mac/drawingml/2011/main" val="1"/>
             </a:ext>
           </a:extLst>
         </p:spPr>
@@ -14189,11 +14035,11 @@
           <a:lstStyle/>
           <a:p>
             <a:r>
-              <a:rPr lang="en-US" altLang="en-US" sz="2700" dirty="0" smtClean="0"/>
+              <a:rPr lang="en-US" altLang="en-US" sz="2700" dirty="0"/>
               <a:t>KHAI </a:t>
             </a:r>
             <a:r>
-              <a:rPr lang="en-US" altLang="en-US" sz="2700" dirty="0" err="1" smtClean="0"/>
+              <a:rPr lang="en-US" altLang="en-US" sz="2700" dirty="0" err="1"/>
               <a:t>BÁO</a:t>
             </a:r>
             <a:endParaRPr lang="en-US" altLang="en-US" sz="2700" dirty="0"/>
@@ -14257,13 +14103,6 @@
   <p:clrMapOvr>
     <a:masterClrMapping/>
   </p:clrMapOvr>
-  <p:timing>
-    <p:tnLst>
-      <p:par>
-        <p:cTn id="1" dur="indefinite" restart="never" nodeType="tmRoot"/>
-      </p:par>
-    </p:tnLst>
-  </p:timing>
 </p:sld>
 </file>
 
@@ -14301,7 +14140,7 @@
           </a:xfrm>
           <a:extLst>
             <a:ext uri="{FAA26D3D-D897-4be2-8F04-BA451C77F1D7}">
-              <ma14:placeholderFlag xmlns:ma14="http://schemas.microsoft.com/office/mac/drawingml/2011/main" xmlns="" val="1"/>
+              <ma14:placeholderFlag xmlns="" xmlns:ma14="http://schemas.microsoft.com/office/mac/drawingml/2011/main" val="1"/>
             </a:ext>
           </a:extLst>
         </p:spPr>
@@ -14312,7 +14151,7 @@
           <a:lstStyle/>
           <a:p>
             <a:r>
-              <a:rPr lang="vi-VN" altLang="en-US" sz="2700" dirty="0" smtClean="0"/>
+              <a:rPr lang="vi-VN" altLang="en-US" sz="2700" dirty="0"/>
               <a:t>CÁC QUY TẮC GHI ĐÈ PHƯƠNG THỨC</a:t>
             </a:r>
             <a:endParaRPr lang="en-US" altLang="en-US" sz="2700" dirty="0"/>
@@ -14349,7 +14188,7 @@
               </a:spcAft>
             </a:pPr>
             <a:r>
-              <a:rPr lang="en-US" sz="1800" b="1" dirty="0" err="1" smtClean="0">
+              <a:rPr lang="en-US" sz="1800" b="1" dirty="0" err="1">
                 <a:solidFill>
                   <a:srgbClr val="343A40"/>
                 </a:solidFill>
@@ -14360,18 +14199,18 @@
               <a:t>Quy</a:t>
             </a:r>
             <a:r>
-              <a:rPr lang="en-US" sz="1800" b="1" dirty="0" smtClean="0">
-                <a:solidFill>
-                  <a:srgbClr val="343A40"/>
-                </a:solidFill>
-                <a:latin typeface="Segoe UI" panose="020B0502040204020203" pitchFamily="34" charset="0"/>
-                <a:ea typeface="Times New Roman" panose="02020603050405020304" pitchFamily="18" charset="0"/>
-                <a:cs typeface="Times New Roman" panose="02020603050405020304" pitchFamily="18" charset="0"/>
-              </a:rPr>
-              <a:t> </a:t>
-            </a:r>
-            <a:r>
-              <a:rPr lang="en-US" sz="1800" b="1" dirty="0" err="1" smtClean="0">
+              <a:rPr lang="en-US" sz="1800" b="1" dirty="0">
+                <a:solidFill>
+                  <a:srgbClr val="343A40"/>
+                </a:solidFill>
+                <a:latin typeface="Segoe UI" panose="020B0502040204020203" pitchFamily="34" charset="0"/>
+                <a:ea typeface="Times New Roman" panose="02020603050405020304" pitchFamily="18" charset="0"/>
+                <a:cs typeface="Times New Roman" panose="02020603050405020304" pitchFamily="18" charset="0"/>
+              </a:rPr>
+              <a:t> </a:t>
+            </a:r>
+            <a:r>
+              <a:rPr lang="en-US" sz="1800" b="1" dirty="0" err="1">
                 <a:solidFill>
                   <a:srgbClr val="343A40"/>
                 </a:solidFill>
@@ -14382,7 +14221,7 @@
               <a:t>tắc</a:t>
             </a:r>
             <a:r>
-              <a:rPr lang="en-US" sz="1800" b="1" dirty="0" smtClean="0">
+              <a:rPr lang="en-US" sz="1800" b="1" dirty="0">
                 <a:solidFill>
                   <a:srgbClr val="343A40"/>
                 </a:solidFill>
@@ -15806,18 +15645,7 @@
                 <a:ea typeface="Times New Roman" panose="02020603050405020304" pitchFamily="18" charset="0"/>
                 <a:cs typeface="Times New Roman" panose="02020603050405020304" pitchFamily="18" charset="0"/>
               </a:rPr>
-              <a:t> private</a:t>
-            </a:r>
-            <a:r>
-              <a:rPr lang="en-US" sz="1800" dirty="0" smtClean="0">
-                <a:solidFill>
-                  <a:srgbClr val="343A40"/>
-                </a:solidFill>
-                <a:latin typeface="Segoe UI" panose="020B0502040204020203" pitchFamily="34" charset="0"/>
-                <a:ea typeface="Times New Roman" panose="02020603050405020304" pitchFamily="18" charset="0"/>
-                <a:cs typeface="Times New Roman" panose="02020603050405020304" pitchFamily="18" charset="0"/>
-              </a:rPr>
-              <a:t>.</a:t>
+              <a:t> private.</a:t>
             </a:r>
           </a:p>
           <a:p>
@@ -15871,18 +15699,7 @@
                 <a:ea typeface="Times New Roman" panose="02020603050405020304" pitchFamily="18" charset="0"/>
                 <a:cs typeface="Times New Roman" panose="02020603050405020304" pitchFamily="18" charset="0"/>
               </a:rPr>
-              <a:t> </a:t>
-            </a:r>
-            <a:r>
-              <a:rPr lang="en-US" sz="1800" b="1" dirty="0" smtClean="0">
-                <a:solidFill>
-                  <a:srgbClr val="343A40"/>
-                </a:solidFill>
-                <a:latin typeface="Segoe UI" panose="020B0502040204020203" pitchFamily="34" charset="0"/>
-                <a:ea typeface="Times New Roman" panose="02020603050405020304" pitchFamily="18" charset="0"/>
-                <a:cs typeface="Times New Roman" panose="02020603050405020304" pitchFamily="18" charset="0"/>
-              </a:rPr>
-              <a:t>2: </a:t>
+              <a:t> 2: </a:t>
             </a:r>
             <a:r>
               <a:rPr lang="vi-VN" sz="1800" b="1" dirty="0">
@@ -15914,18 +15731,7 @@
                 <a:ea typeface="Times New Roman" panose="02020603050405020304" pitchFamily="18" charset="0"/>
                 <a:cs typeface="Times New Roman" panose="02020603050405020304" pitchFamily="18" charset="0"/>
               </a:rPr>
-              <a:t>Các phương thức dùng từ khóa final không thể bị ghi </a:t>
-            </a:r>
-            <a:r>
-              <a:rPr lang="vi-VN" sz="1800" dirty="0" smtClean="0">
-                <a:solidFill>
-                  <a:srgbClr val="343A40"/>
-                </a:solidFill>
-                <a:latin typeface="Segoe UI" panose="020B0502040204020203" pitchFamily="34" charset="0"/>
-                <a:ea typeface="Times New Roman" panose="02020603050405020304" pitchFamily="18" charset="0"/>
-                <a:cs typeface="Times New Roman" panose="02020603050405020304" pitchFamily="18" charset="0"/>
-              </a:rPr>
-              <a:t>đè</a:t>
+              <a:t>Các phương thức dùng từ khóa final không thể bị ghi đè</a:t>
             </a:r>
             <a:endParaRPr lang="en-US" sz="1800" dirty="0">
               <a:solidFill>
@@ -15987,21 +15793,10 @@
                 <a:ea typeface="Times New Roman" panose="02020603050405020304" pitchFamily="18" charset="0"/>
                 <a:cs typeface="Times New Roman" panose="02020603050405020304" pitchFamily="18" charset="0"/>
               </a:rPr>
-              <a:t> </a:t>
-            </a:r>
-            <a:r>
-              <a:rPr lang="en-US" sz="1800" b="1" dirty="0" smtClean="0">
-                <a:solidFill>
-                  <a:srgbClr val="343A40"/>
-                </a:solidFill>
-                <a:latin typeface="Segoe UI" panose="020B0502040204020203" pitchFamily="34" charset="0"/>
-                <a:ea typeface="Times New Roman" panose="02020603050405020304" pitchFamily="18" charset="0"/>
-                <a:cs typeface="Times New Roman" panose="02020603050405020304" pitchFamily="18" charset="0"/>
-              </a:rPr>
-              <a:t>3: </a:t>
-            </a:r>
-            <a:r>
-              <a:rPr lang="vi-VN" sz="1800" dirty="0" smtClean="0">
+              <a:t> 3: </a:t>
+            </a:r>
+            <a:r>
+              <a:rPr lang="vi-VN" sz="1800" dirty="0">
                 <a:latin typeface="Calibri" panose="020F0502020204030204" pitchFamily="34" charset="0"/>
                 <a:ea typeface="Calibri" panose="020F0502020204030204" pitchFamily="34" charset="0"/>
                 <a:cs typeface="Times New Roman" panose="02020603050405020304" pitchFamily="18" charset="0"/>
@@ -16061,13 +15856,6 @@
   <p:clrMapOvr>
     <a:masterClrMapping/>
   </p:clrMapOvr>
-  <p:timing>
-    <p:tnLst>
-      <p:par>
-        <p:cTn id="1" dur="indefinite" restart="never" nodeType="tmRoot"/>
-      </p:par>
-    </p:tnLst>
-  </p:timing>
 </p:sld>
 </file>
 
@@ -16122,35 +15910,35 @@
               </a:spcAft>
             </a:pPr>
             <a:r>
-              <a:rPr lang="en-US" dirty="0" err="1" smtClean="0"/>
+              <a:rPr lang="en-US" dirty="0" err="1"/>
               <a:t>Hiểu</a:t>
             </a:r>
             <a:r>
-              <a:rPr lang="en-US" dirty="0" smtClean="0"/>
-              <a:t> </a:t>
-            </a:r>
-            <a:r>
-              <a:rPr lang="en-US" dirty="0" err="1" smtClean="0"/>
+              <a:rPr lang="en-US" dirty="0"/>
+              <a:t> </a:t>
+            </a:r>
+            <a:r>
+              <a:rPr lang="en-US" dirty="0" err="1"/>
               <a:t>được</a:t>
             </a:r>
             <a:r>
-              <a:rPr lang="en-US" dirty="0" smtClean="0"/>
-              <a:t> </a:t>
-            </a:r>
-            <a:r>
-              <a:rPr lang="en-US" dirty="0" err="1" smtClean="0"/>
+              <a:rPr lang="en-US" dirty="0"/>
+              <a:t> </a:t>
+            </a:r>
+            <a:r>
+              <a:rPr lang="en-US" dirty="0" err="1"/>
               <a:t>các</a:t>
             </a:r>
             <a:r>
-              <a:rPr lang="en-US" dirty="0" smtClean="0"/>
+              <a:rPr lang="en-US" dirty="0"/>
               <a:t>  </a:t>
             </a:r>
             <a:r>
-              <a:rPr lang="en-US" dirty="0" err="1" smtClean="0"/>
+              <a:rPr lang="en-US" dirty="0" err="1"/>
               <a:t>các</a:t>
             </a:r>
             <a:r>
-              <a:rPr lang="en-US" dirty="0" smtClean="0"/>
+              <a:rPr lang="en-US" dirty="0"/>
               <a:t> </a:t>
             </a:r>
             <a:r>
@@ -16177,28 +15965,24 @@
               </a:spcAft>
             </a:pPr>
             <a:r>
-              <a:rPr lang="en-US" dirty="0" err="1" smtClean="0"/>
+              <a:rPr lang="en-US" dirty="0" err="1"/>
               <a:t>Biết</a:t>
             </a:r>
             <a:r>
-              <a:rPr lang="en-US" dirty="0" smtClean="0"/>
-              <a:t> </a:t>
-            </a:r>
-            <a:r>
-              <a:rPr lang="en-US" dirty="0" err="1" smtClean="0"/>
+              <a:rPr lang="en-US" dirty="0"/>
+              <a:t> </a:t>
+            </a:r>
+            <a:r>
+              <a:rPr lang="en-US" dirty="0" err="1"/>
               <a:t>cách</a:t>
             </a:r>
             <a:r>
-              <a:rPr lang="en-US" dirty="0" smtClean="0"/>
+              <a:rPr lang="en-US" dirty="0"/>
               <a:t> n</a:t>
             </a:r>
             <a:r>
-              <a:rPr lang="vi-VN" dirty="0" smtClean="0"/>
-              <a:t>ạp </a:t>
-            </a:r>
-            <a:r>
               <a:rPr lang="vi-VN" dirty="0"/>
-              <a:t>chồng phương thức</a:t>
+              <a:t>ạp chồng phương thức</a:t>
             </a:r>
           </a:p>
           <a:p>
@@ -16219,20 +16003,16 @@
               <a:t> </a:t>
             </a:r>
             <a:r>
-              <a:rPr lang="en-US" dirty="0" err="1" smtClean="0"/>
+              <a:rPr lang="en-US" dirty="0" err="1"/>
               <a:t>cách</a:t>
             </a:r>
             <a:r>
-              <a:rPr lang="en-US" dirty="0" smtClean="0"/>
+              <a:rPr lang="en-US" dirty="0"/>
               <a:t> g</a:t>
             </a:r>
             <a:r>
-              <a:rPr lang="vi-VN" dirty="0" smtClean="0"/>
-              <a:t>hi </a:t>
-            </a:r>
-            <a:r>
               <a:rPr lang="vi-VN" dirty="0"/>
-              <a:t>đè phương thức</a:t>
+              <a:t>hi đè phương thức</a:t>
             </a:r>
           </a:p>
           <a:p>
@@ -16253,50 +16033,50 @@
               <a:t> </a:t>
             </a:r>
             <a:r>
-              <a:rPr lang="en-US" dirty="0" err="1" smtClean="0"/>
+              <a:rPr lang="en-US" dirty="0" err="1"/>
               <a:t>cách</a:t>
             </a:r>
             <a:r>
-              <a:rPr lang="en-US" dirty="0" smtClean="0"/>
-              <a:t> </a:t>
-            </a:r>
-            <a:r>
-              <a:rPr lang="en-US" dirty="0" err="1" smtClean="0"/>
+              <a:rPr lang="en-US" dirty="0"/>
+              <a:t> </a:t>
+            </a:r>
+            <a:r>
+              <a:rPr lang="en-US" dirty="0" err="1"/>
               <a:t>tạo</a:t>
             </a:r>
             <a:r>
-              <a:rPr lang="en-US" dirty="0" smtClean="0"/>
-              <a:t> </a:t>
-            </a:r>
-            <a:r>
-              <a:rPr lang="vi-VN" dirty="0" smtClean="0"/>
+              <a:rPr lang="en-US" dirty="0"/>
+              <a:t> </a:t>
+            </a:r>
+            <a:r>
+              <a:rPr lang="vi-VN" dirty="0"/>
               <a:t>đa hình</a:t>
             </a:r>
             <a:r>
-              <a:rPr lang="en-US" dirty="0" smtClean="0"/>
-              <a:t> </a:t>
-            </a:r>
-            <a:r>
-              <a:rPr lang="en-US" dirty="0" err="1" smtClean="0"/>
+              <a:rPr lang="en-US" dirty="0"/>
+              <a:t> </a:t>
+            </a:r>
+            <a:r>
+              <a:rPr lang="en-US" dirty="0" err="1"/>
               <a:t>thời</a:t>
             </a:r>
             <a:r>
-              <a:rPr lang="en-US" dirty="0" smtClean="0"/>
-              <a:t> </a:t>
-            </a:r>
-            <a:r>
-              <a:rPr lang="en-US" dirty="0" err="1" smtClean="0"/>
+              <a:rPr lang="en-US" dirty="0"/>
+              <a:t> </a:t>
+            </a:r>
+            <a:r>
+              <a:rPr lang="en-US" dirty="0" err="1"/>
               <a:t>gian</a:t>
             </a:r>
             <a:r>
-              <a:rPr lang="en-US" dirty="0" smtClean="0"/>
-              <a:t> </a:t>
-            </a:r>
-            <a:r>
-              <a:rPr lang="en-US" dirty="0" err="1" smtClean="0"/>
+              <a:rPr lang="en-US" dirty="0"/>
+              <a:t> </a:t>
+            </a:r>
+            <a:r>
+              <a:rPr lang="en-US" dirty="0" err="1"/>
               <a:t>chạy</a:t>
             </a:r>
-            <a:endParaRPr lang="en-US" dirty="0" smtClean="0"/>
+            <a:endParaRPr lang="en-US" dirty="0"/>
           </a:p>
           <a:p>
             <a:pPr>
@@ -16308,71 +16088,71 @@
               </a:spcAft>
             </a:pPr>
             <a:r>
-              <a:rPr lang="en-US" dirty="0" err="1" smtClean="0"/>
+              <a:rPr lang="en-US" dirty="0" err="1"/>
               <a:t>Biết</a:t>
             </a:r>
             <a:r>
-              <a:rPr lang="en-US" dirty="0" smtClean="0"/>
-              <a:t> </a:t>
-            </a:r>
-            <a:r>
-              <a:rPr lang="en-US" dirty="0" err="1" smtClean="0"/>
+              <a:rPr lang="en-US" dirty="0"/>
+              <a:t> </a:t>
+            </a:r>
+            <a:r>
+              <a:rPr lang="en-US" dirty="0" err="1"/>
               <a:t>cách</a:t>
             </a:r>
             <a:r>
-              <a:rPr lang="en-US" dirty="0" smtClean="0"/>
-              <a:t> </a:t>
-            </a:r>
-            <a:r>
-              <a:rPr lang="en-US" dirty="0" err="1" smtClean="0"/>
+              <a:rPr lang="en-US" dirty="0"/>
+              <a:t> </a:t>
+            </a:r>
+            <a:r>
+              <a:rPr lang="en-US" dirty="0" err="1"/>
               <a:t>tạo</a:t>
             </a:r>
             <a:r>
-              <a:rPr lang="en-US" dirty="0" smtClean="0"/>
-              <a:t> </a:t>
-            </a:r>
-            <a:r>
-              <a:rPr lang="en-US" dirty="0" err="1" smtClean="0"/>
+              <a:rPr lang="en-US" dirty="0"/>
+              <a:t> </a:t>
+            </a:r>
+            <a:r>
+              <a:rPr lang="en-US" dirty="0" err="1"/>
               <a:t>đa</a:t>
             </a:r>
             <a:r>
-              <a:rPr lang="en-US" dirty="0" smtClean="0"/>
-              <a:t> </a:t>
-            </a:r>
-            <a:r>
-              <a:rPr lang="en-US" dirty="0" err="1" smtClean="0"/>
+              <a:rPr lang="en-US" dirty="0"/>
+              <a:t> </a:t>
+            </a:r>
+            <a:r>
+              <a:rPr lang="en-US" dirty="0" err="1"/>
               <a:t>hình</a:t>
             </a:r>
             <a:r>
-              <a:rPr lang="en-US" dirty="0" smtClean="0"/>
-              <a:t> </a:t>
-            </a:r>
-            <a:r>
-              <a:rPr lang="en-US" dirty="0" err="1" smtClean="0"/>
+              <a:rPr lang="en-US" dirty="0"/>
+              <a:t> </a:t>
+            </a:r>
+            <a:r>
+              <a:rPr lang="en-US" dirty="0" err="1"/>
               <a:t>thời</a:t>
             </a:r>
             <a:r>
-              <a:rPr lang="en-US" dirty="0" smtClean="0"/>
-              <a:t> </a:t>
-            </a:r>
-            <a:r>
-              <a:rPr lang="en-US" dirty="0" err="1" smtClean="0"/>
+              <a:rPr lang="en-US" dirty="0"/>
+              <a:t> </a:t>
+            </a:r>
+            <a:r>
+              <a:rPr lang="en-US" dirty="0" err="1"/>
               <a:t>gian</a:t>
             </a:r>
             <a:r>
-              <a:rPr lang="en-US" dirty="0" smtClean="0"/>
-              <a:t> </a:t>
-            </a:r>
-            <a:r>
-              <a:rPr lang="en-US" dirty="0" err="1" smtClean="0"/>
+              <a:rPr lang="en-US" dirty="0"/>
+              <a:t> </a:t>
+            </a:r>
+            <a:r>
+              <a:rPr lang="en-US" dirty="0" err="1"/>
               <a:t>biên</a:t>
             </a:r>
             <a:r>
-              <a:rPr lang="en-US" dirty="0" smtClean="0"/>
-              <a:t> </a:t>
-            </a:r>
-            <a:r>
-              <a:rPr lang="en-US" dirty="0" err="1" smtClean="0"/>
+              <a:rPr lang="en-US" dirty="0"/>
+              <a:t> </a:t>
+            </a:r>
+            <a:r>
+              <a:rPr lang="en-US" dirty="0" err="1"/>
               <a:t>dịch</a:t>
             </a:r>
             <a:endParaRPr lang="vi-VN" dirty="0"/>
@@ -16387,28 +16167,24 @@
               </a:spcAft>
             </a:pPr>
             <a:r>
-              <a:rPr lang="en-US" dirty="0" err="1" smtClean="0"/>
+              <a:rPr lang="en-US" dirty="0" err="1"/>
               <a:t>Hiểu</a:t>
             </a:r>
             <a:r>
-              <a:rPr lang="en-US" dirty="0" smtClean="0"/>
-              <a:t> </a:t>
-            </a:r>
-            <a:r>
-              <a:rPr lang="en-US" dirty="0" err="1" smtClean="0"/>
+              <a:rPr lang="en-US" dirty="0"/>
+              <a:t> </a:t>
+            </a:r>
+            <a:r>
+              <a:rPr lang="en-US" dirty="0" err="1"/>
               <a:t>được</a:t>
             </a:r>
             <a:r>
-              <a:rPr lang="en-US" dirty="0" smtClean="0"/>
+              <a:rPr lang="en-US" dirty="0"/>
               <a:t> c</a:t>
             </a:r>
             <a:r>
-              <a:rPr lang="vi-VN" dirty="0" smtClean="0"/>
-              <a:t>ác </a:t>
-            </a:r>
-            <a:r>
               <a:rPr lang="vi-VN" dirty="0"/>
-              <a:t>tính chất của đa hình</a:t>
+              <a:t>ác tính chất của đa hình</a:t>
             </a:r>
           </a:p>
           <a:p>
@@ -16420,7 +16196,7 @@
                 <a:spcPts val="600"/>
               </a:spcAft>
             </a:pPr>
-            <a:endParaRPr lang="en-US" dirty="0" smtClean="0"/>
+            <a:endParaRPr lang="en-US" dirty="0"/>
           </a:p>
           <a:p>
             <a:pPr lvl="0">
@@ -16519,7 +16295,7 @@
           </a:xfrm>
           <a:extLst>
             <a:ext uri="{FAA26D3D-D897-4be2-8F04-BA451C77F1D7}">
-              <ma14:placeholderFlag xmlns:ma14="http://schemas.microsoft.com/office/mac/drawingml/2011/main" xmlns="" val="1"/>
+              <ma14:placeholderFlag xmlns="" xmlns:ma14="http://schemas.microsoft.com/office/mac/drawingml/2011/main" val="1"/>
             </a:ext>
           </a:extLst>
         </p:spPr>
@@ -16530,7 +16306,7 @@
           <a:lstStyle/>
           <a:p>
             <a:r>
-              <a:rPr lang="vi-VN" altLang="en-US" sz="2700" dirty="0" smtClean="0"/>
+              <a:rPr lang="vi-VN" altLang="en-US" sz="2700" dirty="0"/>
               <a:t>CÁC QUY TẮC GHI ĐÈ PHƯƠNG THỨC</a:t>
             </a:r>
             <a:endParaRPr lang="en-US" altLang="en-US" sz="2700" dirty="0"/>
@@ -16567,7 +16343,7 @@
               </a:spcAft>
             </a:pPr>
             <a:r>
-              <a:rPr lang="en-US" sz="1800" b="1" dirty="0" err="1" smtClean="0">
+              <a:rPr lang="en-US" sz="1800" b="1" dirty="0" err="1">
                 <a:solidFill>
                   <a:srgbClr val="343A40"/>
                 </a:solidFill>
@@ -16578,18 +16354,18 @@
               <a:t>Quy</a:t>
             </a:r>
             <a:r>
-              <a:rPr lang="en-US" sz="1800" b="1" dirty="0" smtClean="0">
-                <a:solidFill>
-                  <a:srgbClr val="343A40"/>
-                </a:solidFill>
-                <a:latin typeface="Segoe UI" panose="020B0502040204020203" pitchFamily="34" charset="0"/>
-                <a:ea typeface="Times New Roman" panose="02020603050405020304" pitchFamily="18" charset="0"/>
-                <a:cs typeface="Times New Roman" panose="02020603050405020304" pitchFamily="18" charset="0"/>
-              </a:rPr>
-              <a:t> </a:t>
-            </a:r>
-            <a:r>
-              <a:rPr lang="en-US" sz="1800" b="1" dirty="0" err="1" smtClean="0">
+              <a:rPr lang="en-US" sz="1800" b="1" dirty="0">
+                <a:solidFill>
+                  <a:srgbClr val="343A40"/>
+                </a:solidFill>
+                <a:latin typeface="Segoe UI" panose="020B0502040204020203" pitchFamily="34" charset="0"/>
+                <a:ea typeface="Times New Roman" panose="02020603050405020304" pitchFamily="18" charset="0"/>
+                <a:cs typeface="Times New Roman" panose="02020603050405020304" pitchFamily="18" charset="0"/>
+              </a:rPr>
+              <a:t> </a:t>
+            </a:r>
+            <a:r>
+              <a:rPr lang="en-US" sz="1800" b="1" dirty="0" err="1">
                 <a:solidFill>
                   <a:srgbClr val="343A40"/>
                 </a:solidFill>
@@ -16600,7 +16376,7 @@
               <a:t>tắc</a:t>
             </a:r>
             <a:r>
-              <a:rPr lang="en-US" sz="1800" b="1" dirty="0" smtClean="0">
+              <a:rPr lang="en-US" sz="1800" b="1" dirty="0">
                 <a:solidFill>
                   <a:srgbClr val="343A40"/>
                 </a:solidFill>
@@ -16642,7 +16418,7 @@
               </a:rPr>
               <a:t>Các phương thức có phạm vi truy cập private không thể bị ghi đè vì chúng được liên kết trong thời gian biên dịch. </a:t>
             </a:r>
-            <a:endParaRPr lang="en-US" sz="1800" dirty="0" smtClean="0">
+            <a:endParaRPr lang="en-US" sz="1800" dirty="0">
               <a:solidFill>
                 <a:srgbClr val="343A40"/>
               </a:solidFill>
@@ -16661,7 +16437,7 @@
               </a:spcAft>
             </a:pPr>
             <a:r>
-              <a:rPr lang="en-US" sz="1800" b="1" dirty="0" err="1" smtClean="0">
+              <a:rPr lang="en-US" sz="1800" b="1" dirty="0" err="1">
                 <a:solidFill>
                   <a:srgbClr val="343A40"/>
                 </a:solidFill>
@@ -16672,7 +16448,7 @@
               <a:t>Quy</a:t>
             </a:r>
             <a:r>
-              <a:rPr lang="en-US" sz="1800" b="1" dirty="0" smtClean="0">
+              <a:rPr lang="en-US" sz="1800" b="1" dirty="0">
                 <a:solidFill>
                   <a:srgbClr val="343A40"/>
                 </a:solidFill>
@@ -16702,18 +16478,7 @@
                 <a:ea typeface="Times New Roman" panose="02020603050405020304" pitchFamily="18" charset="0"/>
                 <a:cs typeface="Times New Roman" panose="02020603050405020304" pitchFamily="18" charset="0"/>
               </a:rPr>
-              <a:t> </a:t>
-            </a:r>
-            <a:r>
-              <a:rPr lang="en-US" sz="1800" b="1" dirty="0" smtClean="0">
-                <a:solidFill>
-                  <a:srgbClr val="343A40"/>
-                </a:solidFill>
-                <a:latin typeface="Segoe UI" panose="020B0502040204020203" pitchFamily="34" charset="0"/>
-                <a:ea typeface="Times New Roman" panose="02020603050405020304" pitchFamily="18" charset="0"/>
-                <a:cs typeface="Times New Roman" panose="02020603050405020304" pitchFamily="18" charset="0"/>
-              </a:rPr>
-              <a:t>5: </a:t>
+              <a:t> 5: </a:t>
             </a:r>
             <a:r>
               <a:rPr lang="vi-VN" sz="1800" b="1" dirty="0">
@@ -16758,7 +16523,7 @@
               </a:spcAft>
             </a:pPr>
             <a:r>
-              <a:rPr lang="en-US" sz="1800" b="1" dirty="0" err="1" smtClean="0">
+              <a:rPr lang="en-US" sz="1800" b="1" dirty="0" err="1">
                 <a:solidFill>
                   <a:srgbClr val="343A40"/>
                 </a:solidFill>
@@ -16769,7 +16534,7 @@
               <a:t>Quy</a:t>
             </a:r>
             <a:r>
-              <a:rPr lang="en-US" sz="1800" b="1" dirty="0" smtClean="0">
+              <a:rPr lang="en-US" sz="1800" b="1" dirty="0">
                 <a:solidFill>
                   <a:srgbClr val="343A40"/>
                 </a:solidFill>
@@ -16799,18 +16564,7 @@
                 <a:ea typeface="Times New Roman" panose="02020603050405020304" pitchFamily="18" charset="0"/>
                 <a:cs typeface="Times New Roman" panose="02020603050405020304" pitchFamily="18" charset="0"/>
               </a:rPr>
-              <a:t> </a:t>
-            </a:r>
-            <a:r>
-              <a:rPr lang="en-US" sz="1800" b="1" dirty="0" smtClean="0">
-                <a:solidFill>
-                  <a:srgbClr val="343A40"/>
-                </a:solidFill>
-                <a:latin typeface="Segoe UI" panose="020B0502040204020203" pitchFamily="34" charset="0"/>
-                <a:ea typeface="Times New Roman" panose="02020603050405020304" pitchFamily="18" charset="0"/>
-                <a:cs typeface="Times New Roman" panose="02020603050405020304" pitchFamily="18" charset="0"/>
-              </a:rPr>
-              <a:t>6: </a:t>
+              <a:t> 6: </a:t>
             </a:r>
             <a:r>
               <a:rPr lang="vi-VN" sz="1800" b="1" dirty="0">
@@ -16845,7 +16599,7 @@
               <a:t>Dùng từ khóa super để gọi phương thức </a:t>
             </a:r>
             <a:r>
-              <a:rPr lang="en-US" sz="1800" dirty="0" err="1" smtClean="0">
+              <a:rPr lang="en-US" sz="1800" dirty="0" err="1">
                 <a:solidFill>
                   <a:srgbClr val="343A40"/>
                 </a:solidFill>
@@ -16856,26 +16610,15 @@
               <a:t>của</a:t>
             </a:r>
             <a:r>
-              <a:rPr lang="en-US" sz="1800" dirty="0" smtClean="0">
-                <a:solidFill>
-                  <a:srgbClr val="343A40"/>
-                </a:solidFill>
-                <a:latin typeface="Segoe UI" panose="020B0502040204020203" pitchFamily="34" charset="0"/>
-                <a:ea typeface="Times New Roman" panose="02020603050405020304" pitchFamily="18" charset="0"/>
-                <a:cs typeface="Times New Roman" panose="02020603050405020304" pitchFamily="18" charset="0"/>
-              </a:rPr>
-              <a:t> </a:t>
-            </a:r>
-            <a:r>
-              <a:rPr lang="vi-VN" sz="1800" dirty="0" smtClean="0">
-                <a:solidFill>
-                  <a:srgbClr val="343A40"/>
-                </a:solidFill>
-                <a:latin typeface="Segoe UI" panose="020B0502040204020203" pitchFamily="34" charset="0"/>
-                <a:ea typeface="Times New Roman" panose="02020603050405020304" pitchFamily="18" charset="0"/>
-                <a:cs typeface="Times New Roman" panose="02020603050405020304" pitchFamily="18" charset="0"/>
-              </a:rPr>
-              <a:t>lớp </a:t>
+              <a:rPr lang="en-US" sz="1800" dirty="0">
+                <a:solidFill>
+                  <a:srgbClr val="343A40"/>
+                </a:solidFill>
+                <a:latin typeface="Segoe UI" panose="020B0502040204020203" pitchFamily="34" charset="0"/>
+                <a:ea typeface="Times New Roman" panose="02020603050405020304" pitchFamily="18" charset="0"/>
+                <a:cs typeface="Times New Roman" panose="02020603050405020304" pitchFamily="18" charset="0"/>
+              </a:rPr>
+              <a:t> </a:t>
             </a:r>
             <a:r>
               <a:rPr lang="vi-VN" sz="1800" dirty="0">
@@ -16886,7 +16629,7 @@
                 <a:ea typeface="Times New Roman" panose="02020603050405020304" pitchFamily="18" charset="0"/>
                 <a:cs typeface="Times New Roman" panose="02020603050405020304" pitchFamily="18" charset="0"/>
               </a:rPr>
-              <a:t>cha trong phương thức ghi đè ở lớp con.</a:t>
+              <a:t>lớp cha trong phương thức ghi đè ở lớp con.</a:t>
             </a:r>
           </a:p>
         </p:txBody>
@@ -16901,13 +16644,6 @@
   <p:clrMapOvr>
     <a:masterClrMapping/>
   </p:clrMapOvr>
-  <p:timing>
-    <p:tnLst>
-      <p:par>
-        <p:cTn id="1" dur="indefinite" restart="never" nodeType="tmRoot"/>
-      </p:par>
-    </p:tnLst>
-  </p:timing>
 </p:sld>
 </file>
 
@@ -16945,7 +16681,7 @@
           </a:xfrm>
           <a:extLst>
             <a:ext uri="{FAA26D3D-D897-4be2-8F04-BA451C77F1D7}">
-              <ma14:placeholderFlag xmlns:ma14="http://schemas.microsoft.com/office/mac/drawingml/2011/main" xmlns="" val="1"/>
+              <ma14:placeholderFlag xmlns="" xmlns:ma14="http://schemas.microsoft.com/office/mac/drawingml/2011/main" val="1"/>
             </a:ext>
           </a:extLst>
         </p:spPr>
@@ -16956,7 +16692,7 @@
           <a:lstStyle/>
           <a:p>
             <a:r>
-              <a:rPr lang="vi-VN" altLang="en-US" sz="2700" dirty="0" smtClean="0"/>
+              <a:rPr lang="vi-VN" altLang="en-US" sz="2700" dirty="0"/>
               <a:t>CÁC QUY TẮC GHI ĐÈ PHƯƠNG THỨC</a:t>
             </a:r>
             <a:endParaRPr lang="en-US" altLang="en-US" sz="2700" dirty="0"/>
@@ -16993,7 +16729,7 @@
               </a:spcAft>
             </a:pPr>
             <a:r>
-              <a:rPr lang="en-US" sz="1800" b="1" dirty="0" err="1" smtClean="0">
+              <a:rPr lang="en-US" sz="1800" b="1" dirty="0" err="1">
                 <a:solidFill>
                   <a:srgbClr val="343A40"/>
                 </a:solidFill>
@@ -17004,18 +16740,18 @@
               <a:t>Quy</a:t>
             </a:r>
             <a:r>
-              <a:rPr lang="en-US" sz="1800" b="1" dirty="0" smtClean="0">
-                <a:solidFill>
-                  <a:srgbClr val="343A40"/>
-                </a:solidFill>
-                <a:latin typeface="Segoe UI" panose="020B0502040204020203" pitchFamily="34" charset="0"/>
-                <a:ea typeface="Times New Roman" panose="02020603050405020304" pitchFamily="18" charset="0"/>
-                <a:cs typeface="Times New Roman" panose="02020603050405020304" pitchFamily="18" charset="0"/>
-              </a:rPr>
-              <a:t> </a:t>
-            </a:r>
-            <a:r>
-              <a:rPr lang="en-US" sz="1800" b="1" dirty="0" err="1" smtClean="0">
+              <a:rPr lang="en-US" sz="1800" b="1" dirty="0">
+                <a:solidFill>
+                  <a:srgbClr val="343A40"/>
+                </a:solidFill>
+                <a:latin typeface="Segoe UI" panose="020B0502040204020203" pitchFamily="34" charset="0"/>
+                <a:ea typeface="Times New Roman" panose="02020603050405020304" pitchFamily="18" charset="0"/>
+                <a:cs typeface="Times New Roman" panose="02020603050405020304" pitchFamily="18" charset="0"/>
+              </a:rPr>
+              <a:t> </a:t>
+            </a:r>
+            <a:r>
+              <a:rPr lang="en-US" sz="1800" b="1" dirty="0" err="1">
                 <a:solidFill>
                   <a:srgbClr val="343A40"/>
                 </a:solidFill>
@@ -17026,7 +16762,7 @@
               <a:t>tắc</a:t>
             </a:r>
             <a:r>
-              <a:rPr lang="en-US" sz="1800" b="1" dirty="0" smtClean="0">
+              <a:rPr lang="en-US" sz="1800" b="1" dirty="0">
                 <a:solidFill>
                   <a:srgbClr val="343A40"/>
                 </a:solidFill>
@@ -17068,7 +16804,7 @@
               </a:rPr>
               <a:t>Không thể ghi đè hàm tạo vì lớp cha và lớp con không bao giờ có thể có hàm tạo có cùng tên </a:t>
             </a:r>
-            <a:endParaRPr lang="en-US" sz="1800" dirty="0" smtClean="0">
+            <a:endParaRPr lang="en-US" sz="1800" dirty="0">
               <a:solidFill>
                 <a:srgbClr val="343A40"/>
               </a:solidFill>
@@ -17087,7 +16823,7 @@
               </a:spcAft>
             </a:pPr>
             <a:r>
-              <a:rPr lang="en-US" sz="1800" b="1" dirty="0" err="1" smtClean="0">
+              <a:rPr lang="en-US" sz="1800" b="1" dirty="0" err="1">
                 <a:solidFill>
                   <a:srgbClr val="343A40"/>
                 </a:solidFill>
@@ -17098,7 +16834,7 @@
               <a:t>Quy</a:t>
             </a:r>
             <a:r>
-              <a:rPr lang="en-US" sz="1800" b="1" dirty="0" smtClean="0">
+              <a:rPr lang="en-US" sz="1800" b="1" dirty="0">
                 <a:solidFill>
                   <a:srgbClr val="343A40"/>
                 </a:solidFill>
@@ -17128,18 +16864,7 @@
                 <a:ea typeface="Times New Roman" panose="02020603050405020304" pitchFamily="18" charset="0"/>
                 <a:cs typeface="Times New Roman" panose="02020603050405020304" pitchFamily="18" charset="0"/>
               </a:rPr>
-              <a:t> </a:t>
-            </a:r>
-            <a:r>
-              <a:rPr lang="en-US" sz="1800" b="1" dirty="0" smtClean="0">
-                <a:solidFill>
-                  <a:srgbClr val="343A40"/>
-                </a:solidFill>
-                <a:latin typeface="Segoe UI" panose="020B0502040204020203" pitchFamily="34" charset="0"/>
-                <a:ea typeface="Times New Roman" panose="02020603050405020304" pitchFamily="18" charset="0"/>
-                <a:cs typeface="Times New Roman" panose="02020603050405020304" pitchFamily="18" charset="0"/>
-              </a:rPr>
-              <a:t>8: </a:t>
+              <a:t> 8: </a:t>
             </a:r>
             <a:r>
               <a:rPr lang="vi-VN" sz="1800" b="1" dirty="0">
@@ -17150,20 +16875,9 @@
                 <a:ea typeface="Times New Roman" panose="02020603050405020304" pitchFamily="18" charset="0"/>
                 <a:cs typeface="Times New Roman" panose="02020603050405020304" pitchFamily="18" charset="0"/>
               </a:rPr>
-              <a:t>Ghi đè và phương thức trừu </a:t>
-            </a:r>
-            <a:r>
-              <a:rPr lang="vi-VN" sz="1800" b="1" dirty="0" smtClean="0">
-                <a:solidFill>
-                  <a:srgbClr val="343A40"/>
-                </a:solidFill>
-                <a:latin typeface="Segoe UI" panose="020B0502040204020203" pitchFamily="34" charset="0"/>
-                <a:ea typeface="Times New Roman" panose="02020603050405020304" pitchFamily="18" charset="0"/>
-                <a:cs typeface="Times New Roman" panose="02020603050405020304" pitchFamily="18" charset="0"/>
-              </a:rPr>
-              <a:t>tượng</a:t>
-            </a:r>
-            <a:endParaRPr lang="en-US" sz="1800" b="1" dirty="0" smtClean="0">
+              <a:t>Ghi đè và phương thức trừu tượng</a:t>
+            </a:r>
+            <a:endParaRPr lang="en-US" sz="1800" b="1" dirty="0">
               <a:solidFill>
                 <a:srgbClr val="343A40"/>
               </a:solidFill>
@@ -17182,17 +16896,6 @@
               </a:spcAft>
             </a:pPr>
             <a:r>
-              <a:rPr lang="vi-VN" sz="1800" dirty="0" smtClean="0">
-                <a:solidFill>
-                  <a:srgbClr val="343A40"/>
-                </a:solidFill>
-                <a:latin typeface="Segoe UI" panose="020B0502040204020203" pitchFamily="34" charset="0"/>
-                <a:ea typeface="Times New Roman" panose="02020603050405020304" pitchFamily="18" charset="0"/>
-                <a:cs typeface="Times New Roman" panose="02020603050405020304" pitchFamily="18" charset="0"/>
-              </a:rPr>
-              <a:t>Các </a:t>
-            </a:r>
-            <a:r>
               <a:rPr lang="vi-VN" sz="1800" dirty="0">
                 <a:solidFill>
                   <a:srgbClr val="343A40"/>
@@ -17201,20 +16904,9 @@
                 <a:ea typeface="Times New Roman" panose="02020603050405020304" pitchFamily="18" charset="0"/>
                 <a:cs typeface="Times New Roman" panose="02020603050405020304" pitchFamily="18" charset="0"/>
               </a:rPr>
-              <a:t>phương thức trừu tượng trong một giao diện hoặc lớp trừu tượng có thể ghi đè trong các lớp con nếu không sẽ xảy ra lỗi thời gian biên dịch</a:t>
-            </a:r>
-            <a:r>
-              <a:rPr lang="vi-VN" sz="1800" dirty="0" smtClean="0">
-                <a:solidFill>
-                  <a:srgbClr val="343A40"/>
-                </a:solidFill>
-                <a:latin typeface="Segoe UI" panose="020B0502040204020203" pitchFamily="34" charset="0"/>
-                <a:ea typeface="Times New Roman" panose="02020603050405020304" pitchFamily="18" charset="0"/>
-                <a:cs typeface="Times New Roman" panose="02020603050405020304" pitchFamily="18" charset="0"/>
-              </a:rPr>
-              <a:t>.</a:t>
-            </a:r>
-            <a:endParaRPr lang="en-US" sz="1800" dirty="0" smtClean="0">
+              <a:t>Các phương thức trừu tượng trong một giao diện hoặc lớp trừu tượng có thể ghi đè trong các lớp con nếu không sẽ xảy ra lỗi thời gian biên dịch.</a:t>
+            </a:r>
+            <a:endParaRPr lang="en-US" sz="1800" dirty="0">
               <a:solidFill>
                 <a:srgbClr val="343A40"/>
               </a:solidFill>
@@ -17233,7 +16925,7 @@
               </a:spcAft>
             </a:pPr>
             <a:r>
-              <a:rPr lang="en-US" sz="1800" b="1" dirty="0" err="1" smtClean="0">
+              <a:rPr lang="en-US" sz="1800" b="1" dirty="0" err="1">
                 <a:solidFill>
                   <a:srgbClr val="343A40"/>
                 </a:solidFill>
@@ -17244,7 +16936,7 @@
               <a:t>Quy</a:t>
             </a:r>
             <a:r>
-              <a:rPr lang="en-US" sz="1800" b="1" dirty="0" smtClean="0">
+              <a:rPr lang="en-US" sz="1800" b="1" dirty="0">
                 <a:solidFill>
                   <a:srgbClr val="343A40"/>
                 </a:solidFill>
@@ -17274,29 +16966,7 @@
                 <a:ea typeface="Times New Roman" panose="02020603050405020304" pitchFamily="18" charset="0"/>
                 <a:cs typeface="Times New Roman" panose="02020603050405020304" pitchFamily="18" charset="0"/>
               </a:rPr>
-              <a:t> </a:t>
-            </a:r>
-            <a:r>
-              <a:rPr lang="en-US" sz="1800" b="1" dirty="0" smtClean="0">
-                <a:solidFill>
-                  <a:srgbClr val="343A40"/>
-                </a:solidFill>
-                <a:latin typeface="Segoe UI" panose="020B0502040204020203" pitchFamily="34" charset="0"/>
-                <a:ea typeface="Times New Roman" panose="02020603050405020304" pitchFamily="18" charset="0"/>
-                <a:cs typeface="Times New Roman" panose="02020603050405020304" pitchFamily="18" charset="0"/>
-              </a:rPr>
-              <a:t>9: </a:t>
-            </a:r>
-            <a:r>
-              <a:rPr lang="vi-VN" sz="1800" b="1" dirty="0" smtClean="0">
-                <a:solidFill>
-                  <a:srgbClr val="343A40"/>
-                </a:solidFill>
-                <a:latin typeface="Segoe UI" panose="020B0502040204020203" pitchFamily="34" charset="0"/>
-                <a:ea typeface="Times New Roman" panose="02020603050405020304" pitchFamily="18" charset="0"/>
-                <a:cs typeface="Times New Roman" panose="02020603050405020304" pitchFamily="18" charset="0"/>
-              </a:rPr>
-              <a:t> </a:t>
+              <a:t> 9: </a:t>
             </a:r>
             <a:r>
               <a:rPr lang="vi-VN" sz="1800" b="1" dirty="0">
@@ -17307,20 +16977,9 @@
                 <a:ea typeface="Times New Roman" panose="02020603050405020304" pitchFamily="18" charset="0"/>
                 <a:cs typeface="Times New Roman" panose="02020603050405020304" pitchFamily="18" charset="0"/>
               </a:rPr>
-              <a:t>Ghi đè và phương thức được đồng bộ </a:t>
-            </a:r>
-            <a:r>
-              <a:rPr lang="vi-VN" sz="1800" b="1" dirty="0" smtClean="0">
-                <a:solidFill>
-                  <a:srgbClr val="343A40"/>
-                </a:solidFill>
-                <a:latin typeface="Segoe UI" panose="020B0502040204020203" pitchFamily="34" charset="0"/>
-                <a:ea typeface="Times New Roman" panose="02020603050405020304" pitchFamily="18" charset="0"/>
-                <a:cs typeface="Times New Roman" panose="02020603050405020304" pitchFamily="18" charset="0"/>
-              </a:rPr>
-              <a:t>hóa</a:t>
-            </a:r>
-            <a:endParaRPr lang="en-US" sz="1800" b="1" dirty="0" smtClean="0">
+              <a:t> Ghi đè và phương thức được đồng bộ hóa</a:t>
+            </a:r>
+            <a:endParaRPr lang="en-US" sz="1800" b="1" dirty="0">
               <a:solidFill>
                 <a:srgbClr val="343A40"/>
               </a:solidFill>
@@ -17339,7 +16998,7 @@
               </a:spcAft>
             </a:pPr>
             <a:r>
-              <a:rPr lang="en-US" sz="1800" dirty="0" smtClean="0">
+              <a:rPr lang="en-US" sz="1800" dirty="0">
                 <a:solidFill>
                   <a:srgbClr val="343A40"/>
                 </a:solidFill>
@@ -17350,17 +17009,6 @@
               <a:t>P</a:t>
             </a:r>
             <a:r>
-              <a:rPr lang="vi-VN" sz="1800" dirty="0" smtClean="0">
-                <a:solidFill>
-                  <a:srgbClr val="343A40"/>
-                </a:solidFill>
-                <a:latin typeface="Segoe UI" panose="020B0502040204020203" pitchFamily="34" charset="0"/>
-                <a:ea typeface="Times New Roman" panose="02020603050405020304" pitchFamily="18" charset="0"/>
-                <a:cs typeface="Times New Roman" panose="02020603050405020304" pitchFamily="18" charset="0"/>
-              </a:rPr>
-              <a:t>hương </a:t>
-            </a:r>
-            <a:r>
               <a:rPr lang="vi-VN" sz="1800" dirty="0">
                 <a:solidFill>
                   <a:srgbClr val="343A40"/>
@@ -17369,7 +17017,7 @@
                 <a:ea typeface="Times New Roman" panose="02020603050405020304" pitchFamily="18" charset="0"/>
                 <a:cs typeface="Times New Roman" panose="02020603050405020304" pitchFamily="18" charset="0"/>
               </a:rPr>
-              <a:t>thức được đồng bộ hóa có thể ghi đè lên một phương thức không được đồng bộ hóa và ngược lại.</a:t>
+              <a:t>hương thức được đồng bộ hóa có thể ghi đè lên một phương thức không được đồng bộ hóa và ngược lại.</a:t>
             </a:r>
           </a:p>
         </p:txBody>
@@ -17384,13 +17032,6 @@
   <p:clrMapOvr>
     <a:masterClrMapping/>
   </p:clrMapOvr>
-  <p:timing>
-    <p:tnLst>
-      <p:par>
-        <p:cTn id="1" dur="indefinite" restart="never" nodeType="tmRoot"/>
-      </p:par>
-    </p:tnLst>
-  </p:timing>
 </p:sld>
 </file>
 
@@ -17428,7 +17069,7 @@
           </a:xfrm>
           <a:extLst>
             <a:ext uri="{FAA26D3D-D897-4be2-8F04-BA451C77F1D7}">
-              <ma14:placeholderFlag xmlns:ma14="http://schemas.microsoft.com/office/mac/drawingml/2011/main" xmlns="" val="1"/>
+              <ma14:placeholderFlag xmlns="" xmlns:ma14="http://schemas.microsoft.com/office/mac/drawingml/2011/main" val="1"/>
             </a:ext>
           </a:extLst>
         </p:spPr>
@@ -17439,7 +17080,7 @@
           <a:lstStyle/>
           <a:p>
             <a:r>
-              <a:rPr lang="vi-VN" altLang="en-US" sz="2700" dirty="0" smtClean="0"/>
+              <a:rPr lang="vi-VN" altLang="en-US" sz="2700" dirty="0"/>
               <a:t>CÁC QUY TẮC GHI ĐÈ PHƯƠNG THỨC</a:t>
             </a:r>
             <a:endParaRPr lang="en-US" altLang="en-US" sz="2700" dirty="0"/>
@@ -17476,7 +17117,7 @@
               </a:spcAft>
             </a:pPr>
             <a:r>
-              <a:rPr lang="en-US" sz="1800" b="1" dirty="0" err="1" smtClean="0">
+              <a:rPr lang="en-US" sz="1800" b="1" dirty="0" err="1">
                 <a:solidFill>
                   <a:srgbClr val="343A40"/>
                 </a:solidFill>
@@ -17487,18 +17128,18 @@
               <a:t>Quy</a:t>
             </a:r>
             <a:r>
-              <a:rPr lang="en-US" sz="1800" b="1" dirty="0" smtClean="0">
-                <a:solidFill>
-                  <a:srgbClr val="343A40"/>
-                </a:solidFill>
-                <a:latin typeface="Segoe UI" panose="020B0502040204020203" pitchFamily="34" charset="0"/>
-                <a:ea typeface="Times New Roman" panose="02020603050405020304" pitchFamily="18" charset="0"/>
-                <a:cs typeface="Times New Roman" panose="02020603050405020304" pitchFamily="18" charset="0"/>
-              </a:rPr>
-              <a:t> </a:t>
-            </a:r>
-            <a:r>
-              <a:rPr lang="en-US" sz="1800" b="1" dirty="0" err="1" smtClean="0">
+              <a:rPr lang="en-US" sz="1800" b="1" dirty="0">
+                <a:solidFill>
+                  <a:srgbClr val="343A40"/>
+                </a:solidFill>
+                <a:latin typeface="Segoe UI" panose="020B0502040204020203" pitchFamily="34" charset="0"/>
+                <a:ea typeface="Times New Roman" panose="02020603050405020304" pitchFamily="18" charset="0"/>
+                <a:cs typeface="Times New Roman" panose="02020603050405020304" pitchFamily="18" charset="0"/>
+              </a:rPr>
+              <a:t> </a:t>
+            </a:r>
+            <a:r>
+              <a:rPr lang="en-US" sz="1800" b="1" dirty="0" err="1">
                 <a:solidFill>
                   <a:srgbClr val="343A40"/>
                 </a:solidFill>
@@ -17509,7 +17150,7 @@
               <a:t>tắc</a:t>
             </a:r>
             <a:r>
-              <a:rPr lang="en-US" sz="1800" b="1" dirty="0" smtClean="0">
+              <a:rPr lang="en-US" sz="1800" b="1" dirty="0">
                 <a:solidFill>
                   <a:srgbClr val="343A40"/>
                 </a:solidFill>
@@ -17530,7 +17171,7 @@
               </a:rPr>
               <a:t>Ghi đè và xử lý ngoại lệ </a:t>
             </a:r>
-            <a:endParaRPr lang="en-US" sz="1800" b="1" dirty="0" smtClean="0">
+            <a:endParaRPr lang="en-US" sz="1800" b="1" dirty="0">
               <a:solidFill>
                 <a:srgbClr val="343A40"/>
               </a:solidFill>
@@ -17549,7 +17190,7 @@
               </a:spcAft>
             </a:pPr>
             <a:r>
-              <a:rPr lang="en-US" sz="1800" dirty="0" smtClean="0">
+              <a:rPr lang="en-US" sz="1800" dirty="0">
                 <a:solidFill>
                   <a:srgbClr val="343A40"/>
                 </a:solidFill>
@@ -17560,17 +17201,6 @@
               <a:t>- </a:t>
             </a:r>
             <a:r>
-              <a:rPr lang="vi-VN" sz="1800" dirty="0" smtClean="0">
-                <a:solidFill>
-                  <a:srgbClr val="343A40"/>
-                </a:solidFill>
-                <a:latin typeface="Segoe UI" panose="020B0502040204020203" pitchFamily="34" charset="0"/>
-                <a:ea typeface="Times New Roman" panose="02020603050405020304" pitchFamily="18" charset="0"/>
-                <a:cs typeface="Times New Roman" panose="02020603050405020304" pitchFamily="18" charset="0"/>
-              </a:rPr>
-              <a:t>Nếu </a:t>
-            </a:r>
-            <a:r>
               <a:rPr lang="vi-VN" sz="1800" dirty="0">
                 <a:solidFill>
                   <a:srgbClr val="343A40"/>
@@ -17579,20 +17209,9 @@
                 <a:ea typeface="Times New Roman" panose="02020603050405020304" pitchFamily="18" charset="0"/>
                 <a:cs typeface="Times New Roman" panose="02020603050405020304" pitchFamily="18" charset="0"/>
               </a:rPr>
-              <a:t>phương thức ghi đè trong lớp cha không ném ngoại lệ, thì phương thức ghi đè trong lớp con chỉ có thể ném ngoại lệ </a:t>
-            </a:r>
-            <a:r>
-              <a:rPr lang="vi-VN" sz="1800" dirty="0" smtClean="0">
-                <a:solidFill>
-                  <a:srgbClr val="343A40"/>
-                </a:solidFill>
-                <a:latin typeface="Segoe UI" panose="020B0502040204020203" pitchFamily="34" charset="0"/>
-                <a:ea typeface="Times New Roman" panose="02020603050405020304" pitchFamily="18" charset="0"/>
-                <a:cs typeface="Times New Roman" panose="02020603050405020304" pitchFamily="18" charset="0"/>
-              </a:rPr>
-              <a:t>unchecked</a:t>
-            </a:r>
-            <a:endParaRPr lang="en-US" sz="1800" dirty="0" smtClean="0">
+              <a:t>Nếu phương thức ghi đè trong lớp cha không ném ngoại lệ, thì phương thức ghi đè trong lớp con chỉ có thể ném ngoại lệ unchecked</a:t>
+            </a:r>
+            <a:endParaRPr lang="en-US" sz="1800" dirty="0">
               <a:solidFill>
                 <a:srgbClr val="343A40"/>
               </a:solidFill>
@@ -17611,7 +17230,7 @@
               </a:spcAft>
             </a:pPr>
             <a:r>
-              <a:rPr lang="en-US" sz="1800" dirty="0" smtClean="0">
+              <a:rPr lang="en-US" sz="1800" dirty="0">
                 <a:solidFill>
                   <a:srgbClr val="343A40"/>
                 </a:solidFill>
@@ -17622,17 +17241,6 @@
               <a:t>- </a:t>
             </a:r>
             <a:r>
-              <a:rPr lang="vi-VN" sz="1800" dirty="0" smtClean="0">
-                <a:solidFill>
-                  <a:srgbClr val="343A40"/>
-                </a:solidFill>
-                <a:latin typeface="Segoe UI" panose="020B0502040204020203" pitchFamily="34" charset="0"/>
-                <a:ea typeface="Times New Roman" panose="02020603050405020304" pitchFamily="18" charset="0"/>
-                <a:cs typeface="Times New Roman" panose="02020603050405020304" pitchFamily="18" charset="0"/>
-              </a:rPr>
-              <a:t>Nếu </a:t>
-            </a:r>
-            <a:r>
               <a:rPr lang="vi-VN" sz="1800" dirty="0">
                 <a:solidFill>
                   <a:srgbClr val="343A40"/>
@@ -17641,7 +17249,7 @@
                 <a:ea typeface="Times New Roman" panose="02020603050405020304" pitchFamily="18" charset="0"/>
                 <a:cs typeface="Times New Roman" panose="02020603050405020304" pitchFamily="18" charset="0"/>
               </a:rPr>
-              <a:t>phương thức ghi đè trong lớp cha ném ngoại lệ, thì phương thức ghi đè trong lớp con chỉ có thể ném ngoại lệ giống như lớp con. </a:t>
+              <a:t>Nếu phương thức ghi đè trong lớp cha ném ngoại lệ, thì phương thức ghi đè trong lớp con chỉ có thể ném ngoại lệ giống như lớp con. </a:t>
             </a:r>
           </a:p>
         </p:txBody>
@@ -17656,13 +17264,6 @@
   <p:clrMapOvr>
     <a:masterClrMapping/>
   </p:clrMapOvr>
-  <p:timing>
-    <p:tnLst>
-      <p:par>
-        <p:cTn id="1" dur="indefinite" restart="never" nodeType="tmRoot"/>
-      </p:par>
-    </p:tnLst>
-  </p:timing>
 </p:sld>
 </file>
 
@@ -17700,7 +17301,7 @@
           </a:xfrm>
           <a:extLst>
             <a:ext uri="{FAA26D3D-D897-4be2-8F04-BA451C77F1D7}">
-              <ma14:placeholderFlag xmlns:ma14="http://schemas.microsoft.com/office/mac/drawingml/2011/main" xmlns="" val="1"/>
+              <ma14:placeholderFlag xmlns="" xmlns:ma14="http://schemas.microsoft.com/office/mac/drawingml/2011/main" val="1"/>
             </a:ext>
           </a:extLst>
         </p:spPr>
@@ -17711,7 +17312,7 @@
           <a:lstStyle/>
           <a:p>
             <a:r>
-              <a:rPr lang="vi-VN" altLang="en-US" sz="2700" dirty="0" smtClean="0"/>
+              <a:rPr lang="vi-VN" altLang="en-US" sz="2700" dirty="0"/>
               <a:t>CÁC QUY TẮC GHI ĐÈ PHƯƠNG THỨC</a:t>
             </a:r>
             <a:endParaRPr lang="en-US" altLang="en-US" sz="2700" dirty="0"/>
@@ -17844,13 +17445,6 @@
   <p:clrMapOvr>
     <a:masterClrMapping/>
   </p:clrMapOvr>
-  <p:timing>
-    <p:tnLst>
-      <p:par>
-        <p:cTn id="1" dur="indefinite" restart="never" nodeType="tmRoot"/>
-      </p:par>
-    </p:tnLst>
-  </p:timing>
 </p:sld>
 </file>
 
@@ -17888,7 +17482,7 @@
           </a:xfrm>
           <a:extLst>
             <a:ext uri="{FAA26D3D-D897-4be2-8F04-BA451C77F1D7}">
-              <ma14:placeholderFlag xmlns:ma14="http://schemas.microsoft.com/office/mac/drawingml/2011/main" xmlns="" val="1"/>
+              <ma14:placeholderFlag xmlns="" xmlns:ma14="http://schemas.microsoft.com/office/mac/drawingml/2011/main" val="1"/>
             </a:ext>
           </a:extLst>
         </p:spPr>
@@ -17899,27 +17493,27 @@
           <a:lstStyle/>
           <a:p>
             <a:r>
-              <a:rPr lang="en-US" altLang="en-US" sz="2600" dirty="0" smtClean="0"/>
+              <a:rPr lang="en-US" altLang="en-US" sz="2600" dirty="0"/>
               <a:t>SO </a:t>
             </a:r>
             <a:r>
-              <a:rPr lang="en-US" altLang="en-US" sz="2600" dirty="0" err="1" smtClean="0"/>
+              <a:rPr lang="en-US" altLang="en-US" sz="2600" dirty="0" err="1"/>
               <a:t>SÁNH</a:t>
             </a:r>
             <a:r>
-              <a:rPr lang="en-US" altLang="en-US" sz="2600" dirty="0" smtClean="0"/>
-              <a:t> </a:t>
-            </a:r>
-            <a:r>
-              <a:rPr lang="en-US" altLang="en-US" sz="2600" dirty="0" err="1" smtClean="0"/>
+              <a:rPr lang="en-US" altLang="en-US" sz="2600" dirty="0"/>
+              <a:t> </a:t>
+            </a:r>
+            <a:r>
+              <a:rPr lang="en-US" altLang="en-US" sz="2600" dirty="0" err="1"/>
               <a:t>VỚI</a:t>
             </a:r>
             <a:r>
-              <a:rPr lang="en-US" altLang="en-US" sz="2600" dirty="0" smtClean="0"/>
-              <a:t> </a:t>
-            </a:r>
-            <a:r>
-              <a:rPr lang="vi-VN" altLang="en-US" sz="2600" dirty="0" smtClean="0"/>
+              <a:rPr lang="en-US" altLang="en-US" sz="2600" dirty="0"/>
+              <a:t> </a:t>
+            </a:r>
+            <a:r>
+              <a:rPr lang="vi-VN" altLang="en-US" sz="2600" dirty="0"/>
               <a:t>NẠP CHỒNG PHƯƠNG THỨC</a:t>
             </a:r>
             <a:endParaRPr lang="en-US" altLang="en-US" sz="2600" dirty="0"/>
@@ -17951,8 +17545,20 @@
                 <a:tableStyleId>{0660B408-B3CF-4A94-85FC-2B1E0A45F4A2}</a:tableStyleId>
               </a:tblPr>
               <a:tblGrid>
-                <a:gridCol w="4527035"/>
-                <a:gridCol w="4099561"/>
+                <a:gridCol w="4527035">
+                  <a:extLst>
+                    <a:ext uri="{9D8B030D-6E8A-4147-A177-3AD203B41FA5}">
+                      <a16:colId xmlns:a16="http://schemas.microsoft.com/office/drawing/2014/main" val="20000"/>
+                    </a:ext>
+                  </a:extLst>
+                </a:gridCol>
+                <a:gridCol w="4099561">
+                  <a:extLst>
+                    <a:ext uri="{9D8B030D-6E8A-4147-A177-3AD203B41FA5}">
+                      <a16:colId xmlns:a16="http://schemas.microsoft.com/office/drawing/2014/main" val="20001"/>
+                    </a:ext>
+                  </a:extLst>
+                </a:gridCol>
               </a:tblGrid>
               <a:tr h="319792">
                 <a:tc>
@@ -18013,6 +17619,11 @@
                   </a:txBody>
                   <a:tcPr marL="61511" marR="61511" marT="86115" marB="86115" anchor="ctr"/>
                 </a:tc>
+                <a:extLst>
+                  <a:ext uri="{0D108BD9-81ED-4DB2-BD59-A6C34878D82A}">
+                    <a16:rowId xmlns:a16="http://schemas.microsoft.com/office/drawing/2014/main" val="10000"/>
+                  </a:ext>
+                </a:extLst>
               </a:tr>
               <a:tr h="312393">
                 <a:tc>
@@ -18247,6 +17858,11 @@
                   </a:txBody>
                   <a:tcPr marL="61511" marR="61511" marT="86115" marB="86115" anchor="ctr"/>
                 </a:tc>
+                <a:extLst>
+                  <a:ext uri="{0D108BD9-81ED-4DB2-BD59-A6C34878D82A}">
+                    <a16:rowId xmlns:a16="http://schemas.microsoft.com/office/drawing/2014/main" val="10001"/>
+                  </a:ext>
+                </a:extLst>
               </a:tr>
               <a:tr h="468156">
                 <a:tc>
@@ -18481,6 +18097,11 @@
                   </a:txBody>
                   <a:tcPr marL="61511" marR="61511" marT="86115" marB="86115" anchor="ctr"/>
                 </a:tc>
+                <a:extLst>
+                  <a:ext uri="{0D108BD9-81ED-4DB2-BD59-A6C34878D82A}">
+                    <a16:rowId xmlns:a16="http://schemas.microsoft.com/office/drawing/2014/main" val="10002"/>
+                  </a:ext>
+                </a:extLst>
               </a:tr>
               <a:tr h="312393">
                 <a:tc>
@@ -18627,6 +18248,11 @@
                   </a:txBody>
                   <a:tcPr marL="61511" marR="61511" marT="86115" marB="86115" anchor="ctr"/>
                 </a:tc>
+                <a:extLst>
+                  <a:ext uri="{0D108BD9-81ED-4DB2-BD59-A6C34878D82A}">
+                    <a16:rowId xmlns:a16="http://schemas.microsoft.com/office/drawing/2014/main" val="10003"/>
+                  </a:ext>
+                </a:extLst>
               </a:tr>
               <a:tr h="207829">
                 <a:tc>
@@ -18927,6 +18553,11 @@
                   </a:txBody>
                   <a:tcPr marL="61511" marR="61511" marT="86115" marB="86115" anchor="ctr"/>
                 </a:tc>
+                <a:extLst>
+                  <a:ext uri="{0D108BD9-81ED-4DB2-BD59-A6C34878D82A}">
+                    <a16:rowId xmlns:a16="http://schemas.microsoft.com/office/drawing/2014/main" val="10004"/>
+                  </a:ext>
+                </a:extLst>
               </a:tr>
               <a:tr h="312393">
                 <a:tc>
@@ -19447,6 +19078,11 @@
                   </a:txBody>
                   <a:tcPr marL="61511" marR="61511" marT="86115" marB="86115" anchor="ctr"/>
                 </a:tc>
+                <a:extLst>
+                  <a:ext uri="{0D108BD9-81ED-4DB2-BD59-A6C34878D82A}">
+                    <a16:rowId xmlns:a16="http://schemas.microsoft.com/office/drawing/2014/main" val="10005"/>
+                  </a:ext>
+                </a:extLst>
               </a:tr>
               <a:tr h="468156">
                 <a:tc>
@@ -19463,7 +19099,7 @@
                         </a:spcAft>
                       </a:pPr>
                       <a:r>
-                        <a:rPr lang="en-US" sz="1000" b="0" dirty="0" err="1" smtClean="0">
+                        <a:rPr lang="en-US" sz="1000" b="0" dirty="0" err="1">
                           <a:solidFill>
                             <a:schemeClr val="bg2">
                               <a:lumMod val="50000"/>
@@ -19474,7 +19110,7 @@
                         <a:t>Kiểu</a:t>
                       </a:r>
                       <a:r>
-                        <a:rPr lang="en-US" sz="1000" b="0" dirty="0" smtClean="0">
+                        <a:rPr lang="en-US" sz="1000" b="0" dirty="0">
                           <a:solidFill>
                             <a:schemeClr val="bg2">
                               <a:lumMod val="50000"/>
@@ -19843,7 +19479,7 @@
                         </a:spcAft>
                       </a:pPr>
                       <a:r>
-                        <a:rPr lang="en-US" sz="1000" b="0" dirty="0" err="1" smtClean="0">
+                        <a:rPr lang="en-US" sz="1000" b="0" dirty="0" err="1">
                           <a:solidFill>
                             <a:schemeClr val="bg2">
                               <a:lumMod val="50000"/>
@@ -19854,7 +19490,7 @@
                         <a:t>Kiểu</a:t>
                       </a:r>
                       <a:r>
-                        <a:rPr lang="en-US" sz="1000" b="0" dirty="0" smtClean="0">
+                        <a:rPr lang="en-US" sz="1000" b="0" dirty="0">
                           <a:solidFill>
                             <a:schemeClr val="bg2">
                               <a:lumMod val="50000"/>
@@ -20055,6 +19691,11 @@
                   </a:txBody>
                   <a:tcPr marL="61511" marR="61511" marT="86115" marB="86115" anchor="ctr"/>
                 </a:tc>
+                <a:extLst>
+                  <a:ext uri="{0D108BD9-81ED-4DB2-BD59-A6C34878D82A}">
+                    <a16:rowId xmlns:a16="http://schemas.microsoft.com/office/drawing/2014/main" val="10006"/>
+                  </a:ext>
+                </a:extLst>
               </a:tr>
               <a:tr h="312393">
                 <a:tc>
@@ -20256,6 +19897,11 @@
                   </a:txBody>
                   <a:tcPr marL="61511" marR="61511" marT="86115" marB="86115" anchor="ctr"/>
                 </a:tc>
+                <a:extLst>
+                  <a:ext uri="{0D108BD9-81ED-4DB2-BD59-A6C34878D82A}">
+                    <a16:rowId xmlns:a16="http://schemas.microsoft.com/office/drawing/2014/main" val="10007"/>
+                  </a:ext>
+                </a:extLst>
               </a:tr>
               <a:tr h="312393">
                 <a:tc>
@@ -20402,6 +20048,11 @@
                   </a:txBody>
                   <a:tcPr marL="61511" marR="61511" marT="86115" marB="86115" anchor="ctr"/>
                 </a:tc>
+                <a:extLst>
+                  <a:ext uri="{0D108BD9-81ED-4DB2-BD59-A6C34878D82A}">
+                    <a16:rowId xmlns:a16="http://schemas.microsoft.com/office/drawing/2014/main" val="10008"/>
+                  </a:ext>
+                </a:extLst>
               </a:tr>
               <a:tr h="312393">
                 <a:tc>
@@ -20625,6 +20276,11 @@
                   </a:txBody>
                   <a:tcPr marL="61511" marR="61511" marT="86115" marB="86115" anchor="ctr"/>
                 </a:tc>
+                <a:extLst>
+                  <a:ext uri="{0D108BD9-81ED-4DB2-BD59-A6C34878D82A}">
+                    <a16:rowId xmlns:a16="http://schemas.microsoft.com/office/drawing/2014/main" val="10009"/>
+                  </a:ext>
+                </a:extLst>
               </a:tr>
               <a:tr h="388106">
                 <a:tc>
@@ -21233,6 +20889,11 @@
                   </a:txBody>
                   <a:tcPr marL="61511" marR="61511" marT="86115" marB="86115" anchor="ctr"/>
                 </a:tc>
+                <a:extLst>
+                  <a:ext uri="{0D108BD9-81ED-4DB2-BD59-A6C34878D82A}">
+                    <a16:rowId xmlns:a16="http://schemas.microsoft.com/office/drawing/2014/main" val="10010"/>
+                  </a:ext>
+                </a:extLst>
               </a:tr>
             </a:tbl>
           </a:graphicData>
@@ -21248,13 +20909,6 @@
   <p:clrMapOvr>
     <a:masterClrMapping/>
   </p:clrMapOvr>
-  <p:timing>
-    <p:tnLst>
-      <p:par>
-        <p:cTn id="1" dur="indefinite" restart="never" nodeType="tmRoot"/>
-      </p:par>
-    </p:tnLst>
-  </p:timing>
 </p:sld>
 </file>
 
@@ -21343,13 +20997,6 @@
   <p:clrMapOvr>
     <a:masterClrMapping/>
   </p:clrMapOvr>
-  <p:timing>
-    <p:tnLst>
-      <p:par>
-        <p:cTn id="1" dur="indefinite" restart="never" nodeType="tmRoot"/>
-      </p:par>
-    </p:tnLst>
-  </p:timing>
 </p:sld>
 </file>
 
@@ -21383,7 +21030,7 @@
         <p:spPr>
           <a:extLst>
             <a:ext uri="{FAA26D3D-D897-4be2-8F04-BA451C77F1D7}">
-              <ma14:placeholderFlag xmlns:ma14="http://schemas.microsoft.com/office/mac/drawingml/2011/main" xmlns="" val="1"/>
+              <ma14:placeholderFlag xmlns="" xmlns:ma14="http://schemas.microsoft.com/office/mac/drawingml/2011/main" val="1"/>
             </a:ext>
           </a:extLst>
         </p:spPr>
@@ -21394,11 +21041,11 @@
           <a:lstStyle/>
           <a:p>
             <a:r>
-              <a:rPr lang="en-US" altLang="en-US" sz="2700" dirty="0" smtClean="0"/>
+              <a:rPr lang="en-US" altLang="en-US" sz="2700" dirty="0"/>
               <a:t>KHÁI </a:t>
             </a:r>
             <a:r>
-              <a:rPr lang="en-US" altLang="en-US" sz="2700" dirty="0" err="1" smtClean="0"/>
+              <a:rPr lang="en-US" altLang="en-US" sz="2700" dirty="0" err="1"/>
               <a:t>NIỆM</a:t>
             </a:r>
             <a:endParaRPr lang="en-US" altLang="en-US" sz="2700" dirty="0"/>
@@ -23380,7 +23027,7 @@
               <a:t>nhau</a:t>
             </a:r>
             <a:r>
-              <a:rPr lang="en-US" sz="1800" i="1" dirty="0" smtClean="0">
+              <a:rPr lang="en-US" sz="1800" i="1" dirty="0">
                 <a:solidFill>
                   <a:srgbClr val="FF0000"/>
                 </a:solidFill>
@@ -23411,13 +23058,6 @@
   <p:clrMapOvr>
     <a:masterClrMapping/>
   </p:clrMapOvr>
-  <p:timing>
-    <p:tnLst>
-      <p:par>
-        <p:cTn id="1" dur="indefinite" restart="never" nodeType="tmRoot"/>
-      </p:par>
-    </p:tnLst>
-  </p:timing>
 </p:sld>
 </file>
 
@@ -23451,7 +23091,7 @@
         <p:spPr>
           <a:extLst>
             <a:ext uri="{FAA26D3D-D897-4be2-8F04-BA451C77F1D7}">
-              <ma14:placeholderFlag xmlns:ma14="http://schemas.microsoft.com/office/mac/drawingml/2011/main" xmlns="" val="1"/>
+              <ma14:placeholderFlag xmlns="" xmlns:ma14="http://schemas.microsoft.com/office/mac/drawingml/2011/main" val="1"/>
             </a:ext>
           </a:extLst>
         </p:spPr>
@@ -23462,11 +23102,11 @@
           <a:lstStyle/>
           <a:p>
             <a:r>
-              <a:rPr lang="en-US" altLang="en-US" sz="2700" dirty="0" smtClean="0"/>
+              <a:rPr lang="en-US" altLang="en-US" sz="2700" dirty="0"/>
               <a:t>KHÁI </a:t>
             </a:r>
             <a:r>
-              <a:rPr lang="en-US" altLang="en-US" sz="2700" dirty="0" err="1" smtClean="0"/>
+              <a:rPr lang="en-US" altLang="en-US" sz="2700" dirty="0" err="1"/>
               <a:t>NIỆM</a:t>
             </a:r>
             <a:endParaRPr lang="en-US" altLang="en-US" sz="2700" dirty="0"/>
@@ -23587,13 +23227,6 @@
   <p:clrMapOvr>
     <a:masterClrMapping/>
   </p:clrMapOvr>
-  <p:timing>
-    <p:tnLst>
-      <p:par>
-        <p:cTn id="1" dur="indefinite" restart="never" nodeType="tmRoot"/>
-      </p:par>
-    </p:tnLst>
-  </p:timing>
 </p:sld>
 </file>
 
@@ -23627,7 +23260,7 @@
         <p:spPr>
           <a:extLst>
             <a:ext uri="{FAA26D3D-D897-4be2-8F04-BA451C77F1D7}">
-              <ma14:placeholderFlag xmlns:ma14="http://schemas.microsoft.com/office/mac/drawingml/2011/main" xmlns="" val="1"/>
+              <ma14:placeholderFlag xmlns="" xmlns:ma14="http://schemas.microsoft.com/office/mac/drawingml/2011/main" val="1"/>
             </a:ext>
           </a:extLst>
         </p:spPr>
@@ -23638,31 +23271,31 @@
           <a:lstStyle/>
           <a:p>
             <a:r>
-              <a:rPr lang="en-US" altLang="en-US" sz="2700" dirty="0" err="1" smtClean="0"/>
+              <a:rPr lang="en-US" altLang="en-US" sz="2700" dirty="0" err="1"/>
               <a:t>CÁC</a:t>
             </a:r>
             <a:r>
-              <a:rPr lang="en-US" altLang="en-US" sz="2700" dirty="0" smtClean="0"/>
-              <a:t> </a:t>
-            </a:r>
-            <a:r>
-              <a:rPr lang="en-US" altLang="en-US" sz="2700" dirty="0" err="1" smtClean="0"/>
+              <a:rPr lang="en-US" altLang="en-US" sz="2700" dirty="0"/>
+              <a:t> </a:t>
+            </a:r>
+            <a:r>
+              <a:rPr lang="en-US" altLang="en-US" sz="2700" dirty="0" err="1"/>
               <a:t>LOẠI</a:t>
             </a:r>
             <a:r>
-              <a:rPr lang="en-US" altLang="en-US" sz="2700" dirty="0" smtClean="0"/>
-              <a:t> </a:t>
-            </a:r>
-            <a:r>
-              <a:rPr lang="en-US" altLang="en-US" sz="2700" dirty="0" err="1" smtClean="0"/>
+              <a:rPr lang="en-US" altLang="en-US" sz="2700" dirty="0"/>
+              <a:t> </a:t>
+            </a:r>
+            <a:r>
+              <a:rPr lang="en-US" altLang="en-US" sz="2700" dirty="0" err="1"/>
               <a:t>ĐA</a:t>
             </a:r>
             <a:r>
-              <a:rPr lang="en-US" altLang="en-US" sz="2700" dirty="0" smtClean="0"/>
-              <a:t> </a:t>
-            </a:r>
-            <a:r>
-              <a:rPr lang="en-US" altLang="en-US" sz="2700" dirty="0" err="1" smtClean="0"/>
+              <a:rPr lang="en-US" altLang="en-US" sz="2700" dirty="0"/>
+              <a:t> </a:t>
+            </a:r>
+            <a:r>
+              <a:rPr lang="en-US" altLang="en-US" sz="2700" dirty="0" err="1"/>
               <a:t>HÌNH</a:t>
             </a:r>
             <a:endParaRPr lang="en-US" altLang="en-US" sz="2700" dirty="0"/>
@@ -24101,13 +23734,6 @@
   <p:clrMapOvr>
     <a:masterClrMapping/>
   </p:clrMapOvr>
-  <p:timing>
-    <p:tnLst>
-      <p:par>
-        <p:cTn id="1" dur="indefinite" restart="never" nodeType="tmRoot"/>
-      </p:par>
-    </p:tnLst>
-  </p:timing>
 </p:sld>
 </file>
 
@@ -24141,7 +23767,7 @@
         <p:spPr>
           <a:extLst>
             <a:ext uri="{FAA26D3D-D897-4be2-8F04-BA451C77F1D7}">
-              <ma14:placeholderFlag xmlns:ma14="http://schemas.microsoft.com/office/mac/drawingml/2011/main" xmlns="" val="1"/>
+              <ma14:placeholderFlag xmlns="" xmlns:ma14="http://schemas.microsoft.com/office/mac/drawingml/2011/main" val="1"/>
             </a:ext>
           </a:extLst>
         </p:spPr>
@@ -24152,54 +23778,53 @@
           <a:lstStyle/>
           <a:p>
             <a:r>
-              <a:rPr lang="en-US" altLang="en-US" sz="2700" dirty="0" err="1" smtClean="0"/>
+              <a:rPr lang="en-US" altLang="en-US" sz="2700" dirty="0" err="1"/>
               <a:t>ĐA</a:t>
             </a:r>
             <a:r>
-              <a:rPr lang="en-US" altLang="en-US" sz="2700" dirty="0" smtClean="0"/>
-              <a:t> </a:t>
-            </a:r>
-            <a:r>
-              <a:rPr lang="en-US" altLang="en-US" sz="2700" dirty="0" err="1" smtClean="0"/>
+              <a:rPr lang="en-US" altLang="en-US" sz="2700" dirty="0"/>
+              <a:t> </a:t>
+            </a:r>
+            <a:r>
+              <a:rPr lang="en-US" altLang="en-US" sz="2700" dirty="0" err="1"/>
               <a:t>HÌNH</a:t>
             </a:r>
             <a:r>
-              <a:rPr lang="en-US" altLang="en-US" sz="2700" dirty="0" smtClean="0"/>
-              <a:t> </a:t>
-            </a:r>
-            <a:r>
-              <a:rPr lang="en-US" altLang="en-US" sz="2700" dirty="0" err="1" smtClean="0"/>
+              <a:rPr lang="en-US" altLang="en-US" sz="2700" dirty="0"/>
+              <a:t> </a:t>
+            </a:r>
+            <a:r>
+              <a:rPr lang="en-US" altLang="en-US" sz="2700" dirty="0" err="1"/>
               <a:t>THỜI</a:t>
             </a:r>
             <a:r>
-              <a:rPr lang="en-US" altLang="en-US" sz="2700" dirty="0" smtClean="0"/>
-              <a:t> </a:t>
-            </a:r>
-            <a:r>
-              <a:rPr lang="en-US" altLang="en-US" sz="2700" dirty="0" err="1" smtClean="0"/>
+              <a:rPr lang="en-US" altLang="en-US" sz="2700" dirty="0"/>
+              <a:t> </a:t>
+            </a:r>
+            <a:r>
+              <a:rPr lang="en-US" altLang="en-US" sz="2700" dirty="0" err="1"/>
               <a:t>GIAN</a:t>
             </a:r>
             <a:r>
-              <a:rPr lang="en-US" altLang="en-US" sz="2700" dirty="0" smtClean="0"/>
-              <a:t> </a:t>
-            </a:r>
-            <a:r>
-              <a:rPr lang="en-US" altLang="en-US" sz="2700" dirty="0" err="1" smtClean="0"/>
+              <a:rPr lang="en-US" altLang="en-US" sz="2700" dirty="0"/>
+              <a:t> </a:t>
+            </a:r>
+            <a:r>
+              <a:rPr lang="en-US" altLang="en-US" sz="2700" dirty="0" err="1"/>
               <a:t>BIÊN</a:t>
             </a:r>
             <a:r>
-              <a:rPr lang="en-US" altLang="en-US" sz="2700" dirty="0" smtClean="0"/>
-              <a:t> </a:t>
-            </a:r>
-            <a:r>
-              <a:rPr lang="en-US" altLang="en-US" sz="2700" dirty="0" err="1" smtClean="0"/>
+              <a:rPr lang="en-US" altLang="en-US" sz="2700" dirty="0"/>
+              <a:t> </a:t>
+            </a:r>
+            <a:r>
+              <a:rPr lang="en-US" altLang="en-US" sz="2700" dirty="0" err="1"/>
               <a:t>DỊCH</a:t>
             </a:r>
             <a:r>
-              <a:rPr lang="en-US" altLang="en-US" sz="2700" dirty="0" smtClean="0"/>
-              <a:t> </a:t>
-            </a:r>
-            <a:endParaRPr lang="en-US" altLang="en-US" sz="2700" dirty="0"/>
+              <a:rPr lang="en-US" altLang="en-US" sz="2700" dirty="0"/>
+              <a:t> </a:t>
+            </a:r>
           </a:p>
         </p:txBody>
       </p:sp>
@@ -25614,13 +25239,6 @@
   <p:clrMapOvr>
     <a:masterClrMapping/>
   </p:clrMapOvr>
-  <p:timing>
-    <p:tnLst>
-      <p:par>
-        <p:cTn id="1" dur="indefinite" restart="never" nodeType="tmRoot"/>
-      </p:par>
-    </p:tnLst>
-  </p:timing>
 </p:sld>
 </file>
 
@@ -25688,13 +25306,6 @@
   <p:clrMapOvr>
     <a:masterClrMapping/>
   </p:clrMapOvr>
-  <p:timing>
-    <p:tnLst>
-      <p:par>
-        <p:cTn id="1" dur="indefinite" restart="never" nodeType="tmRoot"/>
-      </p:par>
-    </p:tnLst>
-  </p:timing>
 </p:sld>
 </file>
 
@@ -25728,7 +25339,7 @@
         <p:spPr>
           <a:extLst>
             <a:ext uri="{FAA26D3D-D897-4be2-8F04-BA451C77F1D7}">
-              <ma14:placeholderFlag xmlns:ma14="http://schemas.microsoft.com/office/mac/drawingml/2011/main" xmlns="" val="1"/>
+              <ma14:placeholderFlag xmlns="" xmlns:ma14="http://schemas.microsoft.com/office/mac/drawingml/2011/main" val="1"/>
             </a:ext>
           </a:extLst>
         </p:spPr>
@@ -25739,54 +25350,53 @@
           <a:lstStyle/>
           <a:p>
             <a:r>
-              <a:rPr lang="en-US" altLang="en-US" sz="2700" dirty="0" err="1" smtClean="0"/>
+              <a:rPr lang="en-US" altLang="en-US" sz="2700" dirty="0" err="1"/>
               <a:t>ĐA</a:t>
             </a:r>
             <a:r>
-              <a:rPr lang="en-US" altLang="en-US" sz="2700" dirty="0" smtClean="0"/>
-              <a:t> </a:t>
-            </a:r>
-            <a:r>
-              <a:rPr lang="en-US" altLang="en-US" sz="2700" dirty="0" err="1" smtClean="0"/>
+              <a:rPr lang="en-US" altLang="en-US" sz="2700" dirty="0"/>
+              <a:t> </a:t>
+            </a:r>
+            <a:r>
+              <a:rPr lang="en-US" altLang="en-US" sz="2700" dirty="0" err="1"/>
               <a:t>HÌNH</a:t>
             </a:r>
             <a:r>
-              <a:rPr lang="en-US" altLang="en-US" sz="2700" dirty="0" smtClean="0"/>
-              <a:t> </a:t>
-            </a:r>
-            <a:r>
-              <a:rPr lang="en-US" altLang="en-US" sz="2700" dirty="0" err="1" smtClean="0"/>
+              <a:rPr lang="en-US" altLang="en-US" sz="2700" dirty="0"/>
+              <a:t> </a:t>
+            </a:r>
+            <a:r>
+              <a:rPr lang="en-US" altLang="en-US" sz="2700" dirty="0" err="1"/>
               <a:t>THỜI</a:t>
             </a:r>
             <a:r>
-              <a:rPr lang="en-US" altLang="en-US" sz="2700" dirty="0" smtClean="0"/>
-              <a:t> </a:t>
-            </a:r>
-            <a:r>
-              <a:rPr lang="en-US" altLang="en-US" sz="2700" dirty="0" err="1" smtClean="0"/>
+              <a:rPr lang="en-US" altLang="en-US" sz="2700" dirty="0"/>
+              <a:t> </a:t>
+            </a:r>
+            <a:r>
+              <a:rPr lang="en-US" altLang="en-US" sz="2700" dirty="0" err="1"/>
               <a:t>GIAN</a:t>
             </a:r>
             <a:r>
-              <a:rPr lang="en-US" altLang="en-US" sz="2700" dirty="0" smtClean="0"/>
-              <a:t> </a:t>
-            </a:r>
-            <a:r>
-              <a:rPr lang="en-US" altLang="en-US" sz="2700" dirty="0" err="1" smtClean="0"/>
+              <a:rPr lang="en-US" altLang="en-US" sz="2700" dirty="0"/>
+              <a:t> </a:t>
+            </a:r>
+            <a:r>
+              <a:rPr lang="en-US" altLang="en-US" sz="2700" dirty="0" err="1"/>
               <a:t>BIÊN</a:t>
             </a:r>
             <a:r>
-              <a:rPr lang="en-US" altLang="en-US" sz="2700" dirty="0" smtClean="0"/>
-              <a:t> </a:t>
-            </a:r>
-            <a:r>
-              <a:rPr lang="en-US" altLang="en-US" sz="2700" dirty="0" err="1" smtClean="0"/>
+              <a:rPr lang="en-US" altLang="en-US" sz="2700" dirty="0"/>
+              <a:t> </a:t>
+            </a:r>
+            <a:r>
+              <a:rPr lang="en-US" altLang="en-US" sz="2700" dirty="0" err="1"/>
               <a:t>DỊCH</a:t>
             </a:r>
             <a:r>
-              <a:rPr lang="en-US" altLang="en-US" sz="2700" dirty="0" smtClean="0"/>
-              <a:t> </a:t>
-            </a:r>
-            <a:endParaRPr lang="en-US" altLang="en-US" sz="2700" dirty="0"/>
+              <a:rPr lang="en-US" altLang="en-US" sz="2700" dirty="0"/>
+              <a:t> </a:t>
+            </a:r>
           </a:p>
         </p:txBody>
       </p:sp>
@@ -25858,13 +25468,6 @@
   <p:clrMapOvr>
     <a:masterClrMapping/>
   </p:clrMapOvr>
-  <p:timing>
-    <p:tnLst>
-      <p:par>
-        <p:cTn id="1" dur="indefinite" restart="never" nodeType="tmRoot"/>
-      </p:par>
-    </p:tnLst>
-  </p:timing>
 </p:sld>
 </file>
 
@@ -25898,7 +25501,7 @@
         <p:spPr>
           <a:extLst>
             <a:ext uri="{FAA26D3D-D897-4be2-8F04-BA451C77F1D7}">
-              <ma14:placeholderFlag xmlns:ma14="http://schemas.microsoft.com/office/mac/drawingml/2011/main" xmlns="" val="1"/>
+              <ma14:placeholderFlag xmlns="" xmlns:ma14="http://schemas.microsoft.com/office/mac/drawingml/2011/main" val="1"/>
             </a:ext>
           </a:extLst>
         </p:spPr>
@@ -25909,46 +25512,45 @@
           <a:lstStyle/>
           <a:p>
             <a:r>
-              <a:rPr lang="en-US" altLang="en-US" sz="2700" dirty="0" err="1" smtClean="0"/>
+              <a:rPr lang="en-US" altLang="en-US" sz="2700" dirty="0" err="1"/>
               <a:t>ĐA</a:t>
             </a:r>
             <a:r>
-              <a:rPr lang="en-US" altLang="en-US" sz="2700" dirty="0" smtClean="0"/>
-              <a:t> </a:t>
-            </a:r>
-            <a:r>
-              <a:rPr lang="en-US" altLang="en-US" sz="2700" dirty="0" err="1" smtClean="0"/>
+              <a:rPr lang="en-US" altLang="en-US" sz="2700" dirty="0"/>
+              <a:t> </a:t>
+            </a:r>
+            <a:r>
+              <a:rPr lang="en-US" altLang="en-US" sz="2700" dirty="0" err="1"/>
               <a:t>HÌNH</a:t>
             </a:r>
             <a:r>
-              <a:rPr lang="en-US" altLang="en-US" sz="2700" dirty="0" smtClean="0"/>
-              <a:t> </a:t>
-            </a:r>
-            <a:r>
-              <a:rPr lang="en-US" altLang="en-US" sz="2700" dirty="0" err="1" smtClean="0"/>
+              <a:rPr lang="en-US" altLang="en-US" sz="2700" dirty="0"/>
+              <a:t> </a:t>
+            </a:r>
+            <a:r>
+              <a:rPr lang="en-US" altLang="en-US" sz="2700" dirty="0" err="1"/>
               <a:t>THỜI</a:t>
             </a:r>
             <a:r>
-              <a:rPr lang="en-US" altLang="en-US" sz="2700" dirty="0" smtClean="0"/>
-              <a:t> </a:t>
-            </a:r>
-            <a:r>
-              <a:rPr lang="en-US" altLang="en-US" sz="2700" dirty="0" err="1" smtClean="0"/>
+              <a:rPr lang="en-US" altLang="en-US" sz="2700" dirty="0"/>
+              <a:t> </a:t>
+            </a:r>
+            <a:r>
+              <a:rPr lang="en-US" altLang="en-US" sz="2700" dirty="0" err="1"/>
               <a:t>GIAN</a:t>
             </a:r>
             <a:r>
-              <a:rPr lang="en-US" altLang="en-US" sz="2700" dirty="0" smtClean="0"/>
-              <a:t> </a:t>
-            </a:r>
-            <a:r>
-              <a:rPr lang="en-US" altLang="en-US" sz="2700" dirty="0" err="1" smtClean="0"/>
+              <a:rPr lang="en-US" altLang="en-US" sz="2700" dirty="0"/>
+              <a:t> </a:t>
+            </a:r>
+            <a:r>
+              <a:rPr lang="en-US" altLang="en-US" sz="2700" dirty="0" err="1"/>
               <a:t>CHẠY</a:t>
             </a:r>
             <a:r>
-              <a:rPr lang="en-US" altLang="en-US" sz="2700" dirty="0" smtClean="0"/>
-              <a:t> </a:t>
-            </a:r>
-            <a:endParaRPr lang="en-US" altLang="en-US" sz="2700" dirty="0"/>
+              <a:rPr lang="en-US" altLang="en-US" sz="2700" dirty="0"/>
+              <a:t> </a:t>
+            </a:r>
           </a:p>
         </p:txBody>
       </p:sp>
@@ -26888,7 +26490,7 @@
               <a:t>chạy</a:t>
             </a:r>
             <a:r>
-              <a:rPr lang="en-US" sz="1800" i="1" dirty="0" smtClean="0">
+              <a:rPr lang="en-US" sz="1800" i="1" dirty="0">
                 <a:solidFill>
                   <a:srgbClr val="343A40"/>
                 </a:solidFill>
@@ -26946,13 +26548,6 @@
   <p:clrMapOvr>
     <a:masterClrMapping/>
   </p:clrMapOvr>
-  <p:timing>
-    <p:tnLst>
-      <p:par>
-        <p:cTn id="1" dur="indefinite" restart="never" nodeType="tmRoot"/>
-      </p:par>
-    </p:tnLst>
-  </p:timing>
 </p:sld>
 </file>
 
@@ -26986,7 +26581,7 @@
         <p:spPr>
           <a:extLst>
             <a:ext uri="{FAA26D3D-D897-4be2-8F04-BA451C77F1D7}">
-              <ma14:placeholderFlag xmlns:ma14="http://schemas.microsoft.com/office/mac/drawingml/2011/main" xmlns="" val="1"/>
+              <ma14:placeholderFlag xmlns="" xmlns:ma14="http://schemas.microsoft.com/office/mac/drawingml/2011/main" val="1"/>
             </a:ext>
           </a:extLst>
         </p:spPr>
@@ -26997,46 +26592,45 @@
           <a:lstStyle/>
           <a:p>
             <a:r>
-              <a:rPr lang="en-US" altLang="en-US" sz="2700" dirty="0" err="1" smtClean="0"/>
+              <a:rPr lang="en-US" altLang="en-US" sz="2700" dirty="0" err="1"/>
               <a:t>ĐA</a:t>
             </a:r>
             <a:r>
-              <a:rPr lang="en-US" altLang="en-US" sz="2700" dirty="0" smtClean="0"/>
-              <a:t> </a:t>
-            </a:r>
-            <a:r>
-              <a:rPr lang="en-US" altLang="en-US" sz="2700" dirty="0" err="1" smtClean="0"/>
+              <a:rPr lang="en-US" altLang="en-US" sz="2700" dirty="0"/>
+              <a:t> </a:t>
+            </a:r>
+            <a:r>
+              <a:rPr lang="en-US" altLang="en-US" sz="2700" dirty="0" err="1"/>
               <a:t>HÌNH</a:t>
             </a:r>
             <a:r>
-              <a:rPr lang="en-US" altLang="en-US" sz="2700" dirty="0" smtClean="0"/>
-              <a:t> </a:t>
-            </a:r>
-            <a:r>
-              <a:rPr lang="en-US" altLang="en-US" sz="2700" dirty="0" err="1" smtClean="0"/>
+              <a:rPr lang="en-US" altLang="en-US" sz="2700" dirty="0"/>
+              <a:t> </a:t>
+            </a:r>
+            <a:r>
+              <a:rPr lang="en-US" altLang="en-US" sz="2700" dirty="0" err="1"/>
               <a:t>THỜI</a:t>
             </a:r>
             <a:r>
-              <a:rPr lang="en-US" altLang="en-US" sz="2700" dirty="0" smtClean="0"/>
-              <a:t> </a:t>
-            </a:r>
-            <a:r>
-              <a:rPr lang="en-US" altLang="en-US" sz="2700" dirty="0" err="1" smtClean="0"/>
+              <a:rPr lang="en-US" altLang="en-US" sz="2700" dirty="0"/>
+              <a:t> </a:t>
+            </a:r>
+            <a:r>
+              <a:rPr lang="en-US" altLang="en-US" sz="2700" dirty="0" err="1"/>
               <a:t>GIAN</a:t>
             </a:r>
             <a:r>
-              <a:rPr lang="en-US" altLang="en-US" sz="2700" dirty="0" smtClean="0"/>
-              <a:t> </a:t>
-            </a:r>
-            <a:r>
-              <a:rPr lang="en-US" altLang="en-US" sz="2700" dirty="0" err="1" smtClean="0"/>
+              <a:rPr lang="en-US" altLang="en-US" sz="2700" dirty="0"/>
+              <a:t> </a:t>
+            </a:r>
+            <a:r>
+              <a:rPr lang="en-US" altLang="en-US" sz="2700" dirty="0" err="1"/>
               <a:t>CHẠY</a:t>
             </a:r>
             <a:r>
-              <a:rPr lang="en-US" altLang="en-US" sz="2700" dirty="0" smtClean="0"/>
-              <a:t> </a:t>
-            </a:r>
-            <a:endParaRPr lang="en-US" altLang="en-US" sz="2700" dirty="0"/>
+              <a:rPr lang="en-US" altLang="en-US" sz="2700" dirty="0"/>
+              <a:t> </a:t>
+            </a:r>
           </a:p>
         </p:txBody>
       </p:sp>
@@ -27108,13 +26702,6 @@
   <p:clrMapOvr>
     <a:masterClrMapping/>
   </p:clrMapOvr>
-  <p:timing>
-    <p:tnLst>
-      <p:par>
-        <p:cTn id="1" dur="indefinite" restart="never" nodeType="tmRoot"/>
-      </p:par>
-    </p:tnLst>
-  </p:timing>
 </p:sld>
 </file>
 
@@ -27148,7 +26735,7 @@
         <p:spPr>
           <a:extLst>
             <a:ext uri="{FAA26D3D-D897-4be2-8F04-BA451C77F1D7}">
-              <ma14:placeholderFlag xmlns:ma14="http://schemas.microsoft.com/office/mac/drawingml/2011/main" xmlns="" val="1"/>
+              <ma14:placeholderFlag xmlns="" xmlns:ma14="http://schemas.microsoft.com/office/mac/drawingml/2011/main" val="1"/>
             </a:ext>
           </a:extLst>
         </p:spPr>
@@ -27159,7 +26746,7 @@
           <a:lstStyle/>
           <a:p>
             <a:r>
-              <a:rPr lang="en-US" altLang="en-US" sz="2700" dirty="0" err="1" smtClean="0"/>
+              <a:rPr lang="en-US" altLang="en-US" sz="2700" dirty="0" err="1"/>
               <a:t>UPCASTING</a:t>
             </a:r>
             <a:endParaRPr lang="en-US" altLang="en-US" sz="2700" dirty="0"/>
@@ -27196,7 +26783,7 @@
               </a:spcAft>
             </a:pPr>
             <a:r>
-              <a:rPr lang="en-US" sz="1800" dirty="0" err="1" smtClean="0">
+              <a:rPr lang="en-US" sz="1800" dirty="0" err="1">
                 <a:solidFill>
                   <a:srgbClr val="343A40"/>
                 </a:solidFill>
@@ -27207,18 +26794,18 @@
               <a:t>Biến</a:t>
             </a:r>
             <a:r>
-              <a:rPr lang="en-US" sz="1800" dirty="0" smtClean="0">
-                <a:solidFill>
-                  <a:srgbClr val="343A40"/>
-                </a:solidFill>
-                <a:latin typeface="Segoe UI" panose="020B0502040204020203" pitchFamily="34" charset="0"/>
-                <a:ea typeface="Times New Roman" panose="02020603050405020304" pitchFamily="18" charset="0"/>
-                <a:cs typeface="Times New Roman" panose="02020603050405020304" pitchFamily="18" charset="0"/>
-              </a:rPr>
-              <a:t> </a:t>
-            </a:r>
-            <a:r>
-              <a:rPr lang="en-US" sz="1800" dirty="0" err="1" smtClean="0">
+              <a:rPr lang="en-US" sz="1800" dirty="0">
+                <a:solidFill>
+                  <a:srgbClr val="343A40"/>
+                </a:solidFill>
+                <a:latin typeface="Segoe UI" panose="020B0502040204020203" pitchFamily="34" charset="0"/>
+                <a:ea typeface="Times New Roman" panose="02020603050405020304" pitchFamily="18" charset="0"/>
+                <a:cs typeface="Times New Roman" panose="02020603050405020304" pitchFamily="18" charset="0"/>
+              </a:rPr>
+              <a:t> </a:t>
+            </a:r>
+            <a:r>
+              <a:rPr lang="en-US" sz="1800" dirty="0" err="1">
                 <a:solidFill>
                   <a:srgbClr val="343A40"/>
                 </a:solidFill>
@@ -27229,7 +26816,7 @@
               <a:t>của</a:t>
             </a:r>
             <a:r>
-              <a:rPr lang="en-US" sz="1800" dirty="0" smtClean="0">
+              <a:rPr lang="en-US" sz="1800" dirty="0">
                 <a:solidFill>
                   <a:srgbClr val="343A40"/>
                 </a:solidFill>
@@ -27413,21 +27000,10 @@
                 <a:ea typeface="Times New Roman" panose="02020603050405020304" pitchFamily="18" charset="0"/>
                 <a:cs typeface="Times New Roman" panose="02020603050405020304" pitchFamily="18" charset="0"/>
               </a:rPr>
-              <a:t> </a:t>
-            </a:r>
-            <a:r>
-              <a:rPr lang="en-US" sz="1800" dirty="0" smtClean="0">
-                <a:solidFill>
-                  <a:srgbClr val="343A40"/>
-                </a:solidFill>
-                <a:latin typeface="Segoe UI" panose="020B0502040204020203" pitchFamily="34" charset="0"/>
-                <a:ea typeface="Times New Roman" panose="02020603050405020304" pitchFamily="18" charset="0"/>
-                <a:cs typeface="Times New Roman" panose="02020603050405020304" pitchFamily="18" charset="0"/>
-              </a:rPr>
-              <a:t>Con </a:t>
-            </a:r>
-            <a:r>
-              <a:rPr lang="en-US" sz="1800" dirty="0" err="1" smtClean="0">
+              <a:t> Con </a:t>
+            </a:r>
+            <a:r>
+              <a:rPr lang="en-US" sz="1800" dirty="0" err="1">
                 <a:solidFill>
                   <a:srgbClr val="343A40"/>
                 </a:solidFill>
@@ -27438,7 +27014,7 @@
               <a:t>được</a:t>
             </a:r>
             <a:r>
-              <a:rPr lang="en-US" sz="1800" dirty="0" smtClean="0">
+              <a:rPr lang="en-US" sz="1800" dirty="0">
                 <a:solidFill>
                   <a:srgbClr val="343A40"/>
                 </a:solidFill>
@@ -27853,13 +27429,6 @@
   <p:clrMapOvr>
     <a:masterClrMapping/>
   </p:clrMapOvr>
-  <p:timing>
-    <p:tnLst>
-      <p:par>
-        <p:cTn id="1" dur="indefinite" restart="never" nodeType="tmRoot"/>
-      </p:par>
-    </p:tnLst>
-  </p:timing>
 </p:sld>
 </file>
 
@@ -27930,13 +27499,6 @@
   <p:clrMapOvr>
     <a:masterClrMapping/>
   </p:clrMapOvr>
-  <p:timing>
-    <p:tnLst>
-      <p:par>
-        <p:cTn id="1" dur="indefinite" restart="never" nodeType="tmRoot"/>
-      </p:par>
-    </p:tnLst>
-  </p:timing>
 </p:sld>
 </file>
 
@@ -27970,7 +27532,7 @@
         <p:spPr>
           <a:extLst>
             <a:ext uri="{FAA26D3D-D897-4be2-8F04-BA451C77F1D7}">
-              <ma14:placeholderFlag xmlns:ma14="http://schemas.microsoft.com/office/mac/drawingml/2011/main" xmlns="" val="1"/>
+              <ma14:placeholderFlag xmlns="" xmlns:ma14="http://schemas.microsoft.com/office/mac/drawingml/2011/main" val="1"/>
             </a:ext>
           </a:extLst>
         </p:spPr>
@@ -27981,11 +27543,11 @@
           <a:lstStyle/>
           <a:p>
             <a:r>
-              <a:rPr lang="en-US" altLang="en-US" sz="2700" dirty="0" smtClean="0"/>
+              <a:rPr lang="en-US" altLang="en-US" sz="2700" dirty="0"/>
               <a:t>GIỚI </a:t>
             </a:r>
             <a:r>
-              <a:rPr lang="en-US" altLang="en-US" sz="2700" dirty="0" err="1" smtClean="0"/>
+              <a:rPr lang="en-US" altLang="en-US" sz="2700" dirty="0" err="1"/>
               <a:t>THIỆU</a:t>
             </a:r>
             <a:endParaRPr lang="en-US" altLang="en-US" sz="2700" dirty="0"/>
@@ -28958,13 +28520,6 @@
   <p:clrMapOvr>
     <a:masterClrMapping/>
   </p:clrMapOvr>
-  <p:timing>
-    <p:tnLst>
-      <p:par>
-        <p:cTn id="1" dur="indefinite" restart="never" nodeType="tmRoot"/>
-      </p:par>
-    </p:tnLst>
-  </p:timing>
 </p:sld>
 </file>
 
@@ -28998,7 +28553,7 @@
         <p:spPr>
           <a:extLst>
             <a:ext uri="{FAA26D3D-D897-4be2-8F04-BA451C77F1D7}">
-              <ma14:placeholderFlag xmlns:ma14="http://schemas.microsoft.com/office/mac/drawingml/2011/main" xmlns="" val="1"/>
+              <ma14:placeholderFlag xmlns="" xmlns:ma14="http://schemas.microsoft.com/office/mac/drawingml/2011/main" val="1"/>
             </a:ext>
           </a:extLst>
         </p:spPr>
@@ -29009,54 +28564,53 @@
           <a:lstStyle/>
           <a:p>
             <a:r>
-              <a:rPr lang="en-US" altLang="en-US" sz="2700" dirty="0" err="1" smtClean="0"/>
+              <a:rPr lang="en-US" altLang="en-US" sz="2700" dirty="0" err="1"/>
               <a:t>NẠP</a:t>
             </a:r>
             <a:r>
-              <a:rPr lang="en-US" altLang="en-US" sz="2700" dirty="0" smtClean="0"/>
-              <a:t> </a:t>
-            </a:r>
-            <a:r>
-              <a:rPr lang="en-US" altLang="en-US" sz="2700" dirty="0" err="1" smtClean="0"/>
+              <a:rPr lang="en-US" altLang="en-US" sz="2700" dirty="0"/>
+              <a:t> </a:t>
+            </a:r>
+            <a:r>
+              <a:rPr lang="en-US" altLang="en-US" sz="2700" dirty="0" err="1"/>
               <a:t>CHỒNG</a:t>
             </a:r>
             <a:r>
-              <a:rPr lang="en-US" altLang="en-US" sz="2700" dirty="0" smtClean="0"/>
-              <a:t> </a:t>
-            </a:r>
-            <a:r>
-              <a:rPr lang="en-US" altLang="en-US" sz="2700" dirty="0" err="1" smtClean="0"/>
+              <a:rPr lang="en-US" altLang="en-US" sz="2700" dirty="0"/>
+              <a:t> </a:t>
+            </a:r>
+            <a:r>
+              <a:rPr lang="en-US" altLang="en-US" sz="2700" dirty="0" err="1"/>
               <a:t>TOÁN</a:t>
             </a:r>
             <a:r>
-              <a:rPr lang="en-US" altLang="en-US" sz="2700" dirty="0" smtClean="0"/>
-              <a:t> </a:t>
-            </a:r>
-            <a:r>
-              <a:rPr lang="en-US" altLang="en-US" sz="2700" dirty="0" err="1" smtClean="0"/>
+              <a:rPr lang="en-US" altLang="en-US" sz="2700" dirty="0"/>
+              <a:t> </a:t>
+            </a:r>
+            <a:r>
+              <a:rPr lang="en-US" altLang="en-US" sz="2700" dirty="0" err="1"/>
               <a:t>TỬ</a:t>
             </a:r>
             <a:r>
-              <a:rPr lang="en-US" altLang="en-US" sz="2700" dirty="0" smtClean="0"/>
-              <a:t> </a:t>
-            </a:r>
-            <a:r>
-              <a:rPr lang="en-US" altLang="en-US" sz="2700" dirty="0" err="1" smtClean="0"/>
+              <a:rPr lang="en-US" altLang="en-US" sz="2700" dirty="0"/>
+              <a:t> </a:t>
+            </a:r>
+            <a:r>
+              <a:rPr lang="en-US" altLang="en-US" sz="2700" dirty="0" err="1"/>
               <a:t>NỘI</a:t>
             </a:r>
             <a:r>
-              <a:rPr lang="en-US" altLang="en-US" sz="2700" dirty="0" smtClean="0"/>
-              <a:t> </a:t>
-            </a:r>
-            <a:r>
-              <a:rPr lang="en-US" altLang="en-US" sz="2700" dirty="0" err="1" smtClean="0"/>
+              <a:rPr lang="en-US" altLang="en-US" sz="2700" dirty="0"/>
+              <a:t> </a:t>
+            </a:r>
+            <a:r>
+              <a:rPr lang="en-US" altLang="en-US" sz="2700" dirty="0" err="1"/>
               <a:t>BỘ</a:t>
             </a:r>
             <a:r>
-              <a:rPr lang="en-US" altLang="en-US" sz="2700" dirty="0" smtClean="0"/>
-              <a:t> </a:t>
-            </a:r>
-            <a:endParaRPr lang="en-US" altLang="en-US" sz="2700" dirty="0"/>
+              <a:rPr lang="en-US" altLang="en-US" sz="2700" dirty="0"/>
+              <a:t> </a:t>
+            </a:r>
           </a:p>
         </p:txBody>
       </p:sp>
@@ -29090,7 +28644,7 @@
               </a:spcAft>
             </a:pPr>
             <a:r>
-              <a:rPr lang="en-US" sz="1800" dirty="0" smtClean="0">
+              <a:rPr lang="en-US" sz="1800" dirty="0">
                 <a:solidFill>
                   <a:srgbClr val="343A40"/>
                 </a:solidFill>
@@ -29101,17 +28655,6 @@
               <a:t>M</a:t>
             </a:r>
             <a:r>
-              <a:rPr lang="vi-VN" sz="1800" dirty="0" smtClean="0">
-                <a:solidFill>
-                  <a:srgbClr val="343A40"/>
-                </a:solidFill>
-                <a:latin typeface="Segoe UI" panose="020B0502040204020203" pitchFamily="34" charset="0"/>
-                <a:ea typeface="Times New Roman" panose="02020603050405020304" pitchFamily="18" charset="0"/>
-                <a:cs typeface="Times New Roman" panose="02020603050405020304" pitchFamily="18" charset="0"/>
-              </a:rPr>
-              <a:t>ột </a:t>
-            </a:r>
-            <a:r>
               <a:rPr lang="vi-VN" sz="1800" dirty="0">
                 <a:solidFill>
                   <a:srgbClr val="343A40"/>
@@ -29120,32 +28663,21 @@
                 <a:ea typeface="Times New Roman" panose="02020603050405020304" pitchFamily="18" charset="0"/>
                 <a:cs typeface="Times New Roman" panose="02020603050405020304" pitchFamily="18" charset="0"/>
               </a:rPr>
-              <a:t>toán tử được sử dụng theo nhiều </a:t>
-            </a:r>
-            <a:r>
-              <a:rPr lang="vi-VN" sz="1800" dirty="0" smtClean="0">
-                <a:solidFill>
-                  <a:srgbClr val="343A40"/>
-                </a:solidFill>
-                <a:latin typeface="Segoe UI" panose="020B0502040204020203" pitchFamily="34" charset="0"/>
-                <a:ea typeface="Times New Roman" panose="02020603050405020304" pitchFamily="18" charset="0"/>
-                <a:cs typeface="Times New Roman" panose="02020603050405020304" pitchFamily="18" charset="0"/>
-              </a:rPr>
-              <a:t>cách</a:t>
-            </a:r>
-            <a:r>
-              <a:rPr lang="en-US" sz="1800" dirty="0">
-                <a:solidFill>
-                  <a:srgbClr val="343A40"/>
-                </a:solidFill>
-                <a:latin typeface="Segoe UI" panose="020B0502040204020203" pitchFamily="34" charset="0"/>
-                <a:ea typeface="Times New Roman" panose="02020603050405020304" pitchFamily="18" charset="0"/>
-                <a:cs typeface="Times New Roman" panose="02020603050405020304" pitchFamily="18" charset="0"/>
-              </a:rPr>
-              <a:t> </a:t>
-            </a:r>
-            <a:r>
-              <a:rPr lang="en-US" sz="1800" dirty="0" err="1" smtClean="0">
+              <a:t>ột toán tử được sử dụng theo nhiều cách</a:t>
+            </a:r>
+            <a:r>
+              <a:rPr lang="en-US" sz="1800" dirty="0">
+                <a:solidFill>
+                  <a:srgbClr val="343A40"/>
+                </a:solidFill>
+                <a:latin typeface="Segoe UI" panose="020B0502040204020203" pitchFamily="34" charset="0"/>
+                <a:ea typeface="Times New Roman" panose="02020603050405020304" pitchFamily="18" charset="0"/>
+                <a:cs typeface="Times New Roman" panose="02020603050405020304" pitchFamily="18" charset="0"/>
+              </a:rPr>
+              <a:t> </a:t>
+            </a:r>
+            <a:r>
+              <a:rPr lang="en-US" sz="1800" dirty="0" err="1">
                 <a:solidFill>
                   <a:srgbClr val="343A40"/>
                 </a:solidFill>
@@ -29156,18 +28688,18 @@
               <a:t>được</a:t>
             </a:r>
             <a:r>
-              <a:rPr lang="en-US" sz="1800" dirty="0" smtClean="0">
-                <a:solidFill>
-                  <a:srgbClr val="343A40"/>
-                </a:solidFill>
-                <a:latin typeface="Segoe UI" panose="020B0502040204020203" pitchFamily="34" charset="0"/>
-                <a:ea typeface="Times New Roman" panose="02020603050405020304" pitchFamily="18" charset="0"/>
-                <a:cs typeface="Times New Roman" panose="02020603050405020304" pitchFamily="18" charset="0"/>
-              </a:rPr>
-              <a:t> </a:t>
-            </a:r>
-            <a:r>
-              <a:rPr lang="en-US" sz="1800" dirty="0" err="1" smtClean="0">
+              <a:rPr lang="en-US" sz="1800" dirty="0">
+                <a:solidFill>
+                  <a:srgbClr val="343A40"/>
+                </a:solidFill>
+                <a:latin typeface="Segoe UI" panose="020B0502040204020203" pitchFamily="34" charset="0"/>
+                <a:ea typeface="Times New Roman" panose="02020603050405020304" pitchFamily="18" charset="0"/>
+                <a:cs typeface="Times New Roman" panose="02020603050405020304" pitchFamily="18" charset="0"/>
+              </a:rPr>
+              <a:t> </a:t>
+            </a:r>
+            <a:r>
+              <a:rPr lang="en-US" sz="1800" dirty="0" err="1">
                 <a:solidFill>
                   <a:srgbClr val="343A40"/>
                 </a:solidFill>
@@ -29178,18 +28710,18 @@
               <a:t>gọi</a:t>
             </a:r>
             <a:r>
-              <a:rPr lang="en-US" sz="1800" dirty="0" smtClean="0">
-                <a:solidFill>
-                  <a:srgbClr val="343A40"/>
-                </a:solidFill>
-                <a:latin typeface="Segoe UI" panose="020B0502040204020203" pitchFamily="34" charset="0"/>
-                <a:ea typeface="Times New Roman" panose="02020603050405020304" pitchFamily="18" charset="0"/>
-                <a:cs typeface="Times New Roman" panose="02020603050405020304" pitchFamily="18" charset="0"/>
-              </a:rPr>
-              <a:t> </a:t>
-            </a:r>
-            <a:r>
-              <a:rPr lang="en-US" sz="1800" dirty="0" err="1" smtClean="0">
+              <a:rPr lang="en-US" sz="1800" dirty="0">
+                <a:solidFill>
+                  <a:srgbClr val="343A40"/>
+                </a:solidFill>
+                <a:latin typeface="Segoe UI" panose="020B0502040204020203" pitchFamily="34" charset="0"/>
+                <a:ea typeface="Times New Roman" panose="02020603050405020304" pitchFamily="18" charset="0"/>
+                <a:cs typeface="Times New Roman" panose="02020603050405020304" pitchFamily="18" charset="0"/>
+              </a:rPr>
+              <a:t> </a:t>
+            </a:r>
+            <a:r>
+              <a:rPr lang="en-US" sz="1800" dirty="0" err="1">
                 <a:solidFill>
                   <a:srgbClr val="343A40"/>
                 </a:solidFill>
@@ -29200,26 +28732,15 @@
               <a:t>là</a:t>
             </a:r>
             <a:r>
-              <a:rPr lang="en-US" sz="1800" dirty="0" smtClean="0">
-                <a:solidFill>
-                  <a:srgbClr val="343A40"/>
-                </a:solidFill>
-                <a:latin typeface="Segoe UI" panose="020B0502040204020203" pitchFamily="34" charset="0"/>
-                <a:ea typeface="Times New Roman" panose="02020603050405020304" pitchFamily="18" charset="0"/>
-                <a:cs typeface="Times New Roman" panose="02020603050405020304" pitchFamily="18" charset="0"/>
-              </a:rPr>
-              <a:t> </a:t>
-            </a:r>
-            <a:r>
-              <a:rPr lang="vi-VN" sz="1800" dirty="0" smtClean="0">
-                <a:solidFill>
-                  <a:srgbClr val="343A40"/>
-                </a:solidFill>
-                <a:latin typeface="Segoe UI" panose="020B0502040204020203" pitchFamily="34" charset="0"/>
-                <a:ea typeface="Times New Roman" panose="02020603050405020304" pitchFamily="18" charset="0"/>
-                <a:cs typeface="Times New Roman" panose="02020603050405020304" pitchFamily="18" charset="0"/>
-              </a:rPr>
-              <a:t>nạp </a:t>
+              <a:rPr lang="en-US" sz="1800" dirty="0">
+                <a:solidFill>
+                  <a:srgbClr val="343A40"/>
+                </a:solidFill>
+                <a:latin typeface="Segoe UI" panose="020B0502040204020203" pitchFamily="34" charset="0"/>
+                <a:ea typeface="Times New Roman" panose="02020603050405020304" pitchFamily="18" charset="0"/>
+                <a:cs typeface="Times New Roman" panose="02020603050405020304" pitchFamily="18" charset="0"/>
+              </a:rPr>
+              <a:t> </a:t>
             </a:r>
             <a:r>
               <a:rPr lang="vi-VN" sz="1800" dirty="0">
@@ -29230,27 +28751,8 @@
                 <a:ea typeface="Times New Roman" panose="02020603050405020304" pitchFamily="18" charset="0"/>
                 <a:cs typeface="Times New Roman" panose="02020603050405020304" pitchFamily="18" charset="0"/>
               </a:rPr>
-              <a:t>chồng toán tử</a:t>
-            </a:r>
-            <a:r>
-              <a:rPr lang="vi-VN" sz="1800" dirty="0" smtClean="0">
-                <a:solidFill>
-                  <a:srgbClr val="343A40"/>
-                </a:solidFill>
-                <a:latin typeface="Segoe UI" panose="020B0502040204020203" pitchFamily="34" charset="0"/>
-                <a:ea typeface="Times New Roman" panose="02020603050405020304" pitchFamily="18" charset="0"/>
-                <a:cs typeface="Times New Roman" panose="02020603050405020304" pitchFamily="18" charset="0"/>
-              </a:rPr>
-              <a:t>.</a:t>
-            </a:r>
-            <a:endParaRPr lang="vi-VN" sz="1800" dirty="0">
-              <a:solidFill>
-                <a:srgbClr val="343A40"/>
-              </a:solidFill>
-              <a:latin typeface="Segoe UI" panose="020B0502040204020203" pitchFamily="34" charset="0"/>
-              <a:ea typeface="Times New Roman" panose="02020603050405020304" pitchFamily="18" charset="0"/>
-              <a:cs typeface="Times New Roman" panose="02020603050405020304" pitchFamily="18" charset="0"/>
-            </a:endParaRPr>
+              <a:t>nạp chồng toán tử.</a:t>
+            </a:r>
           </a:p>
           <a:p>
             <a:pPr algn="just">
@@ -29262,7 +28764,7 @@
               </a:spcAft>
             </a:pPr>
             <a:r>
-              <a:rPr lang="en-US" sz="1800" dirty="0" smtClean="0">
+              <a:rPr lang="en-US" sz="1800" dirty="0">
                 <a:solidFill>
                   <a:srgbClr val="343A40"/>
                 </a:solidFill>
@@ -29273,17 +28775,6 @@
               <a:t>K</a:t>
             </a:r>
             <a:r>
-              <a:rPr lang="vi-VN" sz="1800" dirty="0" smtClean="0">
-                <a:solidFill>
-                  <a:srgbClr val="343A40"/>
-                </a:solidFill>
-                <a:latin typeface="Segoe UI" panose="020B0502040204020203" pitchFamily="34" charset="0"/>
-                <a:ea typeface="Times New Roman" panose="02020603050405020304" pitchFamily="18" charset="0"/>
-                <a:cs typeface="Times New Roman" panose="02020603050405020304" pitchFamily="18" charset="0"/>
-              </a:rPr>
-              <a:t>ý </a:t>
-            </a:r>
-            <a:r>
               <a:rPr lang="vi-VN" sz="1800" dirty="0">
                 <a:solidFill>
                   <a:srgbClr val="343A40"/>
@@ -29292,7 +28783,7 @@
                 <a:ea typeface="Times New Roman" panose="02020603050405020304" pitchFamily="18" charset="0"/>
                 <a:cs typeface="Times New Roman" panose="02020603050405020304" pitchFamily="18" charset="0"/>
               </a:rPr>
-              <a:t>hiệu ‘+’ được sử dụng để cộng hai số hoặc dùng để nối hai chuỗi.</a:t>
+              <a:t>ý hiệu ‘+’ được sử dụng để cộng hai số hoặc dùng để nối hai chuỗi.</a:t>
             </a:r>
           </a:p>
         </p:txBody>
@@ -29333,7 +28824,7 @@
             <a:lstStyle/>
             <a:p>
               <a:r>
-                <a:rPr lang="en-US" dirty="0" smtClean="0">
+                <a:rPr lang="en-US" dirty="0">
                   <a:solidFill>
                     <a:srgbClr val="343A40"/>
                   </a:solidFill>
@@ -29457,13 +28948,6 @@
   <p:clrMapOvr>
     <a:masterClrMapping/>
   </p:clrMapOvr>
-  <p:timing>
-    <p:tnLst>
-      <p:par>
-        <p:cTn id="1" dur="indefinite" restart="never" nodeType="tmRoot"/>
-      </p:par>
-    </p:tnLst>
-  </p:timing>
 </p:sld>
 </file>
 
@@ -29497,7 +28981,7 @@
         <p:spPr>
           <a:extLst>
             <a:ext uri="{FAA26D3D-D897-4be2-8F04-BA451C77F1D7}">
-              <ma14:placeholderFlag xmlns:ma14="http://schemas.microsoft.com/office/mac/drawingml/2011/main" xmlns="" val="1"/>
+              <ma14:placeholderFlag xmlns="" xmlns:ma14="http://schemas.microsoft.com/office/mac/drawingml/2011/main" val="1"/>
             </a:ext>
           </a:extLst>
         </p:spPr>
@@ -29508,11 +28992,11 @@
           <a:lstStyle/>
           <a:p>
             <a:r>
-              <a:rPr lang="en-US" altLang="en-US" sz="2700" dirty="0" smtClean="0"/>
+              <a:rPr lang="en-US" altLang="en-US" sz="2700" dirty="0"/>
               <a:t>ÉP </a:t>
             </a:r>
             <a:r>
-              <a:rPr lang="en-US" altLang="en-US" sz="2700" dirty="0" err="1" smtClean="0"/>
+              <a:rPr lang="en-US" altLang="en-US" sz="2700" dirty="0" err="1"/>
               <a:t>KIỂU</a:t>
             </a:r>
             <a:endParaRPr lang="en-US" altLang="en-US" sz="2700" dirty="0"/>
@@ -29559,7 +29043,7 @@
               </a:rPr>
               <a:t>Việc chuyển đổi ngầm định một kiểu dữ dữ liệu này sang kiểu dữ liệu khác mà không thay đổi ngữ cảnh của nó được gọi là ép kiểu. </a:t>
             </a:r>
-            <a:endParaRPr lang="en-US" sz="1800" dirty="0" smtClean="0">
+            <a:endParaRPr lang="en-US" sz="1800" dirty="0">
               <a:solidFill>
                 <a:srgbClr val="343A40"/>
               </a:solidFill>
@@ -29578,7 +29062,7 @@
               </a:spcAft>
             </a:pPr>
             <a:r>
-              <a:rPr lang="en-US" sz="1800" dirty="0" err="1" smtClean="0">
+              <a:rPr lang="en-US" sz="1800" dirty="0" err="1">
                 <a:solidFill>
                   <a:srgbClr val="343A40"/>
                 </a:solidFill>
@@ -29589,18 +29073,18 @@
               <a:t>Ép</a:t>
             </a:r>
             <a:r>
-              <a:rPr lang="en-US" sz="1800" dirty="0" smtClean="0">
-                <a:solidFill>
-                  <a:srgbClr val="343A40"/>
-                </a:solidFill>
-                <a:latin typeface="Segoe UI" panose="020B0502040204020203" pitchFamily="34" charset="0"/>
-                <a:ea typeface="Times New Roman" panose="02020603050405020304" pitchFamily="18" charset="0"/>
-                <a:cs typeface="Times New Roman" panose="02020603050405020304" pitchFamily="18" charset="0"/>
-              </a:rPr>
-              <a:t> </a:t>
-            </a:r>
-            <a:r>
-              <a:rPr lang="en-US" sz="1800" dirty="0" err="1" smtClean="0">
+              <a:rPr lang="en-US" sz="1800" dirty="0">
+                <a:solidFill>
+                  <a:srgbClr val="343A40"/>
+                </a:solidFill>
+                <a:latin typeface="Segoe UI" panose="020B0502040204020203" pitchFamily="34" charset="0"/>
+                <a:ea typeface="Times New Roman" panose="02020603050405020304" pitchFamily="18" charset="0"/>
+                <a:cs typeface="Times New Roman" panose="02020603050405020304" pitchFamily="18" charset="0"/>
+              </a:rPr>
+              <a:t> </a:t>
+            </a:r>
+            <a:r>
+              <a:rPr lang="en-US" sz="1800" dirty="0" err="1">
                 <a:solidFill>
                   <a:srgbClr val="343A40"/>
                 </a:solidFill>
@@ -29611,18 +29095,18 @@
               <a:t>kiểu</a:t>
             </a:r>
             <a:r>
-              <a:rPr lang="en-US" sz="1800" dirty="0" smtClean="0">
-                <a:solidFill>
-                  <a:srgbClr val="343A40"/>
-                </a:solidFill>
-                <a:latin typeface="Segoe UI" panose="020B0502040204020203" pitchFamily="34" charset="0"/>
-                <a:ea typeface="Times New Roman" panose="02020603050405020304" pitchFamily="18" charset="0"/>
-                <a:cs typeface="Times New Roman" panose="02020603050405020304" pitchFamily="18" charset="0"/>
-              </a:rPr>
-              <a:t> </a:t>
-            </a:r>
-            <a:r>
-              <a:rPr lang="en-US" sz="1800" dirty="0" err="1" smtClean="0">
+              <a:rPr lang="en-US" sz="1800" dirty="0">
+                <a:solidFill>
+                  <a:srgbClr val="343A40"/>
+                </a:solidFill>
+                <a:latin typeface="Segoe UI" panose="020B0502040204020203" pitchFamily="34" charset="0"/>
+                <a:ea typeface="Times New Roman" panose="02020603050405020304" pitchFamily="18" charset="0"/>
+                <a:cs typeface="Times New Roman" panose="02020603050405020304" pitchFamily="18" charset="0"/>
+              </a:rPr>
+              <a:t> </a:t>
+            </a:r>
+            <a:r>
+              <a:rPr lang="en-US" sz="1800" dirty="0" err="1">
                 <a:solidFill>
                   <a:srgbClr val="343A40"/>
                 </a:solidFill>
@@ -29633,18 +29117,18 @@
               <a:t>dữ</a:t>
             </a:r>
             <a:r>
-              <a:rPr lang="en-US" sz="1800" dirty="0" smtClean="0">
-                <a:solidFill>
-                  <a:srgbClr val="343A40"/>
-                </a:solidFill>
-                <a:latin typeface="Segoe UI" panose="020B0502040204020203" pitchFamily="34" charset="0"/>
-                <a:ea typeface="Times New Roman" panose="02020603050405020304" pitchFamily="18" charset="0"/>
-                <a:cs typeface="Times New Roman" panose="02020603050405020304" pitchFamily="18" charset="0"/>
-              </a:rPr>
-              <a:t> </a:t>
-            </a:r>
-            <a:r>
-              <a:rPr lang="en-US" sz="1800" dirty="0" err="1" smtClean="0">
+              <a:rPr lang="en-US" sz="1800" dirty="0">
+                <a:solidFill>
+                  <a:srgbClr val="343A40"/>
+                </a:solidFill>
+                <a:latin typeface="Segoe UI" panose="020B0502040204020203" pitchFamily="34" charset="0"/>
+                <a:ea typeface="Times New Roman" panose="02020603050405020304" pitchFamily="18" charset="0"/>
+                <a:cs typeface="Times New Roman" panose="02020603050405020304" pitchFamily="18" charset="0"/>
+              </a:rPr>
+              <a:t> </a:t>
+            </a:r>
+            <a:r>
+              <a:rPr lang="en-US" sz="1800" dirty="0" err="1">
                 <a:solidFill>
                   <a:srgbClr val="343A40"/>
                 </a:solidFill>
@@ -29655,26 +29139,15 @@
               <a:t>liệu</a:t>
             </a:r>
             <a:r>
-              <a:rPr lang="en-US" sz="1800" dirty="0" smtClean="0">
-                <a:solidFill>
-                  <a:srgbClr val="343A40"/>
-                </a:solidFill>
-                <a:latin typeface="Segoe UI" panose="020B0502040204020203" pitchFamily="34" charset="0"/>
-                <a:ea typeface="Times New Roman" panose="02020603050405020304" pitchFamily="18" charset="0"/>
-                <a:cs typeface="Times New Roman" panose="02020603050405020304" pitchFamily="18" charset="0"/>
-              </a:rPr>
-              <a:t> </a:t>
-            </a:r>
-            <a:r>
-              <a:rPr lang="vi-VN" sz="1800" dirty="0" smtClean="0">
-                <a:solidFill>
-                  <a:srgbClr val="343A40"/>
-                </a:solidFill>
-                <a:latin typeface="Segoe UI" panose="020B0502040204020203" pitchFamily="34" charset="0"/>
-                <a:ea typeface="Times New Roman" panose="02020603050405020304" pitchFamily="18" charset="0"/>
-                <a:cs typeface="Times New Roman" panose="02020603050405020304" pitchFamily="18" charset="0"/>
-              </a:rPr>
-              <a:t>để </a:t>
+              <a:rPr lang="en-US" sz="1800" dirty="0">
+                <a:solidFill>
+                  <a:srgbClr val="343A40"/>
+                </a:solidFill>
+                <a:latin typeface="Segoe UI" panose="020B0502040204020203" pitchFamily="34" charset="0"/>
+                <a:ea typeface="Times New Roman" panose="02020603050405020304" pitchFamily="18" charset="0"/>
+                <a:cs typeface="Times New Roman" panose="02020603050405020304" pitchFamily="18" charset="0"/>
+              </a:rPr>
+              <a:t> </a:t>
             </a:r>
             <a:r>
               <a:rPr lang="vi-VN" sz="1800" dirty="0">
@@ -29685,7 +29158,7 @@
                 <a:ea typeface="Times New Roman" panose="02020603050405020304" pitchFamily="18" charset="0"/>
                 <a:cs typeface="Times New Roman" panose="02020603050405020304" pitchFamily="18" charset="0"/>
               </a:rPr>
-              <a:t>tránh lỗi kiểu dữ liệu.</a:t>
+              <a:t>để tránh lỗi kiểu dữ liệu.</a:t>
             </a:r>
             <a:endParaRPr lang="en-US" sz="1800" dirty="0">
               <a:effectLst/>
@@ -29771,7 +29244,7 @@
           <a:lstStyle/>
           <a:p>
             <a:r>
-              <a:rPr lang="en-US" dirty="0" smtClean="0">
+              <a:rPr lang="en-US" dirty="0">
                 <a:solidFill>
                   <a:srgbClr val="343A40"/>
                 </a:solidFill>
@@ -29841,13 +29314,6 @@
   <p:clrMapOvr>
     <a:masterClrMapping/>
   </p:clrMapOvr>
-  <p:timing>
-    <p:tnLst>
-      <p:par>
-        <p:cTn id="1" dur="indefinite" restart="never" nodeType="tmRoot"/>
-      </p:par>
-    </p:tnLst>
-  </p:timing>
 </p:sld>
 </file>
 
@@ -29881,7 +29347,7 @@
         <p:spPr>
           <a:extLst>
             <a:ext uri="{FAA26D3D-D897-4be2-8F04-BA451C77F1D7}">
-              <ma14:placeholderFlag xmlns:ma14="http://schemas.microsoft.com/office/mac/drawingml/2011/main" xmlns="" val="1"/>
+              <ma14:placeholderFlag xmlns="" xmlns:ma14="http://schemas.microsoft.com/office/mac/drawingml/2011/main" val="1"/>
             </a:ext>
           </a:extLst>
         </p:spPr>
@@ -29892,19 +29358,19 @@
           <a:lstStyle/>
           <a:p>
             <a:r>
-              <a:rPr lang="en-US" altLang="en-US" sz="2700" dirty="0" smtClean="0"/>
+              <a:rPr lang="en-US" altLang="en-US" sz="2700" dirty="0"/>
               <a:t>BIẾN </a:t>
             </a:r>
             <a:r>
-              <a:rPr lang="en-US" altLang="en-US" sz="2700" dirty="0" err="1" smtClean="0"/>
+              <a:rPr lang="en-US" altLang="en-US" sz="2700" dirty="0" err="1"/>
               <a:t>ĐA</a:t>
             </a:r>
             <a:r>
-              <a:rPr lang="en-US" altLang="en-US" sz="2700" dirty="0" smtClean="0"/>
-              <a:t> </a:t>
-            </a:r>
-            <a:r>
-              <a:rPr lang="en-US" altLang="en-US" sz="2700" dirty="0" err="1" smtClean="0"/>
+              <a:rPr lang="en-US" altLang="en-US" sz="2700" dirty="0"/>
+              <a:t> </a:t>
+            </a:r>
+            <a:r>
+              <a:rPr lang="en-US" altLang="en-US" sz="2700" dirty="0" err="1"/>
               <a:t>HÌNH</a:t>
             </a:r>
             <a:endParaRPr lang="en-US" altLang="en-US" sz="2700" dirty="0"/>
@@ -30462,7 +29928,7 @@
               </a:spcAft>
             </a:pPr>
             <a:r>
-              <a:rPr lang="en-US" sz="1800" dirty="0" err="1" smtClean="0">
+              <a:rPr lang="en-US" sz="1800" dirty="0" err="1">
                 <a:solidFill>
                   <a:srgbClr val="343A40"/>
                 </a:solidFill>
@@ -30473,7 +29939,7 @@
               <a:t>Biến</a:t>
             </a:r>
             <a:r>
-              <a:rPr lang="en-US" sz="1800" dirty="0" smtClean="0">
+              <a:rPr lang="en-US" sz="1800" dirty="0">
                 <a:solidFill>
                   <a:srgbClr val="343A40"/>
                 </a:solidFill>
@@ -30791,14 +30257,6 @@
               </a:rPr>
               <a:t> Java. </a:t>
             </a:r>
-            <a:endParaRPr lang="en-US" sz="1800" dirty="0" smtClean="0">
-              <a:solidFill>
-                <a:srgbClr val="343A40"/>
-              </a:solidFill>
-              <a:latin typeface="Segoe UI" panose="020B0502040204020203" pitchFamily="34" charset="0"/>
-              <a:ea typeface="Times New Roman" panose="02020603050405020304" pitchFamily="18" charset="0"/>
-              <a:cs typeface="Times New Roman" panose="02020603050405020304" pitchFamily="18" charset="0"/>
-            </a:endParaRPr>
           </a:p>
         </p:txBody>
       </p:sp>
@@ -30812,13 +30270,6 @@
   <p:clrMapOvr>
     <a:masterClrMapping/>
   </p:clrMapOvr>
-  <p:timing>
-    <p:tnLst>
-      <p:par>
-        <p:cTn id="1" dur="indefinite" restart="never" nodeType="tmRoot"/>
-      </p:par>
-    </p:tnLst>
-  </p:timing>
 </p:sld>
 </file>
 
@@ -30852,7 +30303,7 @@
         <p:spPr>
           <a:extLst>
             <a:ext uri="{FAA26D3D-D897-4be2-8F04-BA451C77F1D7}">
-              <ma14:placeholderFlag xmlns:ma14="http://schemas.microsoft.com/office/mac/drawingml/2011/main" xmlns="" val="1"/>
+              <ma14:placeholderFlag xmlns="" xmlns:ma14="http://schemas.microsoft.com/office/mac/drawingml/2011/main" val="1"/>
             </a:ext>
           </a:extLst>
         </p:spPr>
@@ -30863,19 +30314,19 @@
           <a:lstStyle/>
           <a:p>
             <a:r>
-              <a:rPr lang="en-US" altLang="en-US" sz="2700" dirty="0" smtClean="0"/>
+              <a:rPr lang="en-US" altLang="en-US" sz="2700" dirty="0"/>
               <a:t>BIẾN </a:t>
             </a:r>
             <a:r>
-              <a:rPr lang="en-US" altLang="en-US" sz="2700" dirty="0" err="1" smtClean="0"/>
+              <a:rPr lang="en-US" altLang="en-US" sz="2700" dirty="0" err="1"/>
               <a:t>ĐA</a:t>
             </a:r>
             <a:r>
-              <a:rPr lang="en-US" altLang="en-US" sz="2700" dirty="0" smtClean="0"/>
-              <a:t> </a:t>
-            </a:r>
-            <a:r>
-              <a:rPr lang="en-US" altLang="en-US" sz="2700" dirty="0" err="1" smtClean="0"/>
+              <a:rPr lang="en-US" altLang="en-US" sz="2700" dirty="0"/>
+              <a:t> </a:t>
+            </a:r>
+            <a:r>
+              <a:rPr lang="en-US" altLang="en-US" sz="2700" dirty="0" err="1"/>
               <a:t>HÌNH</a:t>
             </a:r>
             <a:endParaRPr lang="en-US" altLang="en-US" sz="2700" dirty="0"/>
@@ -30940,13 +30391,6 @@
   <p:clrMapOvr>
     <a:masterClrMapping/>
   </p:clrMapOvr>
-  <p:timing>
-    <p:tnLst>
-      <p:par>
-        <p:cTn id="1" dur="indefinite" restart="never" nodeType="tmRoot"/>
-      </p:par>
-    </p:tnLst>
-  </p:timing>
 </p:sld>
 </file>
 
@@ -30980,7 +30424,7 @@
         <p:spPr>
           <a:extLst>
             <a:ext uri="{FAA26D3D-D897-4be2-8F04-BA451C77F1D7}">
-              <ma14:placeholderFlag xmlns:ma14="http://schemas.microsoft.com/office/mac/drawingml/2011/main" xmlns="" val="1"/>
+              <ma14:placeholderFlag xmlns="" xmlns:ma14="http://schemas.microsoft.com/office/mac/drawingml/2011/main" val="1"/>
             </a:ext>
           </a:extLst>
         </p:spPr>
@@ -30991,11 +30435,11 @@
           <a:lstStyle/>
           <a:p>
             <a:r>
-              <a:rPr lang="en-US" altLang="en-US" sz="2700" dirty="0" smtClean="0"/>
+              <a:rPr lang="en-US" altLang="en-US" sz="2700" dirty="0"/>
               <a:t>KHÁI </a:t>
             </a:r>
             <a:r>
-              <a:rPr lang="en-US" altLang="en-US" sz="2700" dirty="0" err="1" smtClean="0"/>
+              <a:rPr lang="en-US" altLang="en-US" sz="2700" dirty="0" err="1"/>
               <a:t>NIỆM</a:t>
             </a:r>
             <a:endParaRPr lang="en-US" altLang="en-US" sz="2700" dirty="0"/>
@@ -31035,7 +30479,7 @@
               </a:spcAft>
             </a:pPr>
             <a:r>
-              <a:rPr lang="en-US" sz="1800" dirty="0" smtClean="0">
+              <a:rPr lang="en-US" sz="1800" dirty="0">
                 <a:solidFill>
                   <a:srgbClr val="343A40"/>
                 </a:solidFill>
@@ -31046,17 +30490,6 @@
               <a:t>H</a:t>
             </a:r>
             <a:r>
-              <a:rPr lang="vi-VN" sz="1800" dirty="0" smtClean="0">
-                <a:solidFill>
-                  <a:srgbClr val="343A40"/>
-                </a:solidFill>
-                <a:latin typeface="Segoe UI" panose="020B0502040204020203" pitchFamily="34" charset="0"/>
-                <a:ea typeface="Times New Roman" panose="02020603050405020304" pitchFamily="18" charset="0"/>
-                <a:cs typeface="Times New Roman" panose="02020603050405020304" pitchFamily="18" charset="0"/>
-              </a:rPr>
-              <a:t>ai </a:t>
-            </a:r>
-            <a:r>
               <a:rPr lang="vi-VN" sz="1800" dirty="0">
                 <a:solidFill>
                   <a:srgbClr val="343A40"/>
@@ -31065,9 +30498,9 @@
                 <a:ea typeface="Times New Roman" panose="02020603050405020304" pitchFamily="18" charset="0"/>
                 <a:cs typeface="Times New Roman" panose="02020603050405020304" pitchFamily="18" charset="0"/>
               </a:rPr>
-              <a:t>hoặc nhiều phương thức có thể có cùng tên nhưng chúng khác nhau về tham số (số lượng tham số khác nhau, kiểu dữ liệu tham số khác nhau hoặc cả hai). </a:t>
-            </a:r>
-            <a:endParaRPr lang="en-US" sz="1800" dirty="0" smtClean="0">
+              <a:t>ai hoặc nhiều phương thức có thể có cùng tên nhưng chúng khác nhau về tham số (số lượng tham số khác nhau, kiểu dữ liệu tham số khác nhau hoặc cả hai). </a:t>
+            </a:r>
+            <a:endParaRPr lang="en-US" sz="1800" dirty="0">
               <a:solidFill>
                 <a:srgbClr val="343A40"/>
               </a:solidFill>
@@ -31089,17 +30522,6 @@
               </a:spcAft>
             </a:pPr>
             <a:r>
-              <a:rPr lang="vi-VN" sz="1800" dirty="0" smtClean="0">
-                <a:solidFill>
-                  <a:srgbClr val="343A40"/>
-                </a:solidFill>
-                <a:latin typeface="Segoe UI" panose="020B0502040204020203" pitchFamily="34" charset="0"/>
-                <a:ea typeface="Times New Roman" panose="02020603050405020304" pitchFamily="18" charset="0"/>
-                <a:cs typeface="Times New Roman" panose="02020603050405020304" pitchFamily="18" charset="0"/>
-              </a:rPr>
-              <a:t>Các </a:t>
-            </a:r>
-            <a:r>
               <a:rPr lang="vi-VN" sz="1800" dirty="0">
                 <a:solidFill>
                   <a:srgbClr val="343A40"/>
@@ -31108,7 +30530,7 @@
                 <a:ea typeface="Times New Roman" panose="02020603050405020304" pitchFamily="18" charset="0"/>
                 <a:cs typeface="Times New Roman" panose="02020603050405020304" pitchFamily="18" charset="0"/>
               </a:rPr>
-              <a:t>phương thức này được gọi là phương thức được nạp chồng và tính chất này được gọi là nạp chồng phương thức.</a:t>
+              <a:t>Các phương thức này được gọi là phương thức được nạp chồng và tính chất này được gọi là nạp chồng phương thức.</a:t>
             </a:r>
             <a:endParaRPr lang="en-US" sz="1800" dirty="0">
               <a:latin typeface="Calibri" panose="020F0502020204030204" pitchFamily="34" charset="0"/>
@@ -31167,13 +30589,6 @@
   <p:clrMapOvr>
     <a:masterClrMapping/>
   </p:clrMapOvr>
-  <p:timing>
-    <p:tnLst>
-      <p:par>
-        <p:cTn id="1" dur="indefinite" restart="never" nodeType="tmRoot"/>
-      </p:par>
-    </p:tnLst>
-  </p:timing>
 </p:sld>
 </file>
 
@@ -31207,7 +30622,7 @@
         <p:spPr>
           <a:extLst>
             <a:ext uri="{FAA26D3D-D897-4be2-8F04-BA451C77F1D7}">
-              <ma14:placeholderFlag xmlns:ma14="http://schemas.microsoft.com/office/mac/drawingml/2011/main" xmlns="" val="1"/>
+              <ma14:placeholderFlag xmlns="" xmlns:ma14="http://schemas.microsoft.com/office/mac/drawingml/2011/main" val="1"/>
             </a:ext>
           </a:extLst>
         </p:spPr>
@@ -31218,34 +30633,33 @@
           <a:lstStyle/>
           <a:p>
             <a:r>
-              <a:rPr lang="en-US" altLang="en-US" sz="2700" dirty="0" smtClean="0"/>
+              <a:rPr lang="en-US" altLang="en-US" sz="2700" dirty="0"/>
               <a:t>THAM </a:t>
             </a:r>
             <a:r>
-              <a:rPr lang="en-US" altLang="en-US" sz="2700" dirty="0" err="1" smtClean="0"/>
+              <a:rPr lang="en-US" altLang="en-US" sz="2700" dirty="0" err="1"/>
               <a:t>SỐ</a:t>
             </a:r>
             <a:r>
-              <a:rPr lang="en-US" altLang="en-US" sz="2700" dirty="0" smtClean="0"/>
-              <a:t> </a:t>
-            </a:r>
-            <a:r>
-              <a:rPr lang="en-US" altLang="en-US" sz="2700" dirty="0" err="1" smtClean="0"/>
+              <a:rPr lang="en-US" altLang="en-US" sz="2700" dirty="0"/>
+              <a:t> </a:t>
+            </a:r>
+            <a:r>
+              <a:rPr lang="en-US" altLang="en-US" sz="2700" dirty="0" err="1"/>
               <a:t>ĐA</a:t>
             </a:r>
             <a:r>
-              <a:rPr lang="en-US" altLang="en-US" sz="2700" dirty="0" smtClean="0"/>
-              <a:t> </a:t>
-            </a:r>
-            <a:r>
-              <a:rPr lang="en-US" altLang="en-US" sz="2700" dirty="0" err="1" smtClean="0"/>
+              <a:rPr lang="en-US" altLang="en-US" sz="2700" dirty="0"/>
+              <a:t> </a:t>
+            </a:r>
+            <a:r>
+              <a:rPr lang="en-US" altLang="en-US" sz="2700" dirty="0" err="1"/>
               <a:t>HÌNH</a:t>
             </a:r>
             <a:r>
-              <a:rPr lang="en-US" altLang="en-US" sz="2700" dirty="0" smtClean="0"/>
-              <a:t> </a:t>
-            </a:r>
-            <a:endParaRPr lang="en-US" altLang="en-US" sz="2700" dirty="0"/>
+              <a:rPr lang="en-US" altLang="en-US" sz="2700" dirty="0"/>
+              <a:t> </a:t>
+            </a:r>
           </a:p>
         </p:txBody>
       </p:sp>
@@ -31289,7 +30703,7 @@
               </a:rPr>
               <a:t>Các thuộc tính của lớp có thể có nhiều kiểu dữ liệu khác nhau. </a:t>
             </a:r>
-            <a:endParaRPr lang="en-US" sz="1800" dirty="0" smtClean="0">
+            <a:endParaRPr lang="en-US" sz="1800" dirty="0">
               <a:solidFill>
                 <a:srgbClr val="343A40"/>
               </a:solidFill>
@@ -31308,17 +30722,6 @@
               </a:spcAft>
             </a:pPr>
             <a:r>
-              <a:rPr lang="vi-VN" sz="1800" dirty="0" smtClean="0">
-                <a:solidFill>
-                  <a:srgbClr val="343A40"/>
-                </a:solidFill>
-                <a:latin typeface="Segoe UI" panose="020B0502040204020203" pitchFamily="34" charset="0"/>
-                <a:ea typeface="Times New Roman" panose="02020603050405020304" pitchFamily="18" charset="0"/>
-                <a:cs typeface="Times New Roman" panose="02020603050405020304" pitchFamily="18" charset="0"/>
-              </a:rPr>
-              <a:t>Các </a:t>
-            </a:r>
-            <a:r>
               <a:rPr lang="vi-VN" sz="1800" dirty="0">
                 <a:solidFill>
                   <a:srgbClr val="343A40"/>
@@ -31327,9 +30730,9 @@
                 <a:ea typeface="Times New Roman" panose="02020603050405020304" pitchFamily="18" charset="0"/>
                 <a:cs typeface="Times New Roman" panose="02020603050405020304" pitchFamily="18" charset="0"/>
               </a:rPr>
-              <a:t>phương thức có thể có nhiều tham số có kiểu dữ liệu khác nhau và trả về các kiểu dữ liệu khác nhau. </a:t>
-            </a:r>
-            <a:endParaRPr lang="en-US" sz="1800" dirty="0" smtClean="0">
+              <a:t>Các phương thức có thể có nhiều tham số có kiểu dữ liệu khác nhau và trả về các kiểu dữ liệu khác nhau. </a:t>
+            </a:r>
+            <a:endParaRPr lang="en-US" sz="1800" dirty="0">
               <a:solidFill>
                 <a:srgbClr val="343A40"/>
               </a:solidFill>
@@ -31348,17 +30751,6 @@
               </a:spcAft>
             </a:pPr>
             <a:r>
-              <a:rPr lang="vi-VN" sz="1800" dirty="0" smtClean="0">
-                <a:solidFill>
-                  <a:srgbClr val="343A40"/>
-                </a:solidFill>
-                <a:latin typeface="Segoe UI" panose="020B0502040204020203" pitchFamily="34" charset="0"/>
-                <a:ea typeface="Times New Roman" panose="02020603050405020304" pitchFamily="18" charset="0"/>
-                <a:cs typeface="Times New Roman" panose="02020603050405020304" pitchFamily="18" charset="0"/>
-              </a:rPr>
-              <a:t>Các </a:t>
-            </a:r>
-            <a:r>
               <a:rPr lang="vi-VN" sz="1800" dirty="0">
                 <a:solidFill>
                   <a:srgbClr val="343A40"/>
@@ -31367,7 +30759,7 @@
                 <a:ea typeface="Times New Roman" panose="02020603050405020304" pitchFamily="18" charset="0"/>
                 <a:cs typeface="Times New Roman" panose="02020603050405020304" pitchFamily="18" charset="0"/>
               </a:rPr>
-              <a:t>tham số đó được gọi là tham số đa hình</a:t>
+              <a:t>Các tham số đó được gọi là tham số đa hình</a:t>
             </a:r>
             <a:endParaRPr lang="en-US" sz="1800" dirty="0">
               <a:effectLst/>
@@ -31388,13 +30780,6 @@
   <p:clrMapOvr>
     <a:masterClrMapping/>
   </p:clrMapOvr>
-  <p:timing>
-    <p:tnLst>
-      <p:par>
-        <p:cTn id="1" dur="indefinite" restart="never" nodeType="tmRoot"/>
-      </p:par>
-    </p:tnLst>
-  </p:timing>
 </p:sld>
 </file>
 
@@ -31428,7 +30813,7 @@
         <p:spPr>
           <a:extLst>
             <a:ext uri="{FAA26D3D-D897-4be2-8F04-BA451C77F1D7}">
-              <ma14:placeholderFlag xmlns:ma14="http://schemas.microsoft.com/office/mac/drawingml/2011/main" xmlns="" val="1"/>
+              <ma14:placeholderFlag xmlns="" xmlns:ma14="http://schemas.microsoft.com/office/mac/drawingml/2011/main" val="1"/>
             </a:ext>
           </a:extLst>
         </p:spPr>
@@ -31439,34 +30824,33 @@
           <a:lstStyle/>
           <a:p>
             <a:r>
-              <a:rPr lang="en-US" altLang="en-US" sz="2700" dirty="0" smtClean="0"/>
+              <a:rPr lang="en-US" altLang="en-US" sz="2700" dirty="0"/>
               <a:t>THAM </a:t>
             </a:r>
             <a:r>
-              <a:rPr lang="en-US" altLang="en-US" sz="2700" dirty="0" err="1" smtClean="0"/>
+              <a:rPr lang="en-US" altLang="en-US" sz="2700" dirty="0" err="1"/>
               <a:t>SỐ</a:t>
             </a:r>
             <a:r>
-              <a:rPr lang="en-US" altLang="en-US" sz="2700" dirty="0" smtClean="0"/>
-              <a:t> </a:t>
-            </a:r>
-            <a:r>
-              <a:rPr lang="en-US" altLang="en-US" sz="2700" dirty="0" err="1" smtClean="0"/>
+              <a:rPr lang="en-US" altLang="en-US" sz="2700" dirty="0"/>
+              <a:t> </a:t>
+            </a:r>
+            <a:r>
+              <a:rPr lang="en-US" altLang="en-US" sz="2700" dirty="0" err="1"/>
               <a:t>ĐA</a:t>
             </a:r>
             <a:r>
-              <a:rPr lang="en-US" altLang="en-US" sz="2700" dirty="0" smtClean="0"/>
-              <a:t> </a:t>
-            </a:r>
-            <a:r>
-              <a:rPr lang="en-US" altLang="en-US" sz="2700" dirty="0" err="1" smtClean="0"/>
+              <a:rPr lang="en-US" altLang="en-US" sz="2700" dirty="0"/>
+              <a:t> </a:t>
+            </a:r>
+            <a:r>
+              <a:rPr lang="en-US" altLang="en-US" sz="2700" dirty="0" err="1"/>
               <a:t>HÌNH</a:t>
             </a:r>
             <a:r>
-              <a:rPr lang="en-US" altLang="en-US" sz="2700" dirty="0" smtClean="0"/>
-              <a:t> </a:t>
-            </a:r>
-            <a:endParaRPr lang="en-US" altLang="en-US" sz="2700" dirty="0"/>
+              <a:rPr lang="en-US" altLang="en-US" sz="2700" dirty="0"/>
+              <a:t> </a:t>
+            </a:r>
           </a:p>
         </p:txBody>
       </p:sp>
@@ -31506,7 +30890,7 @@
             <a:lstStyle/>
             <a:p>
               <a:r>
-                <a:rPr lang="en-US" dirty="0" smtClean="0">
+                <a:rPr lang="en-US" dirty="0">
                   <a:solidFill>
                     <a:srgbClr val="343A40"/>
                   </a:solidFill>
@@ -31630,13 +31014,6 @@
   <p:clrMapOvr>
     <a:masterClrMapping/>
   </p:clrMapOvr>
-  <p:timing>
-    <p:tnLst>
-      <p:par>
-        <p:cTn id="1" dur="indefinite" restart="never" nodeType="tmRoot"/>
-      </p:par>
-    </p:tnLst>
-  </p:timing>
 </p:sld>
 </file>
 
@@ -31670,7 +31047,7 @@
         <p:spPr>
           <a:extLst>
             <a:ext uri="{FAA26D3D-D897-4be2-8F04-BA451C77F1D7}">
-              <ma14:placeholderFlag xmlns:ma14="http://schemas.microsoft.com/office/mac/drawingml/2011/main" xmlns="" val="1"/>
+              <ma14:placeholderFlag xmlns="" xmlns:ma14="http://schemas.microsoft.com/office/mac/drawingml/2011/main" val="1"/>
             </a:ext>
           </a:extLst>
         </p:spPr>
@@ -31681,38 +31058,37 @@
           <a:lstStyle/>
           <a:p>
             <a:r>
-              <a:rPr lang="en-US" altLang="en-US" sz="2700" dirty="0" err="1" smtClean="0"/>
+              <a:rPr lang="en-US" altLang="en-US" sz="2700" dirty="0" err="1"/>
               <a:t>KIỂU</a:t>
             </a:r>
             <a:r>
-              <a:rPr lang="en-US" altLang="en-US" sz="2700" dirty="0" smtClean="0"/>
-              <a:t> </a:t>
-            </a:r>
-            <a:r>
-              <a:rPr lang="en-US" altLang="en-US" sz="2700" dirty="0" err="1" smtClean="0"/>
+              <a:rPr lang="en-US" altLang="en-US" sz="2700" dirty="0"/>
+              <a:t> </a:t>
+            </a:r>
+            <a:r>
+              <a:rPr lang="en-US" altLang="en-US" sz="2700" dirty="0" err="1"/>
               <a:t>ĐA</a:t>
             </a:r>
             <a:r>
-              <a:rPr lang="en-US" altLang="en-US" sz="2700" dirty="0" smtClean="0"/>
-              <a:t> </a:t>
-            </a:r>
-            <a:r>
-              <a:rPr lang="en-US" altLang="en-US" sz="2700" dirty="0" err="1" smtClean="0"/>
+              <a:rPr lang="en-US" altLang="en-US" sz="2700" dirty="0"/>
+              <a:t> </a:t>
+            </a:r>
+            <a:r>
+              <a:rPr lang="en-US" altLang="en-US" sz="2700" dirty="0" err="1"/>
               <a:t>HÌNH</a:t>
             </a:r>
             <a:r>
-              <a:rPr lang="en-US" altLang="en-US" sz="2700" dirty="0" smtClean="0"/>
-              <a:t> </a:t>
-            </a:r>
-            <a:r>
-              <a:rPr lang="en-US" altLang="en-US" sz="2700" dirty="0" err="1" smtClean="0"/>
+              <a:rPr lang="en-US" altLang="en-US" sz="2700" dirty="0"/>
+              <a:t> </a:t>
+            </a:r>
+            <a:r>
+              <a:rPr lang="en-US" altLang="en-US" sz="2700" dirty="0" err="1"/>
               <a:t>PHỤ</a:t>
             </a:r>
             <a:r>
-              <a:rPr lang="en-US" altLang="en-US" sz="2700" dirty="0" smtClean="0"/>
-              <a:t> </a:t>
-            </a:r>
-            <a:endParaRPr lang="en-US" altLang="en-US" sz="2700" dirty="0"/>
+              <a:rPr lang="en-US" altLang="en-US" sz="2700" dirty="0"/>
+              <a:t> </a:t>
+            </a:r>
           </a:p>
         </p:txBody>
       </p:sp>
@@ -31756,7 +31132,7 @@
               </a:rPr>
               <a:t>Khả năng sử dụng lớp con thay vì lớp cha được gọi là đa hình phụ. </a:t>
             </a:r>
-            <a:endParaRPr lang="en-US" sz="1800" dirty="0" smtClean="0">
+            <a:endParaRPr lang="en-US" sz="1800" dirty="0">
               <a:solidFill>
                 <a:srgbClr val="343A40"/>
               </a:solidFill>
@@ -31786,17 +31162,6 @@
               <a:t>Đ</a:t>
             </a:r>
             <a:r>
-              <a:rPr lang="vi-VN" sz="1800" dirty="0" smtClean="0">
-                <a:solidFill>
-                  <a:srgbClr val="343A40"/>
-                </a:solidFill>
-                <a:latin typeface="Segoe UI" panose="020B0502040204020203" pitchFamily="34" charset="0"/>
-                <a:ea typeface="Times New Roman" panose="02020603050405020304" pitchFamily="18" charset="0"/>
-                <a:cs typeface="Times New Roman" panose="02020603050405020304" pitchFamily="18" charset="0"/>
-              </a:rPr>
-              <a:t>a </a:t>
-            </a:r>
-            <a:r>
               <a:rPr lang="vi-VN" sz="1800" dirty="0">
                 <a:solidFill>
                   <a:srgbClr val="343A40"/>
@@ -31805,9 +31170,9 @@
                 <a:ea typeface="Times New Roman" panose="02020603050405020304" pitchFamily="18" charset="0"/>
                 <a:cs typeface="Times New Roman" panose="02020603050405020304" pitchFamily="18" charset="0"/>
               </a:rPr>
-              <a:t>hình phụ liên quan đến upcasting và liên kết muộn. </a:t>
-            </a:r>
-            <a:endParaRPr lang="en-US" sz="1800" dirty="0" smtClean="0">
+              <a:t>a hình phụ liên quan đến upcasting và liên kết muộn. </a:t>
+            </a:r>
+            <a:endParaRPr lang="en-US" sz="1800" dirty="0">
               <a:solidFill>
                 <a:srgbClr val="343A40"/>
               </a:solidFill>
@@ -31826,17 +31191,6 @@
               </a:spcAft>
             </a:pPr>
             <a:r>
-              <a:rPr lang="vi-VN" sz="1800" dirty="0" smtClean="0">
-                <a:solidFill>
-                  <a:srgbClr val="343A40"/>
-                </a:solidFill>
-                <a:latin typeface="Segoe UI" panose="020B0502040204020203" pitchFamily="34" charset="0"/>
-                <a:ea typeface="Times New Roman" panose="02020603050405020304" pitchFamily="18" charset="0"/>
-                <a:cs typeface="Times New Roman" panose="02020603050405020304" pitchFamily="18" charset="0"/>
-              </a:rPr>
-              <a:t>Upcasting </a:t>
-            </a:r>
-            <a:r>
               <a:rPr lang="vi-VN" sz="1800" dirty="0">
                 <a:solidFill>
                   <a:srgbClr val="343A40"/>
@@ -31845,7 +31199,7 @@
                 <a:ea typeface="Times New Roman" panose="02020603050405020304" pitchFamily="18" charset="0"/>
                 <a:cs typeface="Times New Roman" panose="02020603050405020304" pitchFamily="18" charset="0"/>
               </a:rPr>
-              <a:t>có thể được gọi là typecasting một đối tượng con thành một đối tượng cha và liên kết muộn chỉ đơn giản là liên kết hoặc ghi đè động.</a:t>
+              <a:t>Upcasting có thể được gọi là typecasting một đối tượng con thành một đối tượng cha và liên kết muộn chỉ đơn giản là liên kết hoặc ghi đè động.</a:t>
             </a:r>
             <a:endParaRPr lang="en-US" sz="1800" dirty="0">
               <a:effectLst/>
@@ -31866,13 +31220,6 @@
   <p:clrMapOvr>
     <a:masterClrMapping/>
   </p:clrMapOvr>
-  <p:timing>
-    <p:tnLst>
-      <p:par>
-        <p:cTn id="1" dur="indefinite" restart="never" nodeType="tmRoot"/>
-      </p:par>
-    </p:tnLst>
-  </p:timing>
 </p:sld>
 </file>
 
@@ -31906,7 +31253,7 @@
         <p:spPr>
           <a:extLst>
             <a:ext uri="{FAA26D3D-D897-4be2-8F04-BA451C77F1D7}">
-              <ma14:placeholderFlag xmlns:ma14="http://schemas.microsoft.com/office/mac/drawingml/2011/main" xmlns="" val="1"/>
+              <ma14:placeholderFlag xmlns="" xmlns:ma14="http://schemas.microsoft.com/office/mac/drawingml/2011/main" val="1"/>
             </a:ext>
           </a:extLst>
         </p:spPr>
@@ -31917,38 +31264,37 @@
           <a:lstStyle/>
           <a:p>
             <a:r>
-              <a:rPr lang="en-US" altLang="en-US" sz="2700" dirty="0" err="1" smtClean="0"/>
+              <a:rPr lang="en-US" altLang="en-US" sz="2700" dirty="0" err="1"/>
               <a:t>KIỂU</a:t>
             </a:r>
             <a:r>
-              <a:rPr lang="en-US" altLang="en-US" sz="2700" dirty="0" smtClean="0"/>
-              <a:t> </a:t>
-            </a:r>
-            <a:r>
-              <a:rPr lang="en-US" altLang="en-US" sz="2700" dirty="0" err="1" smtClean="0"/>
+              <a:rPr lang="en-US" altLang="en-US" sz="2700" dirty="0"/>
+              <a:t> </a:t>
+            </a:r>
+            <a:r>
+              <a:rPr lang="en-US" altLang="en-US" sz="2700" dirty="0" err="1"/>
               <a:t>ĐA</a:t>
             </a:r>
             <a:r>
-              <a:rPr lang="en-US" altLang="en-US" sz="2700" dirty="0" smtClean="0"/>
-              <a:t> </a:t>
-            </a:r>
-            <a:r>
-              <a:rPr lang="en-US" altLang="en-US" sz="2700" dirty="0" err="1" smtClean="0"/>
+              <a:rPr lang="en-US" altLang="en-US" sz="2700" dirty="0"/>
+              <a:t> </a:t>
+            </a:r>
+            <a:r>
+              <a:rPr lang="en-US" altLang="en-US" sz="2700" dirty="0" err="1"/>
               <a:t>HÌNH</a:t>
             </a:r>
             <a:r>
-              <a:rPr lang="en-US" altLang="en-US" sz="2700" dirty="0" smtClean="0"/>
-              <a:t> </a:t>
-            </a:r>
-            <a:r>
-              <a:rPr lang="en-US" altLang="en-US" sz="2700" dirty="0" err="1" smtClean="0"/>
+              <a:rPr lang="en-US" altLang="en-US" sz="2700" dirty="0"/>
+              <a:t> </a:t>
+            </a:r>
+            <a:r>
+              <a:rPr lang="en-US" altLang="en-US" sz="2700" dirty="0" err="1"/>
               <a:t>PHỤ</a:t>
             </a:r>
             <a:r>
-              <a:rPr lang="en-US" altLang="en-US" sz="2700" dirty="0" smtClean="0"/>
-              <a:t> </a:t>
-            </a:r>
-            <a:endParaRPr lang="en-US" altLang="en-US" sz="2700" dirty="0"/>
+              <a:rPr lang="en-US" altLang="en-US" sz="2700" dirty="0"/>
+              <a:t> </a:t>
+            </a:r>
           </a:p>
         </p:txBody>
       </p:sp>
@@ -31991,13 +31337,6 @@
   <p:clrMapOvr>
     <a:masterClrMapping/>
   </p:clrMapOvr>
-  <p:timing>
-    <p:tnLst>
-      <p:par>
-        <p:cTn id="1" dur="indefinite" restart="never" nodeType="tmRoot"/>
-      </p:par>
-    </p:tnLst>
-  </p:timing>
 </p:sld>
 </file>
 
@@ -32031,7 +31370,7 @@
         <p:spPr>
           <a:extLst>
             <a:ext uri="{FAA26D3D-D897-4be2-8F04-BA451C77F1D7}">
-              <ma14:placeholderFlag xmlns:ma14="http://schemas.microsoft.com/office/mac/drawingml/2011/main" xmlns="" val="1"/>
+              <ma14:placeholderFlag xmlns="" xmlns:ma14="http://schemas.microsoft.com/office/mac/drawingml/2011/main" val="1"/>
             </a:ext>
           </a:extLst>
         </p:spPr>
@@ -32042,38 +31381,37 @@
           <a:lstStyle/>
           <a:p>
             <a:r>
-              <a:rPr lang="en-US" altLang="en-US" sz="2700" dirty="0" err="1" smtClean="0"/>
+              <a:rPr lang="en-US" altLang="en-US" sz="2700" dirty="0" err="1"/>
               <a:t>KIỂU</a:t>
             </a:r>
             <a:r>
-              <a:rPr lang="en-US" altLang="en-US" sz="2700" dirty="0" smtClean="0"/>
-              <a:t> </a:t>
-            </a:r>
-            <a:r>
-              <a:rPr lang="en-US" altLang="en-US" sz="2700" dirty="0" err="1" smtClean="0"/>
+              <a:rPr lang="en-US" altLang="en-US" sz="2700" dirty="0"/>
+              <a:t> </a:t>
+            </a:r>
+            <a:r>
+              <a:rPr lang="en-US" altLang="en-US" sz="2700" dirty="0" err="1"/>
               <a:t>ĐA</a:t>
             </a:r>
             <a:r>
-              <a:rPr lang="en-US" altLang="en-US" sz="2700" dirty="0" smtClean="0"/>
-              <a:t> </a:t>
-            </a:r>
-            <a:r>
-              <a:rPr lang="en-US" altLang="en-US" sz="2700" dirty="0" err="1" smtClean="0"/>
+              <a:rPr lang="en-US" altLang="en-US" sz="2700" dirty="0"/>
+              <a:t> </a:t>
+            </a:r>
+            <a:r>
+              <a:rPr lang="en-US" altLang="en-US" sz="2700" dirty="0" err="1"/>
               <a:t>HÌNH</a:t>
             </a:r>
             <a:r>
-              <a:rPr lang="en-US" altLang="en-US" sz="2700" dirty="0" smtClean="0"/>
-              <a:t> </a:t>
-            </a:r>
-            <a:r>
-              <a:rPr lang="en-US" altLang="en-US" sz="2700" dirty="0" err="1" smtClean="0"/>
+              <a:rPr lang="en-US" altLang="en-US" sz="2700" dirty="0"/>
+              <a:t> </a:t>
+            </a:r>
+            <a:r>
+              <a:rPr lang="en-US" altLang="en-US" sz="2700" dirty="0" err="1"/>
               <a:t>PHỤ</a:t>
             </a:r>
             <a:r>
-              <a:rPr lang="en-US" altLang="en-US" sz="2700" dirty="0" smtClean="0"/>
-              <a:t> </a:t>
-            </a:r>
-            <a:endParaRPr lang="en-US" altLang="en-US" sz="2700" dirty="0"/>
+              <a:rPr lang="en-US" altLang="en-US" sz="2700" dirty="0"/>
+              <a:t> </a:t>
+            </a:r>
           </a:p>
         </p:txBody>
       </p:sp>
@@ -32141,7 +31479,7 @@
             <a:lstStyle/>
             <a:p>
               <a:r>
-                <a:rPr lang="en-US" dirty="0" smtClean="0">
+                <a:rPr lang="en-US" dirty="0">
                   <a:solidFill>
                     <a:srgbClr val="343A40"/>
                   </a:solidFill>
@@ -32236,13 +31574,6 @@
   <p:clrMapOvr>
     <a:masterClrMapping/>
   </p:clrMapOvr>
-  <p:timing>
-    <p:tnLst>
-      <p:par>
-        <p:cTn id="1" dur="indefinite" restart="never" nodeType="tmRoot"/>
-      </p:par>
-    </p:tnLst>
-  </p:timing>
 </p:sld>
 </file>
 
@@ -32297,56 +31628,52 @@
               </a:spcAft>
             </a:pPr>
             <a:r>
-              <a:rPr lang="en-US" dirty="0" err="1" smtClean="0"/>
+              <a:rPr lang="en-US" dirty="0" err="1"/>
               <a:t>Một</a:t>
             </a:r>
             <a:r>
-              <a:rPr lang="en-US" dirty="0" smtClean="0"/>
-              <a:t> </a:t>
-            </a:r>
-            <a:r>
-              <a:rPr lang="en-US" dirty="0" err="1" smtClean="0"/>
+              <a:rPr lang="en-US" dirty="0"/>
+              <a:t> </a:t>
+            </a:r>
+            <a:r>
+              <a:rPr lang="en-US" dirty="0" err="1"/>
               <a:t>số</a:t>
             </a:r>
             <a:r>
-              <a:rPr lang="en-US" dirty="0" smtClean="0"/>
-              <a:t> </a:t>
-            </a:r>
-            <a:r>
-              <a:rPr lang="en-US" dirty="0" err="1" smtClean="0"/>
+              <a:rPr lang="en-US" dirty="0"/>
+              <a:t> </a:t>
+            </a:r>
+            <a:r>
+              <a:rPr lang="en-US" dirty="0" err="1"/>
               <a:t>vấn</a:t>
             </a:r>
             <a:r>
-              <a:rPr lang="en-US" dirty="0" smtClean="0"/>
-              <a:t> </a:t>
-            </a:r>
-            <a:r>
-              <a:rPr lang="en-US" dirty="0" err="1" smtClean="0"/>
+              <a:rPr lang="en-US" dirty="0"/>
+              <a:t> </a:t>
+            </a:r>
+            <a:r>
+              <a:rPr lang="en-US" dirty="0" err="1"/>
               <a:t>đề</a:t>
             </a:r>
             <a:r>
-              <a:rPr lang="en-US" dirty="0" smtClean="0"/>
-              <a:t> </a:t>
-            </a:r>
-            <a:r>
-              <a:rPr lang="en-US" dirty="0" err="1" smtClean="0"/>
+              <a:rPr lang="en-US" dirty="0"/>
+              <a:t> </a:t>
+            </a:r>
+            <a:r>
+              <a:rPr lang="en-US" dirty="0" err="1"/>
               <a:t>khác</a:t>
             </a:r>
             <a:r>
-              <a:rPr lang="en-US" dirty="0" smtClean="0"/>
-              <a:t> </a:t>
-            </a:r>
-            <a:r>
-              <a:rPr lang="en-US" dirty="0" err="1" smtClean="0"/>
+              <a:rPr lang="en-US" dirty="0"/>
+              <a:t> </a:t>
+            </a:r>
+            <a:r>
+              <a:rPr lang="en-US" dirty="0" err="1"/>
               <a:t>của</a:t>
             </a:r>
             <a:r>
-              <a:rPr lang="vi-VN" dirty="0" smtClean="0"/>
-              <a:t> </a:t>
-            </a:r>
-            <a:r>
               <a:rPr lang="vi-VN" dirty="0"/>
-              <a:t>đa hình</a:t>
+              <a:t> đa hình</a:t>
             </a:r>
           </a:p>
         </p:txBody>
@@ -32361,13 +31688,6 @@
   <p:clrMapOvr>
     <a:masterClrMapping/>
   </p:clrMapOvr>
-  <p:timing>
-    <p:tnLst>
-      <p:par>
-        <p:cTn id="1" dur="indefinite" restart="never" nodeType="tmRoot"/>
-      </p:par>
-    </p:tnLst>
-  </p:timing>
 </p:sld>
 </file>
 
@@ -32405,7 +31725,7 @@
           </a:xfrm>
           <a:extLst>
             <a:ext uri="{FAA26D3D-D897-4be2-8F04-BA451C77F1D7}">
-              <ma14:placeholderFlag xmlns:ma14="http://schemas.microsoft.com/office/mac/drawingml/2011/main" xmlns="" val="1"/>
+              <ma14:placeholderFlag xmlns="" xmlns:ma14="http://schemas.microsoft.com/office/mac/drawingml/2011/main" val="1"/>
             </a:ext>
           </a:extLst>
         </p:spPr>
@@ -32416,43 +31736,43 @@
           <a:lstStyle/>
           <a:p>
             <a:r>
-              <a:rPr lang="en-US" altLang="en-US" sz="2700" dirty="0" smtClean="0"/>
+              <a:rPr lang="en-US" altLang="en-US" sz="2700" dirty="0"/>
               <a:t>SO </a:t>
             </a:r>
             <a:r>
-              <a:rPr lang="en-US" altLang="en-US" sz="2700" dirty="0" err="1" smtClean="0"/>
+              <a:rPr lang="en-US" altLang="en-US" sz="2700" dirty="0" err="1"/>
               <a:t>SÁNH</a:t>
             </a:r>
             <a:r>
-              <a:rPr lang="en-US" altLang="en-US" sz="2700" dirty="0" smtClean="0"/>
-              <a:t> </a:t>
-            </a:r>
-            <a:r>
-              <a:rPr lang="en-US" altLang="en-US" sz="2700" dirty="0" err="1" smtClean="0"/>
+              <a:rPr lang="en-US" altLang="en-US" sz="2700" dirty="0"/>
+              <a:t> </a:t>
+            </a:r>
+            <a:r>
+              <a:rPr lang="en-US" altLang="en-US" sz="2700" dirty="0" err="1"/>
               <a:t>CÁC</a:t>
             </a:r>
             <a:r>
-              <a:rPr lang="en-US" altLang="en-US" sz="2700" dirty="0" smtClean="0"/>
-              <a:t> </a:t>
-            </a:r>
-            <a:r>
-              <a:rPr lang="en-US" altLang="en-US" sz="2700" dirty="0" err="1" smtClean="0"/>
+              <a:rPr lang="en-US" altLang="en-US" sz="2700" dirty="0"/>
+              <a:t> </a:t>
+            </a:r>
+            <a:r>
+              <a:rPr lang="en-US" altLang="en-US" sz="2700" dirty="0" err="1"/>
               <a:t>LOẠI</a:t>
             </a:r>
             <a:r>
-              <a:rPr lang="en-US" altLang="en-US" sz="2700" dirty="0" smtClean="0"/>
-              <a:t> </a:t>
-            </a:r>
-            <a:r>
-              <a:rPr lang="en-US" altLang="en-US" sz="2700" dirty="0" err="1" smtClean="0"/>
+              <a:rPr lang="en-US" altLang="en-US" sz="2700" dirty="0"/>
+              <a:t> </a:t>
+            </a:r>
+            <a:r>
+              <a:rPr lang="en-US" altLang="en-US" sz="2700" dirty="0" err="1"/>
               <a:t>ĐA</a:t>
             </a:r>
             <a:r>
-              <a:rPr lang="en-US" altLang="en-US" sz="2700" dirty="0" smtClean="0"/>
-              <a:t> </a:t>
-            </a:r>
-            <a:r>
-              <a:rPr lang="en-US" altLang="en-US" sz="2700" dirty="0" err="1" smtClean="0"/>
+              <a:rPr lang="en-US" altLang="en-US" sz="2700" dirty="0"/>
+              <a:t> </a:t>
+            </a:r>
+            <a:r>
+              <a:rPr lang="en-US" altLang="en-US" sz="2700" dirty="0" err="1"/>
               <a:t>HÌNH</a:t>
             </a:r>
             <a:endParaRPr lang="en-US" altLang="en-US" sz="2700" dirty="0"/>
@@ -32484,8 +31804,20 @@
                 <a:tableStyleId>{0660B408-B3CF-4A94-85FC-2B1E0A45F4A2}</a:tableStyleId>
               </a:tblPr>
               <a:tblGrid>
-                <a:gridCol w="4349243"/>
-                <a:gridCol w="4349243"/>
+                <a:gridCol w="4349243">
+                  <a:extLst>
+                    <a:ext uri="{9D8B030D-6E8A-4147-A177-3AD203B41FA5}">
+                      <a16:colId xmlns:a16="http://schemas.microsoft.com/office/drawing/2014/main" val="20000"/>
+                    </a:ext>
+                  </a:extLst>
+                </a:gridCol>
+                <a:gridCol w="4349243">
+                  <a:extLst>
+                    <a:ext uri="{9D8B030D-6E8A-4147-A177-3AD203B41FA5}">
+                      <a16:colId xmlns:a16="http://schemas.microsoft.com/office/drawing/2014/main" val="20001"/>
+                    </a:ext>
+                  </a:extLst>
+                </a:gridCol>
               </a:tblGrid>
               <a:tr h="335407">
                 <a:tc>
@@ -32546,6 +31878,11 @@
                   </a:txBody>
                   <a:tcPr marL="76404" marR="76404" marT="76404" marB="76404" anchor="b"/>
                 </a:tc>
+                <a:extLst>
+                  <a:ext uri="{0D108BD9-81ED-4DB2-BD59-A6C34878D82A}">
+                    <a16:rowId xmlns:a16="http://schemas.microsoft.com/office/drawing/2014/main" val="10000"/>
+                  </a:ext>
+                </a:extLst>
               </a:tr>
               <a:tr h="357276">
                 <a:tc>
@@ -32857,6 +32194,11 @@
                   </a:txBody>
                   <a:tcPr marL="76404" marR="76404" marT="106966" marB="106966"/>
                 </a:tc>
+                <a:extLst>
+                  <a:ext uri="{0D108BD9-81ED-4DB2-BD59-A6C34878D82A}">
+                    <a16:rowId xmlns:a16="http://schemas.microsoft.com/office/drawing/2014/main" val="10001"/>
+                  </a:ext>
+                </a:extLst>
               </a:tr>
               <a:tr h="357276">
                 <a:tc>
@@ -33179,6 +32521,11 @@
                   </a:txBody>
                   <a:tcPr marL="76404" marR="76404" marT="106966" marB="106966"/>
                 </a:tc>
+                <a:extLst>
+                  <a:ext uri="{0D108BD9-81ED-4DB2-BD59-A6C34878D82A}">
+                    <a16:rowId xmlns:a16="http://schemas.microsoft.com/office/drawing/2014/main" val="10002"/>
+                  </a:ext>
+                </a:extLst>
               </a:tr>
               <a:tr h="645814">
                 <a:tc>
@@ -34755,6 +34102,11 @@
                   </a:txBody>
                   <a:tcPr marL="76404" marR="76404" marT="106966" marB="106966"/>
                 </a:tc>
+                <a:extLst>
+                  <a:ext uri="{0D108BD9-81ED-4DB2-BD59-A6C34878D82A}">
+                    <a16:rowId xmlns:a16="http://schemas.microsoft.com/office/drawing/2014/main" val="10003"/>
+                  </a:ext>
+                </a:extLst>
               </a:tr>
               <a:tr h="357276">
                 <a:tc>
@@ -35231,6 +34583,11 @@
                   </a:txBody>
                   <a:tcPr marL="76404" marR="76404" marT="106966" marB="106966"/>
                 </a:tc>
+                <a:extLst>
+                  <a:ext uri="{0D108BD9-81ED-4DB2-BD59-A6C34878D82A}">
+                    <a16:rowId xmlns:a16="http://schemas.microsoft.com/office/drawing/2014/main" val="10004"/>
+                  </a:ext>
+                </a:extLst>
               </a:tr>
               <a:tr h="645814">
                 <a:tc>
@@ -36345,6 +35702,11 @@
                   </a:txBody>
                   <a:tcPr marL="76404" marR="76404" marT="106966" marB="106966"/>
                 </a:tc>
+                <a:extLst>
+                  <a:ext uri="{0D108BD9-81ED-4DB2-BD59-A6C34878D82A}">
+                    <a16:rowId xmlns:a16="http://schemas.microsoft.com/office/drawing/2014/main" val="10005"/>
+                  </a:ext>
+                </a:extLst>
               </a:tr>
               <a:tr h="500949">
                 <a:tc>
@@ -36810,6 +36172,11 @@
                   </a:txBody>
                   <a:tcPr marL="76404" marR="76404" marT="106966" marB="106966"/>
                 </a:tc>
+                <a:extLst>
+                  <a:ext uri="{0D108BD9-81ED-4DB2-BD59-A6C34878D82A}">
+                    <a16:rowId xmlns:a16="http://schemas.microsoft.com/office/drawing/2014/main" val="10006"/>
+                  </a:ext>
+                </a:extLst>
               </a:tr>
               <a:tr h="357276">
                 <a:tc>
@@ -36956,6 +36323,11 @@
                   </a:txBody>
                   <a:tcPr marL="76404" marR="76404" marT="106966" marB="106966"/>
                 </a:tc>
+                <a:extLst>
+                  <a:ext uri="{0D108BD9-81ED-4DB2-BD59-A6C34878D82A}">
+                    <a16:rowId xmlns:a16="http://schemas.microsoft.com/office/drawing/2014/main" val="10007"/>
+                  </a:ext>
+                </a:extLst>
               </a:tr>
             </a:tbl>
           </a:graphicData>
@@ -36971,13 +36343,6 @@
   <p:clrMapOvr>
     <a:masterClrMapping/>
   </p:clrMapOvr>
-  <p:timing>
-    <p:tnLst>
-      <p:par>
-        <p:cTn id="1" dur="indefinite" restart="never" nodeType="tmRoot"/>
-      </p:par>
-    </p:tnLst>
-  </p:timing>
 </p:sld>
 </file>
 
@@ -37015,7 +36380,7 @@
           </a:xfrm>
           <a:extLst>
             <a:ext uri="{FAA26D3D-D897-4be2-8F04-BA451C77F1D7}">
-              <ma14:placeholderFlag xmlns:ma14="http://schemas.microsoft.com/office/mac/drawingml/2011/main" xmlns="" val="1"/>
+              <ma14:placeholderFlag xmlns="" xmlns:ma14="http://schemas.microsoft.com/office/mac/drawingml/2011/main" val="1"/>
             </a:ext>
           </a:extLst>
         </p:spPr>
@@ -37026,39 +36391,39 @@
           <a:lstStyle/>
           <a:p>
             <a:r>
-              <a:rPr lang="en-US" altLang="en-US" sz="2700" dirty="0" err="1" smtClean="0"/>
+              <a:rPr lang="en-US" altLang="en-US" sz="2700" dirty="0" err="1"/>
               <a:t>ƯU</a:t>
             </a:r>
             <a:r>
-              <a:rPr lang="en-US" altLang="en-US" sz="2700" dirty="0" smtClean="0"/>
-              <a:t> </a:t>
-            </a:r>
-            <a:r>
-              <a:rPr lang="en-US" altLang="en-US" sz="2700" dirty="0" err="1" smtClean="0"/>
+              <a:rPr lang="en-US" altLang="en-US" sz="2700" dirty="0"/>
+              <a:t> </a:t>
+            </a:r>
+            <a:r>
+              <a:rPr lang="en-US" altLang="en-US" sz="2700" dirty="0" err="1"/>
               <a:t>ĐIỂM</a:t>
             </a:r>
             <a:r>
-              <a:rPr lang="en-US" altLang="en-US" sz="2700" dirty="0" smtClean="0"/>
-              <a:t> </a:t>
-            </a:r>
-            <a:r>
-              <a:rPr lang="en-US" altLang="en-US" sz="2700" dirty="0" err="1" smtClean="0"/>
+              <a:rPr lang="en-US" altLang="en-US" sz="2700" dirty="0"/>
+              <a:t> </a:t>
+            </a:r>
+            <a:r>
+              <a:rPr lang="en-US" altLang="en-US" sz="2700" dirty="0" err="1"/>
               <a:t>CỦA</a:t>
             </a:r>
             <a:r>
-              <a:rPr lang="en-US" altLang="en-US" sz="2700" dirty="0" smtClean="0"/>
-              <a:t> </a:t>
-            </a:r>
-            <a:r>
-              <a:rPr lang="en-US" altLang="en-US" sz="2700" dirty="0" err="1" smtClean="0"/>
+              <a:rPr lang="en-US" altLang="en-US" sz="2700" dirty="0"/>
+              <a:t> </a:t>
+            </a:r>
+            <a:r>
+              <a:rPr lang="en-US" altLang="en-US" sz="2700" dirty="0" err="1"/>
               <a:t>ĐA</a:t>
             </a:r>
             <a:r>
-              <a:rPr lang="en-US" altLang="en-US" sz="2700" dirty="0" smtClean="0"/>
-              <a:t> </a:t>
-            </a:r>
-            <a:r>
-              <a:rPr lang="en-US" altLang="en-US" sz="2700" dirty="0" err="1" smtClean="0"/>
+              <a:rPr lang="en-US" altLang="en-US" sz="2700" dirty="0"/>
+              <a:t> </a:t>
+            </a:r>
+            <a:r>
+              <a:rPr lang="en-US" altLang="en-US" sz="2700" dirty="0" err="1"/>
               <a:t>HÌNH</a:t>
             </a:r>
             <a:endParaRPr lang="en-US" altLang="en-US" sz="2700" dirty="0"/>
@@ -37213,18 +36578,7 @@
                 <a:ea typeface="Times New Roman" panose="02020603050405020304" pitchFamily="18" charset="0"/>
                 <a:cs typeface="Times New Roman" panose="02020603050405020304" pitchFamily="18" charset="0"/>
               </a:rPr>
-              <a:t> </a:t>
-            </a:r>
-            <a:r>
-              <a:rPr lang="en-US" sz="1800" dirty="0" smtClean="0">
-                <a:solidFill>
-                  <a:srgbClr val="343A40"/>
-                </a:solidFill>
-                <a:latin typeface="Segoe UI" panose="020B0502040204020203" pitchFamily="34" charset="0"/>
-                <a:ea typeface="Times New Roman" panose="02020603050405020304" pitchFamily="18" charset="0"/>
-                <a:cs typeface="Times New Roman" panose="02020603050405020304" pitchFamily="18" charset="0"/>
-              </a:rPr>
-              <a:t>. </a:t>
+              <a:t> . </a:t>
             </a:r>
             <a:r>
               <a:rPr lang="en-US" sz="1800" dirty="0" err="1">
@@ -37668,18 +37022,7 @@
                 <a:ea typeface="Times New Roman" panose="02020603050405020304" pitchFamily="18" charset="0"/>
                 <a:cs typeface="Times New Roman" panose="02020603050405020304" pitchFamily="18" charset="0"/>
               </a:rPr>
-              <a:t>K</a:t>
-            </a:r>
-            <a:r>
-              <a:rPr lang="en-US" sz="1800" dirty="0" smtClean="0">
-                <a:solidFill>
-                  <a:srgbClr val="343A40"/>
-                </a:solidFill>
-                <a:latin typeface="Segoe UI" panose="020B0502040204020203" pitchFamily="34" charset="0"/>
-                <a:ea typeface="Times New Roman" panose="02020603050405020304" pitchFamily="18" charset="0"/>
-                <a:cs typeface="Times New Roman" panose="02020603050405020304" pitchFamily="18" charset="0"/>
-              </a:rPr>
-              <a:t>hả </a:t>
+              <a:t>Khả </a:t>
             </a:r>
             <a:r>
               <a:rPr lang="en-US" sz="1800" dirty="0" err="1">
@@ -37770,7 +37113,7 @@
               <a:t> </a:t>
             </a:r>
             <a:r>
-              <a:rPr lang="en-US" sz="1800" dirty="0" err="1" smtClean="0">
+              <a:rPr lang="en-US" sz="1800" dirty="0" err="1">
                 <a:solidFill>
                   <a:srgbClr val="343A40"/>
                 </a:solidFill>
@@ -37781,18 +37124,18 @@
               <a:t>lên</a:t>
             </a:r>
             <a:r>
-              <a:rPr lang="en-US" sz="1800" dirty="0" smtClean="0">
-                <a:solidFill>
-                  <a:srgbClr val="343A40"/>
-                </a:solidFill>
-                <a:latin typeface="Segoe UI" panose="020B0502040204020203" pitchFamily="34" charset="0"/>
-                <a:ea typeface="Times New Roman" panose="02020603050405020304" pitchFamily="18" charset="0"/>
-                <a:cs typeface="Times New Roman" panose="02020603050405020304" pitchFamily="18" charset="0"/>
-              </a:rPr>
-              <a:t> </a:t>
-            </a:r>
-            <a:r>
-              <a:rPr lang="en-US" sz="1800" dirty="0" err="1" smtClean="0">
+              <a:rPr lang="en-US" sz="1800" dirty="0">
+                <a:solidFill>
+                  <a:srgbClr val="343A40"/>
+                </a:solidFill>
+                <a:latin typeface="Segoe UI" panose="020B0502040204020203" pitchFamily="34" charset="0"/>
+                <a:ea typeface="Times New Roman" panose="02020603050405020304" pitchFamily="18" charset="0"/>
+                <a:cs typeface="Times New Roman" panose="02020603050405020304" pitchFamily="18" charset="0"/>
+              </a:rPr>
+              <a:t> </a:t>
+            </a:r>
+            <a:r>
+              <a:rPr lang="en-US" sz="1800" dirty="0" err="1">
                 <a:solidFill>
                   <a:srgbClr val="343A40"/>
                 </a:solidFill>
@@ -37803,7 +37146,7 @@
               <a:t>vì</a:t>
             </a:r>
             <a:r>
-              <a:rPr lang="en-US" sz="1800" dirty="0" smtClean="0">
+              <a:rPr lang="en-US" sz="1800" dirty="0">
                 <a:solidFill>
                   <a:srgbClr val="343A40"/>
                 </a:solidFill>
@@ -38012,7 +37355,7 @@
               <a:t> </a:t>
             </a:r>
             <a:r>
-              <a:rPr lang="en-US" sz="1800" dirty="0" err="1" smtClean="0">
+              <a:rPr lang="en-US" sz="1800" dirty="0" err="1">
                 <a:solidFill>
                   <a:srgbClr val="343A40"/>
                 </a:solidFill>
@@ -38581,7 +37924,7 @@
               <a:t> </a:t>
             </a:r>
             <a:r>
-              <a:rPr lang="en-US" sz="1800" dirty="0" err="1" smtClean="0">
+              <a:rPr lang="en-US" sz="1800" dirty="0" err="1">
                 <a:solidFill>
                   <a:srgbClr val="343A40"/>
                 </a:solidFill>
@@ -38621,13 +37964,6 @@
   <p:clrMapOvr>
     <a:masterClrMapping/>
   </p:clrMapOvr>
-  <p:timing>
-    <p:tnLst>
-      <p:par>
-        <p:cTn id="1" dur="indefinite" restart="never" nodeType="tmRoot"/>
-      </p:par>
-    </p:tnLst>
-  </p:timing>
 </p:sld>
 </file>
 
@@ -38665,7 +38001,7 @@
           </a:xfrm>
           <a:extLst>
             <a:ext uri="{FAA26D3D-D897-4be2-8F04-BA451C77F1D7}">
-              <ma14:placeholderFlag xmlns:ma14="http://schemas.microsoft.com/office/mac/drawingml/2011/main" xmlns="" val="1"/>
+              <ma14:placeholderFlag xmlns="" xmlns:ma14="http://schemas.microsoft.com/office/mac/drawingml/2011/main" val="1"/>
             </a:ext>
           </a:extLst>
         </p:spPr>
@@ -38676,39 +38012,39 @@
           <a:lstStyle/>
           <a:p>
             <a:r>
-              <a:rPr lang="en-US" altLang="en-US" sz="2700" dirty="0" err="1" smtClean="0"/>
+              <a:rPr lang="en-US" altLang="en-US" sz="2700" dirty="0" err="1"/>
               <a:t>NHƯỢC</a:t>
             </a:r>
             <a:r>
-              <a:rPr lang="en-US" altLang="en-US" sz="2700" dirty="0" smtClean="0"/>
-              <a:t> </a:t>
-            </a:r>
-            <a:r>
-              <a:rPr lang="en-US" altLang="en-US" sz="2700" dirty="0" err="1" smtClean="0"/>
+              <a:rPr lang="en-US" altLang="en-US" sz="2700" dirty="0"/>
+              <a:t> </a:t>
+            </a:r>
+            <a:r>
+              <a:rPr lang="en-US" altLang="en-US" sz="2700" dirty="0" err="1"/>
               <a:t>ĐIỂM</a:t>
             </a:r>
             <a:r>
-              <a:rPr lang="en-US" altLang="en-US" sz="2700" dirty="0" smtClean="0"/>
-              <a:t> </a:t>
-            </a:r>
-            <a:r>
-              <a:rPr lang="en-US" altLang="en-US" sz="2700" dirty="0" err="1" smtClean="0"/>
+              <a:rPr lang="en-US" altLang="en-US" sz="2700" dirty="0"/>
+              <a:t> </a:t>
+            </a:r>
+            <a:r>
+              <a:rPr lang="en-US" altLang="en-US" sz="2700" dirty="0" err="1"/>
               <a:t>CỦA</a:t>
             </a:r>
             <a:r>
-              <a:rPr lang="en-US" altLang="en-US" sz="2700" dirty="0" smtClean="0"/>
-              <a:t> </a:t>
-            </a:r>
-            <a:r>
-              <a:rPr lang="en-US" altLang="en-US" sz="2700" dirty="0" err="1" smtClean="0"/>
+              <a:rPr lang="en-US" altLang="en-US" sz="2700" dirty="0"/>
+              <a:t> </a:t>
+            </a:r>
+            <a:r>
+              <a:rPr lang="en-US" altLang="en-US" sz="2700" dirty="0" err="1"/>
               <a:t>ĐA</a:t>
             </a:r>
             <a:r>
-              <a:rPr lang="en-US" altLang="en-US" sz="2700" dirty="0" smtClean="0"/>
-              <a:t> </a:t>
-            </a:r>
-            <a:r>
-              <a:rPr lang="en-US" altLang="en-US" sz="2700" dirty="0" err="1" smtClean="0"/>
+              <a:rPr lang="en-US" altLang="en-US" sz="2700" dirty="0"/>
+              <a:t> </a:t>
+            </a:r>
+            <a:r>
+              <a:rPr lang="en-US" altLang="en-US" sz="2700" dirty="0" err="1"/>
               <a:t>HÌNH</a:t>
             </a:r>
             <a:endParaRPr lang="en-US" altLang="en-US" sz="2700" dirty="0"/>
@@ -38755,7 +38091,7 @@
               </a:rPr>
               <a:t>Việc triển khai mã rất phức tạp </a:t>
             </a:r>
-            <a:endParaRPr lang="en-US" sz="1800" dirty="0" smtClean="0">
+            <a:endParaRPr lang="en-US" sz="1800" dirty="0">
               <a:solidFill>
                 <a:srgbClr val="343A40"/>
               </a:solidFill>
@@ -38774,17 +38110,6 @@
               </a:spcAft>
             </a:pPr>
             <a:r>
-              <a:rPr lang="vi-VN" sz="1800" dirty="0" smtClean="0">
-                <a:solidFill>
-                  <a:srgbClr val="343A40"/>
-                </a:solidFill>
-                <a:latin typeface="Segoe UI" panose="020B0502040204020203" pitchFamily="34" charset="0"/>
-                <a:ea typeface="Times New Roman" panose="02020603050405020304" pitchFamily="18" charset="0"/>
-                <a:cs typeface="Times New Roman" panose="02020603050405020304" pitchFamily="18" charset="0"/>
-              </a:rPr>
-              <a:t>Các </a:t>
-            </a:r>
-            <a:r>
               <a:rPr lang="vi-VN" sz="1800" dirty="0">
                 <a:solidFill>
                   <a:srgbClr val="343A40"/>
@@ -38793,9 +38118,9 @@
                 <a:ea typeface="Times New Roman" panose="02020603050405020304" pitchFamily="18" charset="0"/>
                 <a:cs typeface="Times New Roman" panose="02020603050405020304" pitchFamily="18" charset="0"/>
               </a:rPr>
-              <a:t>vấn đề trong quá trình downcasting vì không thể downcasting hoàn toàn. </a:t>
-            </a:r>
-            <a:endParaRPr lang="en-US" sz="1800" dirty="0" smtClean="0">
+              <a:t>Các vấn đề trong quá trình downcasting vì không thể downcasting hoàn toàn. </a:t>
+            </a:r>
+            <a:endParaRPr lang="en-US" sz="1800" dirty="0">
               <a:solidFill>
                 <a:srgbClr val="343A40"/>
               </a:solidFill>
@@ -38814,17 +38139,6 @@
               </a:spcAft>
             </a:pPr>
             <a:r>
-              <a:rPr lang="vi-VN" sz="1800" dirty="0" smtClean="0">
-                <a:solidFill>
-                  <a:srgbClr val="343A40"/>
-                </a:solidFill>
-                <a:latin typeface="Segoe UI" panose="020B0502040204020203" pitchFamily="34" charset="0"/>
-                <a:ea typeface="Times New Roman" panose="02020603050405020304" pitchFamily="18" charset="0"/>
-                <a:cs typeface="Times New Roman" panose="02020603050405020304" pitchFamily="18" charset="0"/>
-              </a:rPr>
-              <a:t>Khi </a:t>
-            </a:r>
-            <a:r>
               <a:rPr lang="vi-VN" sz="1800" dirty="0">
                 <a:solidFill>
                   <a:srgbClr val="343A40"/>
@@ -38833,20 +38147,9 @@
                 <a:ea typeface="Times New Roman" panose="02020603050405020304" pitchFamily="18" charset="0"/>
                 <a:cs typeface="Times New Roman" panose="02020603050405020304" pitchFamily="18" charset="0"/>
               </a:rPr>
-              <a:t>thiết kế lớp cha không được xây dựng chính xác, các lớp con của lớp cha sử dụng lớp cha theo những cách không mong </a:t>
-            </a:r>
-            <a:r>
-              <a:rPr lang="vi-VN" sz="1800" dirty="0" smtClean="0">
-                <a:solidFill>
-                  <a:srgbClr val="343A40"/>
-                </a:solidFill>
-                <a:latin typeface="Segoe UI" panose="020B0502040204020203" pitchFamily="34" charset="0"/>
-                <a:ea typeface="Times New Roman" panose="02020603050405020304" pitchFamily="18" charset="0"/>
-                <a:cs typeface="Times New Roman" panose="02020603050405020304" pitchFamily="18" charset="0"/>
-              </a:rPr>
-              <a:t>muốn</a:t>
-            </a:r>
-            <a:endParaRPr lang="en-US" sz="1800" dirty="0" smtClean="0">
+              <a:t>Khi thiết kế lớp cha không được xây dựng chính xác, các lớp con của lớp cha sử dụng lớp cha theo những cách không mong muốn</a:t>
+            </a:r>
+            <a:endParaRPr lang="en-US" sz="1800" dirty="0">
               <a:solidFill>
                 <a:srgbClr val="343A40"/>
               </a:solidFill>
@@ -38865,17 +38168,6 @@
               </a:spcAft>
             </a:pPr>
             <a:r>
-              <a:rPr lang="vi-VN" sz="1800" dirty="0" smtClean="0">
-                <a:solidFill>
-                  <a:srgbClr val="343A40"/>
-                </a:solidFill>
-                <a:latin typeface="Segoe UI" panose="020B0502040204020203" pitchFamily="34" charset="0"/>
-                <a:ea typeface="Times New Roman" panose="02020603050405020304" pitchFamily="18" charset="0"/>
-                <a:cs typeface="Times New Roman" panose="02020603050405020304" pitchFamily="18" charset="0"/>
-              </a:rPr>
-              <a:t>Tính </a:t>
-            </a:r>
-            <a:r>
               <a:rPr lang="vi-VN" sz="1800" dirty="0">
                 <a:solidFill>
                   <a:srgbClr val="343A40"/>
@@ -38884,43 +38176,10 @@
                 <a:ea typeface="Times New Roman" panose="02020603050405020304" pitchFamily="18" charset="0"/>
                 <a:cs typeface="Times New Roman" panose="02020603050405020304" pitchFamily="18" charset="0"/>
               </a:rPr>
-              <a:t>đa hình </a:t>
-            </a:r>
-            <a:r>
-              <a:rPr lang="vi-VN" sz="1800" dirty="0" smtClean="0">
-                <a:solidFill>
-                  <a:srgbClr val="343A40"/>
-                </a:solidFill>
-                <a:latin typeface="Segoe UI" panose="020B0502040204020203" pitchFamily="34" charset="0"/>
-                <a:ea typeface="Times New Roman" panose="02020603050405020304" pitchFamily="18" charset="0"/>
-                <a:cs typeface="Times New Roman" panose="02020603050405020304" pitchFamily="18" charset="0"/>
-              </a:rPr>
-              <a:t>thời </a:t>
-            </a:r>
-            <a:r>
-              <a:rPr lang="vi-VN" sz="1800" dirty="0">
-                <a:solidFill>
-                  <a:srgbClr val="343A40"/>
-                </a:solidFill>
-                <a:latin typeface="Segoe UI" panose="020B0502040204020203" pitchFamily="34" charset="0"/>
-                <a:ea typeface="Times New Roman" panose="02020603050405020304" pitchFamily="18" charset="0"/>
-                <a:cs typeface="Times New Roman" panose="02020603050405020304" pitchFamily="18" charset="0"/>
-              </a:rPr>
-              <a:t>gian chạy có thể dẫn đến vấn đề về hiệu suất thời gian </a:t>
-            </a:r>
-            <a:r>
-              <a:rPr lang="vi-VN" sz="1800" dirty="0" smtClean="0">
-                <a:solidFill>
-                  <a:srgbClr val="343A40"/>
-                </a:solidFill>
-                <a:latin typeface="Segoe UI" panose="020B0502040204020203" pitchFamily="34" charset="0"/>
-                <a:ea typeface="Times New Roman" panose="02020603050405020304" pitchFamily="18" charset="0"/>
-                <a:cs typeface="Times New Roman" panose="02020603050405020304" pitchFamily="18" charset="0"/>
-              </a:rPr>
-              <a:t>thự</a:t>
-            </a:r>
-            <a:r>
-              <a:rPr lang="en-US" sz="1800" dirty="0" smtClean="0">
+              <a:t>Tính đa hình thời gian chạy có thể dẫn đến vấn đề về hiệu suất thời gian thự</a:t>
+            </a:r>
+            <a:r>
+              <a:rPr lang="en-US" sz="1800" dirty="0">
                 <a:solidFill>
                   <a:srgbClr val="343A40"/>
                 </a:solidFill>
@@ -38931,7 +38190,7 @@
               <a:t>c </a:t>
             </a:r>
             <a:r>
-              <a:rPr lang="en-US" sz="1800" dirty="0" err="1" smtClean="0">
+              <a:rPr lang="en-US" sz="1800" dirty="0" err="1">
                 <a:solidFill>
                   <a:srgbClr val="343A40"/>
                 </a:solidFill>
@@ -38962,13 +38221,6 @@
   <p:clrMapOvr>
     <a:masterClrMapping/>
   </p:clrMapOvr>
-  <p:timing>
-    <p:tnLst>
-      <p:par>
-        <p:cTn id="1" dur="indefinite" restart="never" nodeType="tmRoot"/>
-      </p:par>
-    </p:tnLst>
-  </p:timing>
 </p:sld>
 </file>
 
@@ -39006,7 +38258,7 @@
           </a:xfrm>
           <a:extLst>
             <a:ext uri="{FAA26D3D-D897-4be2-8F04-BA451C77F1D7}">
-              <ma14:placeholderFlag xmlns:ma14="http://schemas.microsoft.com/office/mac/drawingml/2011/main" xmlns="" val="1"/>
+              <ma14:placeholderFlag xmlns="" xmlns:ma14="http://schemas.microsoft.com/office/mac/drawingml/2011/main" val="1"/>
             </a:ext>
           </a:extLst>
         </p:spPr>
@@ -39017,39 +38269,39 @@
           <a:lstStyle/>
           <a:p>
             <a:r>
-              <a:rPr lang="en-US" altLang="en-US" sz="2700" dirty="0" err="1" smtClean="0"/>
+              <a:rPr lang="en-US" altLang="en-US" sz="2700" dirty="0" err="1"/>
               <a:t>GIAO</a:t>
             </a:r>
             <a:r>
-              <a:rPr lang="en-US" altLang="en-US" sz="2700" dirty="0" smtClean="0"/>
-              <a:t> </a:t>
-            </a:r>
-            <a:r>
-              <a:rPr lang="en-US" altLang="en-US" sz="2700" dirty="0" err="1" smtClean="0"/>
+              <a:rPr lang="en-US" altLang="en-US" sz="2700" dirty="0"/>
+              <a:t> </a:t>
+            </a:r>
+            <a:r>
+              <a:rPr lang="en-US" altLang="en-US" sz="2700" dirty="0" err="1"/>
               <a:t>DIỆN</a:t>
             </a:r>
             <a:r>
-              <a:rPr lang="en-US" altLang="en-US" sz="2700" dirty="0" smtClean="0"/>
-              <a:t> </a:t>
-            </a:r>
-            <a:r>
-              <a:rPr lang="en-US" altLang="en-US" sz="2700" dirty="0" err="1" smtClean="0"/>
+              <a:rPr lang="en-US" altLang="en-US" sz="2700" dirty="0"/>
+              <a:t> </a:t>
+            </a:r>
+            <a:r>
+              <a:rPr lang="en-US" altLang="en-US" sz="2700" dirty="0" err="1"/>
               <a:t>VÀ</a:t>
             </a:r>
             <a:r>
-              <a:rPr lang="en-US" altLang="en-US" sz="2700" dirty="0" smtClean="0"/>
-              <a:t> </a:t>
-            </a:r>
-            <a:r>
-              <a:rPr lang="en-US" altLang="en-US" sz="2700" dirty="0" err="1" smtClean="0"/>
+              <a:rPr lang="en-US" altLang="en-US" sz="2700" dirty="0"/>
+              <a:t> </a:t>
+            </a:r>
+            <a:r>
+              <a:rPr lang="en-US" altLang="en-US" sz="2700" dirty="0" err="1"/>
               <a:t>ĐA</a:t>
             </a:r>
             <a:r>
-              <a:rPr lang="en-US" altLang="en-US" sz="2700" dirty="0" smtClean="0"/>
-              <a:t> </a:t>
-            </a:r>
-            <a:r>
-              <a:rPr lang="en-US" altLang="en-US" sz="2700" dirty="0" err="1" smtClean="0"/>
+              <a:rPr lang="en-US" altLang="en-US" sz="2700" dirty="0"/>
+              <a:t> </a:t>
+            </a:r>
+            <a:r>
+              <a:rPr lang="en-US" altLang="en-US" sz="2700" dirty="0" err="1"/>
               <a:t>HÌNH</a:t>
             </a:r>
             <a:endParaRPr lang="en-US" altLang="en-US" sz="2700" dirty="0"/>
@@ -39094,20 +38346,9 @@
                 <a:ea typeface="Times New Roman" panose="02020603050405020304" pitchFamily="18" charset="0"/>
                 <a:cs typeface="Times New Roman" panose="02020603050405020304" pitchFamily="18" charset="0"/>
               </a:rPr>
-              <a:t>Các giao diện rất giống với các lớp</a:t>
-            </a:r>
-            <a:r>
-              <a:rPr lang="vi-VN" sz="2000" dirty="0" smtClean="0">
-                <a:solidFill>
-                  <a:srgbClr val="343A40"/>
-                </a:solidFill>
-                <a:latin typeface="Segoe UI" panose="020B0502040204020203" pitchFamily="34" charset="0"/>
-                <a:ea typeface="Times New Roman" panose="02020603050405020304" pitchFamily="18" charset="0"/>
-                <a:cs typeface="Times New Roman" panose="02020603050405020304" pitchFamily="18" charset="0"/>
-              </a:rPr>
-              <a:t>.</a:t>
-            </a:r>
-            <a:endParaRPr lang="en-US" sz="2000" dirty="0" smtClean="0">
+              <a:t>Các giao diện rất giống với các lớp.</a:t>
+            </a:r>
+            <a:endParaRPr lang="en-US" sz="2000" dirty="0">
               <a:solidFill>
                 <a:srgbClr val="343A40"/>
               </a:solidFill>
@@ -39126,17 +38367,6 @@
               </a:spcAft>
             </a:pPr>
             <a:r>
-              <a:rPr lang="vi-VN" sz="2000" dirty="0" smtClean="0">
-                <a:solidFill>
-                  <a:srgbClr val="343A40"/>
-                </a:solidFill>
-                <a:latin typeface="Segoe UI" panose="020B0502040204020203" pitchFamily="34" charset="0"/>
-                <a:ea typeface="Times New Roman" panose="02020603050405020304" pitchFamily="18" charset="0"/>
-                <a:cs typeface="Times New Roman" panose="02020603050405020304" pitchFamily="18" charset="0"/>
-              </a:rPr>
-              <a:t>Giao </a:t>
-            </a:r>
-            <a:r>
               <a:rPr lang="vi-VN" sz="2000" dirty="0">
                 <a:solidFill>
                   <a:srgbClr val="343A40"/>
@@ -39145,10 +38375,10 @@
                 <a:ea typeface="Times New Roman" panose="02020603050405020304" pitchFamily="18" charset="0"/>
                 <a:cs typeface="Times New Roman" panose="02020603050405020304" pitchFamily="18" charset="0"/>
               </a:rPr>
-              <a:t>diện có các biến và phương thức nhưng các giao diện chỉ cho phép các phương thức trừu </a:t>
-            </a:r>
-            <a:r>
-              <a:rPr lang="en-US" sz="2000" dirty="0" err="1" smtClean="0">
+              <a:t>Giao diện có các biến và phương thức nhưng các giao diện chỉ cho phép các phương thức trừu </a:t>
+            </a:r>
+            <a:r>
+              <a:rPr lang="en-US" sz="2000" dirty="0" err="1">
                 <a:solidFill>
                   <a:srgbClr val="343A40"/>
                 </a:solidFill>
@@ -39159,7 +38389,7 @@
               <a:t>tượng</a:t>
             </a:r>
             <a:r>
-              <a:rPr lang="en-US" sz="2000" dirty="0" smtClean="0">
+              <a:rPr lang="en-US" sz="2000" dirty="0">
                 <a:solidFill>
                   <a:srgbClr val="343A40"/>
                 </a:solidFill>
@@ -39191,17 +38421,6 @@
               <a:t>C</a:t>
             </a:r>
             <a:r>
-              <a:rPr lang="vi-VN" sz="2000" dirty="0" smtClean="0">
-                <a:solidFill>
-                  <a:srgbClr val="343A40"/>
-                </a:solidFill>
-                <a:latin typeface="Segoe UI" panose="020B0502040204020203" pitchFamily="34" charset="0"/>
-                <a:ea typeface="Times New Roman" panose="02020603050405020304" pitchFamily="18" charset="0"/>
-                <a:cs typeface="Times New Roman" panose="02020603050405020304" pitchFamily="18" charset="0"/>
-              </a:rPr>
-              <a:t>ác </a:t>
-            </a:r>
-            <a:r>
               <a:rPr lang="vi-VN" sz="2000" dirty="0">
                 <a:solidFill>
                   <a:srgbClr val="343A40"/>
@@ -39210,10 +38429,10 @@
                 <a:ea typeface="Times New Roman" panose="02020603050405020304" pitchFamily="18" charset="0"/>
                 <a:cs typeface="Times New Roman" panose="02020603050405020304" pitchFamily="18" charset="0"/>
               </a:rPr>
-              <a:t>giao diện </a:t>
-            </a:r>
-            <a:r>
-              <a:rPr lang="en-US" sz="2000" dirty="0" err="1" smtClean="0">
+              <a:t>ác giao diện </a:t>
+            </a:r>
+            <a:r>
+              <a:rPr lang="en-US" sz="2000" dirty="0" err="1">
                 <a:solidFill>
                   <a:srgbClr val="343A40"/>
                 </a:solidFill>
@@ -39224,18 +38443,18 @@
               <a:t>có</a:t>
             </a:r>
             <a:r>
-              <a:rPr lang="en-US" sz="2000" dirty="0" smtClean="0">
-                <a:solidFill>
-                  <a:srgbClr val="343A40"/>
-                </a:solidFill>
-                <a:latin typeface="Segoe UI" panose="020B0502040204020203" pitchFamily="34" charset="0"/>
-                <a:ea typeface="Times New Roman" panose="02020603050405020304" pitchFamily="18" charset="0"/>
-                <a:cs typeface="Times New Roman" panose="02020603050405020304" pitchFamily="18" charset="0"/>
-              </a:rPr>
-              <a:t> </a:t>
-            </a:r>
-            <a:r>
-              <a:rPr lang="en-US" sz="2000" dirty="0" err="1" smtClean="0">
+              <a:rPr lang="en-US" sz="2000" dirty="0">
+                <a:solidFill>
+                  <a:srgbClr val="343A40"/>
+                </a:solidFill>
+                <a:latin typeface="Segoe UI" panose="020B0502040204020203" pitchFamily="34" charset="0"/>
+                <a:ea typeface="Times New Roman" panose="02020603050405020304" pitchFamily="18" charset="0"/>
+                <a:cs typeface="Times New Roman" panose="02020603050405020304" pitchFamily="18" charset="0"/>
+              </a:rPr>
+              <a:t> </a:t>
+            </a:r>
+            <a:r>
+              <a:rPr lang="en-US" sz="2000" dirty="0" err="1">
                 <a:solidFill>
                   <a:srgbClr val="343A40"/>
                 </a:solidFill>
@@ -39246,26 +38465,15 @@
               <a:t>thể</a:t>
             </a:r>
             <a:r>
-              <a:rPr lang="en-US" sz="2000" dirty="0" smtClean="0">
-                <a:solidFill>
-                  <a:srgbClr val="343A40"/>
-                </a:solidFill>
-                <a:latin typeface="Segoe UI" panose="020B0502040204020203" pitchFamily="34" charset="0"/>
-                <a:ea typeface="Times New Roman" panose="02020603050405020304" pitchFamily="18" charset="0"/>
-                <a:cs typeface="Times New Roman" panose="02020603050405020304" pitchFamily="18" charset="0"/>
-              </a:rPr>
-              <a:t> </a:t>
-            </a:r>
-            <a:r>
-              <a:rPr lang="vi-VN" sz="2000" dirty="0" smtClean="0">
-                <a:solidFill>
-                  <a:srgbClr val="343A40"/>
-                </a:solidFill>
-                <a:latin typeface="Segoe UI" panose="020B0502040204020203" pitchFamily="34" charset="0"/>
-                <a:ea typeface="Times New Roman" panose="02020603050405020304" pitchFamily="18" charset="0"/>
-                <a:cs typeface="Times New Roman" panose="02020603050405020304" pitchFamily="18" charset="0"/>
-              </a:rPr>
-              <a:t>thực </a:t>
+              <a:rPr lang="en-US" sz="2000" dirty="0">
+                <a:solidFill>
+                  <a:srgbClr val="343A40"/>
+                </a:solidFill>
+                <a:latin typeface="Segoe UI" panose="020B0502040204020203" pitchFamily="34" charset="0"/>
+                <a:ea typeface="Times New Roman" panose="02020603050405020304" pitchFamily="18" charset="0"/>
+                <a:cs typeface="Times New Roman" panose="02020603050405020304" pitchFamily="18" charset="0"/>
+              </a:rPr>
+              <a:t> </a:t>
             </a:r>
             <a:r>
               <a:rPr lang="vi-VN" sz="2000" dirty="0">
@@ -39276,9 +38484,9 @@
                 <a:ea typeface="Times New Roman" panose="02020603050405020304" pitchFamily="18" charset="0"/>
                 <a:cs typeface="Times New Roman" panose="02020603050405020304" pitchFamily="18" charset="0"/>
               </a:rPr>
-              <a:t>hiện nhiều kế thừa trong một lớp cụ thể. </a:t>
-            </a:r>
-            <a:endParaRPr lang="en-US" sz="2000" dirty="0" smtClean="0">
+              <a:t>thực hiện nhiều kế thừa trong một lớp cụ thể. </a:t>
+            </a:r>
+            <a:endParaRPr lang="en-US" sz="2000" dirty="0">
               <a:solidFill>
                 <a:srgbClr val="343A40"/>
               </a:solidFill>
@@ -39299,13 +38507,6 @@
   <p:clrMapOvr>
     <a:masterClrMapping/>
   </p:clrMapOvr>
-  <p:timing>
-    <p:tnLst>
-      <p:par>
-        <p:cTn id="1" dur="indefinite" restart="never" nodeType="tmRoot"/>
-      </p:par>
-    </p:tnLst>
-  </p:timing>
 </p:sld>
 </file>
 
@@ -39343,7 +38544,7 @@
           </a:xfrm>
           <a:extLst>
             <a:ext uri="{FAA26D3D-D897-4be2-8F04-BA451C77F1D7}">
-              <ma14:placeholderFlag xmlns:ma14="http://schemas.microsoft.com/office/mac/drawingml/2011/main" xmlns="" val="1"/>
+              <ma14:placeholderFlag xmlns="" xmlns:ma14="http://schemas.microsoft.com/office/mac/drawingml/2011/main" val="1"/>
             </a:ext>
           </a:extLst>
         </p:spPr>
@@ -39354,11 +38555,11 @@
           <a:lstStyle/>
           <a:p>
             <a:r>
-              <a:rPr lang="en-US" altLang="en-US" sz="2400" dirty="0" smtClean="0"/>
+              <a:rPr lang="en-US" altLang="en-US" sz="2400" dirty="0"/>
               <a:t>ƯU </a:t>
             </a:r>
             <a:r>
-              <a:rPr lang="en-US" altLang="en-US" sz="2400" dirty="0" err="1" smtClean="0"/>
+              <a:rPr lang="en-US" altLang="en-US" sz="2400" dirty="0" err="1"/>
               <a:t>ĐIỂM</a:t>
             </a:r>
             <a:endParaRPr lang="en-US" altLang="en-US" sz="2400" dirty="0"/>
@@ -39418,29 +38619,7 @@
                 <a:ea typeface="Times New Roman" panose="02020603050405020304" pitchFamily="18" charset="0"/>
                 <a:cs typeface="Times New Roman" panose="02020603050405020304" pitchFamily="18" charset="0"/>
               </a:rPr>
-              <a:t>- Cung cấp sự linh hoạt cho các lập trình viên để </a:t>
-            </a:r>
-            <a:r>
-              <a:rPr lang="vi-VN" sz="1800" dirty="0" smtClean="0">
-                <a:solidFill>
-                  <a:srgbClr val="343A40"/>
-                </a:solidFill>
-                <a:latin typeface="Segoe UI" panose="020B0502040204020203" pitchFamily="34" charset="0"/>
-                <a:ea typeface="Times New Roman" panose="02020603050405020304" pitchFamily="18" charset="0"/>
-                <a:cs typeface="Times New Roman" panose="02020603050405020304" pitchFamily="18" charset="0"/>
-              </a:rPr>
-              <a:t>có </a:t>
-            </a:r>
-            <a:r>
-              <a:rPr lang="vi-VN" sz="1800" dirty="0">
-                <a:solidFill>
-                  <a:srgbClr val="343A40"/>
-                </a:solidFill>
-                <a:latin typeface="Segoe UI" panose="020B0502040204020203" pitchFamily="34" charset="0"/>
-                <a:ea typeface="Times New Roman" panose="02020603050405020304" pitchFamily="18" charset="0"/>
-                <a:cs typeface="Times New Roman" panose="02020603050405020304" pitchFamily="18" charset="0"/>
-              </a:rPr>
-              <a:t>thể gọi cùng một phương thức cho các kiểu dữ liệu khác nhau.</a:t>
+              <a:t>- Cung cấp sự linh hoạt cho các lập trình viên để có thể gọi cùng một phương thức cho các kiểu dữ liệu khác nhau.</a:t>
             </a:r>
           </a:p>
           <a:p>
@@ -39527,13 +38706,6 @@
   <p:clrMapOvr>
     <a:masterClrMapping/>
   </p:clrMapOvr>
-  <p:timing>
-    <p:tnLst>
-      <p:par>
-        <p:cTn id="1" dur="indefinite" restart="never" nodeType="tmRoot"/>
-      </p:par>
-    </p:tnLst>
-  </p:timing>
 </p:sld>
 </file>
 
@@ -39571,7 +38743,7 @@
           </a:xfrm>
           <a:extLst>
             <a:ext uri="{FAA26D3D-D897-4be2-8F04-BA451C77F1D7}">
-              <ma14:placeholderFlag xmlns:ma14="http://schemas.microsoft.com/office/mac/drawingml/2011/main" xmlns="" val="1"/>
+              <ma14:placeholderFlag xmlns="" xmlns:ma14="http://schemas.microsoft.com/office/mac/drawingml/2011/main" val="1"/>
             </a:ext>
           </a:extLst>
         </p:spPr>
@@ -39582,39 +38754,39 @@
           <a:lstStyle/>
           <a:p>
             <a:r>
-              <a:rPr lang="en-US" altLang="en-US" sz="2700" dirty="0" err="1" smtClean="0"/>
+              <a:rPr lang="en-US" altLang="en-US" sz="2700" dirty="0" err="1"/>
               <a:t>GIAO</a:t>
             </a:r>
             <a:r>
-              <a:rPr lang="en-US" altLang="en-US" sz="2700" dirty="0" smtClean="0"/>
-              <a:t> </a:t>
-            </a:r>
-            <a:r>
-              <a:rPr lang="en-US" altLang="en-US" sz="2700" dirty="0" err="1" smtClean="0"/>
+              <a:rPr lang="en-US" altLang="en-US" sz="2700" dirty="0"/>
+              <a:t> </a:t>
+            </a:r>
+            <a:r>
+              <a:rPr lang="en-US" altLang="en-US" sz="2700" dirty="0" err="1"/>
               <a:t>DIỆN</a:t>
             </a:r>
             <a:r>
-              <a:rPr lang="en-US" altLang="en-US" sz="2700" dirty="0" smtClean="0"/>
-              <a:t> </a:t>
-            </a:r>
-            <a:r>
-              <a:rPr lang="en-US" altLang="en-US" sz="2700" dirty="0" err="1" smtClean="0"/>
+              <a:rPr lang="en-US" altLang="en-US" sz="2700" dirty="0"/>
+              <a:t> </a:t>
+            </a:r>
+            <a:r>
+              <a:rPr lang="en-US" altLang="en-US" sz="2700" dirty="0" err="1"/>
               <a:t>VÀ</a:t>
             </a:r>
             <a:r>
-              <a:rPr lang="en-US" altLang="en-US" sz="2700" dirty="0" smtClean="0"/>
-              <a:t> </a:t>
-            </a:r>
-            <a:r>
-              <a:rPr lang="en-US" altLang="en-US" sz="2700" dirty="0" err="1" smtClean="0"/>
+              <a:rPr lang="en-US" altLang="en-US" sz="2700" dirty="0"/>
+              <a:t> </a:t>
+            </a:r>
+            <a:r>
+              <a:rPr lang="en-US" altLang="en-US" sz="2700" dirty="0" err="1"/>
               <a:t>ĐA</a:t>
             </a:r>
             <a:r>
-              <a:rPr lang="en-US" altLang="en-US" sz="2700" dirty="0" smtClean="0"/>
-              <a:t> </a:t>
-            </a:r>
-            <a:r>
-              <a:rPr lang="en-US" altLang="en-US" sz="2700" dirty="0" err="1" smtClean="0"/>
+              <a:rPr lang="en-US" altLang="en-US" sz="2700" dirty="0"/>
+              <a:t> </a:t>
+            </a:r>
+            <a:r>
+              <a:rPr lang="en-US" altLang="en-US" sz="2700" dirty="0" err="1"/>
               <a:t>HÌNH</a:t>
             </a:r>
             <a:endParaRPr lang="en-US" altLang="en-US" sz="2700" dirty="0"/>
@@ -39660,13 +38832,6 @@
   <p:clrMapOvr>
     <a:masterClrMapping/>
   </p:clrMapOvr>
-  <p:timing>
-    <p:tnLst>
-      <p:par>
-        <p:cTn id="1" dur="indefinite" restart="never" nodeType="tmRoot"/>
-      </p:par>
-    </p:tnLst>
-  </p:timing>
 </p:sld>
 </file>
 
@@ -39704,7 +38869,7 @@
           </a:xfrm>
           <a:extLst>
             <a:ext uri="{FAA26D3D-D897-4be2-8F04-BA451C77F1D7}">
-              <ma14:placeholderFlag xmlns:ma14="http://schemas.microsoft.com/office/mac/drawingml/2011/main" xmlns="" val="1"/>
+              <ma14:placeholderFlag xmlns="" xmlns:ma14="http://schemas.microsoft.com/office/mac/drawingml/2011/main" val="1"/>
             </a:ext>
           </a:extLst>
         </p:spPr>
@@ -39715,39 +38880,39 @@
           <a:lstStyle/>
           <a:p>
             <a:r>
-              <a:rPr lang="en-US" altLang="en-US" sz="2700" dirty="0" err="1" smtClean="0"/>
+              <a:rPr lang="en-US" altLang="en-US" sz="2700" dirty="0" err="1"/>
               <a:t>GIAO</a:t>
             </a:r>
             <a:r>
-              <a:rPr lang="en-US" altLang="en-US" sz="2700" dirty="0" smtClean="0"/>
-              <a:t> </a:t>
-            </a:r>
-            <a:r>
-              <a:rPr lang="en-US" altLang="en-US" sz="2700" dirty="0" err="1" smtClean="0"/>
+              <a:rPr lang="en-US" altLang="en-US" sz="2700" dirty="0"/>
+              <a:t> </a:t>
+            </a:r>
+            <a:r>
+              <a:rPr lang="en-US" altLang="en-US" sz="2700" dirty="0" err="1"/>
               <a:t>DIỆN</a:t>
             </a:r>
             <a:r>
-              <a:rPr lang="en-US" altLang="en-US" sz="2700" dirty="0" smtClean="0"/>
-              <a:t> </a:t>
-            </a:r>
-            <a:r>
-              <a:rPr lang="en-US" altLang="en-US" sz="2700" dirty="0" err="1" smtClean="0"/>
+              <a:rPr lang="en-US" altLang="en-US" sz="2700" dirty="0"/>
+              <a:t> </a:t>
+            </a:r>
+            <a:r>
+              <a:rPr lang="en-US" altLang="en-US" sz="2700" dirty="0" err="1"/>
               <a:t>VÀ</a:t>
             </a:r>
             <a:r>
-              <a:rPr lang="en-US" altLang="en-US" sz="2700" dirty="0" smtClean="0"/>
-              <a:t> </a:t>
-            </a:r>
-            <a:r>
-              <a:rPr lang="en-US" altLang="en-US" sz="2700" dirty="0" err="1" smtClean="0"/>
+              <a:rPr lang="en-US" altLang="en-US" sz="2700" dirty="0"/>
+              <a:t> </a:t>
+            </a:r>
+            <a:r>
+              <a:rPr lang="en-US" altLang="en-US" sz="2700" dirty="0" err="1"/>
               <a:t>ĐA</a:t>
             </a:r>
             <a:r>
-              <a:rPr lang="en-US" altLang="en-US" sz="2700" dirty="0" smtClean="0"/>
-              <a:t> </a:t>
-            </a:r>
-            <a:r>
-              <a:rPr lang="en-US" altLang="en-US" sz="2700" dirty="0" err="1" smtClean="0"/>
+              <a:rPr lang="en-US" altLang="en-US" sz="2700" dirty="0"/>
+              <a:t> </a:t>
+            </a:r>
+            <a:r>
+              <a:rPr lang="en-US" altLang="en-US" sz="2700" dirty="0" err="1"/>
               <a:t>HÌNH</a:t>
             </a:r>
             <a:endParaRPr lang="en-US" altLang="en-US" sz="2700" dirty="0"/>
@@ -39819,7 +38984,7 @@
             <a:lstStyle/>
             <a:p>
               <a:r>
-                <a:rPr lang="en-US" dirty="0" smtClean="0">
+                <a:rPr lang="en-US" dirty="0">
                   <a:solidFill>
                     <a:srgbClr val="343A40"/>
                   </a:solidFill>
@@ -39914,13 +39079,6 @@
   <p:clrMapOvr>
     <a:masterClrMapping/>
   </p:clrMapOvr>
-  <p:timing>
-    <p:tnLst>
-      <p:par>
-        <p:cTn id="1" dur="indefinite" restart="never" nodeType="tmRoot"/>
-      </p:par>
-    </p:tnLst>
-  </p:timing>
 </p:sld>
 </file>
 
@@ -40019,11 +39177,7 @@
             </a:pPr>
             <a:r>
               <a:rPr lang="en" dirty="0"/>
-              <a:t>Bài học đề cập tới</a:t>
-            </a:r>
-            <a:r>
-              <a:rPr lang="en" dirty="0" smtClean="0"/>
-              <a:t>:</a:t>
+              <a:t>Bài học đề cập tới:</a:t>
             </a:r>
           </a:p>
           <a:p>
@@ -40041,31 +39195,31 @@
           <a:p>
             <a:pPr lvl="0"/>
             <a:r>
-              <a:rPr lang="en-US" dirty="0" err="1" smtClean="0"/>
+              <a:rPr lang="en-US" dirty="0" err="1"/>
               <a:t>Nạp</a:t>
             </a:r>
             <a:r>
-              <a:rPr lang="en-US" dirty="0" smtClean="0"/>
-              <a:t> </a:t>
-            </a:r>
-            <a:r>
-              <a:rPr lang="en-US" dirty="0" err="1" smtClean="0"/>
+              <a:rPr lang="en-US" dirty="0"/>
+              <a:t> </a:t>
+            </a:r>
+            <a:r>
+              <a:rPr lang="en-US" dirty="0" err="1"/>
               <a:t>chồng</a:t>
             </a:r>
             <a:r>
-              <a:rPr lang="en-US" dirty="0" smtClean="0"/>
-              <a:t> </a:t>
-            </a:r>
-            <a:r>
-              <a:rPr lang="en-US" dirty="0" err="1" smtClean="0"/>
+              <a:rPr lang="en-US" dirty="0"/>
+              <a:t> </a:t>
+            </a:r>
+            <a:r>
+              <a:rPr lang="en-US" dirty="0" err="1"/>
               <a:t>phương</a:t>
             </a:r>
             <a:r>
-              <a:rPr lang="en-US" dirty="0" smtClean="0"/>
-              <a:t> </a:t>
-            </a:r>
-            <a:r>
-              <a:rPr lang="en-US" dirty="0" err="1" smtClean="0"/>
+              <a:rPr lang="en-US" dirty="0"/>
+              <a:t> </a:t>
+            </a:r>
+            <a:r>
+              <a:rPr lang="en-US" dirty="0" err="1"/>
               <a:t>thức</a:t>
             </a:r>
             <a:endParaRPr lang="vi-VN" dirty="0"/>
@@ -40073,27 +39227,27 @@
           <a:p>
             <a:pPr lvl="0"/>
             <a:r>
-              <a:rPr lang="en-US" dirty="0" smtClean="0"/>
+              <a:rPr lang="en-US" dirty="0"/>
               <a:t>Ghi </a:t>
             </a:r>
             <a:r>
-              <a:rPr lang="en-US" dirty="0" err="1" smtClean="0"/>
+              <a:rPr lang="en-US" dirty="0" err="1"/>
               <a:t>đè</a:t>
             </a:r>
             <a:r>
-              <a:rPr lang="en-US" dirty="0" smtClean="0"/>
-              <a:t> </a:t>
-            </a:r>
-            <a:r>
-              <a:rPr lang="en-US" dirty="0" err="1" smtClean="0"/>
+              <a:rPr lang="en-US" dirty="0"/>
+              <a:t> </a:t>
+            </a:r>
+            <a:r>
+              <a:rPr lang="en-US" dirty="0" err="1"/>
               <a:t>phương</a:t>
             </a:r>
             <a:r>
-              <a:rPr lang="en-US" dirty="0" smtClean="0"/>
-              <a:t> </a:t>
-            </a:r>
-            <a:r>
-              <a:rPr lang="en-US" dirty="0" err="1" smtClean="0"/>
+              <a:rPr lang="en-US" dirty="0"/>
+              <a:t> </a:t>
+            </a:r>
+            <a:r>
+              <a:rPr lang="en-US" dirty="0" err="1"/>
               <a:t>thức</a:t>
             </a:r>
             <a:endParaRPr lang="vi-VN" dirty="0"/>
@@ -40101,27 +39255,27 @@
           <a:p>
             <a:pPr lvl="0"/>
             <a:r>
-              <a:rPr lang="en-US" dirty="0" smtClean="0"/>
+              <a:rPr lang="en-US" dirty="0"/>
               <a:t>Các </a:t>
             </a:r>
             <a:r>
-              <a:rPr lang="en-US" dirty="0" err="1" smtClean="0"/>
+              <a:rPr lang="en-US" dirty="0" err="1"/>
               <a:t>loại</a:t>
             </a:r>
             <a:r>
-              <a:rPr lang="en-US" dirty="0" smtClean="0"/>
-              <a:t> </a:t>
-            </a:r>
-            <a:r>
-              <a:rPr lang="en-US" dirty="0" err="1" smtClean="0"/>
+              <a:rPr lang="en-US" dirty="0"/>
+              <a:t> </a:t>
+            </a:r>
+            <a:r>
+              <a:rPr lang="en-US" dirty="0" err="1"/>
               <a:t>đa</a:t>
             </a:r>
             <a:r>
-              <a:rPr lang="en-US" dirty="0" smtClean="0"/>
-              <a:t> </a:t>
-            </a:r>
-            <a:r>
-              <a:rPr lang="en-US" dirty="0" err="1" smtClean="0"/>
+              <a:rPr lang="en-US" dirty="0"/>
+              <a:t> </a:t>
+            </a:r>
+            <a:r>
+              <a:rPr lang="en-US" dirty="0" err="1"/>
               <a:t>hình</a:t>
             </a:r>
             <a:endParaRPr lang="vi-VN" dirty="0"/>
@@ -40129,139 +39283,139 @@
           <a:p>
             <a:pPr lvl="0"/>
             <a:r>
-              <a:rPr lang="en-US" dirty="0" smtClean="0"/>
+              <a:rPr lang="en-US" dirty="0"/>
               <a:t>Các </a:t>
             </a:r>
             <a:r>
-              <a:rPr lang="en-US" dirty="0" err="1" smtClean="0"/>
+              <a:rPr lang="en-US" dirty="0" err="1"/>
               <a:t>tính</a:t>
             </a:r>
             <a:r>
-              <a:rPr lang="en-US" dirty="0" smtClean="0"/>
-              <a:t> </a:t>
-            </a:r>
-            <a:r>
-              <a:rPr lang="en-US" dirty="0" err="1" smtClean="0"/>
+              <a:rPr lang="en-US" dirty="0"/>
+              <a:t> </a:t>
+            </a:r>
+            <a:r>
+              <a:rPr lang="en-US" dirty="0" err="1"/>
               <a:t>chất</a:t>
             </a:r>
             <a:r>
-              <a:rPr lang="en-US" dirty="0" smtClean="0"/>
-              <a:t> </a:t>
-            </a:r>
-            <a:r>
-              <a:rPr lang="en-US" dirty="0" err="1" smtClean="0"/>
+              <a:rPr lang="en-US" dirty="0"/>
+              <a:t> </a:t>
+            </a:r>
+            <a:r>
+              <a:rPr lang="en-US" dirty="0" err="1"/>
               <a:t>của</a:t>
             </a:r>
             <a:r>
-              <a:rPr lang="en-US" dirty="0" smtClean="0"/>
-              <a:t> </a:t>
-            </a:r>
-            <a:r>
-              <a:rPr lang="en-US" dirty="0" err="1" smtClean="0"/>
+              <a:rPr lang="en-US" dirty="0"/>
+              <a:t> </a:t>
+            </a:r>
+            <a:r>
+              <a:rPr lang="en-US" dirty="0" err="1"/>
               <a:t>đa</a:t>
             </a:r>
             <a:r>
-              <a:rPr lang="en-US" dirty="0" smtClean="0"/>
-              <a:t> </a:t>
-            </a:r>
-            <a:r>
-              <a:rPr lang="en-US" dirty="0" err="1" smtClean="0"/>
+              <a:rPr lang="en-US" dirty="0"/>
+              <a:t> </a:t>
+            </a:r>
+            <a:r>
+              <a:rPr lang="en-US" dirty="0" err="1"/>
               <a:t>hình</a:t>
             </a:r>
-            <a:endParaRPr lang="en-US" dirty="0" smtClean="0"/>
+            <a:endParaRPr lang="en-US" dirty="0"/>
           </a:p>
           <a:p>
             <a:pPr lvl="0"/>
             <a:r>
-              <a:rPr lang="en-US" dirty="0" err="1" smtClean="0"/>
+              <a:rPr lang="en-US" dirty="0" err="1"/>
               <a:t>Đa</a:t>
             </a:r>
             <a:r>
-              <a:rPr lang="en-US" dirty="0" smtClean="0"/>
-              <a:t> </a:t>
-            </a:r>
-            <a:r>
-              <a:rPr lang="en-US" dirty="0" err="1" smtClean="0"/>
+              <a:rPr lang="en-US" dirty="0"/>
+              <a:t> </a:t>
+            </a:r>
+            <a:r>
+              <a:rPr lang="en-US" dirty="0" err="1"/>
               <a:t>hình</a:t>
             </a:r>
             <a:r>
-              <a:rPr lang="en-US" dirty="0" smtClean="0"/>
-              <a:t> </a:t>
-            </a:r>
-            <a:r>
-              <a:rPr lang="en-US" dirty="0" err="1" smtClean="0"/>
+              <a:rPr lang="en-US" dirty="0"/>
+              <a:t> </a:t>
+            </a:r>
+            <a:r>
+              <a:rPr lang="en-US" dirty="0" err="1"/>
               <a:t>và</a:t>
             </a:r>
             <a:r>
-              <a:rPr lang="en-US" dirty="0" smtClean="0"/>
-              <a:t> </a:t>
-            </a:r>
-            <a:r>
-              <a:rPr lang="en-US" dirty="0" err="1" smtClean="0"/>
+              <a:rPr lang="en-US" dirty="0"/>
+              <a:t> </a:t>
+            </a:r>
+            <a:r>
+              <a:rPr lang="en-US" dirty="0" err="1"/>
               <a:t>giao</a:t>
             </a:r>
             <a:r>
-              <a:rPr lang="en-US" dirty="0" smtClean="0"/>
-              <a:t> </a:t>
-            </a:r>
-            <a:r>
-              <a:rPr lang="en-US" dirty="0" err="1" smtClean="0"/>
+              <a:rPr lang="en-US" dirty="0"/>
+              <a:t> </a:t>
+            </a:r>
+            <a:r>
+              <a:rPr lang="en-US" dirty="0" err="1"/>
               <a:t>diện</a:t>
             </a:r>
-            <a:endParaRPr lang="en-US" dirty="0" smtClean="0"/>
+            <a:endParaRPr lang="en-US" dirty="0"/>
           </a:p>
           <a:p>
             <a:pPr lvl="0"/>
             <a:r>
-              <a:rPr lang="en-US" dirty="0" err="1" smtClean="0"/>
+              <a:rPr lang="en-US" dirty="0" err="1"/>
               <a:t>Ưu</a:t>
             </a:r>
             <a:r>
-              <a:rPr lang="en-US" dirty="0" smtClean="0"/>
-              <a:t> </a:t>
-            </a:r>
-            <a:r>
-              <a:rPr lang="en-US" dirty="0" err="1" smtClean="0"/>
+              <a:rPr lang="en-US" dirty="0"/>
+              <a:t> </a:t>
+            </a:r>
+            <a:r>
+              <a:rPr lang="en-US" dirty="0" err="1"/>
               <a:t>và</a:t>
             </a:r>
             <a:r>
-              <a:rPr lang="en-US" dirty="0" smtClean="0"/>
-              <a:t> </a:t>
-            </a:r>
-            <a:r>
-              <a:rPr lang="en-US" dirty="0" err="1" smtClean="0"/>
+              <a:rPr lang="en-US" dirty="0"/>
+              <a:t> </a:t>
+            </a:r>
+            <a:r>
+              <a:rPr lang="en-US" dirty="0" err="1"/>
               <a:t>nhược</a:t>
             </a:r>
             <a:r>
-              <a:rPr lang="en-US" dirty="0" smtClean="0"/>
-              <a:t> </a:t>
-            </a:r>
-            <a:r>
-              <a:rPr lang="en-US" dirty="0" err="1" smtClean="0"/>
+              <a:rPr lang="en-US" dirty="0"/>
+              <a:t> </a:t>
+            </a:r>
+            <a:r>
+              <a:rPr lang="en-US" dirty="0" err="1"/>
               <a:t>điểm</a:t>
             </a:r>
             <a:r>
-              <a:rPr lang="en-US" dirty="0" smtClean="0"/>
-              <a:t> </a:t>
-            </a:r>
-            <a:r>
-              <a:rPr lang="en-US" dirty="0" err="1" smtClean="0"/>
+              <a:rPr lang="en-US" dirty="0"/>
+              <a:t> </a:t>
+            </a:r>
+            <a:r>
+              <a:rPr lang="en-US" dirty="0" err="1"/>
               <a:t>của</a:t>
             </a:r>
             <a:r>
-              <a:rPr lang="en-US" dirty="0" smtClean="0"/>
-              <a:t> </a:t>
-            </a:r>
-            <a:r>
-              <a:rPr lang="en-US" dirty="0" err="1" smtClean="0"/>
+              <a:rPr lang="en-US" dirty="0"/>
+              <a:t> </a:t>
+            </a:r>
+            <a:r>
+              <a:rPr lang="en-US" dirty="0" err="1"/>
               <a:t>đa</a:t>
             </a:r>
             <a:r>
-              <a:rPr lang="en-US" dirty="0" smtClean="0"/>
-              <a:t> </a:t>
-            </a:r>
-            <a:r>
-              <a:rPr lang="en-US" dirty="0" err="1" smtClean="0"/>
+              <a:rPr lang="en-US" dirty="0"/>
+              <a:t> </a:t>
+            </a:r>
+            <a:r>
+              <a:rPr lang="en-US" dirty="0" err="1"/>
               <a:t>hình</a:t>
             </a:r>
             <a:endParaRPr lang="vi-VN" dirty="0"/>
@@ -40273,13 +39427,110 @@
   <p:clrMapOvr>
     <a:masterClrMapping/>
   </p:clrMapOvr>
-  <p:timing>
-    <p:tnLst>
-      <p:par>
-        <p:cTn id="1" dur="indefinite" restart="never" nodeType="tmRoot"/>
-      </p:par>
-    </p:tnLst>
-  </p:timing>
+</p:sld>
+</file>
+
+<file path=ppt/slides/slide53.xml><?xml version="1.0" encoding="utf-8"?>
+<p:sld xmlns:a="http://schemas.openxmlformats.org/drawingml/2006/main" xmlns:r="http://schemas.openxmlformats.org/officeDocument/2006/relationships" xmlns:p="http://schemas.openxmlformats.org/presentationml/2006/main">
+  <p:cSld>
+    <p:spTree>
+      <p:nvGrpSpPr>
+        <p:cNvPr id="1" name=""/>
+        <p:cNvGrpSpPr/>
+        <p:nvPr/>
+      </p:nvGrpSpPr>
+      <p:grpSpPr>
+        <a:xfrm>
+          <a:off x="0" y="0"/>
+          <a:ext cx="0" cy="0"/>
+          <a:chOff x="0" y="0"/>
+          <a:chExt cx="0" cy="0"/>
+        </a:xfrm>
+      </p:grpSpPr>
+      <p:sp>
+        <p:nvSpPr>
+          <p:cNvPr id="2" name="Title 1">
+            <a:extLst>
+              <a:ext uri="{FF2B5EF4-FFF2-40B4-BE49-F238E27FC236}">
+                <a16:creationId xmlns:a16="http://schemas.microsoft.com/office/drawing/2014/main" id="{CF6D12E1-FBF4-CDF1-B80D-910C581441FA}"/>
+              </a:ext>
+            </a:extLst>
+          </p:cNvPr>
+          <p:cNvSpPr>
+            <a:spLocks noGrp="1"/>
+          </p:cNvSpPr>
+          <p:nvPr>
+            <p:ph type="title"/>
+          </p:nvPr>
+        </p:nvSpPr>
+        <p:spPr/>
+        <p:txBody>
+          <a:bodyPr>
+            <a:normAutofit fontScale="90000"/>
+          </a:bodyPr>
+          <a:lstStyle/>
+          <a:p>
+            <a:endParaRPr lang="en-US"/>
+          </a:p>
+        </p:txBody>
+      </p:sp>
+      <p:pic>
+        <p:nvPicPr>
+          <p:cNvPr id="2050" name="Picture 2">
+            <a:extLst>
+              <a:ext uri="{FF2B5EF4-FFF2-40B4-BE49-F238E27FC236}">
+                <a16:creationId xmlns:a16="http://schemas.microsoft.com/office/drawing/2014/main" id="{DEF02AC6-78FC-B7BC-B1CC-891990A6FE59}"/>
+              </a:ext>
+            </a:extLst>
+          </p:cNvPr>
+          <p:cNvPicPr>
+            <a:picLocks noChangeAspect="1" noChangeArrowheads="1"/>
+          </p:cNvPicPr>
+          <p:nvPr/>
+        </p:nvPicPr>
+        <p:blipFill>
+          <a:blip r:embed="rId2">
+            <a:extLst>
+              <a:ext uri="{28A0092B-C50C-407E-A947-70E740481C1C}">
+                <a14:useLocalDpi xmlns:a14="http://schemas.microsoft.com/office/drawing/2010/main" val="0"/>
+              </a:ext>
+            </a:extLst>
+          </a:blip>
+          <a:srcRect/>
+          <a:stretch>
+            <a:fillRect/>
+          </a:stretch>
+        </p:blipFill>
+        <p:spPr bwMode="auto">
+          <a:xfrm>
+            <a:off x="0" y="0"/>
+            <a:ext cx="9144000" cy="5143500"/>
+          </a:xfrm>
+          <a:prstGeom prst="rect">
+            <a:avLst/>
+          </a:prstGeom>
+          <a:noFill/>
+          <a:extLst>
+            <a:ext uri="{909E8E84-426E-40DD-AFC4-6F175D3DCCD1}">
+              <a14:hiddenFill xmlns:a14="http://schemas.microsoft.com/office/drawing/2010/main">
+                <a:solidFill>
+                  <a:srgbClr val="FFFFFF"/>
+                </a:solidFill>
+              </a14:hiddenFill>
+            </a:ext>
+          </a:extLst>
+        </p:spPr>
+      </p:pic>
+    </p:spTree>
+    <p:extLst>
+      <p:ext uri="{BB962C8B-B14F-4D97-AF65-F5344CB8AC3E}">
+        <p14:creationId xmlns:p14="http://schemas.microsoft.com/office/powerpoint/2010/main" val="1171021255"/>
+      </p:ext>
+    </p:extLst>
+  </p:cSld>
+  <p:clrMapOvr>
+    <a:masterClrMapping/>
+  </p:clrMapOvr>
 </p:sld>
 </file>
 
@@ -40317,7 +39568,7 @@
           </a:xfrm>
           <a:extLst>
             <a:ext uri="{FAA26D3D-D897-4be2-8F04-BA451C77F1D7}">
-              <ma14:placeholderFlag xmlns:ma14="http://schemas.microsoft.com/office/mac/drawingml/2011/main" xmlns="" val="1"/>
+              <ma14:placeholderFlag xmlns="" xmlns:ma14="http://schemas.microsoft.com/office/mac/drawingml/2011/main" val="1"/>
             </a:ext>
           </a:extLst>
         </p:spPr>
@@ -40328,26 +39579,25 @@
           <a:lstStyle/>
           <a:p>
             <a:r>
-              <a:rPr lang="en-US" altLang="en-US" sz="2400" dirty="0" smtClean="0"/>
+              <a:rPr lang="en-US" altLang="en-US" sz="2400" dirty="0"/>
               <a:t>CÁCH </a:t>
             </a:r>
             <a:r>
-              <a:rPr lang="en-US" altLang="en-US" sz="2400" dirty="0" err="1" smtClean="0"/>
+              <a:rPr lang="en-US" altLang="en-US" sz="2400" dirty="0" err="1"/>
               <a:t>XÂY</a:t>
             </a:r>
             <a:r>
-              <a:rPr lang="en-US" altLang="en-US" sz="2400" dirty="0" smtClean="0"/>
-              <a:t> </a:t>
-            </a:r>
-            <a:r>
-              <a:rPr lang="en-US" altLang="en-US" sz="2400" dirty="0" err="1" smtClean="0"/>
+              <a:rPr lang="en-US" altLang="en-US" sz="2400" dirty="0"/>
+              <a:t> </a:t>
+            </a:r>
+            <a:r>
+              <a:rPr lang="en-US" altLang="en-US" sz="2400" dirty="0" err="1"/>
               <a:t>DỰNG</a:t>
             </a:r>
             <a:r>
-              <a:rPr lang="en-US" altLang="en-US" sz="2400" dirty="0" smtClean="0"/>
-              <a:t> </a:t>
-            </a:r>
-            <a:endParaRPr lang="en-US" altLang="en-US" sz="2400" dirty="0"/>
+              <a:rPr lang="en-US" altLang="en-US" sz="2400" dirty="0"/>
+              <a:t> </a:t>
+            </a:r>
           </a:p>
         </p:txBody>
       </p:sp>
@@ -40440,27 +39690,8 @@
                 <a:ea typeface="Times New Roman" panose="02020603050405020304" pitchFamily="18" charset="0"/>
                 <a:cs typeface="Times New Roman" panose="02020603050405020304" pitchFamily="18" charset="0"/>
               </a:rPr>
-              <a:t>- Thay đổi thứ tự tham số của phương </a:t>
-            </a:r>
-            <a:r>
-              <a:rPr lang="vi-VN" sz="1800" dirty="0" smtClean="0">
-                <a:solidFill>
-                  <a:srgbClr val="343A40"/>
-                </a:solidFill>
-                <a:latin typeface="Segoe UI" panose="020B0502040204020203" pitchFamily="34" charset="0"/>
-                <a:ea typeface="Times New Roman" panose="02020603050405020304" pitchFamily="18" charset="0"/>
-                <a:cs typeface="Times New Roman" panose="02020603050405020304" pitchFamily="18" charset="0"/>
-              </a:rPr>
-              <a:t>thức</a:t>
-            </a:r>
-            <a:endParaRPr lang="vi-VN" sz="1800" dirty="0">
-              <a:solidFill>
-                <a:srgbClr val="343A40"/>
-              </a:solidFill>
-              <a:latin typeface="Segoe UI" panose="020B0502040204020203" pitchFamily="34" charset="0"/>
-              <a:ea typeface="Times New Roman" panose="02020603050405020304" pitchFamily="18" charset="0"/>
-              <a:cs typeface="Times New Roman" panose="02020603050405020304" pitchFamily="18" charset="0"/>
-            </a:endParaRPr>
+              <a:t>- Thay đổi thứ tự tham số của phương thức</a:t>
+            </a:r>
           </a:p>
         </p:txBody>
       </p:sp>
@@ -40474,13 +39705,6 @@
   <p:clrMapOvr>
     <a:masterClrMapping/>
   </p:clrMapOvr>
-  <p:timing>
-    <p:tnLst>
-      <p:par>
-        <p:cTn id="1" dur="indefinite" restart="never" nodeType="tmRoot"/>
-      </p:par>
-    </p:tnLst>
-  </p:timing>
 </p:sld>
 </file>
 
@@ -40518,7 +39742,7 @@
           </a:xfrm>
           <a:extLst>
             <a:ext uri="{FAA26D3D-D897-4be2-8F04-BA451C77F1D7}">
-              <ma14:placeholderFlag xmlns:ma14="http://schemas.microsoft.com/office/mac/drawingml/2011/main" xmlns="" val="1"/>
+              <ma14:placeholderFlag xmlns="" xmlns:ma14="http://schemas.microsoft.com/office/mac/drawingml/2011/main" val="1"/>
             </a:ext>
           </a:extLst>
         </p:spPr>
@@ -40529,10 +39753,9 @@
           <a:lstStyle/>
           <a:p>
             <a:r>
-              <a:rPr lang="vi-VN" altLang="en-US" sz="2400" dirty="0" smtClean="0"/>
+              <a:rPr lang="vi-VN" altLang="en-US" sz="2400" dirty="0"/>
               <a:t>THAY ĐỔI SỐ LƯỢNG THAM SỐ</a:t>
             </a:r>
-            <a:endParaRPr lang="vi-VN" altLang="en-US" sz="2400" dirty="0"/>
           </a:p>
         </p:txBody>
       </p:sp>
@@ -40644,13 +39867,6 @@
   <p:clrMapOvr>
     <a:masterClrMapping/>
   </p:clrMapOvr>
-  <p:timing>
-    <p:tnLst>
-      <p:par>
-        <p:cTn id="1" dur="indefinite" restart="never" nodeType="tmRoot"/>
-      </p:par>
-    </p:tnLst>
-  </p:timing>
 </p:sld>
 </file>
 
@@ -40688,7 +39904,7 @@
           </a:xfrm>
           <a:extLst>
             <a:ext uri="{FAA26D3D-D897-4be2-8F04-BA451C77F1D7}">
-              <ma14:placeholderFlag xmlns:ma14="http://schemas.microsoft.com/office/mac/drawingml/2011/main" xmlns="" val="1"/>
+              <ma14:placeholderFlag xmlns="" xmlns:ma14="http://schemas.microsoft.com/office/mac/drawingml/2011/main" val="1"/>
             </a:ext>
           </a:extLst>
         </p:spPr>
@@ -40699,10 +39915,9 @@
           <a:lstStyle/>
           <a:p>
             <a:r>
-              <a:rPr lang="vi-VN" altLang="en-US" sz="2400" dirty="0" smtClean="0"/>
+              <a:rPr lang="vi-VN" altLang="en-US" sz="2400" dirty="0"/>
               <a:t>THAY ĐỔI KIỂU DỮ LIỆU CỦA CÁC THAM SỐ</a:t>
             </a:r>
-            <a:endParaRPr lang="vi-VN" altLang="en-US" sz="2400" dirty="0"/>
           </a:p>
         </p:txBody>
       </p:sp>
@@ -40814,13 +40029,6 @@
   <p:clrMapOvr>
     <a:masterClrMapping/>
   </p:clrMapOvr>
-  <p:timing>
-    <p:tnLst>
-      <p:par>
-        <p:cTn id="1" dur="indefinite" restart="never" nodeType="tmRoot"/>
-      </p:par>
-    </p:tnLst>
-  </p:timing>
 </p:sld>
 </file>
 
@@ -40858,7 +40066,7 @@
           </a:xfrm>
           <a:extLst>
             <a:ext uri="{FAA26D3D-D897-4be2-8F04-BA451C77F1D7}">
-              <ma14:placeholderFlag xmlns:ma14="http://schemas.microsoft.com/office/mac/drawingml/2011/main" xmlns="" val="1"/>
+              <ma14:placeholderFlag xmlns="" xmlns:ma14="http://schemas.microsoft.com/office/mac/drawingml/2011/main" val="1"/>
             </a:ext>
           </a:extLst>
         </p:spPr>
@@ -40869,10 +40077,9 @@
           <a:lstStyle/>
           <a:p>
             <a:r>
-              <a:rPr lang="vi-VN" altLang="en-US" sz="2000" dirty="0" smtClean="0"/>
+              <a:rPr lang="vi-VN" altLang="en-US" sz="2000" dirty="0"/>
               <a:t>THAY ĐỔI THỨ TỰ THAM SỐ CỦA PHƯƠNG THỨC</a:t>
             </a:r>
-            <a:endParaRPr lang="vi-VN" altLang="en-US" sz="2000" dirty="0"/>
           </a:p>
         </p:txBody>
       </p:sp>
@@ -40984,13 +40191,6 @@
   <p:clrMapOvr>
     <a:masterClrMapping/>
   </p:clrMapOvr>
-  <p:timing>
-    <p:tnLst>
-      <p:par>
-        <p:cTn id="1" dur="indefinite" restart="never" nodeType="tmRoot"/>
-      </p:par>
-    </p:tnLst>
-  </p:timing>
 </p:sld>
 </file>
 
